--- a/lezioni/PASW06 - strutture lineari.pptx
+++ b/lezioni/PASW06 - strutture lineari.pptx
@@ -255,7 +255,7 @@
           <a:p>
             <a:fld id="{537EE30C-6FCC-4D68-889C-61DBBB4BBB87}" type="datetimeFigureOut">
               <a:rPr lang="it-IT" smtClean="0"/>
-              <a:t>23/03/2018</a:t>
+              <a:t>24/03/2018</a:t>
             </a:fld>
             <a:endParaRPr lang="it-IT"/>
           </a:p>
@@ -9644,8 +9644,8 @@
               <a:t>si dice lista una </a:t>
             </a:r>
             <a:r>
-              <a:rPr lang="it-IT" b="1" i="1" dirty="0" err="1"/>
-              <a:t>tupla</a:t>
+              <a:rPr lang="it-IT" b="1" i="1" dirty="0"/>
+              <a:t>tripla</a:t>
             </a:r>
             <a:r>
               <a:rPr lang="it-IT" dirty="0"/>

--- a/lezioni/PASW06 - strutture lineari.pptx
+++ b/lezioni/PASW06 - strutture lineari.pptx
@@ -5,7 +5,7 @@
     <p:sldMasterId id="2147483649" r:id="rId1"/>
   </p:sldMasterIdLst>
   <p:notesMasterIdLst>
-    <p:notesMasterId r:id="rId20"/>
+    <p:notesMasterId r:id="rId26"/>
   </p:notesMasterIdLst>
   <p:sldIdLst>
     <p:sldId id="258" r:id="rId2"/>
@@ -26,6 +26,12 @@
     <p:sldId id="273" r:id="rId17"/>
     <p:sldId id="275" r:id="rId18"/>
     <p:sldId id="274" r:id="rId19"/>
+    <p:sldId id="276" r:id="rId20"/>
+    <p:sldId id="277" r:id="rId21"/>
+    <p:sldId id="278" r:id="rId22"/>
+    <p:sldId id="279" r:id="rId23"/>
+    <p:sldId id="280" r:id="rId24"/>
+    <p:sldId id="281" r:id="rId25"/>
   </p:sldIdLst>
   <p:sldSz cx="12192000" cy="6858000"/>
   <p:notesSz cx="6858000" cy="9144000"/>
@@ -255,7 +261,7 @@
           <a:p>
             <a:fld id="{537EE30C-6FCC-4D68-889C-61DBBB4BBB87}" type="datetimeFigureOut">
               <a:rPr lang="it-IT" smtClean="0"/>
-              <a:t>24/03/2018</a:t>
+              <a:t>01/04/2018</a:t>
             </a:fld>
             <a:endParaRPr lang="it-IT"/>
           </a:p>
@@ -9244,6 +9250,128 @@
 </p:sld>
 </file>
 
+<file path=ppt/slides/slide19.xml><?xml version="1.0" encoding="utf-8"?>
+<p:sld xmlns:a="http://schemas.openxmlformats.org/drawingml/2006/main" xmlns:r="http://schemas.openxmlformats.org/officeDocument/2006/relationships" xmlns:p="http://schemas.openxmlformats.org/presentationml/2006/main">
+  <p:cSld>
+    <p:spTree>
+      <p:nvGrpSpPr>
+        <p:cNvPr id="1" name=""/>
+        <p:cNvGrpSpPr/>
+        <p:nvPr/>
+      </p:nvGrpSpPr>
+      <p:grpSpPr>
+        <a:xfrm>
+          <a:off x="0" y="0"/>
+          <a:ext cx="0" cy="0"/>
+          <a:chOff x="0" y="0"/>
+          <a:chExt cx="0" cy="0"/>
+        </a:xfrm>
+      </p:grpSpPr>
+      <p:sp>
+        <p:nvSpPr>
+          <p:cNvPr id="6" name="Titolo 5">
+            <a:extLst>
+              <a:ext uri="{FF2B5EF4-FFF2-40B4-BE49-F238E27FC236}">
+                <a16:creationId xmlns:a16="http://schemas.microsoft.com/office/drawing/2014/main" id="{FD2E95F2-4A6B-4E9D-AB84-7D18427C60ED}"/>
+              </a:ext>
+            </a:extLst>
+          </p:cNvPr>
+          <p:cNvSpPr>
+            <a:spLocks noGrp="1"/>
+          </p:cNvSpPr>
+          <p:nvPr>
+            <p:ph type="title"/>
+          </p:nvPr>
+        </p:nvSpPr>
+        <p:spPr/>
+        <p:txBody>
+          <a:bodyPr/>
+          <a:lstStyle/>
+          <a:p>
+            <a:r>
+              <a:rPr lang="it-IT" cap="none" dirty="0" err="1"/>
+              <a:t>overloading</a:t>
+            </a:r>
+            <a:r>
+              <a:rPr lang="it-IT" cap="none" dirty="0"/>
+              <a:t> degli operatori</a:t>
+            </a:r>
+          </a:p>
+        </p:txBody>
+      </p:sp>
+      <p:sp>
+        <p:nvSpPr>
+          <p:cNvPr id="7" name="Segnaposto testo 6">
+            <a:extLst>
+              <a:ext uri="{FF2B5EF4-FFF2-40B4-BE49-F238E27FC236}">
+                <a16:creationId xmlns:a16="http://schemas.microsoft.com/office/drawing/2014/main" id="{F30B12C9-FC06-4CD6-80F8-D74BA46E67C4}"/>
+              </a:ext>
+            </a:extLst>
+          </p:cNvPr>
+          <p:cNvSpPr>
+            <a:spLocks noGrp="1"/>
+          </p:cNvSpPr>
+          <p:nvPr>
+            <p:ph type="body" idx="1"/>
+          </p:nvPr>
+        </p:nvSpPr>
+        <p:spPr/>
+        <p:txBody>
+          <a:bodyPr/>
+          <a:lstStyle/>
+          <a:p>
+            <a:r>
+              <a:rPr lang="it-IT" dirty="0"/>
+              <a:t>C++</a:t>
+            </a:r>
+          </a:p>
+        </p:txBody>
+      </p:sp>
+      <p:sp>
+        <p:nvSpPr>
+          <p:cNvPr id="5" name="Segnaposto piè di pagina 4">
+            <a:extLst>
+              <a:ext uri="{FF2B5EF4-FFF2-40B4-BE49-F238E27FC236}">
+                <a16:creationId xmlns:a16="http://schemas.microsoft.com/office/drawing/2014/main" id="{4BFBA7C7-1C43-4F30-8ADE-C3602A900F71}"/>
+              </a:ext>
+            </a:extLst>
+          </p:cNvPr>
+          <p:cNvSpPr>
+            <a:spLocks noGrp="1"/>
+          </p:cNvSpPr>
+          <p:nvPr>
+            <p:ph type="ftr" sz="quarter" idx="11"/>
+          </p:nvPr>
+        </p:nvSpPr>
+        <p:spPr/>
+        <p:txBody>
+          <a:bodyPr/>
+          <a:lstStyle/>
+          <a:p>
+            <a:pPr>
+              <a:defRPr/>
+            </a:pPr>
+            <a:r>
+              <a:rPr lang="it-IT"/>
+              <a:t>Alberto Ferrari – Programmazione di applicazioni SW</a:t>
+            </a:r>
+            <a:endParaRPr lang="it-IT" dirty="0"/>
+          </a:p>
+        </p:txBody>
+      </p:sp>
+    </p:spTree>
+    <p:extLst>
+      <p:ext uri="{BB962C8B-B14F-4D97-AF65-F5344CB8AC3E}">
+        <p14:creationId xmlns:p14="http://schemas.microsoft.com/office/powerpoint/2010/main" val="3592782287"/>
+      </p:ext>
+    </p:extLst>
+  </p:cSld>
+  <p:clrMapOvr>
+    <a:masterClrMapping/>
+  </p:clrMapOvr>
+</p:sld>
+</file>
+
 <file path=ppt/slides/slide2.xml><?xml version="1.0" encoding="utf-8"?>
 <p:sld xmlns:a="http://schemas.openxmlformats.org/drawingml/2006/main" xmlns:r="http://schemas.openxmlformats.org/officeDocument/2006/relationships" xmlns:p="http://schemas.openxmlformats.org/presentationml/2006/main">
   <p:cSld>
@@ -9446,6 +9574,2029 @@
     <p:extLst>
       <p:ext uri="{BB962C8B-B14F-4D97-AF65-F5344CB8AC3E}">
         <p14:creationId xmlns:p14="http://schemas.microsoft.com/office/powerpoint/2010/main" val="2992104713"/>
+      </p:ext>
+    </p:extLst>
+  </p:cSld>
+  <p:clrMapOvr>
+    <a:masterClrMapping/>
+  </p:clrMapOvr>
+</p:sld>
+</file>
+
+<file path=ppt/slides/slide20.xml><?xml version="1.0" encoding="utf-8"?>
+<p:sld xmlns:a="http://schemas.openxmlformats.org/drawingml/2006/main" xmlns:r="http://schemas.openxmlformats.org/officeDocument/2006/relationships" xmlns:p="http://schemas.openxmlformats.org/presentationml/2006/main">
+  <p:cSld>
+    <p:spTree>
+      <p:nvGrpSpPr>
+        <p:cNvPr id="1" name=""/>
+        <p:cNvGrpSpPr/>
+        <p:nvPr/>
+      </p:nvGrpSpPr>
+      <p:grpSpPr>
+        <a:xfrm>
+          <a:off x="0" y="0"/>
+          <a:ext cx="0" cy="0"/>
+          <a:chOff x="0" y="0"/>
+          <a:chExt cx="0" cy="0"/>
+        </a:xfrm>
+      </p:grpSpPr>
+      <p:sp>
+        <p:nvSpPr>
+          <p:cNvPr id="5" name="Titolo 4">
+            <a:extLst>
+              <a:ext uri="{FF2B5EF4-FFF2-40B4-BE49-F238E27FC236}">
+                <a16:creationId xmlns:a16="http://schemas.microsoft.com/office/drawing/2014/main" id="{7024E0AD-5F65-4967-BB65-CA219EEE5177}"/>
+              </a:ext>
+            </a:extLst>
+          </p:cNvPr>
+          <p:cNvSpPr>
+            <a:spLocks noGrp="1"/>
+          </p:cNvSpPr>
+          <p:nvPr>
+            <p:ph type="title"/>
+          </p:nvPr>
+        </p:nvSpPr>
+        <p:spPr/>
+        <p:txBody>
+          <a:bodyPr/>
+          <a:lstStyle/>
+          <a:p>
+            <a:r>
+              <a:rPr lang="it-IT" dirty="0"/>
+              <a:t>operatori</a:t>
+            </a:r>
+          </a:p>
+        </p:txBody>
+      </p:sp>
+      <p:sp>
+        <p:nvSpPr>
+          <p:cNvPr id="6" name="Segnaposto contenuto 5">
+            <a:extLst>
+              <a:ext uri="{FF2B5EF4-FFF2-40B4-BE49-F238E27FC236}">
+                <a16:creationId xmlns:a16="http://schemas.microsoft.com/office/drawing/2014/main" id="{F73A46CF-6C59-4BA7-85E6-FEA1D8A761AB}"/>
+              </a:ext>
+            </a:extLst>
+          </p:cNvPr>
+          <p:cNvSpPr>
+            <a:spLocks noGrp="1"/>
+          </p:cNvSpPr>
+          <p:nvPr>
+            <p:ph idx="1"/>
+          </p:nvPr>
+        </p:nvSpPr>
+        <p:spPr/>
+        <p:txBody>
+          <a:bodyPr/>
+          <a:lstStyle/>
+          <a:p>
+            <a:r>
+              <a:rPr lang="it-IT" dirty="0"/>
+              <a:t>gli </a:t>
+            </a:r>
+            <a:r>
+              <a:rPr lang="it-IT" b="1" i="1" dirty="0"/>
+              <a:t>operatori</a:t>
+            </a:r>
+            <a:r>
+              <a:rPr lang="it-IT" dirty="0"/>
+              <a:t> + , - , == , &lt;&lt;, &gt;&gt; sono </a:t>
+            </a:r>
+            <a:r>
+              <a:rPr lang="it-IT" b="1" i="1" dirty="0"/>
+              <a:t>funzioni</a:t>
+            </a:r>
+            <a:r>
+              <a:rPr lang="it-IT" dirty="0"/>
+              <a:t> usate con una sintassi particolare</a:t>
+            </a:r>
+          </a:p>
+          <a:p>
+            <a:r>
+              <a:rPr lang="it-IT" dirty="0"/>
+              <a:t>C++ consente di </a:t>
+            </a:r>
+            <a:r>
+              <a:rPr lang="it-IT" b="1" i="1" dirty="0"/>
+              <a:t>sovraccaricare</a:t>
+            </a:r>
+            <a:r>
+              <a:rPr lang="it-IT" dirty="0"/>
+              <a:t> gli </a:t>
+            </a:r>
+            <a:r>
+              <a:rPr lang="it-IT" b="1" i="1" dirty="0"/>
+              <a:t>operatori</a:t>
+            </a:r>
+            <a:r>
+              <a:rPr lang="it-IT" dirty="0"/>
+              <a:t> facendo in modo che accettino argomenti di tipo classe</a:t>
+            </a:r>
+          </a:p>
+          <a:p>
+            <a:pPr lvl="1"/>
+            <a:r>
+              <a:rPr lang="it-IT" dirty="0"/>
+              <a:t>è una delle funzionalità tra le più apprezzate del linguaggio</a:t>
+            </a:r>
+          </a:p>
+          <a:p>
+            <a:pPr lvl="1"/>
+            <a:r>
+              <a:rPr lang="it-IT" dirty="0"/>
+              <a:t>rende il programma molto più chiaro rispetto a chiamate a funzione equivalenti</a:t>
+            </a:r>
+          </a:p>
+          <a:p>
+            <a:r>
+              <a:rPr lang="it-IT" dirty="0"/>
+              <a:t>l’oggetto più a sinistra deve essere </a:t>
+            </a:r>
+            <a:r>
+              <a:rPr lang="it-IT" b="1" i="1" dirty="0"/>
+              <a:t>membro</a:t>
+            </a:r>
+            <a:r>
+              <a:rPr lang="it-IT" dirty="0"/>
+              <a:t> della classe</a:t>
+            </a:r>
+          </a:p>
+          <a:p>
+            <a:r>
+              <a:rPr lang="it-IT" b="1" i="1" dirty="0"/>
+              <a:t>non sempre </a:t>
+            </a:r>
+            <a:r>
+              <a:rPr lang="it-IT" dirty="0"/>
+              <a:t>è possibile (es.: operatori </a:t>
+            </a:r>
+            <a:r>
+              <a:rPr lang="it-IT" b="1" i="1" dirty="0"/>
+              <a:t>&gt;&gt;</a:t>
+            </a:r>
+            <a:r>
+              <a:rPr lang="it-IT" dirty="0"/>
+              <a:t> e </a:t>
+            </a:r>
+            <a:r>
+              <a:rPr lang="it-IT" b="1" i="1" dirty="0"/>
+              <a:t>&lt;&lt;</a:t>
+            </a:r>
+            <a:r>
+              <a:rPr lang="it-IT" dirty="0"/>
+              <a:t>)</a:t>
+            </a:r>
+          </a:p>
+        </p:txBody>
+      </p:sp>
+      <p:sp>
+        <p:nvSpPr>
+          <p:cNvPr id="4" name="Segnaposto piè di pagina 3">
+            <a:extLst>
+              <a:ext uri="{FF2B5EF4-FFF2-40B4-BE49-F238E27FC236}">
+                <a16:creationId xmlns:a16="http://schemas.microsoft.com/office/drawing/2014/main" id="{BA7D4867-5CEF-4670-9B91-5AC4FE32EDFC}"/>
+              </a:ext>
+            </a:extLst>
+          </p:cNvPr>
+          <p:cNvSpPr>
+            <a:spLocks noGrp="1"/>
+          </p:cNvSpPr>
+          <p:nvPr>
+            <p:ph type="ftr" sz="quarter" idx="11"/>
+          </p:nvPr>
+        </p:nvSpPr>
+        <p:spPr/>
+        <p:txBody>
+          <a:bodyPr/>
+          <a:lstStyle/>
+          <a:p>
+            <a:pPr>
+              <a:defRPr/>
+            </a:pPr>
+            <a:r>
+              <a:rPr lang="it-IT"/>
+              <a:t>Alberto Ferrari – Programmazione di applicazioni SW</a:t>
+            </a:r>
+            <a:endParaRPr lang="it-IT" dirty="0"/>
+          </a:p>
+        </p:txBody>
+      </p:sp>
+    </p:spTree>
+    <p:extLst>
+      <p:ext uri="{BB962C8B-B14F-4D97-AF65-F5344CB8AC3E}">
+        <p14:creationId xmlns:p14="http://schemas.microsoft.com/office/powerpoint/2010/main" val="3754112224"/>
+      </p:ext>
+    </p:extLst>
+  </p:cSld>
+  <p:clrMapOvr>
+    <a:masterClrMapping/>
+  </p:clrMapOvr>
+</p:sld>
+</file>
+
+<file path=ppt/slides/slide21.xml><?xml version="1.0" encoding="utf-8"?>
+<p:sld xmlns:a="http://schemas.openxmlformats.org/drawingml/2006/main" xmlns:r="http://schemas.openxmlformats.org/officeDocument/2006/relationships" xmlns:p="http://schemas.openxmlformats.org/presentationml/2006/main">
+  <p:cSld>
+    <p:spTree>
+      <p:nvGrpSpPr>
+        <p:cNvPr id="1" name=""/>
+        <p:cNvGrpSpPr/>
+        <p:nvPr/>
+      </p:nvGrpSpPr>
+      <p:grpSpPr>
+        <a:xfrm>
+          <a:off x="0" y="0"/>
+          <a:ext cx="0" cy="0"/>
+          <a:chOff x="0" y="0"/>
+          <a:chExt cx="0" cy="0"/>
+        </a:xfrm>
+      </p:grpSpPr>
+      <p:sp>
+        <p:nvSpPr>
+          <p:cNvPr id="2" name="Titolo 1">
+            <a:extLst>
+              <a:ext uri="{FF2B5EF4-FFF2-40B4-BE49-F238E27FC236}">
+                <a16:creationId xmlns:a16="http://schemas.microsoft.com/office/drawing/2014/main" id="{2AB8D3D0-B287-4403-A9C0-8B8BCF1A9FBF}"/>
+              </a:ext>
+            </a:extLst>
+          </p:cNvPr>
+          <p:cNvSpPr>
+            <a:spLocks noGrp="1"/>
+          </p:cNvSpPr>
+          <p:nvPr>
+            <p:ph type="title"/>
+          </p:nvPr>
+        </p:nvSpPr>
+        <p:spPr/>
+        <p:txBody>
+          <a:bodyPr/>
+          <a:lstStyle/>
+          <a:p>
+            <a:r>
+              <a:rPr lang="it-IT" dirty="0"/>
+              <a:t>un esempio</a:t>
+            </a:r>
+          </a:p>
+        </p:txBody>
+      </p:sp>
+      <p:sp>
+        <p:nvSpPr>
+          <p:cNvPr id="5" name="Segnaposto contenuto 4">
+            <a:extLst>
+              <a:ext uri="{FF2B5EF4-FFF2-40B4-BE49-F238E27FC236}">
+                <a16:creationId xmlns:a16="http://schemas.microsoft.com/office/drawing/2014/main" id="{19AED7BD-8716-43B5-9918-8F905B3A569B}"/>
+              </a:ext>
+            </a:extLst>
+          </p:cNvPr>
+          <p:cNvSpPr>
+            <a:spLocks noGrp="1"/>
+          </p:cNvSpPr>
+          <p:nvPr>
+            <p:ph sz="half" idx="1"/>
+          </p:nvPr>
+        </p:nvSpPr>
+        <p:spPr/>
+        <p:txBody>
+          <a:bodyPr/>
+          <a:lstStyle/>
+          <a:p>
+            <a:pPr marL="0" indent="0">
+              <a:buNone/>
+            </a:pPr>
+            <a:r>
+              <a:rPr lang="it-IT" sz="1600" b="1" dirty="0">
+                <a:latin typeface="Courier New" panose="02070309020205020404" pitchFamily="49" charset="0"/>
+                <a:cs typeface="Courier New" panose="02070309020205020404" pitchFamily="49" charset="0"/>
+              </a:rPr>
+              <a:t>Lista </a:t>
+            </a:r>
+            <a:r>
+              <a:rPr lang="it-IT" sz="1600" b="1" dirty="0">
+                <a:solidFill>
+                  <a:srgbClr val="FF0000"/>
+                </a:solidFill>
+                <a:latin typeface="Courier New" panose="02070309020205020404" pitchFamily="49" charset="0"/>
+                <a:cs typeface="Courier New" panose="02070309020205020404" pitchFamily="49" charset="0"/>
+              </a:rPr>
+              <a:t>Lista::operator+(</a:t>
+            </a:r>
+            <a:r>
+              <a:rPr lang="it-IT" sz="1600" b="1" dirty="0">
+                <a:latin typeface="Courier New" panose="02070309020205020404" pitchFamily="49" charset="0"/>
+                <a:cs typeface="Courier New" panose="02070309020205020404" pitchFamily="49" charset="0"/>
+              </a:rPr>
+              <a:t>Lista </a:t>
+            </a:r>
+            <a:r>
+              <a:rPr lang="it-IT" sz="1600" b="1" dirty="0" err="1">
+                <a:latin typeface="Courier New" panose="02070309020205020404" pitchFamily="49" charset="0"/>
+                <a:cs typeface="Courier New" panose="02070309020205020404" pitchFamily="49" charset="0"/>
+              </a:rPr>
+              <a:t>tail</a:t>
+            </a:r>
+            <a:r>
+              <a:rPr lang="it-IT" sz="1600" b="1" dirty="0">
+                <a:latin typeface="Courier New" panose="02070309020205020404" pitchFamily="49" charset="0"/>
+                <a:cs typeface="Courier New" panose="02070309020205020404" pitchFamily="49" charset="0"/>
+              </a:rPr>
+              <a:t>) {</a:t>
+            </a:r>
+          </a:p>
+          <a:p>
+            <a:pPr marL="0" indent="0">
+              <a:buNone/>
+            </a:pPr>
+            <a:r>
+              <a:rPr lang="it-IT" sz="1600" b="1" dirty="0">
+                <a:latin typeface="Courier New" panose="02070309020205020404" pitchFamily="49" charset="0"/>
+                <a:cs typeface="Courier New" panose="02070309020205020404" pitchFamily="49" charset="0"/>
+              </a:rPr>
+              <a:t> Lista </a:t>
+            </a:r>
+            <a:r>
+              <a:rPr lang="it-IT" sz="1600" b="1" dirty="0" err="1">
+                <a:solidFill>
+                  <a:srgbClr val="FF0000"/>
+                </a:solidFill>
+                <a:latin typeface="Courier New" panose="02070309020205020404" pitchFamily="49" charset="0"/>
+                <a:cs typeface="Courier New" panose="02070309020205020404" pitchFamily="49" charset="0"/>
+              </a:rPr>
+              <a:t>newList</a:t>
+            </a:r>
+            <a:r>
+              <a:rPr lang="it-IT" sz="1600" b="1" dirty="0">
+                <a:latin typeface="Courier New" panose="02070309020205020404" pitchFamily="49" charset="0"/>
+                <a:cs typeface="Courier New" panose="02070309020205020404" pitchFamily="49" charset="0"/>
+              </a:rPr>
+              <a:t>;</a:t>
+            </a:r>
+          </a:p>
+          <a:p>
+            <a:pPr marL="0" indent="0">
+              <a:buNone/>
+            </a:pPr>
+            <a:r>
+              <a:rPr lang="it-IT" sz="1600" b="1" dirty="0">
+                <a:latin typeface="Courier New" panose="02070309020205020404" pitchFamily="49" charset="0"/>
+                <a:cs typeface="Courier New" panose="02070309020205020404" pitchFamily="49" charset="0"/>
+              </a:rPr>
+              <a:t> link </a:t>
+            </a:r>
+            <a:r>
+              <a:rPr lang="it-IT" sz="1600" b="1" dirty="0">
+                <a:solidFill>
+                  <a:srgbClr val="FF0000"/>
+                </a:solidFill>
+                <a:latin typeface="Courier New" panose="02070309020205020404" pitchFamily="49" charset="0"/>
+                <a:cs typeface="Courier New" panose="02070309020205020404" pitchFamily="49" charset="0"/>
+              </a:rPr>
+              <a:t>t = testa</a:t>
+            </a:r>
+            <a:r>
+              <a:rPr lang="it-IT" sz="1600" b="1" dirty="0">
+                <a:latin typeface="Courier New" panose="02070309020205020404" pitchFamily="49" charset="0"/>
+                <a:cs typeface="Courier New" panose="02070309020205020404" pitchFamily="49" charset="0"/>
+              </a:rPr>
+              <a:t>;</a:t>
+            </a:r>
+          </a:p>
+          <a:p>
+            <a:pPr marL="0" indent="0">
+              <a:buNone/>
+            </a:pPr>
+            <a:r>
+              <a:rPr lang="it-IT" sz="1600" b="1" dirty="0">
+                <a:latin typeface="Courier New" panose="02070309020205020404" pitchFamily="49" charset="0"/>
+                <a:cs typeface="Courier New" panose="02070309020205020404" pitchFamily="49" charset="0"/>
+              </a:rPr>
+              <a:t> </a:t>
+            </a:r>
+            <a:r>
+              <a:rPr lang="it-IT" sz="1600" b="1" dirty="0" err="1">
+                <a:latin typeface="Courier New" panose="02070309020205020404" pitchFamily="49" charset="0"/>
+                <a:cs typeface="Courier New" panose="02070309020205020404" pitchFamily="49" charset="0"/>
+              </a:rPr>
+              <a:t>while</a:t>
+            </a:r>
+            <a:r>
+              <a:rPr lang="it-IT" sz="1600" b="1" dirty="0">
+                <a:latin typeface="Courier New" panose="02070309020205020404" pitchFamily="49" charset="0"/>
+                <a:cs typeface="Courier New" panose="02070309020205020404" pitchFamily="49" charset="0"/>
+              </a:rPr>
+              <a:t> (t!=</a:t>
+            </a:r>
+            <a:r>
+              <a:rPr lang="it-IT" sz="1600" b="1" dirty="0" err="1">
+                <a:latin typeface="Courier New" panose="02070309020205020404" pitchFamily="49" charset="0"/>
+                <a:cs typeface="Courier New" panose="02070309020205020404" pitchFamily="49" charset="0"/>
+              </a:rPr>
+              <a:t>nullptr</a:t>
+            </a:r>
+            <a:r>
+              <a:rPr lang="it-IT" sz="1600" b="1" dirty="0">
+                <a:latin typeface="Courier New" panose="02070309020205020404" pitchFamily="49" charset="0"/>
+                <a:cs typeface="Courier New" panose="02070309020205020404" pitchFamily="49" charset="0"/>
+              </a:rPr>
+              <a:t>) {</a:t>
+            </a:r>
+          </a:p>
+          <a:p>
+            <a:pPr marL="0" indent="0">
+              <a:buNone/>
+            </a:pPr>
+            <a:r>
+              <a:rPr lang="it-IT" sz="1600" b="1" dirty="0">
+                <a:latin typeface="Courier New" panose="02070309020205020404" pitchFamily="49" charset="0"/>
+                <a:cs typeface="Courier New" panose="02070309020205020404" pitchFamily="49" charset="0"/>
+              </a:rPr>
+              <a:t>  </a:t>
+            </a:r>
+            <a:r>
+              <a:rPr lang="it-IT" sz="1600" b="1" dirty="0" err="1">
+                <a:solidFill>
+                  <a:srgbClr val="FF0000"/>
+                </a:solidFill>
+                <a:latin typeface="Courier New" panose="02070309020205020404" pitchFamily="49" charset="0"/>
+                <a:cs typeface="Courier New" panose="02070309020205020404" pitchFamily="49" charset="0"/>
+              </a:rPr>
+              <a:t>newList.insCoda</a:t>
+            </a:r>
+            <a:r>
+              <a:rPr lang="it-IT" sz="1600" b="1" dirty="0">
+                <a:latin typeface="Courier New" panose="02070309020205020404" pitchFamily="49" charset="0"/>
+                <a:cs typeface="Courier New" panose="02070309020205020404" pitchFamily="49" charset="0"/>
+              </a:rPr>
+              <a:t>(new Nodo(</a:t>
+            </a:r>
+            <a:r>
+              <a:rPr lang="it-IT" sz="1600" b="1" dirty="0">
+                <a:solidFill>
+                  <a:srgbClr val="FF0000"/>
+                </a:solidFill>
+                <a:latin typeface="Courier New" panose="02070309020205020404" pitchFamily="49" charset="0"/>
+                <a:cs typeface="Courier New" panose="02070309020205020404" pitchFamily="49" charset="0"/>
+              </a:rPr>
+              <a:t>t-&gt;</a:t>
+            </a:r>
+            <a:r>
+              <a:rPr lang="it-IT" sz="1600" b="1" dirty="0" err="1">
+                <a:solidFill>
+                  <a:srgbClr val="FF0000"/>
+                </a:solidFill>
+                <a:latin typeface="Courier New" panose="02070309020205020404" pitchFamily="49" charset="0"/>
+                <a:cs typeface="Courier New" panose="02070309020205020404" pitchFamily="49" charset="0"/>
+              </a:rPr>
+              <a:t>getInfo</a:t>
+            </a:r>
+            <a:r>
+              <a:rPr lang="it-IT" sz="1600" b="1" dirty="0">
+                <a:latin typeface="Courier New" panose="02070309020205020404" pitchFamily="49" charset="0"/>
+                <a:cs typeface="Courier New" panose="02070309020205020404" pitchFamily="49" charset="0"/>
+              </a:rPr>
+              <a:t>()));</a:t>
+            </a:r>
+          </a:p>
+          <a:p>
+            <a:pPr marL="0" indent="0">
+              <a:buNone/>
+            </a:pPr>
+            <a:r>
+              <a:rPr lang="it-IT" sz="1600" b="1" dirty="0">
+                <a:latin typeface="Courier New" panose="02070309020205020404" pitchFamily="49" charset="0"/>
+                <a:cs typeface="Courier New" panose="02070309020205020404" pitchFamily="49" charset="0"/>
+              </a:rPr>
+              <a:t>  t=t-&gt;</a:t>
+            </a:r>
+            <a:r>
+              <a:rPr lang="it-IT" sz="1600" b="1" dirty="0" err="1">
+                <a:latin typeface="Courier New" panose="02070309020205020404" pitchFamily="49" charset="0"/>
+                <a:cs typeface="Courier New" panose="02070309020205020404" pitchFamily="49" charset="0"/>
+              </a:rPr>
+              <a:t>getNext</a:t>
+            </a:r>
+            <a:r>
+              <a:rPr lang="it-IT" sz="1600" b="1" dirty="0">
+                <a:latin typeface="Courier New" panose="02070309020205020404" pitchFamily="49" charset="0"/>
+                <a:cs typeface="Courier New" panose="02070309020205020404" pitchFamily="49" charset="0"/>
+              </a:rPr>
+              <a:t>();</a:t>
+            </a:r>
+          </a:p>
+          <a:p>
+            <a:pPr marL="0" indent="0">
+              <a:buNone/>
+            </a:pPr>
+            <a:r>
+              <a:rPr lang="it-IT" sz="1600" b="1" dirty="0">
+                <a:latin typeface="Courier New" panose="02070309020205020404" pitchFamily="49" charset="0"/>
+                <a:cs typeface="Courier New" panose="02070309020205020404" pitchFamily="49" charset="0"/>
+              </a:rPr>
+              <a:t> }</a:t>
+            </a:r>
+          </a:p>
+          <a:p>
+            <a:pPr marL="0" indent="0">
+              <a:buNone/>
+            </a:pPr>
+            <a:r>
+              <a:rPr lang="it-IT" sz="1600" b="1" dirty="0">
+                <a:latin typeface="Courier New" panose="02070309020205020404" pitchFamily="49" charset="0"/>
+                <a:cs typeface="Courier New" panose="02070309020205020404" pitchFamily="49" charset="0"/>
+              </a:rPr>
+              <a:t> t=</a:t>
+            </a:r>
+            <a:r>
+              <a:rPr lang="it-IT" sz="1600" b="1" dirty="0" err="1">
+                <a:solidFill>
+                  <a:srgbClr val="FF0000"/>
+                </a:solidFill>
+                <a:latin typeface="Courier New" panose="02070309020205020404" pitchFamily="49" charset="0"/>
+                <a:cs typeface="Courier New" panose="02070309020205020404" pitchFamily="49" charset="0"/>
+              </a:rPr>
+              <a:t>tail.testa</a:t>
+            </a:r>
+            <a:r>
+              <a:rPr lang="it-IT" sz="1600" b="1" dirty="0">
+                <a:latin typeface="Courier New" panose="02070309020205020404" pitchFamily="49" charset="0"/>
+                <a:cs typeface="Courier New" panose="02070309020205020404" pitchFamily="49" charset="0"/>
+              </a:rPr>
+              <a:t>;</a:t>
+            </a:r>
+          </a:p>
+          <a:p>
+            <a:pPr marL="0" indent="0">
+              <a:buNone/>
+            </a:pPr>
+            <a:r>
+              <a:rPr lang="it-IT" sz="1600" b="1" dirty="0">
+                <a:latin typeface="Courier New" panose="02070309020205020404" pitchFamily="49" charset="0"/>
+                <a:cs typeface="Courier New" panose="02070309020205020404" pitchFamily="49" charset="0"/>
+              </a:rPr>
+              <a:t> </a:t>
+            </a:r>
+            <a:r>
+              <a:rPr lang="it-IT" sz="1600" b="1" dirty="0" err="1">
+                <a:latin typeface="Courier New" panose="02070309020205020404" pitchFamily="49" charset="0"/>
+                <a:cs typeface="Courier New" panose="02070309020205020404" pitchFamily="49" charset="0"/>
+              </a:rPr>
+              <a:t>while</a:t>
+            </a:r>
+            <a:r>
+              <a:rPr lang="it-IT" sz="1600" b="1" dirty="0">
+                <a:latin typeface="Courier New" panose="02070309020205020404" pitchFamily="49" charset="0"/>
+                <a:cs typeface="Courier New" panose="02070309020205020404" pitchFamily="49" charset="0"/>
+              </a:rPr>
+              <a:t> (t!=</a:t>
+            </a:r>
+            <a:r>
+              <a:rPr lang="it-IT" sz="1600" b="1" dirty="0" err="1">
+                <a:latin typeface="Courier New" panose="02070309020205020404" pitchFamily="49" charset="0"/>
+                <a:cs typeface="Courier New" panose="02070309020205020404" pitchFamily="49" charset="0"/>
+              </a:rPr>
+              <a:t>nullptr</a:t>
+            </a:r>
+            <a:r>
+              <a:rPr lang="it-IT" sz="1600" b="1" dirty="0">
+                <a:latin typeface="Courier New" panose="02070309020205020404" pitchFamily="49" charset="0"/>
+                <a:cs typeface="Courier New" panose="02070309020205020404" pitchFamily="49" charset="0"/>
+              </a:rPr>
+              <a:t>) {</a:t>
+            </a:r>
+          </a:p>
+          <a:p>
+            <a:pPr marL="0" indent="0">
+              <a:buNone/>
+            </a:pPr>
+            <a:r>
+              <a:rPr lang="it-IT" sz="1600" b="1" dirty="0">
+                <a:latin typeface="Courier New" panose="02070309020205020404" pitchFamily="49" charset="0"/>
+                <a:cs typeface="Courier New" panose="02070309020205020404" pitchFamily="49" charset="0"/>
+              </a:rPr>
+              <a:t>  </a:t>
+            </a:r>
+            <a:r>
+              <a:rPr lang="it-IT" sz="1600" b="1" dirty="0" err="1">
+                <a:latin typeface="Courier New" panose="02070309020205020404" pitchFamily="49" charset="0"/>
+                <a:cs typeface="Courier New" panose="02070309020205020404" pitchFamily="49" charset="0"/>
+              </a:rPr>
+              <a:t>newList.insCoda</a:t>
+            </a:r>
+            <a:r>
+              <a:rPr lang="it-IT" sz="1600" b="1" dirty="0">
+                <a:latin typeface="Courier New" panose="02070309020205020404" pitchFamily="49" charset="0"/>
+                <a:cs typeface="Courier New" panose="02070309020205020404" pitchFamily="49" charset="0"/>
+              </a:rPr>
+              <a:t>(new Nodo(t-&gt;</a:t>
+            </a:r>
+            <a:r>
+              <a:rPr lang="it-IT" sz="1600" b="1" dirty="0" err="1">
+                <a:latin typeface="Courier New" panose="02070309020205020404" pitchFamily="49" charset="0"/>
+                <a:cs typeface="Courier New" panose="02070309020205020404" pitchFamily="49" charset="0"/>
+              </a:rPr>
+              <a:t>getInfo</a:t>
+            </a:r>
+            <a:r>
+              <a:rPr lang="it-IT" sz="1600" b="1" dirty="0">
+                <a:latin typeface="Courier New" panose="02070309020205020404" pitchFamily="49" charset="0"/>
+                <a:cs typeface="Courier New" panose="02070309020205020404" pitchFamily="49" charset="0"/>
+              </a:rPr>
+              <a:t>()));</a:t>
+            </a:r>
+          </a:p>
+          <a:p>
+            <a:pPr marL="0" indent="0">
+              <a:buNone/>
+            </a:pPr>
+            <a:r>
+              <a:rPr lang="it-IT" sz="1600" b="1" dirty="0">
+                <a:latin typeface="Courier New" panose="02070309020205020404" pitchFamily="49" charset="0"/>
+                <a:cs typeface="Courier New" panose="02070309020205020404" pitchFamily="49" charset="0"/>
+              </a:rPr>
+              <a:t>  t=t-&gt;</a:t>
+            </a:r>
+            <a:r>
+              <a:rPr lang="it-IT" sz="1600" b="1" dirty="0" err="1">
+                <a:latin typeface="Courier New" panose="02070309020205020404" pitchFamily="49" charset="0"/>
+                <a:cs typeface="Courier New" panose="02070309020205020404" pitchFamily="49" charset="0"/>
+              </a:rPr>
+              <a:t>getNext</a:t>
+            </a:r>
+            <a:r>
+              <a:rPr lang="it-IT" sz="1600" b="1" dirty="0">
+                <a:latin typeface="Courier New" panose="02070309020205020404" pitchFamily="49" charset="0"/>
+                <a:cs typeface="Courier New" panose="02070309020205020404" pitchFamily="49" charset="0"/>
+              </a:rPr>
+              <a:t>();</a:t>
+            </a:r>
+          </a:p>
+          <a:p>
+            <a:pPr marL="0" indent="0">
+              <a:buNone/>
+            </a:pPr>
+            <a:r>
+              <a:rPr lang="it-IT" sz="1600" b="1" dirty="0">
+                <a:latin typeface="Courier New" panose="02070309020205020404" pitchFamily="49" charset="0"/>
+                <a:cs typeface="Courier New" panose="02070309020205020404" pitchFamily="49" charset="0"/>
+              </a:rPr>
+              <a:t> }</a:t>
+            </a:r>
+          </a:p>
+          <a:p>
+            <a:pPr marL="0" indent="0">
+              <a:buNone/>
+            </a:pPr>
+            <a:r>
+              <a:rPr lang="it-IT" sz="1600" b="1" dirty="0">
+                <a:latin typeface="Courier New" panose="02070309020205020404" pitchFamily="49" charset="0"/>
+                <a:cs typeface="Courier New" panose="02070309020205020404" pitchFamily="49" charset="0"/>
+              </a:rPr>
+              <a:t> </a:t>
+            </a:r>
+            <a:r>
+              <a:rPr lang="it-IT" sz="1600" b="1" dirty="0" err="1">
+                <a:latin typeface="Courier New" panose="02070309020205020404" pitchFamily="49" charset="0"/>
+                <a:cs typeface="Courier New" panose="02070309020205020404" pitchFamily="49" charset="0"/>
+              </a:rPr>
+              <a:t>return</a:t>
+            </a:r>
+            <a:r>
+              <a:rPr lang="it-IT" sz="1600" b="1" dirty="0">
+                <a:latin typeface="Courier New" panose="02070309020205020404" pitchFamily="49" charset="0"/>
+                <a:cs typeface="Courier New" panose="02070309020205020404" pitchFamily="49" charset="0"/>
+              </a:rPr>
+              <a:t> </a:t>
+            </a:r>
+            <a:r>
+              <a:rPr lang="it-IT" sz="1600" b="1" dirty="0" err="1">
+                <a:latin typeface="Courier New" panose="02070309020205020404" pitchFamily="49" charset="0"/>
+                <a:cs typeface="Courier New" panose="02070309020205020404" pitchFamily="49" charset="0"/>
+              </a:rPr>
+              <a:t>newList</a:t>
+            </a:r>
+            <a:r>
+              <a:rPr lang="it-IT" sz="1600" b="1" dirty="0">
+                <a:latin typeface="Courier New" panose="02070309020205020404" pitchFamily="49" charset="0"/>
+                <a:cs typeface="Courier New" panose="02070309020205020404" pitchFamily="49" charset="0"/>
+              </a:rPr>
+              <a:t>;</a:t>
+            </a:r>
+          </a:p>
+          <a:p>
+            <a:pPr marL="0" indent="0">
+              <a:buNone/>
+            </a:pPr>
+            <a:r>
+              <a:rPr lang="it-IT" sz="1600" b="1" dirty="0">
+                <a:latin typeface="Courier New" panose="02070309020205020404" pitchFamily="49" charset="0"/>
+                <a:cs typeface="Courier New" panose="02070309020205020404" pitchFamily="49" charset="0"/>
+              </a:rPr>
+              <a:t>}</a:t>
+            </a:r>
+          </a:p>
+        </p:txBody>
+      </p:sp>
+      <p:sp>
+        <p:nvSpPr>
+          <p:cNvPr id="6" name="Segnaposto contenuto 5">
+            <a:extLst>
+              <a:ext uri="{FF2B5EF4-FFF2-40B4-BE49-F238E27FC236}">
+                <a16:creationId xmlns:a16="http://schemas.microsoft.com/office/drawing/2014/main" id="{2E9CF0E7-5193-4953-AC1B-18ED7D281F54}"/>
+              </a:ext>
+            </a:extLst>
+          </p:cNvPr>
+          <p:cNvSpPr>
+            <a:spLocks noGrp="1"/>
+          </p:cNvSpPr>
+          <p:nvPr>
+            <p:ph sz="half" idx="2"/>
+          </p:nvPr>
+        </p:nvSpPr>
+        <p:spPr/>
+        <p:txBody>
+          <a:bodyPr/>
+          <a:lstStyle/>
+          <a:p>
+            <a:r>
+              <a:rPr lang="it-IT" sz="2000" b="1" i="1" dirty="0"/>
+              <a:t>concatenazione</a:t>
+            </a:r>
+            <a:r>
+              <a:rPr lang="it-IT" sz="2000" dirty="0"/>
+              <a:t> fra liste</a:t>
+            </a:r>
+          </a:p>
+          <a:p>
+            <a:r>
+              <a:rPr lang="it-IT" sz="2000" dirty="0"/>
+              <a:t>viene restituita una </a:t>
+            </a:r>
+            <a:r>
+              <a:rPr lang="it-IT" sz="2000" b="1" i="1" dirty="0"/>
+              <a:t>nuova lista </a:t>
+            </a:r>
+            <a:r>
+              <a:rPr lang="it-IT" sz="2000" dirty="0"/>
+              <a:t>che contiene le </a:t>
+            </a:r>
+            <a:r>
+              <a:rPr lang="it-IT" sz="2000" b="1" i="1" dirty="0"/>
+              <a:t>informazioni</a:t>
+            </a:r>
+            <a:r>
+              <a:rPr lang="it-IT" sz="2000" dirty="0"/>
+              <a:t> presenti nella </a:t>
+            </a:r>
+            <a:r>
+              <a:rPr lang="it-IT" sz="2000" b="1" i="1" dirty="0"/>
+              <a:t>lista attuale</a:t>
+            </a:r>
+            <a:r>
+              <a:rPr lang="it-IT" sz="2000" dirty="0"/>
+              <a:t> seguite da quelle presenti nella lista </a:t>
+            </a:r>
+            <a:r>
+              <a:rPr lang="it-IT" sz="2000" b="1" i="1" dirty="0" err="1"/>
+              <a:t>tail</a:t>
+            </a:r>
+            <a:r>
+              <a:rPr lang="it-IT" sz="2000" dirty="0"/>
+              <a:t> ricevuta come </a:t>
+            </a:r>
+            <a:r>
+              <a:rPr lang="it-IT" sz="2000" b="1" i="1" dirty="0"/>
+              <a:t>parametro</a:t>
+            </a:r>
+          </a:p>
+          <a:p>
+            <a:r>
+              <a:rPr lang="it-IT" sz="2000" dirty="0"/>
+              <a:t>utilizzo:</a:t>
+            </a:r>
+          </a:p>
+          <a:p>
+            <a:pPr marL="400050" lvl="1" indent="0">
+              <a:buNone/>
+            </a:pPr>
+            <a:r>
+              <a:rPr lang="it-IT" sz="1600" b="1" dirty="0">
+                <a:latin typeface="Courier New" panose="02070309020205020404" pitchFamily="49" charset="0"/>
+                <a:cs typeface="Courier New" panose="02070309020205020404" pitchFamily="49" charset="0"/>
+              </a:rPr>
+              <a:t>Lista l1,l2,l3;</a:t>
+            </a:r>
+          </a:p>
+          <a:p>
+            <a:pPr marL="400050" lvl="1" indent="0">
+              <a:buNone/>
+            </a:pPr>
+            <a:r>
+              <a:rPr lang="it-IT" sz="1600" b="1" dirty="0">
+                <a:latin typeface="Courier New" panose="02070309020205020404" pitchFamily="49" charset="0"/>
+                <a:cs typeface="Courier New" panose="02070309020205020404" pitchFamily="49" charset="0"/>
+              </a:rPr>
+              <a:t>…</a:t>
+            </a:r>
+          </a:p>
+          <a:p>
+            <a:pPr marL="400050" lvl="1" indent="0">
+              <a:buNone/>
+            </a:pPr>
+            <a:r>
+              <a:rPr lang="it-IT" sz="1600" b="1" dirty="0">
+                <a:latin typeface="Courier New" panose="02070309020205020404" pitchFamily="49" charset="0"/>
+                <a:cs typeface="Courier New" panose="02070309020205020404" pitchFamily="49" charset="0"/>
+              </a:rPr>
+              <a:t>…</a:t>
+            </a:r>
+          </a:p>
+          <a:p>
+            <a:pPr marL="400050" lvl="1" indent="0">
+              <a:buNone/>
+            </a:pPr>
+            <a:r>
+              <a:rPr lang="it-IT" sz="1600" b="1" dirty="0">
+                <a:latin typeface="Courier New" panose="02070309020205020404" pitchFamily="49" charset="0"/>
+                <a:cs typeface="Courier New" panose="02070309020205020404" pitchFamily="49" charset="0"/>
+              </a:rPr>
+              <a:t>l3 = l1 </a:t>
+            </a:r>
+            <a:r>
+              <a:rPr lang="it-IT" sz="1600" b="1" dirty="0">
+                <a:solidFill>
+                  <a:srgbClr val="FF0000"/>
+                </a:solidFill>
+                <a:latin typeface="Courier New" panose="02070309020205020404" pitchFamily="49" charset="0"/>
+                <a:cs typeface="Courier New" panose="02070309020205020404" pitchFamily="49" charset="0"/>
+              </a:rPr>
+              <a:t>+</a:t>
+            </a:r>
+            <a:r>
+              <a:rPr lang="it-IT" sz="1600" b="1" dirty="0">
+                <a:latin typeface="Courier New" panose="02070309020205020404" pitchFamily="49" charset="0"/>
+                <a:cs typeface="Courier New" panose="02070309020205020404" pitchFamily="49" charset="0"/>
+              </a:rPr>
+              <a:t> l2;</a:t>
+            </a:r>
+          </a:p>
+        </p:txBody>
+      </p:sp>
+      <p:sp>
+        <p:nvSpPr>
+          <p:cNvPr id="4" name="Segnaposto piè di pagina 3">
+            <a:extLst>
+              <a:ext uri="{FF2B5EF4-FFF2-40B4-BE49-F238E27FC236}">
+                <a16:creationId xmlns:a16="http://schemas.microsoft.com/office/drawing/2014/main" id="{6F5D45B8-5971-4215-8EA8-F63413C1D914}"/>
+              </a:ext>
+            </a:extLst>
+          </p:cNvPr>
+          <p:cNvSpPr>
+            <a:spLocks noGrp="1"/>
+          </p:cNvSpPr>
+          <p:nvPr>
+            <p:ph type="ftr" sz="quarter" idx="11"/>
+          </p:nvPr>
+        </p:nvSpPr>
+        <p:spPr/>
+        <p:txBody>
+          <a:bodyPr/>
+          <a:lstStyle/>
+          <a:p>
+            <a:pPr>
+              <a:defRPr/>
+            </a:pPr>
+            <a:r>
+              <a:rPr lang="it-IT"/>
+              <a:t>Alberto Ferrari – Programmazione di applicazioni SW</a:t>
+            </a:r>
+            <a:endParaRPr lang="it-IT" dirty="0"/>
+          </a:p>
+        </p:txBody>
+      </p:sp>
+    </p:spTree>
+    <p:extLst>
+      <p:ext uri="{BB962C8B-B14F-4D97-AF65-F5344CB8AC3E}">
+        <p14:creationId xmlns:p14="http://schemas.microsoft.com/office/powerpoint/2010/main" val="3298944607"/>
+      </p:ext>
+    </p:extLst>
+  </p:cSld>
+  <p:clrMapOvr>
+    <a:masterClrMapping/>
+  </p:clrMapOvr>
+</p:sld>
+</file>
+
+<file path=ppt/slides/slide22.xml><?xml version="1.0" encoding="utf-8"?>
+<p:sld xmlns:a="http://schemas.openxmlformats.org/drawingml/2006/main" xmlns:r="http://schemas.openxmlformats.org/officeDocument/2006/relationships" xmlns:p="http://schemas.openxmlformats.org/presentationml/2006/main">
+  <p:cSld>
+    <p:spTree>
+      <p:nvGrpSpPr>
+        <p:cNvPr id="1" name=""/>
+        <p:cNvGrpSpPr/>
+        <p:nvPr/>
+      </p:nvGrpSpPr>
+      <p:grpSpPr>
+        <a:xfrm>
+          <a:off x="0" y="0"/>
+          <a:ext cx="0" cy="0"/>
+          <a:chOff x="0" y="0"/>
+          <a:chExt cx="0" cy="0"/>
+        </a:xfrm>
+      </p:grpSpPr>
+      <p:sp>
+        <p:nvSpPr>
+          <p:cNvPr id="6" name="Titolo 5">
+            <a:extLst>
+              <a:ext uri="{FF2B5EF4-FFF2-40B4-BE49-F238E27FC236}">
+                <a16:creationId xmlns:a16="http://schemas.microsoft.com/office/drawing/2014/main" id="{2810A31F-CC53-4AF8-A9F0-8EA4841FC37A}"/>
+              </a:ext>
+            </a:extLst>
+          </p:cNvPr>
+          <p:cNvSpPr>
+            <a:spLocks noGrp="1"/>
+          </p:cNvSpPr>
+          <p:nvPr>
+            <p:ph type="title"/>
+          </p:nvPr>
+        </p:nvSpPr>
+        <p:spPr/>
+        <p:txBody>
+          <a:bodyPr/>
+          <a:lstStyle/>
+          <a:p>
+            <a:r>
+              <a:rPr lang="it-IT" cap="none" dirty="0"/>
+              <a:t>funzioni friend</a:t>
+            </a:r>
+          </a:p>
+        </p:txBody>
+      </p:sp>
+      <p:sp>
+        <p:nvSpPr>
+          <p:cNvPr id="7" name="Segnaposto testo 6">
+            <a:extLst>
+              <a:ext uri="{FF2B5EF4-FFF2-40B4-BE49-F238E27FC236}">
+                <a16:creationId xmlns:a16="http://schemas.microsoft.com/office/drawing/2014/main" id="{1F2E4DBB-2B8A-44E4-99F7-345B55463FC4}"/>
+              </a:ext>
+            </a:extLst>
+          </p:cNvPr>
+          <p:cNvSpPr>
+            <a:spLocks noGrp="1"/>
+          </p:cNvSpPr>
+          <p:nvPr>
+            <p:ph type="body" idx="1"/>
+          </p:nvPr>
+        </p:nvSpPr>
+        <p:spPr/>
+        <p:txBody>
+          <a:bodyPr/>
+          <a:lstStyle/>
+          <a:p>
+            <a:r>
+              <a:rPr lang="it-IT" dirty="0"/>
+              <a:t>C++</a:t>
+            </a:r>
+          </a:p>
+        </p:txBody>
+      </p:sp>
+      <p:sp>
+        <p:nvSpPr>
+          <p:cNvPr id="5" name="Segnaposto piè di pagina 4">
+            <a:extLst>
+              <a:ext uri="{FF2B5EF4-FFF2-40B4-BE49-F238E27FC236}">
+                <a16:creationId xmlns:a16="http://schemas.microsoft.com/office/drawing/2014/main" id="{637D0B9B-54F8-48AE-AF90-1BC5D7FE336D}"/>
+              </a:ext>
+            </a:extLst>
+          </p:cNvPr>
+          <p:cNvSpPr>
+            <a:spLocks noGrp="1"/>
+          </p:cNvSpPr>
+          <p:nvPr>
+            <p:ph type="ftr" sz="quarter" idx="11"/>
+          </p:nvPr>
+        </p:nvSpPr>
+        <p:spPr/>
+        <p:txBody>
+          <a:bodyPr/>
+          <a:lstStyle/>
+          <a:p>
+            <a:pPr>
+              <a:defRPr/>
+            </a:pPr>
+            <a:r>
+              <a:rPr lang="it-IT"/>
+              <a:t>Alberto Ferrari – Programmazione di applicazioni SW</a:t>
+            </a:r>
+            <a:endParaRPr lang="it-IT" dirty="0"/>
+          </a:p>
+        </p:txBody>
+      </p:sp>
+    </p:spTree>
+    <p:extLst>
+      <p:ext uri="{BB962C8B-B14F-4D97-AF65-F5344CB8AC3E}">
+        <p14:creationId xmlns:p14="http://schemas.microsoft.com/office/powerpoint/2010/main" val="2458501651"/>
+      </p:ext>
+    </p:extLst>
+  </p:cSld>
+  <p:clrMapOvr>
+    <a:masterClrMapping/>
+  </p:clrMapOvr>
+</p:sld>
+</file>
+
+<file path=ppt/slides/slide23.xml><?xml version="1.0" encoding="utf-8"?>
+<p:sld xmlns:a="http://schemas.openxmlformats.org/drawingml/2006/main" xmlns:r="http://schemas.openxmlformats.org/officeDocument/2006/relationships" xmlns:p="http://schemas.openxmlformats.org/presentationml/2006/main">
+  <p:cSld>
+    <p:spTree>
+      <p:nvGrpSpPr>
+        <p:cNvPr id="1" name=""/>
+        <p:cNvGrpSpPr/>
+        <p:nvPr/>
+      </p:nvGrpSpPr>
+      <p:grpSpPr>
+        <a:xfrm>
+          <a:off x="0" y="0"/>
+          <a:ext cx="0" cy="0"/>
+          <a:chOff x="0" y="0"/>
+          <a:chExt cx="0" cy="0"/>
+        </a:xfrm>
+      </p:grpSpPr>
+      <p:sp>
+        <p:nvSpPr>
+          <p:cNvPr id="5" name="Titolo 4">
+            <a:extLst>
+              <a:ext uri="{FF2B5EF4-FFF2-40B4-BE49-F238E27FC236}">
+                <a16:creationId xmlns:a16="http://schemas.microsoft.com/office/drawing/2014/main" id="{D0C1DBAF-5A70-47C1-BDAB-82CBDFA6B13D}"/>
+              </a:ext>
+            </a:extLst>
+          </p:cNvPr>
+          <p:cNvSpPr>
+            <a:spLocks noGrp="1"/>
+          </p:cNvSpPr>
+          <p:nvPr>
+            <p:ph type="title"/>
+          </p:nvPr>
+        </p:nvSpPr>
+        <p:spPr/>
+        <p:txBody>
+          <a:bodyPr/>
+          <a:lstStyle/>
+          <a:p>
+            <a:r>
+              <a:rPr lang="it-IT" dirty="0"/>
+              <a:t>funzioni friend</a:t>
+            </a:r>
+          </a:p>
+        </p:txBody>
+      </p:sp>
+      <p:sp>
+        <p:nvSpPr>
+          <p:cNvPr id="6" name="Segnaposto contenuto 5">
+            <a:extLst>
+              <a:ext uri="{FF2B5EF4-FFF2-40B4-BE49-F238E27FC236}">
+                <a16:creationId xmlns:a16="http://schemas.microsoft.com/office/drawing/2014/main" id="{5F638B3A-025A-4172-B6C1-2D43234056DB}"/>
+              </a:ext>
+            </a:extLst>
+          </p:cNvPr>
+          <p:cNvSpPr>
+            <a:spLocks noGrp="1"/>
+          </p:cNvSpPr>
+          <p:nvPr>
+            <p:ph idx="1"/>
+          </p:nvPr>
+        </p:nvSpPr>
+        <p:spPr/>
+        <p:txBody>
+          <a:bodyPr/>
+          <a:lstStyle/>
+          <a:p>
+            <a:r>
+              <a:rPr lang="it-IT" dirty="0"/>
+              <a:t>una funzione </a:t>
+            </a:r>
+            <a:r>
+              <a:rPr lang="it-IT" b="1" i="1" dirty="0"/>
+              <a:t>friend</a:t>
+            </a:r>
+            <a:r>
+              <a:rPr lang="it-IT" dirty="0"/>
+              <a:t> di una classe ha </a:t>
+            </a:r>
+            <a:r>
+              <a:rPr lang="it-IT" b="1" i="1" dirty="0"/>
+              <a:t>accesso</a:t>
+            </a:r>
+            <a:r>
+              <a:rPr lang="it-IT" dirty="0"/>
+              <a:t> ai </a:t>
+            </a:r>
+            <a:r>
+              <a:rPr lang="it-IT" b="1" i="1" dirty="0"/>
+              <a:t>membri privati </a:t>
+            </a:r>
+            <a:r>
+              <a:rPr lang="it-IT" dirty="0"/>
+              <a:t>della classe </a:t>
+            </a:r>
+            <a:r>
+              <a:rPr lang="it-IT" b="1" i="1" dirty="0"/>
+              <a:t>pur non essendone membro</a:t>
+            </a:r>
+          </a:p>
+          <a:p>
+            <a:r>
+              <a:rPr lang="it-IT" dirty="0"/>
+              <a:t>deve essere </a:t>
+            </a:r>
+            <a:r>
+              <a:rPr lang="it-IT" b="1" i="1" dirty="0"/>
+              <a:t>dichiarata</a:t>
+            </a:r>
+            <a:r>
+              <a:rPr lang="it-IT" dirty="0"/>
+              <a:t> </a:t>
+            </a:r>
+            <a:r>
+              <a:rPr lang="it-IT" b="1" i="1" dirty="0"/>
+              <a:t>friend</a:t>
+            </a:r>
+            <a:r>
+              <a:rPr lang="it-IT" dirty="0"/>
+              <a:t> nella </a:t>
+            </a:r>
+            <a:r>
+              <a:rPr lang="it-IT" b="1" i="1" dirty="0"/>
+              <a:t>definizione</a:t>
+            </a:r>
+            <a:r>
+              <a:rPr lang="it-IT" dirty="0"/>
+              <a:t> della classe</a:t>
+            </a:r>
+          </a:p>
+          <a:p>
+            <a:r>
+              <a:rPr lang="it-IT" dirty="0"/>
+              <a:t>viene </a:t>
+            </a:r>
+            <a:r>
+              <a:rPr lang="it-IT" b="1" i="1" dirty="0"/>
+              <a:t>definita</a:t>
+            </a:r>
+            <a:r>
+              <a:rPr lang="it-IT" dirty="0"/>
+              <a:t> e </a:t>
+            </a:r>
+            <a:r>
+              <a:rPr lang="it-IT" b="1" i="1" dirty="0"/>
+              <a:t>chiamata</a:t>
+            </a:r>
+            <a:r>
+              <a:rPr lang="it-IT" dirty="0"/>
+              <a:t> come una </a:t>
+            </a:r>
+            <a:r>
+              <a:rPr lang="it-IT" b="1" i="1" dirty="0"/>
+              <a:t>funzione ordinaria</a:t>
+            </a:r>
+          </a:p>
+          <a:p>
+            <a:r>
+              <a:rPr lang="it-IT" dirty="0"/>
+              <a:t>l’uso di funzioni friend migliora le prestazioni </a:t>
+            </a:r>
+          </a:p>
+          <a:p>
+            <a:pPr lvl="1"/>
+            <a:r>
+              <a:rPr lang="it-IT" i="1" dirty="0"/>
+              <a:t>non necessitano di </a:t>
+            </a:r>
+            <a:r>
+              <a:rPr lang="it-IT" i="1" dirty="0" err="1"/>
+              <a:t>accessor</a:t>
+            </a:r>
+            <a:endParaRPr lang="it-IT" i="1" dirty="0"/>
+          </a:p>
+          <a:p>
+            <a:r>
+              <a:rPr lang="it-IT" dirty="0"/>
+              <a:t>una </a:t>
+            </a:r>
+            <a:r>
+              <a:rPr lang="it-IT" b="1" i="1" dirty="0"/>
+              <a:t>funzione</a:t>
+            </a:r>
+            <a:r>
+              <a:rPr lang="it-IT" dirty="0"/>
+              <a:t> può essere </a:t>
+            </a:r>
+            <a:r>
+              <a:rPr lang="it-IT" b="1" i="1" dirty="0"/>
+              <a:t>friend di più classi</a:t>
+            </a:r>
+          </a:p>
+          <a:p>
+            <a:r>
+              <a:rPr lang="it-IT" dirty="0"/>
+              <a:t>le funzioni friend </a:t>
+            </a:r>
+            <a:r>
+              <a:rPr lang="it-IT" b="1" i="1" dirty="0"/>
+              <a:t>più comuni</a:t>
+            </a:r>
+            <a:r>
+              <a:rPr lang="it-IT" dirty="0"/>
+              <a:t> sono gli </a:t>
+            </a:r>
+            <a:r>
+              <a:rPr lang="it-IT" b="1" i="1" dirty="0"/>
+              <a:t>operatori</a:t>
+            </a:r>
+            <a:r>
+              <a:rPr lang="it-IT" dirty="0"/>
+              <a:t> sovraccaricati</a:t>
+            </a:r>
+          </a:p>
+        </p:txBody>
+      </p:sp>
+      <p:sp>
+        <p:nvSpPr>
+          <p:cNvPr id="4" name="Segnaposto piè di pagina 3">
+            <a:extLst>
+              <a:ext uri="{FF2B5EF4-FFF2-40B4-BE49-F238E27FC236}">
+                <a16:creationId xmlns:a16="http://schemas.microsoft.com/office/drawing/2014/main" id="{3BE49729-9BC4-47EB-9B9B-E06BF57F6FAB}"/>
+              </a:ext>
+            </a:extLst>
+          </p:cNvPr>
+          <p:cNvSpPr>
+            <a:spLocks noGrp="1"/>
+          </p:cNvSpPr>
+          <p:nvPr>
+            <p:ph type="ftr" sz="quarter" idx="11"/>
+          </p:nvPr>
+        </p:nvSpPr>
+        <p:spPr/>
+        <p:txBody>
+          <a:bodyPr/>
+          <a:lstStyle/>
+          <a:p>
+            <a:pPr>
+              <a:defRPr/>
+            </a:pPr>
+            <a:r>
+              <a:rPr lang="it-IT"/>
+              <a:t>Alberto Ferrari – Programmazione di applicazioni SW</a:t>
+            </a:r>
+            <a:endParaRPr lang="it-IT" dirty="0"/>
+          </a:p>
+        </p:txBody>
+      </p:sp>
+    </p:spTree>
+    <p:extLst>
+      <p:ext uri="{BB962C8B-B14F-4D97-AF65-F5344CB8AC3E}">
+        <p14:creationId xmlns:p14="http://schemas.microsoft.com/office/powerpoint/2010/main" val="4091539520"/>
+      </p:ext>
+    </p:extLst>
+  </p:cSld>
+  <p:clrMapOvr>
+    <a:masterClrMapping/>
+  </p:clrMapOvr>
+</p:sld>
+</file>
+
+<file path=ppt/slides/slide24.xml><?xml version="1.0" encoding="utf-8"?>
+<p:sld xmlns:a="http://schemas.openxmlformats.org/drawingml/2006/main" xmlns:r="http://schemas.openxmlformats.org/officeDocument/2006/relationships" xmlns:p="http://schemas.openxmlformats.org/presentationml/2006/main">
+  <p:cSld>
+    <p:spTree>
+      <p:nvGrpSpPr>
+        <p:cNvPr id="1" name=""/>
+        <p:cNvGrpSpPr/>
+        <p:nvPr/>
+      </p:nvGrpSpPr>
+      <p:grpSpPr>
+        <a:xfrm>
+          <a:off x="0" y="0"/>
+          <a:ext cx="0" cy="0"/>
+          <a:chOff x="0" y="0"/>
+          <a:chExt cx="0" cy="0"/>
+        </a:xfrm>
+      </p:grpSpPr>
+      <p:sp>
+        <p:nvSpPr>
+          <p:cNvPr id="2" name="Titolo 1">
+            <a:extLst>
+              <a:ext uri="{FF2B5EF4-FFF2-40B4-BE49-F238E27FC236}">
+                <a16:creationId xmlns:a16="http://schemas.microsoft.com/office/drawing/2014/main" id="{AD5C7D5A-5F5A-4659-AC8F-DBB8FC9C8926}"/>
+              </a:ext>
+            </a:extLst>
+          </p:cNvPr>
+          <p:cNvSpPr>
+            <a:spLocks noGrp="1"/>
+          </p:cNvSpPr>
+          <p:nvPr>
+            <p:ph type="title"/>
+          </p:nvPr>
+        </p:nvSpPr>
+        <p:spPr/>
+        <p:txBody>
+          <a:bodyPr/>
+          <a:lstStyle/>
+          <a:p>
+            <a:r>
+              <a:rPr lang="it-IT" dirty="0"/>
+              <a:t>esempio</a:t>
+            </a:r>
+          </a:p>
+        </p:txBody>
+      </p:sp>
+      <p:sp>
+        <p:nvSpPr>
+          <p:cNvPr id="5" name="Segnaposto contenuto 4">
+            <a:extLst>
+              <a:ext uri="{FF2B5EF4-FFF2-40B4-BE49-F238E27FC236}">
+                <a16:creationId xmlns:a16="http://schemas.microsoft.com/office/drawing/2014/main" id="{BFAD832A-09AB-4110-9929-E3A87B7A218D}"/>
+              </a:ext>
+            </a:extLst>
+          </p:cNvPr>
+          <p:cNvSpPr>
+            <a:spLocks noGrp="1"/>
+          </p:cNvSpPr>
+          <p:nvPr>
+            <p:ph sz="half" idx="1"/>
+          </p:nvPr>
+        </p:nvSpPr>
+        <p:spPr/>
+        <p:txBody>
+          <a:bodyPr/>
+          <a:lstStyle/>
+          <a:p>
+            <a:pPr marL="0" indent="0">
+              <a:buNone/>
+            </a:pPr>
+            <a:r>
+              <a:rPr lang="it-IT" sz="1600" b="1" dirty="0">
+                <a:latin typeface="Courier New" panose="02070309020205020404" pitchFamily="49" charset="0"/>
+                <a:cs typeface="Courier New" panose="02070309020205020404" pitchFamily="49" charset="0"/>
+              </a:rPr>
+              <a:t>class Lista {</a:t>
+            </a:r>
+          </a:p>
+          <a:p>
+            <a:pPr marL="0" indent="0">
+              <a:buNone/>
+            </a:pPr>
+            <a:r>
+              <a:rPr lang="it-IT" sz="1600" b="1" dirty="0">
+                <a:latin typeface="Courier New" panose="02070309020205020404" pitchFamily="49" charset="0"/>
+                <a:cs typeface="Courier New" panose="02070309020205020404" pitchFamily="49" charset="0"/>
+              </a:rPr>
+              <a:t> public:</a:t>
+            </a:r>
+          </a:p>
+          <a:p>
+            <a:pPr marL="0" indent="0">
+              <a:buNone/>
+            </a:pPr>
+            <a:r>
+              <a:rPr lang="it-IT" sz="1600" b="1" dirty="0">
+                <a:latin typeface="Courier New" panose="02070309020205020404" pitchFamily="49" charset="0"/>
+                <a:cs typeface="Courier New" panose="02070309020205020404" pitchFamily="49" charset="0"/>
+              </a:rPr>
+              <a:t>  …</a:t>
+            </a:r>
+          </a:p>
+          <a:p>
+            <a:pPr marL="0" indent="0">
+              <a:buNone/>
+            </a:pPr>
+            <a:r>
+              <a:rPr lang="it-IT" sz="1600" b="1" dirty="0">
+                <a:latin typeface="Courier New" panose="02070309020205020404" pitchFamily="49" charset="0"/>
+                <a:cs typeface="Courier New" panose="02070309020205020404" pitchFamily="49" charset="0"/>
+              </a:rPr>
+              <a:t>  </a:t>
+            </a:r>
+            <a:r>
+              <a:rPr lang="it-IT" sz="1600" b="1" dirty="0">
+                <a:solidFill>
+                  <a:srgbClr val="FF0000"/>
+                </a:solidFill>
+                <a:latin typeface="Courier New" panose="02070309020205020404" pitchFamily="49" charset="0"/>
+                <a:cs typeface="Courier New" panose="02070309020205020404" pitchFamily="49" charset="0"/>
+              </a:rPr>
+              <a:t>friend </a:t>
+            </a:r>
+            <a:r>
+              <a:rPr lang="it-IT" sz="1600" b="1" dirty="0" err="1">
+                <a:solidFill>
+                  <a:srgbClr val="FF0000"/>
+                </a:solidFill>
+                <a:latin typeface="Courier New" panose="02070309020205020404" pitchFamily="49" charset="0"/>
+                <a:cs typeface="Courier New" panose="02070309020205020404" pitchFamily="49" charset="0"/>
+              </a:rPr>
+              <a:t>std</a:t>
+            </a:r>
+            <a:r>
+              <a:rPr lang="it-IT" sz="1600" b="1" dirty="0">
+                <a:solidFill>
+                  <a:srgbClr val="FF0000"/>
+                </a:solidFill>
+                <a:latin typeface="Courier New" panose="02070309020205020404" pitchFamily="49" charset="0"/>
+                <a:cs typeface="Courier New" panose="02070309020205020404" pitchFamily="49" charset="0"/>
+              </a:rPr>
+              <a:t>::</a:t>
+            </a:r>
+            <a:r>
+              <a:rPr lang="it-IT" sz="1600" b="1" dirty="0" err="1">
+                <a:solidFill>
+                  <a:srgbClr val="FF0000"/>
+                </a:solidFill>
+                <a:latin typeface="Courier New" panose="02070309020205020404" pitchFamily="49" charset="0"/>
+                <a:cs typeface="Courier New" panose="02070309020205020404" pitchFamily="49" charset="0"/>
+              </a:rPr>
+              <a:t>ostream</a:t>
+            </a:r>
+            <a:r>
+              <a:rPr lang="it-IT" sz="1600" b="1" dirty="0">
+                <a:solidFill>
+                  <a:srgbClr val="FF0000"/>
+                </a:solidFill>
+                <a:latin typeface="Courier New" panose="02070309020205020404" pitchFamily="49" charset="0"/>
+                <a:cs typeface="Courier New" panose="02070309020205020404" pitchFamily="49" charset="0"/>
+              </a:rPr>
+              <a:t> &amp; operator&lt;&lt;</a:t>
+            </a:r>
+          </a:p>
+          <a:p>
+            <a:pPr marL="0" indent="0">
+              <a:buNone/>
+            </a:pPr>
+            <a:r>
+              <a:rPr lang="it-IT" sz="1600" b="1" dirty="0">
+                <a:solidFill>
+                  <a:srgbClr val="FF0000"/>
+                </a:solidFill>
+                <a:latin typeface="Courier New" panose="02070309020205020404" pitchFamily="49" charset="0"/>
+                <a:cs typeface="Courier New" panose="02070309020205020404" pitchFamily="49" charset="0"/>
+              </a:rPr>
+              <a:t>     ( </a:t>
+            </a:r>
+            <a:r>
+              <a:rPr lang="it-IT" sz="1600" b="1" dirty="0" err="1">
+                <a:solidFill>
+                  <a:srgbClr val="FF0000"/>
+                </a:solidFill>
+                <a:latin typeface="Courier New" panose="02070309020205020404" pitchFamily="49" charset="0"/>
+                <a:cs typeface="Courier New" panose="02070309020205020404" pitchFamily="49" charset="0"/>
+              </a:rPr>
+              <a:t>std</a:t>
+            </a:r>
+            <a:r>
+              <a:rPr lang="it-IT" sz="1600" b="1" dirty="0">
+                <a:solidFill>
+                  <a:srgbClr val="FF0000"/>
+                </a:solidFill>
+                <a:latin typeface="Courier New" panose="02070309020205020404" pitchFamily="49" charset="0"/>
+                <a:cs typeface="Courier New" panose="02070309020205020404" pitchFamily="49" charset="0"/>
+              </a:rPr>
+              <a:t>::</a:t>
+            </a:r>
+            <a:r>
+              <a:rPr lang="it-IT" sz="1600" b="1" dirty="0" err="1">
+                <a:solidFill>
+                  <a:srgbClr val="FF0000"/>
+                </a:solidFill>
+                <a:latin typeface="Courier New" panose="02070309020205020404" pitchFamily="49" charset="0"/>
+                <a:cs typeface="Courier New" panose="02070309020205020404" pitchFamily="49" charset="0"/>
+              </a:rPr>
+              <a:t>ostream</a:t>
+            </a:r>
+            <a:r>
+              <a:rPr lang="it-IT" sz="1600" b="1" dirty="0">
+                <a:solidFill>
+                  <a:srgbClr val="FF0000"/>
+                </a:solidFill>
+                <a:latin typeface="Courier New" panose="02070309020205020404" pitchFamily="49" charset="0"/>
+                <a:cs typeface="Courier New" panose="02070309020205020404" pitchFamily="49" charset="0"/>
+              </a:rPr>
+              <a:t> &amp;out, Lista &amp;</a:t>
+            </a:r>
+            <a:r>
+              <a:rPr lang="it-IT" sz="1600" b="1" dirty="0" err="1">
+                <a:solidFill>
+                  <a:srgbClr val="FF0000"/>
+                </a:solidFill>
+                <a:latin typeface="Courier New" panose="02070309020205020404" pitchFamily="49" charset="0"/>
+                <a:cs typeface="Courier New" panose="02070309020205020404" pitchFamily="49" charset="0"/>
+              </a:rPr>
+              <a:t>lis</a:t>
+            </a:r>
+            <a:r>
+              <a:rPr lang="it-IT" sz="1600" b="1" dirty="0">
+                <a:solidFill>
+                  <a:srgbClr val="FF0000"/>
+                </a:solidFill>
+                <a:latin typeface="Courier New" panose="02070309020205020404" pitchFamily="49" charset="0"/>
+                <a:cs typeface="Courier New" panose="02070309020205020404" pitchFamily="49" charset="0"/>
+              </a:rPr>
+              <a:t>);</a:t>
+            </a:r>
+          </a:p>
+          <a:p>
+            <a:pPr marL="0" indent="0">
+              <a:buNone/>
+            </a:pPr>
+            <a:r>
+              <a:rPr lang="it-IT" sz="1600" b="1" dirty="0">
+                <a:latin typeface="Courier New" panose="02070309020205020404" pitchFamily="49" charset="0"/>
+                <a:cs typeface="Courier New" panose="02070309020205020404" pitchFamily="49" charset="0"/>
+              </a:rPr>
+              <a:t> private:</a:t>
+            </a:r>
+          </a:p>
+          <a:p>
+            <a:pPr marL="0" indent="0">
+              <a:buNone/>
+            </a:pPr>
+            <a:r>
+              <a:rPr lang="it-IT" sz="1600" b="1" dirty="0">
+                <a:latin typeface="Courier New" panose="02070309020205020404" pitchFamily="49" charset="0"/>
+                <a:cs typeface="Courier New" panose="02070309020205020404" pitchFamily="49" charset="0"/>
+              </a:rPr>
+              <a:t>  link testa;</a:t>
+            </a:r>
+          </a:p>
+          <a:p>
+            <a:pPr marL="0" indent="0">
+              <a:buNone/>
+            </a:pPr>
+            <a:r>
+              <a:rPr lang="it-IT" sz="1600" b="1" dirty="0">
+                <a:latin typeface="Courier New" panose="02070309020205020404" pitchFamily="49" charset="0"/>
+                <a:cs typeface="Courier New" panose="02070309020205020404" pitchFamily="49" charset="0"/>
+              </a:rPr>
+              <a:t>};</a:t>
+            </a:r>
+          </a:p>
+          <a:p>
+            <a:pPr marL="0" indent="0">
+              <a:buNone/>
+            </a:pPr>
+            <a:r>
+              <a:rPr lang="it-IT" sz="1600" b="1" dirty="0" err="1">
+                <a:latin typeface="Courier New" panose="02070309020205020404" pitchFamily="49" charset="0"/>
+                <a:cs typeface="Courier New" panose="02070309020205020404" pitchFamily="49" charset="0"/>
+              </a:rPr>
+              <a:t>std</a:t>
+            </a:r>
+            <a:r>
+              <a:rPr lang="it-IT" sz="1600" b="1" dirty="0">
+                <a:latin typeface="Courier New" panose="02070309020205020404" pitchFamily="49" charset="0"/>
+                <a:cs typeface="Courier New" panose="02070309020205020404" pitchFamily="49" charset="0"/>
+              </a:rPr>
+              <a:t>::</a:t>
+            </a:r>
+            <a:r>
+              <a:rPr lang="it-IT" sz="1600" b="1" dirty="0" err="1">
+                <a:latin typeface="Courier New" panose="02070309020205020404" pitchFamily="49" charset="0"/>
+                <a:cs typeface="Courier New" panose="02070309020205020404" pitchFamily="49" charset="0"/>
+              </a:rPr>
+              <a:t>ostream</a:t>
+            </a:r>
+            <a:r>
+              <a:rPr lang="it-IT" sz="1600" b="1" dirty="0">
+                <a:latin typeface="Courier New" panose="02070309020205020404" pitchFamily="49" charset="0"/>
+                <a:cs typeface="Courier New" panose="02070309020205020404" pitchFamily="49" charset="0"/>
+              </a:rPr>
+              <a:t> &amp; operator&lt;&lt;</a:t>
+            </a:r>
+          </a:p>
+          <a:p>
+            <a:pPr marL="0" indent="0">
+              <a:buNone/>
+            </a:pPr>
+            <a:r>
+              <a:rPr lang="it-IT" sz="1600" b="1" dirty="0">
+                <a:latin typeface="Courier New" panose="02070309020205020404" pitchFamily="49" charset="0"/>
+                <a:cs typeface="Courier New" panose="02070309020205020404" pitchFamily="49" charset="0"/>
+              </a:rPr>
+              <a:t>    ( </a:t>
+            </a:r>
+            <a:r>
+              <a:rPr lang="it-IT" sz="1600" b="1" dirty="0" err="1">
+                <a:latin typeface="Courier New" panose="02070309020205020404" pitchFamily="49" charset="0"/>
+                <a:cs typeface="Courier New" panose="02070309020205020404" pitchFamily="49" charset="0"/>
+              </a:rPr>
+              <a:t>std</a:t>
+            </a:r>
+            <a:r>
+              <a:rPr lang="it-IT" sz="1600" b="1" dirty="0">
+                <a:latin typeface="Courier New" panose="02070309020205020404" pitchFamily="49" charset="0"/>
+                <a:cs typeface="Courier New" panose="02070309020205020404" pitchFamily="49" charset="0"/>
+              </a:rPr>
+              <a:t>::</a:t>
+            </a:r>
+            <a:r>
+              <a:rPr lang="it-IT" sz="1600" b="1" dirty="0" err="1">
+                <a:latin typeface="Courier New" panose="02070309020205020404" pitchFamily="49" charset="0"/>
+                <a:cs typeface="Courier New" panose="02070309020205020404" pitchFamily="49" charset="0"/>
+              </a:rPr>
+              <a:t>ostream</a:t>
+            </a:r>
+            <a:r>
+              <a:rPr lang="it-IT" sz="1600" b="1" dirty="0">
+                <a:latin typeface="Courier New" panose="02070309020205020404" pitchFamily="49" charset="0"/>
+                <a:cs typeface="Courier New" panose="02070309020205020404" pitchFamily="49" charset="0"/>
+              </a:rPr>
+              <a:t> &amp;out, Lista &amp;</a:t>
+            </a:r>
+            <a:r>
+              <a:rPr lang="it-IT" sz="1600" b="1" dirty="0" err="1">
+                <a:latin typeface="Courier New" panose="02070309020205020404" pitchFamily="49" charset="0"/>
+                <a:cs typeface="Courier New" panose="02070309020205020404" pitchFamily="49" charset="0"/>
+              </a:rPr>
+              <a:t>lis</a:t>
+            </a:r>
+            <a:r>
+              <a:rPr lang="it-IT" sz="1600" b="1" dirty="0">
+                <a:latin typeface="Courier New" panose="02070309020205020404" pitchFamily="49" charset="0"/>
+                <a:cs typeface="Courier New" panose="02070309020205020404" pitchFamily="49" charset="0"/>
+              </a:rPr>
+              <a:t>) {</a:t>
+            </a:r>
+          </a:p>
+          <a:p>
+            <a:pPr marL="0" indent="0">
+              <a:buNone/>
+            </a:pPr>
+            <a:r>
+              <a:rPr lang="it-IT" sz="1600" b="1" dirty="0">
+                <a:latin typeface="Courier New" panose="02070309020205020404" pitchFamily="49" charset="0"/>
+                <a:cs typeface="Courier New" panose="02070309020205020404" pitchFamily="49" charset="0"/>
+              </a:rPr>
+              <a:t>    link t = </a:t>
+            </a:r>
+            <a:r>
+              <a:rPr lang="it-IT" sz="1600" b="1" dirty="0" err="1">
+                <a:latin typeface="Courier New" panose="02070309020205020404" pitchFamily="49" charset="0"/>
+                <a:cs typeface="Courier New" panose="02070309020205020404" pitchFamily="49" charset="0"/>
+              </a:rPr>
+              <a:t>lis.testa</a:t>
+            </a:r>
+            <a:r>
+              <a:rPr lang="it-IT" sz="1600" b="1" dirty="0">
+                <a:latin typeface="Courier New" panose="02070309020205020404" pitchFamily="49" charset="0"/>
+                <a:cs typeface="Courier New" panose="02070309020205020404" pitchFamily="49" charset="0"/>
+              </a:rPr>
+              <a:t>;</a:t>
+            </a:r>
+          </a:p>
+          <a:p>
+            <a:pPr marL="0" indent="0">
+              <a:buNone/>
+            </a:pPr>
+            <a:r>
+              <a:rPr lang="it-IT" sz="1600" b="1" dirty="0">
+                <a:latin typeface="Courier New" panose="02070309020205020404" pitchFamily="49" charset="0"/>
+                <a:cs typeface="Courier New" panose="02070309020205020404" pitchFamily="49" charset="0"/>
+              </a:rPr>
+              <a:t>    </a:t>
+            </a:r>
+            <a:r>
+              <a:rPr lang="it-IT" sz="1600" b="1" dirty="0" err="1">
+                <a:latin typeface="Courier New" panose="02070309020205020404" pitchFamily="49" charset="0"/>
+                <a:cs typeface="Courier New" panose="02070309020205020404" pitchFamily="49" charset="0"/>
+              </a:rPr>
+              <a:t>while</a:t>
+            </a:r>
+            <a:r>
+              <a:rPr lang="it-IT" sz="1600" b="1" dirty="0">
+                <a:latin typeface="Courier New" panose="02070309020205020404" pitchFamily="49" charset="0"/>
+                <a:cs typeface="Courier New" panose="02070309020205020404" pitchFamily="49" charset="0"/>
+              </a:rPr>
+              <a:t> (t!=</a:t>
+            </a:r>
+            <a:r>
+              <a:rPr lang="it-IT" sz="1600" b="1" dirty="0" err="1">
+                <a:latin typeface="Courier New" panose="02070309020205020404" pitchFamily="49" charset="0"/>
+                <a:cs typeface="Courier New" panose="02070309020205020404" pitchFamily="49" charset="0"/>
+              </a:rPr>
+              <a:t>nullptr</a:t>
+            </a:r>
+            <a:r>
+              <a:rPr lang="it-IT" sz="1600" b="1" dirty="0">
+                <a:latin typeface="Courier New" panose="02070309020205020404" pitchFamily="49" charset="0"/>
+                <a:cs typeface="Courier New" panose="02070309020205020404" pitchFamily="49" charset="0"/>
+              </a:rPr>
+              <a:t>) {</a:t>
+            </a:r>
+          </a:p>
+          <a:p>
+            <a:pPr marL="0" indent="0">
+              <a:buNone/>
+            </a:pPr>
+            <a:r>
+              <a:rPr lang="it-IT" sz="1600" b="1" dirty="0">
+                <a:latin typeface="Courier New" panose="02070309020205020404" pitchFamily="49" charset="0"/>
+                <a:cs typeface="Courier New" panose="02070309020205020404" pitchFamily="49" charset="0"/>
+              </a:rPr>
+              <a:t>        out &lt;&lt; t-&gt;</a:t>
+            </a:r>
+            <a:r>
+              <a:rPr lang="it-IT" sz="1600" b="1" dirty="0" err="1">
+                <a:latin typeface="Courier New" panose="02070309020205020404" pitchFamily="49" charset="0"/>
+                <a:cs typeface="Courier New" panose="02070309020205020404" pitchFamily="49" charset="0"/>
+              </a:rPr>
+              <a:t>getInfo</a:t>
+            </a:r>
+            <a:r>
+              <a:rPr lang="it-IT" sz="1600" b="1" dirty="0">
+                <a:latin typeface="Courier New" panose="02070309020205020404" pitchFamily="49" charset="0"/>
+                <a:cs typeface="Courier New" panose="02070309020205020404" pitchFamily="49" charset="0"/>
+              </a:rPr>
+              <a:t>() &lt;&lt; " -&gt; ";</a:t>
+            </a:r>
+          </a:p>
+          <a:p>
+            <a:pPr marL="0" indent="0">
+              <a:buNone/>
+            </a:pPr>
+            <a:r>
+              <a:rPr lang="it-IT" sz="1600" b="1" dirty="0">
+                <a:latin typeface="Courier New" panose="02070309020205020404" pitchFamily="49" charset="0"/>
+                <a:cs typeface="Courier New" panose="02070309020205020404" pitchFamily="49" charset="0"/>
+              </a:rPr>
+              <a:t>        t = t-&gt;</a:t>
+            </a:r>
+            <a:r>
+              <a:rPr lang="it-IT" sz="1600" b="1" dirty="0" err="1">
+                <a:latin typeface="Courier New" panose="02070309020205020404" pitchFamily="49" charset="0"/>
+                <a:cs typeface="Courier New" panose="02070309020205020404" pitchFamily="49" charset="0"/>
+              </a:rPr>
+              <a:t>getNext</a:t>
+            </a:r>
+            <a:r>
+              <a:rPr lang="it-IT" sz="1600" b="1" dirty="0">
+                <a:latin typeface="Courier New" panose="02070309020205020404" pitchFamily="49" charset="0"/>
+                <a:cs typeface="Courier New" panose="02070309020205020404" pitchFamily="49" charset="0"/>
+              </a:rPr>
+              <a:t>();</a:t>
+            </a:r>
+          </a:p>
+          <a:p>
+            <a:pPr marL="0" indent="0">
+              <a:buNone/>
+            </a:pPr>
+            <a:r>
+              <a:rPr lang="it-IT" sz="1600" b="1" dirty="0">
+                <a:latin typeface="Courier New" panose="02070309020205020404" pitchFamily="49" charset="0"/>
+                <a:cs typeface="Courier New" panose="02070309020205020404" pitchFamily="49" charset="0"/>
+              </a:rPr>
+              <a:t>    }</a:t>
+            </a:r>
+          </a:p>
+          <a:p>
+            <a:pPr marL="0" indent="0">
+              <a:buNone/>
+            </a:pPr>
+            <a:r>
+              <a:rPr lang="it-IT" sz="1600" b="1" dirty="0">
+                <a:latin typeface="Courier New" panose="02070309020205020404" pitchFamily="49" charset="0"/>
+                <a:cs typeface="Courier New" panose="02070309020205020404" pitchFamily="49" charset="0"/>
+              </a:rPr>
+              <a:t>    out &lt;&lt; "// " &lt;&lt; </a:t>
+            </a:r>
+            <a:r>
+              <a:rPr lang="it-IT" sz="1600" b="1" dirty="0" err="1">
+                <a:latin typeface="Courier New" panose="02070309020205020404" pitchFamily="49" charset="0"/>
+                <a:cs typeface="Courier New" panose="02070309020205020404" pitchFamily="49" charset="0"/>
+              </a:rPr>
+              <a:t>std</a:t>
+            </a:r>
+            <a:r>
+              <a:rPr lang="it-IT" sz="1600" b="1" dirty="0">
+                <a:latin typeface="Courier New" panose="02070309020205020404" pitchFamily="49" charset="0"/>
+                <a:cs typeface="Courier New" panose="02070309020205020404" pitchFamily="49" charset="0"/>
+              </a:rPr>
+              <a:t>::</a:t>
+            </a:r>
+            <a:r>
+              <a:rPr lang="it-IT" sz="1600" b="1" dirty="0" err="1">
+                <a:latin typeface="Courier New" panose="02070309020205020404" pitchFamily="49" charset="0"/>
+                <a:cs typeface="Courier New" panose="02070309020205020404" pitchFamily="49" charset="0"/>
+              </a:rPr>
+              <a:t>endl</a:t>
+            </a:r>
+            <a:r>
+              <a:rPr lang="it-IT" sz="1600" b="1" dirty="0">
+                <a:latin typeface="Courier New" panose="02070309020205020404" pitchFamily="49" charset="0"/>
+                <a:cs typeface="Courier New" panose="02070309020205020404" pitchFamily="49" charset="0"/>
+              </a:rPr>
+              <a:t>;</a:t>
+            </a:r>
+          </a:p>
+          <a:p>
+            <a:pPr marL="0" indent="0">
+              <a:buNone/>
+            </a:pPr>
+            <a:r>
+              <a:rPr lang="it-IT" sz="1600" b="1" dirty="0">
+                <a:latin typeface="Courier New" panose="02070309020205020404" pitchFamily="49" charset="0"/>
+                <a:cs typeface="Courier New" panose="02070309020205020404" pitchFamily="49" charset="0"/>
+              </a:rPr>
+              <a:t>}</a:t>
+            </a:r>
+          </a:p>
+        </p:txBody>
+      </p:sp>
+      <p:sp>
+        <p:nvSpPr>
+          <p:cNvPr id="6" name="Segnaposto contenuto 5">
+            <a:extLst>
+              <a:ext uri="{FF2B5EF4-FFF2-40B4-BE49-F238E27FC236}">
+                <a16:creationId xmlns:a16="http://schemas.microsoft.com/office/drawing/2014/main" id="{6243B54B-127F-458C-94C7-9FD73BD48AF9}"/>
+              </a:ext>
+            </a:extLst>
+          </p:cNvPr>
+          <p:cNvSpPr>
+            <a:spLocks noGrp="1"/>
+          </p:cNvSpPr>
+          <p:nvPr>
+            <p:ph sz="half" idx="2"/>
+          </p:nvPr>
+        </p:nvSpPr>
+        <p:spPr/>
+        <p:txBody>
+          <a:bodyPr/>
+          <a:lstStyle/>
+          <a:p>
+            <a:r>
+              <a:rPr lang="it-IT" sz="2000" dirty="0"/>
+              <a:t>gli </a:t>
+            </a:r>
+            <a:r>
+              <a:rPr lang="it-IT" sz="2000" b="1" i="1" dirty="0"/>
+              <a:t>operatori</a:t>
+            </a:r>
+            <a:r>
+              <a:rPr lang="it-IT" sz="2000" dirty="0"/>
+              <a:t> </a:t>
+            </a:r>
+            <a:r>
+              <a:rPr lang="it-IT" sz="2000" b="1" i="1" dirty="0"/>
+              <a:t>&lt;&lt;</a:t>
+            </a:r>
+            <a:r>
+              <a:rPr lang="it-IT" sz="2000" dirty="0"/>
+              <a:t> e </a:t>
+            </a:r>
+            <a:r>
+              <a:rPr lang="it-IT" sz="2000" b="1" i="1" dirty="0"/>
+              <a:t>&gt;&gt;</a:t>
+            </a:r>
+            <a:r>
+              <a:rPr lang="it-IT" sz="2000" dirty="0"/>
+              <a:t> possono essere sovraccaricati per essere usati per l’</a:t>
+            </a:r>
+            <a:r>
+              <a:rPr lang="it-IT" sz="2000" b="1" i="1" dirty="0"/>
+              <a:t>I/O </a:t>
+            </a:r>
+            <a:r>
+              <a:rPr lang="it-IT" sz="2000" dirty="0"/>
+              <a:t>degli </a:t>
+            </a:r>
+            <a:r>
+              <a:rPr lang="it-IT" sz="2000" b="1" i="1" dirty="0"/>
+              <a:t>oggetti</a:t>
+            </a:r>
+            <a:r>
+              <a:rPr lang="it-IT" sz="2000" dirty="0"/>
+              <a:t> di una classe</a:t>
+            </a:r>
+          </a:p>
+          <a:p>
+            <a:r>
+              <a:rPr lang="it-IT" sz="2000" b="1" i="1" dirty="0"/>
+              <a:t>non</a:t>
+            </a:r>
+            <a:r>
+              <a:rPr lang="it-IT" sz="2000" dirty="0"/>
+              <a:t> possono essere sovraccaricati come </a:t>
+            </a:r>
+            <a:r>
+              <a:rPr lang="it-IT" sz="2000" b="1" i="1" dirty="0"/>
+              <a:t>membri</a:t>
+            </a:r>
+            <a:r>
+              <a:rPr lang="it-IT" sz="2000" dirty="0"/>
+              <a:t>: l’operatore più a sinistra non è del tipo della classe </a:t>
+            </a:r>
+          </a:p>
+          <a:p>
+            <a:r>
+              <a:rPr lang="it-IT" sz="2000" b="1" i="1" dirty="0"/>
+              <a:t>&lt;&lt;</a:t>
+            </a:r>
+            <a:r>
+              <a:rPr lang="it-IT" sz="2000" dirty="0"/>
+              <a:t> e </a:t>
+            </a:r>
+            <a:r>
+              <a:rPr lang="it-IT" sz="2000" b="1" i="1" dirty="0"/>
+              <a:t>&gt;&gt; </a:t>
+            </a:r>
+            <a:r>
+              <a:rPr lang="it-IT" sz="2000" dirty="0"/>
+              <a:t>richiedono rispettivamente </a:t>
+            </a:r>
+            <a:r>
+              <a:rPr lang="it-IT" sz="2000" b="1" i="1" dirty="0" err="1"/>
+              <a:t>ostream</a:t>
+            </a:r>
+            <a:r>
+              <a:rPr lang="it-IT" sz="2000" b="1" i="1" dirty="0"/>
+              <a:t>&amp;</a:t>
+            </a:r>
+            <a:r>
+              <a:rPr lang="it-IT" sz="2000" dirty="0"/>
+              <a:t> e </a:t>
+            </a:r>
+            <a:r>
+              <a:rPr lang="it-IT" sz="2000" b="1" i="1" dirty="0" err="1"/>
+              <a:t>istream</a:t>
+            </a:r>
+            <a:r>
+              <a:rPr lang="it-IT" sz="2000" b="1" i="1" dirty="0"/>
+              <a:t>&amp;</a:t>
+            </a:r>
+          </a:p>
+          <a:p>
+            <a:r>
+              <a:rPr lang="it-IT" sz="2000" dirty="0"/>
+              <a:t>nell’esempio l’</a:t>
+            </a:r>
+            <a:r>
+              <a:rPr lang="it-IT" sz="2000" b="1" i="1" dirty="0" err="1"/>
+              <a:t>overloading</a:t>
+            </a:r>
+            <a:r>
+              <a:rPr lang="it-IT" sz="2000" dirty="0"/>
+              <a:t> dell’</a:t>
+            </a:r>
+            <a:r>
+              <a:rPr lang="it-IT" sz="2000" b="1" i="1" dirty="0"/>
+              <a:t>operatore &lt;&lt; </a:t>
+            </a:r>
+            <a:r>
+              <a:rPr lang="it-IT" sz="2000" dirty="0"/>
+              <a:t>viene definito come </a:t>
+            </a:r>
+            <a:r>
+              <a:rPr lang="it-IT" sz="2000" b="1" i="1" dirty="0"/>
+              <a:t>funzione friend </a:t>
+            </a:r>
+            <a:r>
+              <a:rPr lang="it-IT" sz="2000" dirty="0"/>
+              <a:t>di lista</a:t>
+            </a:r>
+          </a:p>
+        </p:txBody>
+      </p:sp>
+      <p:sp>
+        <p:nvSpPr>
+          <p:cNvPr id="4" name="Segnaposto piè di pagina 3">
+            <a:extLst>
+              <a:ext uri="{FF2B5EF4-FFF2-40B4-BE49-F238E27FC236}">
+                <a16:creationId xmlns:a16="http://schemas.microsoft.com/office/drawing/2014/main" id="{0037D739-6537-453B-BE83-3924EC2C57A9}"/>
+              </a:ext>
+            </a:extLst>
+          </p:cNvPr>
+          <p:cNvSpPr>
+            <a:spLocks noGrp="1"/>
+          </p:cNvSpPr>
+          <p:nvPr>
+            <p:ph type="ftr" sz="quarter" idx="11"/>
+          </p:nvPr>
+        </p:nvSpPr>
+        <p:spPr/>
+        <p:txBody>
+          <a:bodyPr/>
+          <a:lstStyle/>
+          <a:p>
+            <a:pPr>
+              <a:defRPr/>
+            </a:pPr>
+            <a:r>
+              <a:rPr lang="it-IT"/>
+              <a:t>Alberto Ferrari – Programmazione di applicazioni SW</a:t>
+            </a:r>
+            <a:endParaRPr lang="it-IT" dirty="0"/>
+          </a:p>
+        </p:txBody>
+      </p:sp>
+    </p:spTree>
+    <p:extLst>
+      <p:ext uri="{BB962C8B-B14F-4D97-AF65-F5344CB8AC3E}">
+        <p14:creationId xmlns:p14="http://schemas.microsoft.com/office/powerpoint/2010/main" val="337592414"/>
       </p:ext>
     </p:extLst>
   </p:cSld>

--- a/lezioni/PASW06 - strutture lineari.pptx
+++ b/lezioni/PASW06 - strutture lineari.pptx
@@ -5,7 +5,7 @@
     <p:sldMasterId id="2147483649" r:id="rId1"/>
   </p:sldMasterIdLst>
   <p:notesMasterIdLst>
-    <p:notesMasterId r:id="rId26"/>
+    <p:notesMasterId r:id="rId29"/>
   </p:notesMasterIdLst>
   <p:sldIdLst>
     <p:sldId id="258" r:id="rId2"/>
@@ -19,19 +19,22 @@
     <p:sldId id="266" r:id="rId10"/>
     <p:sldId id="267" r:id="rId11"/>
     <p:sldId id="268" r:id="rId12"/>
-    <p:sldId id="269" r:id="rId13"/>
-    <p:sldId id="270" r:id="rId14"/>
-    <p:sldId id="271" r:id="rId15"/>
-    <p:sldId id="272" r:id="rId16"/>
-    <p:sldId id="273" r:id="rId17"/>
-    <p:sldId id="275" r:id="rId18"/>
-    <p:sldId id="274" r:id="rId19"/>
-    <p:sldId id="276" r:id="rId20"/>
-    <p:sldId id="277" r:id="rId21"/>
-    <p:sldId id="278" r:id="rId22"/>
-    <p:sldId id="279" r:id="rId23"/>
-    <p:sldId id="280" r:id="rId24"/>
-    <p:sldId id="281" r:id="rId25"/>
+    <p:sldId id="282" r:id="rId13"/>
+    <p:sldId id="283" r:id="rId14"/>
+    <p:sldId id="269" r:id="rId15"/>
+    <p:sldId id="270" r:id="rId16"/>
+    <p:sldId id="271" r:id="rId17"/>
+    <p:sldId id="284" r:id="rId18"/>
+    <p:sldId id="272" r:id="rId19"/>
+    <p:sldId id="273" r:id="rId20"/>
+    <p:sldId id="275" r:id="rId21"/>
+    <p:sldId id="274" r:id="rId22"/>
+    <p:sldId id="276" r:id="rId23"/>
+    <p:sldId id="277" r:id="rId24"/>
+    <p:sldId id="278" r:id="rId25"/>
+    <p:sldId id="279" r:id="rId26"/>
+    <p:sldId id="280" r:id="rId27"/>
+    <p:sldId id="281" r:id="rId28"/>
   </p:sldIdLst>
   <p:sldSz cx="12192000" cy="6858000"/>
   <p:notesSz cx="6858000" cy="9144000"/>
@@ -261,7 +264,7 @@
           <a:p>
             <a:fld id="{537EE30C-6FCC-4D68-889C-61DBBB4BBB87}" type="datetimeFigureOut">
               <a:rPr lang="it-IT" smtClean="0"/>
-              <a:t>01/04/2018</a:t>
+              <a:t>08/04/2018</a:t>
             </a:fld>
             <a:endParaRPr lang="it-IT"/>
           </a:p>
@@ -5216,7 +5219,24 @@
                 <a:latin typeface="Courier New" panose="02070309020205020404" pitchFamily="49" charset="0"/>
                 <a:cs typeface="Courier New" panose="02070309020205020404" pitchFamily="49" charset="0"/>
               </a:rPr>
-              <a:t>class Lista {</a:t>
+              <a:t>class </a:t>
+            </a:r>
+            <a:r>
+              <a:rPr lang="it-IT" sz="1600" b="1" dirty="0">
+                <a:solidFill>
+                  <a:srgbClr val="FF0000"/>
+                </a:solidFill>
+                <a:latin typeface="Courier New" panose="02070309020205020404" pitchFamily="49" charset="0"/>
+                <a:cs typeface="Courier New" panose="02070309020205020404" pitchFamily="49" charset="0"/>
+              </a:rPr>
+              <a:t>Lista</a:t>
+            </a:r>
+            <a:r>
+              <a:rPr lang="it-IT" sz="1600" b="1" dirty="0">
+                <a:latin typeface="Courier New" panose="02070309020205020404" pitchFamily="49" charset="0"/>
+                <a:cs typeface="Courier New" panose="02070309020205020404" pitchFamily="49" charset="0"/>
+              </a:rPr>
+              <a:t> {</a:t>
             </a:r>
           </a:p>
           <a:p>
@@ -5228,7 +5248,7 @@
                 <a:latin typeface="Courier New" panose="02070309020205020404" pitchFamily="49" charset="0"/>
                 <a:cs typeface="Courier New" panose="02070309020205020404" pitchFamily="49" charset="0"/>
               </a:rPr>
-              <a:t>    public:</a:t>
+              <a:t>private:</a:t>
             </a:r>
           </a:p>
           <a:p>
@@ -5240,7 +5260,41 @@
                 <a:latin typeface="Courier New" panose="02070309020205020404" pitchFamily="49" charset="0"/>
                 <a:cs typeface="Courier New" panose="02070309020205020404" pitchFamily="49" charset="0"/>
               </a:rPr>
-              <a:t>        Lista();</a:t>
+              <a:t>   Nodo</a:t>
+            </a:r>
+            <a:r>
+              <a:rPr lang="it-IT" sz="1600" b="1" dirty="0">
+                <a:solidFill>
+                  <a:srgbClr val="FF0000"/>
+                </a:solidFill>
+                <a:latin typeface="Courier New" panose="02070309020205020404" pitchFamily="49" charset="0"/>
+                <a:cs typeface="Courier New" panose="02070309020205020404" pitchFamily="49" charset="0"/>
+              </a:rPr>
+              <a:t>*</a:t>
+            </a:r>
+            <a:r>
+              <a:rPr lang="it-IT" sz="1600" b="1" dirty="0">
+                <a:latin typeface="Courier New" panose="02070309020205020404" pitchFamily="49" charset="0"/>
+                <a:cs typeface="Courier New" panose="02070309020205020404" pitchFamily="49" charset="0"/>
+              </a:rPr>
+              <a:t> </a:t>
+            </a:r>
+            <a:r>
+              <a:rPr lang="it-IT" sz="1600" b="1" dirty="0">
+                <a:solidFill>
+                  <a:srgbClr val="FF0000"/>
+                </a:solidFill>
+                <a:latin typeface="Courier New" panose="02070309020205020404" pitchFamily="49" charset="0"/>
+                <a:cs typeface="Courier New" panose="02070309020205020404" pitchFamily="49" charset="0"/>
+              </a:rPr>
+              <a:t>testa</a:t>
+            </a:r>
+            <a:r>
+              <a:rPr lang="it-IT" sz="1600" b="1" dirty="0">
+                <a:latin typeface="Courier New" panose="02070309020205020404" pitchFamily="49" charset="0"/>
+                <a:cs typeface="Courier New" panose="02070309020205020404" pitchFamily="49" charset="0"/>
+              </a:rPr>
+              <a:t>;</a:t>
             </a:r>
           </a:p>
           <a:p>
@@ -5252,7 +5306,7 @@
                 <a:latin typeface="Courier New" panose="02070309020205020404" pitchFamily="49" charset="0"/>
                 <a:cs typeface="Courier New" panose="02070309020205020404" pitchFamily="49" charset="0"/>
               </a:rPr>
-              <a:t>        Lista(link t);</a:t>
+              <a:t>public:</a:t>
             </a:r>
           </a:p>
           <a:p>
@@ -5264,21 +5318,138 @@
                 <a:latin typeface="Courier New" panose="02070309020205020404" pitchFamily="49" charset="0"/>
                 <a:cs typeface="Courier New" panose="02070309020205020404" pitchFamily="49" charset="0"/>
               </a:rPr>
-              <a:t>        </a:t>
+              <a:t>   </a:t>
+            </a:r>
+            <a:r>
+              <a:rPr lang="it-IT" sz="1600" b="1" dirty="0">
+                <a:solidFill>
+                  <a:srgbClr val="FF0000"/>
+                </a:solidFill>
+                <a:latin typeface="Courier New" panose="02070309020205020404" pitchFamily="49" charset="0"/>
+                <a:cs typeface="Courier New" panose="02070309020205020404" pitchFamily="49" charset="0"/>
+              </a:rPr>
+              <a:t>Lista</a:t>
+            </a:r>
+            <a:r>
+              <a:rPr lang="it-IT" sz="1600" b="1" dirty="0">
+                <a:latin typeface="Courier New" panose="02070309020205020404" pitchFamily="49" charset="0"/>
+                <a:cs typeface="Courier New" panose="02070309020205020404" pitchFamily="49" charset="0"/>
+              </a:rPr>
+              <a:t>();</a:t>
+            </a:r>
+          </a:p>
+          <a:p>
+            <a:pPr marL="0" indent="0">
+              <a:buNone/>
+            </a:pPr>
+            <a:r>
+              <a:rPr lang="it-IT" sz="1600" b="1" dirty="0">
+                <a:latin typeface="Courier New" panose="02070309020205020404" pitchFamily="49" charset="0"/>
+                <a:cs typeface="Courier New" panose="02070309020205020404" pitchFamily="49" charset="0"/>
+              </a:rPr>
+              <a:t>   </a:t>
+            </a:r>
+            <a:r>
+              <a:rPr lang="it-IT" sz="1600" b="1" dirty="0">
+                <a:solidFill>
+                  <a:srgbClr val="FF0000"/>
+                </a:solidFill>
+                <a:latin typeface="Courier New" panose="02070309020205020404" pitchFamily="49" charset="0"/>
+                <a:cs typeface="Courier New" panose="02070309020205020404" pitchFamily="49" charset="0"/>
+              </a:rPr>
+              <a:t>~Lista</a:t>
+            </a:r>
+            <a:r>
+              <a:rPr lang="it-IT" sz="1600" b="1" dirty="0">
+                <a:latin typeface="Courier New" panose="02070309020205020404" pitchFamily="49" charset="0"/>
+                <a:cs typeface="Courier New" panose="02070309020205020404" pitchFamily="49" charset="0"/>
+              </a:rPr>
+              <a:t>();</a:t>
+            </a:r>
+          </a:p>
+          <a:p>
+            <a:pPr marL="0" indent="0">
+              <a:buNone/>
+            </a:pPr>
+            <a:r>
+              <a:rPr lang="it-IT" sz="1600" b="1" dirty="0">
+                <a:latin typeface="Courier New" panose="02070309020205020404" pitchFamily="49" charset="0"/>
+                <a:cs typeface="Courier New" panose="02070309020205020404" pitchFamily="49" charset="0"/>
+              </a:rPr>
+              <a:t>   </a:t>
             </a:r>
             <a:r>
               <a:rPr lang="it-IT" sz="1600" b="1" dirty="0" err="1">
                 <a:latin typeface="Courier New" panose="02070309020205020404" pitchFamily="49" charset="0"/>
                 <a:cs typeface="Courier New" panose="02070309020205020404" pitchFamily="49" charset="0"/>
               </a:rPr>
-              <a:t>virtual</a:t>
-            </a:r>
-            <a:r>
-              <a:rPr lang="it-IT" sz="1600" b="1" dirty="0">
-                <a:latin typeface="Courier New" panose="02070309020205020404" pitchFamily="49" charset="0"/>
-                <a:cs typeface="Courier New" panose="02070309020205020404" pitchFamily="49" charset="0"/>
-              </a:rPr>
-              <a:t> ~Lista();</a:t>
+              <a:t>void</a:t>
+            </a:r>
+            <a:r>
+              <a:rPr lang="it-IT" sz="1600" b="1" dirty="0">
+                <a:latin typeface="Courier New" panose="02070309020205020404" pitchFamily="49" charset="0"/>
+                <a:cs typeface="Courier New" panose="02070309020205020404" pitchFamily="49" charset="0"/>
+              </a:rPr>
+              <a:t> </a:t>
+            </a:r>
+            <a:r>
+              <a:rPr lang="it-IT" sz="1600" b="1" dirty="0" err="1">
+                <a:solidFill>
+                  <a:srgbClr val="FF0000"/>
+                </a:solidFill>
+                <a:latin typeface="Courier New" panose="02070309020205020404" pitchFamily="49" charset="0"/>
+                <a:cs typeface="Courier New" panose="02070309020205020404" pitchFamily="49" charset="0"/>
+              </a:rPr>
+              <a:t>insTesta</a:t>
+            </a:r>
+            <a:r>
+              <a:rPr lang="it-IT" sz="1600" b="1" dirty="0">
+                <a:latin typeface="Courier New" panose="02070309020205020404" pitchFamily="49" charset="0"/>
+                <a:cs typeface="Courier New" panose="02070309020205020404" pitchFamily="49" charset="0"/>
+              </a:rPr>
+              <a:t>(</a:t>
+            </a:r>
+            <a:r>
+              <a:rPr lang="it-IT" sz="1600" b="1" dirty="0" err="1">
+                <a:latin typeface="Courier New" panose="02070309020205020404" pitchFamily="49" charset="0"/>
+                <a:cs typeface="Courier New" panose="02070309020205020404" pitchFamily="49" charset="0"/>
+              </a:rPr>
+              <a:t>const</a:t>
+            </a:r>
+            <a:r>
+              <a:rPr lang="it-IT" sz="1600" b="1" dirty="0">
+                <a:latin typeface="Courier New" panose="02070309020205020404" pitchFamily="49" charset="0"/>
+                <a:cs typeface="Courier New" panose="02070309020205020404" pitchFamily="49" charset="0"/>
+              </a:rPr>
+              <a:t> </a:t>
+            </a:r>
+            <a:r>
+              <a:rPr lang="it-IT" sz="1600" b="1" dirty="0" err="1">
+                <a:latin typeface="Courier New" panose="02070309020205020404" pitchFamily="49" charset="0"/>
+                <a:cs typeface="Courier New" panose="02070309020205020404" pitchFamily="49" charset="0"/>
+              </a:rPr>
+              <a:t>string</a:t>
+            </a:r>
+            <a:r>
+              <a:rPr lang="it-IT" sz="1600" b="1" dirty="0">
+                <a:latin typeface="Courier New" panose="02070309020205020404" pitchFamily="49" charset="0"/>
+                <a:cs typeface="Courier New" panose="02070309020205020404" pitchFamily="49" charset="0"/>
+              </a:rPr>
+              <a:t> &amp;</a:t>
+            </a:r>
+            <a:r>
+              <a:rPr lang="it-IT" sz="1600" b="1" dirty="0" err="1">
+                <a:latin typeface="Courier New" panose="02070309020205020404" pitchFamily="49" charset="0"/>
+                <a:cs typeface="Courier New" panose="02070309020205020404" pitchFamily="49" charset="0"/>
+              </a:rPr>
+              <a:t>value</a:t>
+            </a:r>
+            <a:r>
+              <a:rPr lang="it-IT" sz="1600" b="1" dirty="0">
+                <a:latin typeface="Courier New" panose="02070309020205020404" pitchFamily="49" charset="0"/>
+                <a:cs typeface="Courier New" panose="02070309020205020404" pitchFamily="49" charset="0"/>
+              </a:rPr>
+              <a:t>);</a:t>
             </a:r>
           </a:p>
           <a:p>
@@ -5290,7 +5461,7 @@
                 <a:latin typeface="Courier New" panose="02070309020205020404" pitchFamily="49" charset="0"/>
                 <a:cs typeface="Courier New" panose="02070309020205020404" pitchFamily="49" charset="0"/>
               </a:rPr>
-              <a:t>        </a:t>
+              <a:t>   </a:t>
             </a:r>
             <a:r>
               <a:rPr lang="it-IT" sz="1600" b="1" dirty="0" err="1">
@@ -5308,17 +5479,62 @@
             </a:r>
             <a:r>
               <a:rPr lang="it-IT" sz="1600" b="1" dirty="0" err="1">
-                <a:latin typeface="Courier New" panose="02070309020205020404" pitchFamily="49" charset="0"/>
-                <a:cs typeface="Courier New" panose="02070309020205020404" pitchFamily="49" charset="0"/>
-              </a:rPr>
-              <a:t>insTesta</a:t>
-            </a:r>
-            <a:r>
-              <a:rPr lang="it-IT" sz="1600" b="1" dirty="0">
-                <a:latin typeface="Courier New" panose="02070309020205020404" pitchFamily="49" charset="0"/>
-                <a:cs typeface="Courier New" panose="02070309020205020404" pitchFamily="49" charset="0"/>
-              </a:rPr>
-              <a:t>(link);</a:t>
+                <a:solidFill>
+                  <a:srgbClr val="FF0000"/>
+                </a:solidFill>
+                <a:latin typeface="Courier New" panose="02070309020205020404" pitchFamily="49" charset="0"/>
+                <a:cs typeface="Courier New" panose="02070309020205020404" pitchFamily="49" charset="0"/>
+              </a:rPr>
+              <a:t>insCoda</a:t>
+            </a:r>
+            <a:r>
+              <a:rPr lang="it-IT" sz="1600" b="1" dirty="0">
+                <a:latin typeface="Courier New" panose="02070309020205020404" pitchFamily="49" charset="0"/>
+                <a:cs typeface="Courier New" panose="02070309020205020404" pitchFamily="49" charset="0"/>
+              </a:rPr>
+              <a:t>(</a:t>
+            </a:r>
+            <a:r>
+              <a:rPr lang="it-IT" sz="1600" b="1" dirty="0" err="1">
+                <a:latin typeface="Courier New" panose="02070309020205020404" pitchFamily="49" charset="0"/>
+                <a:cs typeface="Courier New" panose="02070309020205020404" pitchFamily="49" charset="0"/>
+              </a:rPr>
+              <a:t>const</a:t>
+            </a:r>
+            <a:r>
+              <a:rPr lang="it-IT" sz="1600" b="1" dirty="0">
+                <a:latin typeface="Courier New" panose="02070309020205020404" pitchFamily="49" charset="0"/>
+                <a:cs typeface="Courier New" panose="02070309020205020404" pitchFamily="49" charset="0"/>
+              </a:rPr>
+              <a:t> </a:t>
+            </a:r>
+            <a:r>
+              <a:rPr lang="it-IT" sz="1600" b="1" dirty="0" err="1">
+                <a:latin typeface="Courier New" panose="02070309020205020404" pitchFamily="49" charset="0"/>
+                <a:cs typeface="Courier New" panose="02070309020205020404" pitchFamily="49" charset="0"/>
+              </a:rPr>
+              <a:t>string</a:t>
+            </a:r>
+            <a:r>
+              <a:rPr lang="it-IT" sz="1600" b="1" dirty="0">
+                <a:latin typeface="Courier New" panose="02070309020205020404" pitchFamily="49" charset="0"/>
+                <a:cs typeface="Courier New" panose="02070309020205020404" pitchFamily="49" charset="0"/>
+              </a:rPr>
+              <a:t> &amp;</a:t>
+            </a:r>
+            <a:r>
+              <a:rPr lang="it-IT" sz="1600" b="1" dirty="0" err="1">
+                <a:latin typeface="Courier New" panose="02070309020205020404" pitchFamily="49" charset="0"/>
+                <a:cs typeface="Courier New" panose="02070309020205020404" pitchFamily="49" charset="0"/>
+              </a:rPr>
+              <a:t>value</a:t>
+            </a:r>
+            <a:r>
+              <a:rPr lang="it-IT" sz="1600" b="1" dirty="0">
+                <a:latin typeface="Courier New" panose="02070309020205020404" pitchFamily="49" charset="0"/>
+                <a:cs typeface="Courier New" panose="02070309020205020404" pitchFamily="49" charset="0"/>
+              </a:rPr>
+              <a:t>);</a:t>
             </a:r>
           </a:p>
           <a:p>
@@ -5330,13 +5546,30 @@
                 <a:latin typeface="Courier New" panose="02070309020205020404" pitchFamily="49" charset="0"/>
                 <a:cs typeface="Courier New" panose="02070309020205020404" pitchFamily="49" charset="0"/>
               </a:rPr>
-              <a:t>        link </a:t>
+              <a:t>   </a:t>
             </a:r>
             <a:r>
               <a:rPr lang="it-IT" sz="1600" b="1" dirty="0" err="1">
                 <a:latin typeface="Courier New" panose="02070309020205020404" pitchFamily="49" charset="0"/>
                 <a:cs typeface="Courier New" panose="02070309020205020404" pitchFamily="49" charset="0"/>
               </a:rPr>
+              <a:t>bool</a:t>
+            </a:r>
+            <a:r>
+              <a:rPr lang="it-IT" sz="1600" b="1" dirty="0">
+                <a:latin typeface="Courier New" panose="02070309020205020404" pitchFamily="49" charset="0"/>
+                <a:cs typeface="Courier New" panose="02070309020205020404" pitchFamily="49" charset="0"/>
+              </a:rPr>
+              <a:t> </a:t>
+            </a:r>
+            <a:r>
+              <a:rPr lang="it-IT" sz="1600" b="1" dirty="0" err="1">
+                <a:solidFill>
+                  <a:srgbClr val="FF0000"/>
+                </a:solidFill>
+                <a:latin typeface="Courier New" panose="02070309020205020404" pitchFamily="49" charset="0"/>
+                <a:cs typeface="Courier New" panose="02070309020205020404" pitchFamily="49" charset="0"/>
+              </a:rPr>
               <a:t>elimTesta</a:t>
             </a:r>
             <a:r>
@@ -5344,7 +5577,35 @@
                 <a:latin typeface="Courier New" panose="02070309020205020404" pitchFamily="49" charset="0"/>
                 <a:cs typeface="Courier New" panose="02070309020205020404" pitchFamily="49" charset="0"/>
               </a:rPr>
-              <a:t>();</a:t>
+              <a:t>(</a:t>
+            </a:r>
+            <a:r>
+              <a:rPr lang="it-IT" sz="1600" b="1" dirty="0" err="1">
+                <a:latin typeface="Courier New" panose="02070309020205020404" pitchFamily="49" charset="0"/>
+                <a:cs typeface="Courier New" panose="02070309020205020404" pitchFamily="49" charset="0"/>
+              </a:rPr>
+              <a:t>string</a:t>
+            </a:r>
+            <a:r>
+              <a:rPr lang="it-IT" sz="1600" b="1" dirty="0">
+                <a:latin typeface="Courier New" panose="02070309020205020404" pitchFamily="49" charset="0"/>
+                <a:cs typeface="Courier New" panose="02070309020205020404" pitchFamily="49" charset="0"/>
+              </a:rPr>
+              <a:t> &amp;</a:t>
+            </a:r>
+            <a:r>
+              <a:rPr lang="it-IT" sz="1600" b="1" dirty="0" err="1">
+                <a:latin typeface="Courier New" panose="02070309020205020404" pitchFamily="49" charset="0"/>
+                <a:cs typeface="Courier New" panose="02070309020205020404" pitchFamily="49" charset="0"/>
+              </a:rPr>
+              <a:t>value</a:t>
+            </a:r>
+            <a:r>
+              <a:rPr lang="it-IT" sz="1600" b="1" dirty="0">
+                <a:latin typeface="Courier New" panose="02070309020205020404" pitchFamily="49" charset="0"/>
+                <a:cs typeface="Courier New" panose="02070309020205020404" pitchFamily="49" charset="0"/>
+              </a:rPr>
+              <a:t>);</a:t>
             </a:r>
           </a:p>
           <a:p>
@@ -5356,14 +5617,14 @@
                 <a:latin typeface="Courier New" panose="02070309020205020404" pitchFamily="49" charset="0"/>
                 <a:cs typeface="Courier New" panose="02070309020205020404" pitchFamily="49" charset="0"/>
               </a:rPr>
-              <a:t>        </a:t>
+              <a:t>   </a:t>
             </a:r>
             <a:r>
               <a:rPr lang="it-IT" sz="1600" b="1" dirty="0" err="1">
                 <a:latin typeface="Courier New" panose="02070309020205020404" pitchFamily="49" charset="0"/>
                 <a:cs typeface="Courier New" panose="02070309020205020404" pitchFamily="49" charset="0"/>
               </a:rPr>
-              <a:t>void</a:t>
+              <a:t>bool</a:t>
             </a:r>
             <a:r>
               <a:rPr lang="it-IT" sz="1600" b="1" dirty="0">
@@ -5374,17 +5635,62 @@
             </a:r>
             <a:r>
               <a:rPr lang="it-IT" sz="1600" b="1" dirty="0" err="1">
-                <a:latin typeface="Courier New" panose="02070309020205020404" pitchFamily="49" charset="0"/>
-                <a:cs typeface="Courier New" panose="02070309020205020404" pitchFamily="49" charset="0"/>
-              </a:rPr>
-              <a:t>insCoda</a:t>
-            </a:r>
-            <a:r>
-              <a:rPr lang="it-IT" sz="1600" b="1" dirty="0">
-                <a:latin typeface="Courier New" panose="02070309020205020404" pitchFamily="49" charset="0"/>
-                <a:cs typeface="Courier New" panose="02070309020205020404" pitchFamily="49" charset="0"/>
-              </a:rPr>
-              <a:t>(link);</a:t>
+                <a:solidFill>
+                  <a:srgbClr val="FF0000"/>
+                </a:solidFill>
+                <a:latin typeface="Courier New" panose="02070309020205020404" pitchFamily="49" charset="0"/>
+                <a:cs typeface="Courier New" panose="02070309020205020404" pitchFamily="49" charset="0"/>
+              </a:rPr>
+              <a:t>elimCoda</a:t>
+            </a:r>
+            <a:r>
+              <a:rPr lang="it-IT" sz="1600" b="1" dirty="0">
+                <a:latin typeface="Courier New" panose="02070309020205020404" pitchFamily="49" charset="0"/>
+                <a:cs typeface="Courier New" panose="02070309020205020404" pitchFamily="49" charset="0"/>
+              </a:rPr>
+              <a:t>(</a:t>
+            </a:r>
+            <a:r>
+              <a:rPr lang="it-IT" sz="1600" b="1" dirty="0" err="1">
+                <a:latin typeface="Courier New" panose="02070309020205020404" pitchFamily="49" charset="0"/>
+                <a:cs typeface="Courier New" panose="02070309020205020404" pitchFamily="49" charset="0"/>
+              </a:rPr>
+              <a:t>std</a:t>
+            </a:r>
+            <a:r>
+              <a:rPr lang="it-IT" sz="1600" b="1" dirty="0">
+                <a:latin typeface="Courier New" panose="02070309020205020404" pitchFamily="49" charset="0"/>
+                <a:cs typeface="Courier New" panose="02070309020205020404" pitchFamily="49" charset="0"/>
+              </a:rPr>
+              <a:t>::</a:t>
+            </a:r>
+            <a:r>
+              <a:rPr lang="it-IT" sz="1600" b="1" dirty="0" err="1">
+                <a:latin typeface="Courier New" panose="02070309020205020404" pitchFamily="49" charset="0"/>
+                <a:cs typeface="Courier New" panose="02070309020205020404" pitchFamily="49" charset="0"/>
+              </a:rPr>
+              <a:t>string</a:t>
+            </a:r>
+            <a:r>
+              <a:rPr lang="it-IT" sz="1600" b="1" dirty="0">
+                <a:latin typeface="Courier New" panose="02070309020205020404" pitchFamily="49" charset="0"/>
+                <a:cs typeface="Courier New" panose="02070309020205020404" pitchFamily="49" charset="0"/>
+              </a:rPr>
+              <a:t> &amp;</a:t>
+            </a:r>
+            <a:r>
+              <a:rPr lang="it-IT" sz="1600" b="1" dirty="0" err="1">
+                <a:latin typeface="Courier New" panose="02070309020205020404" pitchFamily="49" charset="0"/>
+                <a:cs typeface="Courier New" panose="02070309020205020404" pitchFamily="49" charset="0"/>
+              </a:rPr>
+              <a:t>value</a:t>
+            </a:r>
+            <a:r>
+              <a:rPr lang="it-IT" sz="1600" b="1" dirty="0">
+                <a:latin typeface="Courier New" panose="02070309020205020404" pitchFamily="49" charset="0"/>
+                <a:cs typeface="Courier New" panose="02070309020205020404" pitchFamily="49" charset="0"/>
+              </a:rPr>
+              <a:t>);</a:t>
             </a:r>
           </a:p>
           <a:p>
@@ -5396,40 +5702,191 @@
                 <a:latin typeface="Courier New" panose="02070309020205020404" pitchFamily="49" charset="0"/>
                 <a:cs typeface="Courier New" panose="02070309020205020404" pitchFamily="49" charset="0"/>
               </a:rPr>
-              <a:t>        link </a:t>
+              <a:t>   </a:t>
             </a:r>
             <a:r>
               <a:rPr lang="it-IT" sz="1600" b="1" dirty="0" err="1">
                 <a:latin typeface="Courier New" panose="02070309020205020404" pitchFamily="49" charset="0"/>
                 <a:cs typeface="Courier New" panose="02070309020205020404" pitchFamily="49" charset="0"/>
               </a:rPr>
-              <a:t>elimCoda</a:t>
-            </a:r>
-            <a:r>
-              <a:rPr lang="it-IT" sz="1600" b="1" dirty="0">
-                <a:latin typeface="Courier New" panose="02070309020205020404" pitchFamily="49" charset="0"/>
-                <a:cs typeface="Courier New" panose="02070309020205020404" pitchFamily="49" charset="0"/>
-              </a:rPr>
-              <a:t>();</a:t>
+              <a:t>bool</a:t>
+            </a:r>
+            <a:r>
+              <a:rPr lang="it-IT" sz="1600" b="1" dirty="0">
+                <a:latin typeface="Courier New" panose="02070309020205020404" pitchFamily="49" charset="0"/>
+                <a:cs typeface="Courier New" panose="02070309020205020404" pitchFamily="49" charset="0"/>
+              </a:rPr>
+              <a:t> </a:t>
+            </a:r>
+            <a:r>
+              <a:rPr lang="it-IT" sz="1600" b="1" dirty="0">
+                <a:solidFill>
+                  <a:srgbClr val="FF0000"/>
+                </a:solidFill>
+                <a:latin typeface="Courier New" panose="02070309020205020404" pitchFamily="49" charset="0"/>
+                <a:cs typeface="Courier New" panose="02070309020205020404" pitchFamily="49" charset="0"/>
+              </a:rPr>
+              <a:t>vuota</a:t>
+            </a:r>
+            <a:r>
+              <a:rPr lang="it-IT" sz="1600" b="1" dirty="0">
+                <a:latin typeface="Courier New" panose="02070309020205020404" pitchFamily="49" charset="0"/>
+                <a:cs typeface="Courier New" panose="02070309020205020404" pitchFamily="49" charset="0"/>
+              </a:rPr>
+              <a:t>() </a:t>
+            </a:r>
+            <a:r>
+              <a:rPr lang="it-IT" sz="1600" b="1" dirty="0" err="1">
+                <a:latin typeface="Courier New" panose="02070309020205020404" pitchFamily="49" charset="0"/>
+                <a:cs typeface="Courier New" panose="02070309020205020404" pitchFamily="49" charset="0"/>
+              </a:rPr>
+              <a:t>const</a:t>
+            </a:r>
+            <a:r>
+              <a:rPr lang="it-IT" sz="1600" b="1" dirty="0">
+                <a:latin typeface="Courier New" panose="02070309020205020404" pitchFamily="49" charset="0"/>
+                <a:cs typeface="Courier New" panose="02070309020205020404" pitchFamily="49" charset="0"/>
+              </a:rPr>
+              <a:t>;</a:t>
             </a:r>
           </a:p>
           <a:p>
             <a:pPr marL="0" indent="0">
               <a:buNone/>
             </a:pPr>
-            <a:r>
-              <a:rPr lang="it-IT" sz="1600" b="1" dirty="0">
-                <a:latin typeface="Courier New" panose="02070309020205020404" pitchFamily="49" charset="0"/>
-                <a:cs typeface="Courier New" panose="02070309020205020404" pitchFamily="49" charset="0"/>
-              </a:rPr>
-              <a:t>        link elimina(</a:t>
+            <a:endParaRPr lang="it-IT" sz="1600" b="1" dirty="0">
+              <a:latin typeface="Courier New" panose="02070309020205020404" pitchFamily="49" charset="0"/>
+              <a:cs typeface="Courier New" panose="02070309020205020404" pitchFamily="49" charset="0"/>
+            </a:endParaRPr>
+          </a:p>
+          <a:p>
+            <a:pPr marL="0" indent="0">
+              <a:buNone/>
+            </a:pPr>
+            <a:r>
+              <a:rPr lang="it-IT" sz="1600" b="1" dirty="0">
+                <a:solidFill>
+                  <a:srgbClr val="FF0000"/>
+                </a:solidFill>
+                <a:latin typeface="Courier New" panose="02070309020205020404" pitchFamily="49" charset="0"/>
+                <a:cs typeface="Courier New" panose="02070309020205020404" pitchFamily="49" charset="0"/>
+              </a:rPr>
+              <a:t>friend</a:t>
+            </a:r>
+            <a:r>
+              <a:rPr lang="it-IT" sz="1600" b="1" dirty="0">
+                <a:latin typeface="Courier New" panose="02070309020205020404" pitchFamily="49" charset="0"/>
+                <a:cs typeface="Courier New" panose="02070309020205020404" pitchFamily="49" charset="0"/>
+              </a:rPr>
+              <a:t> </a:t>
             </a:r>
             <a:r>
               <a:rPr lang="it-IT" sz="1600" b="1" dirty="0" err="1">
                 <a:latin typeface="Courier New" panose="02070309020205020404" pitchFamily="49" charset="0"/>
                 <a:cs typeface="Courier New" panose="02070309020205020404" pitchFamily="49" charset="0"/>
               </a:rPr>
-              <a:t>int</a:t>
+              <a:t>std</a:t>
+            </a:r>
+            <a:r>
+              <a:rPr lang="it-IT" sz="1600" b="1" dirty="0">
+                <a:latin typeface="Courier New" panose="02070309020205020404" pitchFamily="49" charset="0"/>
+                <a:cs typeface="Courier New" panose="02070309020205020404" pitchFamily="49" charset="0"/>
+              </a:rPr>
+              <a:t>::</a:t>
+            </a:r>
+            <a:r>
+              <a:rPr lang="it-IT" sz="1600" b="1" dirty="0" err="1">
+                <a:latin typeface="Courier New" panose="02070309020205020404" pitchFamily="49" charset="0"/>
+                <a:cs typeface="Courier New" panose="02070309020205020404" pitchFamily="49" charset="0"/>
+              </a:rPr>
+              <a:t>ostream</a:t>
+            </a:r>
+            <a:r>
+              <a:rPr lang="it-IT" sz="1600" b="1" dirty="0">
+                <a:latin typeface="Courier New" panose="02070309020205020404" pitchFamily="49" charset="0"/>
+                <a:cs typeface="Courier New" panose="02070309020205020404" pitchFamily="49" charset="0"/>
+              </a:rPr>
+              <a:t> &amp; </a:t>
+            </a:r>
+            <a:r>
+              <a:rPr lang="it-IT" sz="1600" b="1" dirty="0">
+                <a:solidFill>
+                  <a:srgbClr val="FF0000"/>
+                </a:solidFill>
+                <a:latin typeface="Courier New" panose="02070309020205020404" pitchFamily="49" charset="0"/>
+                <a:cs typeface="Courier New" panose="02070309020205020404" pitchFamily="49" charset="0"/>
+              </a:rPr>
+              <a:t>operator&lt;&lt; </a:t>
+            </a:r>
+            <a:r>
+              <a:rPr lang="it-IT" sz="1600" b="1" dirty="0">
+                <a:latin typeface="Courier New" panose="02070309020205020404" pitchFamily="49" charset="0"/>
+                <a:cs typeface="Courier New" panose="02070309020205020404" pitchFamily="49" charset="0"/>
+              </a:rPr>
+              <a:t>(</a:t>
+            </a:r>
+            <a:r>
+              <a:rPr lang="it-IT" sz="1600" b="1" dirty="0" err="1">
+                <a:latin typeface="Courier New" panose="02070309020205020404" pitchFamily="49" charset="0"/>
+                <a:cs typeface="Courier New" panose="02070309020205020404" pitchFamily="49" charset="0"/>
+              </a:rPr>
+              <a:t>std</a:t>
+            </a:r>
+            <a:r>
+              <a:rPr lang="it-IT" sz="1600" b="1" dirty="0">
+                <a:latin typeface="Courier New" panose="02070309020205020404" pitchFamily="49" charset="0"/>
+                <a:cs typeface="Courier New" panose="02070309020205020404" pitchFamily="49" charset="0"/>
+              </a:rPr>
+              <a:t>::</a:t>
+            </a:r>
+            <a:r>
+              <a:rPr lang="it-IT" sz="1600" b="1" dirty="0" err="1">
+                <a:latin typeface="Courier New" panose="02070309020205020404" pitchFamily="49" charset="0"/>
+                <a:cs typeface="Courier New" panose="02070309020205020404" pitchFamily="49" charset="0"/>
+              </a:rPr>
+              <a:t>ostream</a:t>
+            </a:r>
+            <a:r>
+              <a:rPr lang="it-IT" sz="1600" b="1" dirty="0">
+                <a:latin typeface="Courier New" panose="02070309020205020404" pitchFamily="49" charset="0"/>
+                <a:cs typeface="Courier New" panose="02070309020205020404" pitchFamily="49" charset="0"/>
+              </a:rPr>
+              <a:t> &amp; </a:t>
+            </a:r>
+            <a:r>
+              <a:rPr lang="it-IT" sz="1600" b="1" dirty="0" err="1">
+                <a:latin typeface="Courier New" panose="02070309020205020404" pitchFamily="49" charset="0"/>
+                <a:cs typeface="Courier New" panose="02070309020205020404" pitchFamily="49" charset="0"/>
+              </a:rPr>
+              <a:t>os</a:t>
+            </a:r>
+            <a:r>
+              <a:rPr lang="it-IT" sz="1600" b="1" dirty="0">
+                <a:latin typeface="Courier New" panose="02070309020205020404" pitchFamily="49" charset="0"/>
+                <a:cs typeface="Courier New" panose="02070309020205020404" pitchFamily="49" charset="0"/>
+              </a:rPr>
+              <a:t>, </a:t>
+            </a:r>
+            <a:r>
+              <a:rPr lang="it-IT" sz="1600" b="1" dirty="0" err="1">
+                <a:latin typeface="Courier New" panose="02070309020205020404" pitchFamily="49" charset="0"/>
+                <a:cs typeface="Courier New" panose="02070309020205020404" pitchFamily="49" charset="0"/>
+              </a:rPr>
+              <a:t>const</a:t>
+            </a:r>
+            <a:r>
+              <a:rPr lang="it-IT" sz="1600" b="1" dirty="0">
+                <a:latin typeface="Courier New" panose="02070309020205020404" pitchFamily="49" charset="0"/>
+                <a:cs typeface="Courier New" panose="02070309020205020404" pitchFamily="49" charset="0"/>
+              </a:rPr>
+              <a:t> Lista &amp; </a:t>
+            </a:r>
+            <a:r>
+              <a:rPr lang="it-IT" sz="1600" b="1" dirty="0" err="1">
+                <a:latin typeface="Courier New" panose="02070309020205020404" pitchFamily="49" charset="0"/>
+                <a:cs typeface="Courier New" panose="02070309020205020404" pitchFamily="49" charset="0"/>
+              </a:rPr>
+              <a:t>lst</a:t>
             </a:r>
             <a:r>
               <a:rPr lang="it-IT" sz="1600" b="1" dirty="0">
@@ -5437,122 +5894,6 @@
                 <a:cs typeface="Courier New" panose="02070309020205020404" pitchFamily="49" charset="0"/>
               </a:rPr>
               <a:t>);</a:t>
-            </a:r>
-          </a:p>
-          <a:p>
-            <a:pPr marL="0" indent="0">
-              <a:buNone/>
-            </a:pPr>
-            <a:r>
-              <a:rPr lang="it-IT" sz="1600" b="1" dirty="0">
-                <a:latin typeface="Courier New" panose="02070309020205020404" pitchFamily="49" charset="0"/>
-                <a:cs typeface="Courier New" panose="02070309020205020404" pitchFamily="49" charset="0"/>
-              </a:rPr>
-              <a:t>        </a:t>
-            </a:r>
-            <a:r>
-              <a:rPr lang="it-IT" sz="1600" b="1" dirty="0" err="1">
-                <a:latin typeface="Courier New" panose="02070309020205020404" pitchFamily="49" charset="0"/>
-                <a:cs typeface="Courier New" panose="02070309020205020404" pitchFamily="49" charset="0"/>
-              </a:rPr>
-              <a:t>void</a:t>
-            </a:r>
-            <a:r>
-              <a:rPr lang="it-IT" sz="1600" b="1" dirty="0">
-                <a:latin typeface="Courier New" panose="02070309020205020404" pitchFamily="49" charset="0"/>
-                <a:cs typeface="Courier New" panose="02070309020205020404" pitchFamily="49" charset="0"/>
-              </a:rPr>
-              <a:t> inserisci(</a:t>
-            </a:r>
-            <a:r>
-              <a:rPr lang="it-IT" sz="1600" b="1" dirty="0" err="1">
-                <a:latin typeface="Courier New" panose="02070309020205020404" pitchFamily="49" charset="0"/>
-                <a:cs typeface="Courier New" panose="02070309020205020404" pitchFamily="49" charset="0"/>
-              </a:rPr>
-              <a:t>link,int</a:t>
-            </a:r>
-            <a:r>
-              <a:rPr lang="it-IT" sz="1600" b="1" dirty="0">
-                <a:latin typeface="Courier New" panose="02070309020205020404" pitchFamily="49" charset="0"/>
-                <a:cs typeface="Courier New" panose="02070309020205020404" pitchFamily="49" charset="0"/>
-              </a:rPr>
-              <a:t>);</a:t>
-            </a:r>
-          </a:p>
-          <a:p>
-            <a:pPr marL="0" indent="0">
-              <a:buNone/>
-            </a:pPr>
-            <a:r>
-              <a:rPr lang="it-IT" sz="1600" b="1" dirty="0">
-                <a:latin typeface="Courier New" panose="02070309020205020404" pitchFamily="49" charset="0"/>
-                <a:cs typeface="Courier New" panose="02070309020205020404" pitchFamily="49" charset="0"/>
-              </a:rPr>
-              <a:t>        </a:t>
-            </a:r>
-            <a:r>
-              <a:rPr lang="it-IT" sz="1600" b="1" dirty="0" err="1">
-                <a:latin typeface="Courier New" panose="02070309020205020404" pitchFamily="49" charset="0"/>
-                <a:cs typeface="Courier New" panose="02070309020205020404" pitchFamily="49" charset="0"/>
-              </a:rPr>
-              <a:t>void</a:t>
-            </a:r>
-            <a:r>
-              <a:rPr lang="it-IT" sz="1600" b="1" dirty="0">
-                <a:latin typeface="Courier New" panose="02070309020205020404" pitchFamily="49" charset="0"/>
-                <a:cs typeface="Courier New" panose="02070309020205020404" pitchFamily="49" charset="0"/>
-              </a:rPr>
-              <a:t> stampa();</a:t>
-            </a:r>
-          </a:p>
-          <a:p>
-            <a:pPr marL="0" indent="0">
-              <a:buNone/>
-            </a:pPr>
-            <a:r>
-              <a:rPr lang="it-IT" sz="1600" b="1" dirty="0">
-                <a:latin typeface="Courier New" panose="02070309020205020404" pitchFamily="49" charset="0"/>
-                <a:cs typeface="Courier New" panose="02070309020205020404" pitchFamily="49" charset="0"/>
-              </a:rPr>
-              <a:t>        </a:t>
-            </a:r>
-            <a:r>
-              <a:rPr lang="it-IT" sz="1600" b="1" dirty="0" err="1">
-                <a:latin typeface="Courier New" panose="02070309020205020404" pitchFamily="49" charset="0"/>
-                <a:cs typeface="Courier New" panose="02070309020205020404" pitchFamily="49" charset="0"/>
-              </a:rPr>
-              <a:t>void</a:t>
-            </a:r>
-            <a:r>
-              <a:rPr lang="it-IT" sz="1600" b="1" dirty="0">
-                <a:latin typeface="Courier New" panose="02070309020205020404" pitchFamily="49" charset="0"/>
-                <a:cs typeface="Courier New" panose="02070309020205020404" pitchFamily="49" charset="0"/>
-              </a:rPr>
-              <a:t> elimina();</a:t>
-            </a:r>
-          </a:p>
-          <a:p>
-            <a:pPr marL="0" indent="0">
-              <a:buNone/>
-            </a:pPr>
-            <a:r>
-              <a:rPr lang="it-IT" sz="1600" b="1" dirty="0">
-                <a:latin typeface="Courier New" panose="02070309020205020404" pitchFamily="49" charset="0"/>
-                <a:cs typeface="Courier New" panose="02070309020205020404" pitchFamily="49" charset="0"/>
-              </a:rPr>
-              <a:t>    private:</a:t>
-            </a:r>
-          </a:p>
-          <a:p>
-            <a:pPr marL="0" indent="0">
-              <a:buNone/>
-            </a:pPr>
-            <a:r>
-              <a:rPr lang="it-IT" sz="1600" b="1" dirty="0">
-                <a:latin typeface="Courier New" panose="02070309020205020404" pitchFamily="49" charset="0"/>
-                <a:cs typeface="Courier New" panose="02070309020205020404" pitchFamily="49" charset="0"/>
-              </a:rPr>
-              <a:t>        link testa;</a:t>
             </a:r>
           </a:p>
           <a:p>
@@ -5617,7 +5958,21 @@
                 <a:latin typeface="Courier New" panose="02070309020205020404" pitchFamily="49" charset="0"/>
                 <a:cs typeface="Courier New" panose="02070309020205020404" pitchFamily="49" charset="0"/>
               </a:rPr>
-              <a:t>(link) </a:t>
+              <a:t>(&amp;</a:t>
+            </a:r>
+            <a:r>
+              <a:rPr lang="it-IT" sz="1400" b="1" dirty="0" err="1">
+                <a:latin typeface="Courier New" panose="02070309020205020404" pitchFamily="49" charset="0"/>
+                <a:cs typeface="Courier New" panose="02070309020205020404" pitchFamily="49" charset="0"/>
+              </a:rPr>
+              <a:t>string</a:t>
+            </a:r>
+            <a:r>
+              <a:rPr lang="it-IT" sz="1400" b="1" dirty="0">
+                <a:latin typeface="Courier New" panose="02070309020205020404" pitchFamily="49" charset="0"/>
+                <a:cs typeface="Courier New" panose="02070309020205020404" pitchFamily="49" charset="0"/>
+              </a:rPr>
+              <a:t>) </a:t>
             </a:r>
             <a:endParaRPr lang="it-IT" sz="1600" b="1" dirty="0">
               <a:latin typeface="Courier New" panose="02070309020205020404" pitchFamily="49" charset="0"/>
@@ -5642,28 +5997,14 @@
                 <a:latin typeface="Courier New" panose="02070309020205020404" pitchFamily="49" charset="0"/>
                 <a:cs typeface="Courier New" panose="02070309020205020404" pitchFamily="49" charset="0"/>
               </a:rPr>
-              <a:t>(link)</a:t>
-            </a:r>
-          </a:p>
-          <a:p>
-            <a:pPr lvl="1"/>
-            <a:r>
-              <a:rPr lang="it-IT" sz="1600" dirty="0"/>
-              <a:t>in posizione specifica - </a:t>
-            </a:r>
-            <a:r>
-              <a:rPr lang="it-IT" sz="1400" b="1" dirty="0">
-                <a:latin typeface="Courier New" panose="02070309020205020404" pitchFamily="49" charset="0"/>
-                <a:cs typeface="Courier New" panose="02070309020205020404" pitchFamily="49" charset="0"/>
-              </a:rPr>
-              <a:t>inserisci(</a:t>
+              <a:t>(&amp;</a:t>
             </a:r>
             <a:r>
               <a:rPr lang="it-IT" sz="1400" b="1" dirty="0" err="1">
                 <a:latin typeface="Courier New" panose="02070309020205020404" pitchFamily="49" charset="0"/>
                 <a:cs typeface="Courier New" panose="02070309020205020404" pitchFamily="49" charset="0"/>
               </a:rPr>
-              <a:t>link,int</a:t>
+              <a:t>string</a:t>
             </a:r>
             <a:r>
               <a:rPr lang="it-IT" sz="1400" b="1" dirty="0">
@@ -5690,25 +6031,32 @@
               <a:t>in testa - </a:t>
             </a:r>
             <a:r>
+              <a:rPr lang="it-IT" sz="1400" b="1" dirty="0" err="1">
+                <a:latin typeface="Courier New" panose="02070309020205020404" pitchFamily="49" charset="0"/>
+                <a:cs typeface="Courier New" panose="02070309020205020404" pitchFamily="49" charset="0"/>
+              </a:rPr>
+              <a:t>elimTesta</a:t>
+            </a:r>
+            <a:r>
               <a:rPr lang="it-IT" sz="1400" b="1" dirty="0">
                 <a:latin typeface="Courier New" panose="02070309020205020404" pitchFamily="49" charset="0"/>
                 <a:cs typeface="Courier New" panose="02070309020205020404" pitchFamily="49" charset="0"/>
               </a:rPr>
-              <a:t>link </a:t>
+              <a:t>(&amp;</a:t>
             </a:r>
             <a:r>
               <a:rPr lang="it-IT" sz="1400" b="1" dirty="0" err="1">
                 <a:latin typeface="Courier New" panose="02070309020205020404" pitchFamily="49" charset="0"/>
                 <a:cs typeface="Courier New" panose="02070309020205020404" pitchFamily="49" charset="0"/>
               </a:rPr>
-              <a:t>elimTesta</a:t>
+              <a:t>string</a:t>
             </a:r>
             <a:r>
               <a:rPr lang="it-IT" sz="1400" b="1" dirty="0">
                 <a:latin typeface="Courier New" panose="02070309020205020404" pitchFamily="49" charset="0"/>
                 <a:cs typeface="Courier New" panose="02070309020205020404" pitchFamily="49" charset="0"/>
               </a:rPr>
-              <a:t>() </a:t>
+              <a:t>) </a:t>
             </a:r>
           </a:p>
           <a:p>
@@ -5718,25 +6066,32 @@
               <a:t>in coda – </a:t>
             </a:r>
             <a:r>
+              <a:rPr lang="it-IT" sz="1400" b="1" dirty="0" err="1">
+                <a:latin typeface="Courier New" panose="02070309020205020404" pitchFamily="49" charset="0"/>
+                <a:cs typeface="Courier New" panose="02070309020205020404" pitchFamily="49" charset="0"/>
+              </a:rPr>
+              <a:t>elimCoda</a:t>
+            </a:r>
+            <a:r>
               <a:rPr lang="it-IT" sz="1400" b="1" dirty="0">
                 <a:latin typeface="Courier New" panose="02070309020205020404" pitchFamily="49" charset="0"/>
                 <a:cs typeface="Courier New" panose="02070309020205020404" pitchFamily="49" charset="0"/>
               </a:rPr>
-              <a:t>link </a:t>
+              <a:t>(&amp;</a:t>
             </a:r>
             <a:r>
               <a:rPr lang="it-IT" sz="1400" b="1" dirty="0" err="1">
                 <a:latin typeface="Courier New" panose="02070309020205020404" pitchFamily="49" charset="0"/>
                 <a:cs typeface="Courier New" panose="02070309020205020404" pitchFamily="49" charset="0"/>
               </a:rPr>
-              <a:t>elimCoda</a:t>
+              <a:t>string</a:t>
             </a:r>
             <a:r>
               <a:rPr lang="it-IT" sz="1400" b="1" dirty="0">
                 <a:latin typeface="Courier New" panose="02070309020205020404" pitchFamily="49" charset="0"/>
                 <a:cs typeface="Courier New" panose="02070309020205020404" pitchFamily="49" charset="0"/>
               </a:rPr>
-              <a:t>()</a:t>
+              <a:t>)</a:t>
             </a:r>
             <a:endParaRPr lang="it-IT" sz="1600" b="1" dirty="0">
               <a:latin typeface="Courier New" panose="02070309020205020404" pitchFamily="49" charset="0"/>
@@ -5744,75 +6099,49 @@
             </a:endParaRPr>
           </a:p>
           <a:p>
+            <a:r>
+              <a:rPr lang="it-IT" sz="2000" dirty="0"/>
+              <a:t>controllo se la lista è </a:t>
+            </a:r>
+            <a:r>
+              <a:rPr lang="it-IT" sz="2000" b="1" i="1" dirty="0"/>
+              <a:t>vuota</a:t>
+            </a:r>
+          </a:p>
+          <a:p>
             <a:pPr lvl="1"/>
             <a:r>
+              <a:rPr lang="it-IT" sz="1600" b="1" dirty="0">
+                <a:latin typeface="Courier New" panose="02070309020205020404" pitchFamily="49" charset="0"/>
+                <a:cs typeface="Courier New" panose="02070309020205020404" pitchFamily="49" charset="0"/>
+              </a:rPr>
+              <a:t>vuota()</a:t>
+            </a:r>
+            <a:endParaRPr lang="it-IT" sz="1600" b="1" i="1" dirty="0"/>
+          </a:p>
+          <a:p>
+            <a:r>
+              <a:rPr lang="it-IT" sz="2000" b="1" i="1" dirty="0"/>
+              <a:t>operatore &lt;&lt;</a:t>
+            </a:r>
+            <a:r>
+              <a:rPr lang="it-IT" sz="2000" dirty="0"/>
+              <a:t> </a:t>
+            </a:r>
+          </a:p>
+          <a:p>
+            <a:pPr lvl="1"/>
+            <a:r>
               <a:rPr lang="it-IT" sz="1600" dirty="0"/>
-              <a:t>in posizione specifica – </a:t>
-            </a:r>
-            <a:r>
-              <a:rPr lang="it-IT" sz="1400" b="1" dirty="0">
-                <a:latin typeface="Courier New" panose="02070309020205020404" pitchFamily="49" charset="0"/>
-                <a:cs typeface="Courier New" panose="02070309020205020404" pitchFamily="49" charset="0"/>
-              </a:rPr>
-              <a:t>link elimina(</a:t>
-            </a:r>
-            <a:r>
-              <a:rPr lang="it-IT" sz="1400" b="1" dirty="0" err="1">
-                <a:latin typeface="Courier New" panose="02070309020205020404" pitchFamily="49" charset="0"/>
-                <a:cs typeface="Courier New" panose="02070309020205020404" pitchFamily="49" charset="0"/>
-              </a:rPr>
-              <a:t>int</a:t>
-            </a:r>
-            <a:r>
-              <a:rPr lang="it-IT" sz="1400" b="1" dirty="0">
-                <a:latin typeface="Courier New" panose="02070309020205020404" pitchFamily="49" charset="0"/>
-                <a:cs typeface="Courier New" panose="02070309020205020404" pitchFamily="49" charset="0"/>
-              </a:rPr>
-              <a:t>)</a:t>
-            </a:r>
-          </a:p>
-          <a:p>
-            <a:r>
-              <a:rPr lang="it-IT" sz="2000" b="1" i="1" dirty="0"/>
-              <a:t>visualizzazione</a:t>
-            </a:r>
-            <a:r>
-              <a:rPr lang="it-IT" sz="2000" dirty="0"/>
-              <a:t> di tutti gli elementi</a:t>
+              <a:t>inserimento in stream</a:t>
             </a:r>
           </a:p>
           <a:p>
             <a:pPr lvl="1"/>
             <a:r>
-              <a:rPr lang="it-IT" sz="1400" b="1" dirty="0">
-                <a:latin typeface="Courier New" panose="02070309020205020404" pitchFamily="49" charset="0"/>
-                <a:cs typeface="Courier New" panose="02070309020205020404" pitchFamily="49" charset="0"/>
-              </a:rPr>
-              <a:t>stampa()</a:t>
-            </a:r>
-          </a:p>
-          <a:p>
-            <a:r>
-              <a:rPr lang="it-IT" sz="2000" b="1" i="1" dirty="0"/>
-              <a:t>eliminazione</a:t>
-            </a:r>
-            <a:r>
-              <a:rPr lang="it-IT" sz="2000" dirty="0"/>
-              <a:t> di tutti gli elementi</a:t>
-            </a:r>
-          </a:p>
-          <a:p>
-            <a:pPr lvl="1"/>
-            <a:r>
-              <a:rPr lang="it-IT" sz="1400" b="1" dirty="0">
-                <a:latin typeface="Courier New" panose="02070309020205020404" pitchFamily="49" charset="0"/>
-                <a:cs typeface="Courier New" panose="02070309020205020404" pitchFamily="49" charset="0"/>
-              </a:rPr>
-              <a:t>elimina()</a:t>
-            </a:r>
-          </a:p>
-          <a:p>
-            <a:endParaRPr lang="it-IT" sz="2000" dirty="0"/>
+              <a:rPr lang="it-IT" sz="1600" dirty="0"/>
+              <a:t>funzione friend</a:t>
+            </a:r>
           </a:p>
         </p:txBody>
       </p:sp>
@@ -5935,7 +6264,24 @@
                 <a:latin typeface="Courier New" panose="02070309020205020404" pitchFamily="49" charset="0"/>
                 <a:cs typeface="Courier New" panose="02070309020205020404" pitchFamily="49" charset="0"/>
               </a:rPr>
-              <a:t>Lista::Lista() { testa = </a:t>
+              <a:t>Lista::</a:t>
+            </a:r>
+            <a:r>
+              <a:rPr lang="it-IT" sz="1600" b="1" dirty="0">
+                <a:solidFill>
+                  <a:srgbClr val="FF0000"/>
+                </a:solidFill>
+                <a:latin typeface="Courier New" panose="02070309020205020404" pitchFamily="49" charset="0"/>
+                <a:cs typeface="Courier New" panose="02070309020205020404" pitchFamily="49" charset="0"/>
+              </a:rPr>
+              <a:t>Lista</a:t>
+            </a:r>
+            <a:r>
+              <a:rPr lang="it-IT" sz="1600" b="1" dirty="0">
+                <a:latin typeface="Courier New" panose="02070309020205020404" pitchFamily="49" charset="0"/>
+                <a:cs typeface="Courier New" panose="02070309020205020404" pitchFamily="49" charset="0"/>
+              </a:rPr>
+              <a:t>() { testa = </a:t>
             </a:r>
             <a:r>
               <a:rPr lang="it-IT" sz="1600" b="1" dirty="0" err="1">
@@ -5956,24 +6302,204 @@
             <a:pPr marL="0" indent="0">
               <a:buNone/>
             </a:pPr>
-            <a:r>
-              <a:rPr lang="it-IT" sz="1600" b="1" dirty="0">
-                <a:latin typeface="Courier New" panose="02070309020205020404" pitchFamily="49" charset="0"/>
-                <a:cs typeface="Courier New" panose="02070309020205020404" pitchFamily="49" charset="0"/>
-              </a:rPr>
-              <a:t>…</a:t>
-            </a:r>
+            <a:endParaRPr lang="it-IT" sz="1600" b="1" dirty="0">
+              <a:latin typeface="Courier New" panose="02070309020205020404" pitchFamily="49" charset="0"/>
+              <a:cs typeface="Courier New" panose="02070309020205020404" pitchFamily="49" charset="0"/>
+            </a:endParaRPr>
           </a:p>
           <a:p>
             <a:pPr marL="0" indent="0">
               <a:buNone/>
             </a:pPr>
             <a:r>
+              <a:rPr lang="it-IT" sz="1600" b="1" dirty="0">
+                <a:latin typeface="Courier New" panose="02070309020205020404" pitchFamily="49" charset="0"/>
+                <a:cs typeface="Courier New" panose="02070309020205020404" pitchFamily="49" charset="0"/>
+              </a:rPr>
+              <a:t>Lista::</a:t>
+            </a:r>
+            <a:r>
+              <a:rPr lang="it-IT" sz="1600" b="1" dirty="0">
+                <a:solidFill>
+                  <a:srgbClr val="FF0000"/>
+                </a:solidFill>
+                <a:latin typeface="Courier New" panose="02070309020205020404" pitchFamily="49" charset="0"/>
+                <a:cs typeface="Courier New" panose="02070309020205020404" pitchFamily="49" charset="0"/>
+              </a:rPr>
+              <a:t>~Lista</a:t>
+            </a:r>
+            <a:r>
+              <a:rPr lang="it-IT" sz="1600" b="1" dirty="0">
+                <a:latin typeface="Courier New" panose="02070309020205020404" pitchFamily="49" charset="0"/>
+                <a:cs typeface="Courier New" panose="02070309020205020404" pitchFamily="49" charset="0"/>
+              </a:rPr>
+              <a:t>() {</a:t>
+            </a:r>
+          </a:p>
+          <a:p>
+            <a:pPr marL="0" indent="0">
+              <a:buNone/>
+            </a:pPr>
+            <a:r>
+              <a:rPr lang="it-IT" sz="1600" b="1" dirty="0">
+                <a:latin typeface="Courier New" panose="02070309020205020404" pitchFamily="49" charset="0"/>
+                <a:cs typeface="Courier New" panose="02070309020205020404" pitchFamily="49" charset="0"/>
+              </a:rPr>
+              <a:t>   </a:t>
+            </a:r>
+            <a:r>
               <a:rPr lang="it-IT" sz="1600" b="1" dirty="0" err="1">
                 <a:latin typeface="Courier New" panose="02070309020205020404" pitchFamily="49" charset="0"/>
                 <a:cs typeface="Courier New" panose="02070309020205020404" pitchFamily="49" charset="0"/>
               </a:rPr>
-              <a:t>void</a:t>
+              <a:t>while</a:t>
+            </a:r>
+            <a:r>
+              <a:rPr lang="it-IT" sz="1600" b="1" dirty="0">
+                <a:latin typeface="Courier New" panose="02070309020205020404" pitchFamily="49" charset="0"/>
+                <a:cs typeface="Courier New" panose="02070309020205020404" pitchFamily="49" charset="0"/>
+              </a:rPr>
+              <a:t> (testa) {</a:t>
+            </a:r>
+          </a:p>
+          <a:p>
+            <a:pPr marL="0" indent="0">
+              <a:buNone/>
+            </a:pPr>
+            <a:r>
+              <a:rPr lang="it-IT" sz="1600" b="1" dirty="0">
+                <a:latin typeface="Courier New" panose="02070309020205020404" pitchFamily="49" charset="0"/>
+                <a:cs typeface="Courier New" panose="02070309020205020404" pitchFamily="49" charset="0"/>
+              </a:rPr>
+              <a:t>      Nodo* </a:t>
+            </a:r>
+            <a:r>
+              <a:rPr lang="it-IT" sz="1600" b="1" dirty="0" err="1">
+                <a:latin typeface="Courier New" panose="02070309020205020404" pitchFamily="49" charset="0"/>
+                <a:cs typeface="Courier New" panose="02070309020205020404" pitchFamily="49" charset="0"/>
+              </a:rPr>
+              <a:t>temp</a:t>
+            </a:r>
+            <a:r>
+              <a:rPr lang="it-IT" sz="1600" b="1" dirty="0">
+                <a:latin typeface="Courier New" panose="02070309020205020404" pitchFamily="49" charset="0"/>
+                <a:cs typeface="Courier New" panose="02070309020205020404" pitchFamily="49" charset="0"/>
+              </a:rPr>
+              <a:t> = testa;</a:t>
+            </a:r>
+          </a:p>
+          <a:p>
+            <a:pPr marL="0" indent="0">
+              <a:buNone/>
+            </a:pPr>
+            <a:r>
+              <a:rPr lang="it-IT" sz="1600" b="1" dirty="0">
+                <a:latin typeface="Courier New" panose="02070309020205020404" pitchFamily="49" charset="0"/>
+                <a:cs typeface="Courier New" panose="02070309020205020404" pitchFamily="49" charset="0"/>
+              </a:rPr>
+              <a:t>      testa = testa-&gt;</a:t>
+            </a:r>
+            <a:r>
+              <a:rPr lang="it-IT" sz="1600" b="1" dirty="0" err="1">
+                <a:latin typeface="Courier New" panose="02070309020205020404" pitchFamily="49" charset="0"/>
+                <a:cs typeface="Courier New" panose="02070309020205020404" pitchFamily="49" charset="0"/>
+              </a:rPr>
+              <a:t>next</a:t>
+            </a:r>
+            <a:r>
+              <a:rPr lang="it-IT" sz="1600" b="1" dirty="0">
+                <a:latin typeface="Courier New" panose="02070309020205020404" pitchFamily="49" charset="0"/>
+                <a:cs typeface="Courier New" panose="02070309020205020404" pitchFamily="49" charset="0"/>
+              </a:rPr>
+              <a:t>;</a:t>
+            </a:r>
+          </a:p>
+          <a:p>
+            <a:pPr marL="0" indent="0">
+              <a:buNone/>
+            </a:pPr>
+            <a:r>
+              <a:rPr lang="it-IT" sz="1600" b="1" dirty="0">
+                <a:latin typeface="Courier New" panose="02070309020205020404" pitchFamily="49" charset="0"/>
+                <a:cs typeface="Courier New" panose="02070309020205020404" pitchFamily="49" charset="0"/>
+              </a:rPr>
+              <a:t>      </a:t>
+            </a:r>
+            <a:r>
+              <a:rPr lang="it-IT" sz="1600" b="1" dirty="0">
+                <a:solidFill>
+                  <a:srgbClr val="FF0000"/>
+                </a:solidFill>
+                <a:latin typeface="Courier New" panose="02070309020205020404" pitchFamily="49" charset="0"/>
+                <a:cs typeface="Courier New" panose="02070309020205020404" pitchFamily="49" charset="0"/>
+              </a:rPr>
+              <a:t>delete</a:t>
+            </a:r>
+            <a:r>
+              <a:rPr lang="it-IT" sz="1600" b="1" dirty="0">
+                <a:latin typeface="Courier New" panose="02070309020205020404" pitchFamily="49" charset="0"/>
+                <a:cs typeface="Courier New" panose="02070309020205020404" pitchFamily="49" charset="0"/>
+              </a:rPr>
+              <a:t> </a:t>
+            </a:r>
+            <a:r>
+              <a:rPr lang="it-IT" sz="1600" b="1" dirty="0" err="1">
+                <a:latin typeface="Courier New" panose="02070309020205020404" pitchFamily="49" charset="0"/>
+                <a:cs typeface="Courier New" panose="02070309020205020404" pitchFamily="49" charset="0"/>
+              </a:rPr>
+              <a:t>temp</a:t>
+            </a:r>
+            <a:r>
+              <a:rPr lang="it-IT" sz="1600" b="1" dirty="0">
+                <a:latin typeface="Courier New" panose="02070309020205020404" pitchFamily="49" charset="0"/>
+                <a:cs typeface="Courier New" panose="02070309020205020404" pitchFamily="49" charset="0"/>
+              </a:rPr>
+              <a:t>;</a:t>
+            </a:r>
+          </a:p>
+          <a:p>
+            <a:pPr marL="0" indent="0">
+              <a:buNone/>
+            </a:pPr>
+            <a:r>
+              <a:rPr lang="it-IT" sz="1600" b="1" dirty="0">
+                <a:latin typeface="Courier New" panose="02070309020205020404" pitchFamily="49" charset="0"/>
+                <a:cs typeface="Courier New" panose="02070309020205020404" pitchFamily="49" charset="0"/>
+              </a:rPr>
+              <a:t>   }</a:t>
+            </a:r>
+          </a:p>
+          <a:p>
+            <a:pPr marL="0" indent="0">
+              <a:buNone/>
+            </a:pPr>
+            <a:r>
+              <a:rPr lang="it-IT" sz="1600" b="1" dirty="0">
+                <a:latin typeface="Courier New" panose="02070309020205020404" pitchFamily="49" charset="0"/>
+                <a:cs typeface="Courier New" panose="02070309020205020404" pitchFamily="49" charset="0"/>
+              </a:rPr>
+              <a:t>}</a:t>
+            </a:r>
+          </a:p>
+          <a:p>
+            <a:pPr marL="0" indent="0">
+              <a:buNone/>
+            </a:pPr>
+            <a:endParaRPr lang="it-IT" sz="1600" b="1" dirty="0">
+              <a:latin typeface="Courier New" panose="02070309020205020404" pitchFamily="49" charset="0"/>
+              <a:cs typeface="Courier New" panose="02070309020205020404" pitchFamily="49" charset="0"/>
+            </a:endParaRPr>
+          </a:p>
+          <a:p>
+            <a:pPr marL="0" indent="0">
+              <a:buNone/>
+            </a:pPr>
+            <a:r>
+              <a:rPr lang="it-IT" sz="1600" b="1" dirty="0" err="1">
+                <a:latin typeface="Courier New" panose="02070309020205020404" pitchFamily="49" charset="0"/>
+                <a:cs typeface="Courier New" panose="02070309020205020404" pitchFamily="49" charset="0"/>
+              </a:rPr>
+              <a:t>bool</a:t>
             </a:r>
             <a:r>
               <a:rPr lang="it-IT" sz="1600" b="1" dirty="0">
@@ -5983,18 +6509,35 @@
               <a:t> Lista::</a:t>
             </a:r>
             <a:r>
+              <a:rPr lang="it-IT" sz="1600" b="1" dirty="0">
+                <a:solidFill>
+                  <a:srgbClr val="FF0000"/>
+                </a:solidFill>
+                <a:latin typeface="Courier New" panose="02070309020205020404" pitchFamily="49" charset="0"/>
+                <a:cs typeface="Courier New" panose="02070309020205020404" pitchFamily="49" charset="0"/>
+              </a:rPr>
+              <a:t>vuota</a:t>
+            </a:r>
+            <a:r>
+              <a:rPr lang="it-IT" sz="1600" b="1" dirty="0">
+                <a:latin typeface="Courier New" panose="02070309020205020404" pitchFamily="49" charset="0"/>
+                <a:cs typeface="Courier New" panose="02070309020205020404" pitchFamily="49" charset="0"/>
+              </a:rPr>
+              <a:t>() </a:t>
+            </a:r>
+            <a:r>
               <a:rPr lang="it-IT" sz="1600" b="1" dirty="0" err="1">
                 <a:latin typeface="Courier New" panose="02070309020205020404" pitchFamily="49" charset="0"/>
                 <a:cs typeface="Courier New" panose="02070309020205020404" pitchFamily="49" charset="0"/>
               </a:rPr>
-              <a:t>insTesta</a:t>
-            </a:r>
-            <a:r>
-              <a:rPr lang="it-IT" sz="1600" b="1" dirty="0">
-                <a:latin typeface="Courier New" panose="02070309020205020404" pitchFamily="49" charset="0"/>
-                <a:cs typeface="Courier New" panose="02070309020205020404" pitchFamily="49" charset="0"/>
-              </a:rPr>
-              <a:t>(link n) {</a:t>
+              <a:t>const</a:t>
+            </a:r>
+            <a:r>
+              <a:rPr lang="it-IT" sz="1600" b="1" dirty="0">
+                <a:latin typeface="Courier New" panose="02070309020205020404" pitchFamily="49" charset="0"/>
+                <a:cs typeface="Courier New" panose="02070309020205020404" pitchFamily="49" charset="0"/>
+              </a:rPr>
+              <a:t> { </a:t>
             </a:r>
           </a:p>
           <a:p>
@@ -6006,21 +6549,35 @@
                 <a:latin typeface="Courier New" panose="02070309020205020404" pitchFamily="49" charset="0"/>
                 <a:cs typeface="Courier New" panose="02070309020205020404" pitchFamily="49" charset="0"/>
               </a:rPr>
-              <a:t>    n-&gt;</a:t>
+              <a:t>   </a:t>
             </a:r>
             <a:r>
               <a:rPr lang="it-IT" sz="1600" b="1" dirty="0" err="1">
                 <a:latin typeface="Courier New" panose="02070309020205020404" pitchFamily="49" charset="0"/>
                 <a:cs typeface="Courier New" panose="02070309020205020404" pitchFamily="49" charset="0"/>
               </a:rPr>
-              <a:t>setNext</a:t>
-            </a:r>
-            <a:r>
-              <a:rPr lang="it-IT" sz="1600" b="1" dirty="0">
-                <a:latin typeface="Courier New" panose="02070309020205020404" pitchFamily="49" charset="0"/>
-                <a:cs typeface="Courier New" panose="02070309020205020404" pitchFamily="49" charset="0"/>
-              </a:rPr>
-              <a:t>(testa);</a:t>
+              <a:t>return</a:t>
+            </a:r>
+            <a:r>
+              <a:rPr lang="it-IT" sz="1600" b="1" dirty="0">
+                <a:latin typeface="Courier New" panose="02070309020205020404" pitchFamily="49" charset="0"/>
+                <a:cs typeface="Courier New" panose="02070309020205020404" pitchFamily="49" charset="0"/>
+              </a:rPr>
+              <a:t> testa == </a:t>
+            </a:r>
+            <a:r>
+              <a:rPr lang="it-IT" sz="1600" b="1" dirty="0" err="1">
+                <a:latin typeface="Courier New" panose="02070309020205020404" pitchFamily="49" charset="0"/>
+                <a:cs typeface="Courier New" panose="02070309020205020404" pitchFamily="49" charset="0"/>
+              </a:rPr>
+              <a:t>nullptr</a:t>
+            </a:r>
+            <a:r>
+              <a:rPr lang="it-IT" sz="1600" b="1" dirty="0">
+                <a:latin typeface="Courier New" panose="02070309020205020404" pitchFamily="49" charset="0"/>
+                <a:cs typeface="Courier New" panose="02070309020205020404" pitchFamily="49" charset="0"/>
+              </a:rPr>
+              <a:t>; </a:t>
             </a:r>
           </a:p>
           <a:p>
@@ -6032,272 +6589,7 @@
                 <a:latin typeface="Courier New" panose="02070309020205020404" pitchFamily="49" charset="0"/>
                 <a:cs typeface="Courier New" panose="02070309020205020404" pitchFamily="49" charset="0"/>
               </a:rPr>
-              <a:t>    testa = n;</a:t>
-            </a:r>
-          </a:p>
-          <a:p>
-            <a:pPr marL="0" indent="0">
-              <a:buNone/>
-            </a:pPr>
-            <a:r>
-              <a:rPr lang="it-IT" sz="1600" b="1" dirty="0">
-                <a:latin typeface="Courier New" panose="02070309020205020404" pitchFamily="49" charset="0"/>
-                <a:cs typeface="Courier New" panose="02070309020205020404" pitchFamily="49" charset="0"/>
-              </a:rPr>
               <a:t>}</a:t>
-            </a:r>
-          </a:p>
-          <a:p>
-            <a:pPr marL="0" indent="0">
-              <a:buNone/>
-            </a:pPr>
-            <a:r>
-              <a:rPr lang="it-IT" sz="1600" b="1" dirty="0">
-                <a:latin typeface="Courier New" panose="02070309020205020404" pitchFamily="49" charset="0"/>
-                <a:cs typeface="Courier New" panose="02070309020205020404" pitchFamily="49" charset="0"/>
-              </a:rPr>
-              <a:t>…</a:t>
-            </a:r>
-          </a:p>
-          <a:p>
-            <a:pPr marL="0" indent="0">
-              <a:buNone/>
-            </a:pPr>
-            <a:r>
-              <a:rPr lang="it-IT" sz="1600" b="1" dirty="0" err="1">
-                <a:latin typeface="Courier New" panose="02070309020205020404" pitchFamily="49" charset="0"/>
-                <a:cs typeface="Courier New" panose="02070309020205020404" pitchFamily="49" charset="0"/>
-              </a:rPr>
-              <a:t>void</a:t>
-            </a:r>
-            <a:r>
-              <a:rPr lang="it-IT" sz="1600" b="1" dirty="0">
-                <a:latin typeface="Courier New" panose="02070309020205020404" pitchFamily="49" charset="0"/>
-                <a:cs typeface="Courier New" panose="02070309020205020404" pitchFamily="49" charset="0"/>
-              </a:rPr>
-              <a:t> Lista::stampa() {</a:t>
-            </a:r>
-          </a:p>
-          <a:p>
-            <a:pPr marL="0" indent="0">
-              <a:buNone/>
-            </a:pPr>
-            <a:r>
-              <a:rPr lang="it-IT" sz="1600" b="1" dirty="0">
-                <a:latin typeface="Courier New" panose="02070309020205020404" pitchFamily="49" charset="0"/>
-                <a:cs typeface="Courier New" panose="02070309020205020404" pitchFamily="49" charset="0"/>
-              </a:rPr>
-              <a:t>    link p = testa;</a:t>
-            </a:r>
-          </a:p>
-          <a:p>
-            <a:pPr marL="0" indent="0">
-              <a:buNone/>
-            </a:pPr>
-            <a:r>
-              <a:rPr lang="it-IT" sz="1600" b="1" dirty="0">
-                <a:latin typeface="Courier New" panose="02070309020205020404" pitchFamily="49" charset="0"/>
-                <a:cs typeface="Courier New" panose="02070309020205020404" pitchFamily="49" charset="0"/>
-              </a:rPr>
-              <a:t>    </a:t>
-            </a:r>
-            <a:r>
-              <a:rPr lang="it-IT" sz="1600" b="1" dirty="0" err="1">
-                <a:latin typeface="Courier New" panose="02070309020205020404" pitchFamily="49" charset="0"/>
-                <a:cs typeface="Courier New" panose="02070309020205020404" pitchFamily="49" charset="0"/>
-              </a:rPr>
-              <a:t>while</a:t>
-            </a:r>
-            <a:r>
-              <a:rPr lang="it-IT" sz="1600" b="1" dirty="0">
-                <a:latin typeface="Courier New" panose="02070309020205020404" pitchFamily="49" charset="0"/>
-                <a:cs typeface="Courier New" panose="02070309020205020404" pitchFamily="49" charset="0"/>
-              </a:rPr>
-              <a:t>(p) {</a:t>
-            </a:r>
-          </a:p>
-          <a:p>
-            <a:pPr marL="0" indent="0">
-              <a:buNone/>
-            </a:pPr>
-            <a:r>
-              <a:rPr lang="it-IT" sz="1600" b="1" dirty="0">
-                <a:latin typeface="Courier New" panose="02070309020205020404" pitchFamily="49" charset="0"/>
-                <a:cs typeface="Courier New" panose="02070309020205020404" pitchFamily="49" charset="0"/>
-              </a:rPr>
-              <a:t>        </a:t>
-            </a:r>
-            <a:r>
-              <a:rPr lang="it-IT" sz="1600" b="1" dirty="0" err="1">
-                <a:latin typeface="Courier New" panose="02070309020205020404" pitchFamily="49" charset="0"/>
-                <a:cs typeface="Courier New" panose="02070309020205020404" pitchFamily="49" charset="0"/>
-              </a:rPr>
-              <a:t>std</a:t>
-            </a:r>
-            <a:r>
-              <a:rPr lang="it-IT" sz="1600" b="1" dirty="0">
-                <a:latin typeface="Courier New" panose="02070309020205020404" pitchFamily="49" charset="0"/>
-                <a:cs typeface="Courier New" panose="02070309020205020404" pitchFamily="49" charset="0"/>
-              </a:rPr>
-              <a:t>::</a:t>
-            </a:r>
-            <a:r>
-              <a:rPr lang="it-IT" sz="1600" b="1" dirty="0" err="1">
-                <a:latin typeface="Courier New" panose="02070309020205020404" pitchFamily="49" charset="0"/>
-                <a:cs typeface="Courier New" panose="02070309020205020404" pitchFamily="49" charset="0"/>
-              </a:rPr>
-              <a:t>cout</a:t>
-            </a:r>
-            <a:r>
-              <a:rPr lang="it-IT" sz="1600" b="1" dirty="0">
-                <a:latin typeface="Courier New" panose="02070309020205020404" pitchFamily="49" charset="0"/>
-                <a:cs typeface="Courier New" panose="02070309020205020404" pitchFamily="49" charset="0"/>
-              </a:rPr>
-              <a:t> &lt;&lt; p-&gt;</a:t>
-            </a:r>
-            <a:r>
-              <a:rPr lang="it-IT" sz="1600" b="1" dirty="0" err="1">
-                <a:latin typeface="Courier New" panose="02070309020205020404" pitchFamily="49" charset="0"/>
-                <a:cs typeface="Courier New" panose="02070309020205020404" pitchFamily="49" charset="0"/>
-              </a:rPr>
-              <a:t>getInfo</a:t>
-            </a:r>
-            <a:r>
-              <a:rPr lang="it-IT" sz="1600" b="1" dirty="0">
-                <a:latin typeface="Courier New" panose="02070309020205020404" pitchFamily="49" charset="0"/>
-                <a:cs typeface="Courier New" panose="02070309020205020404" pitchFamily="49" charset="0"/>
-              </a:rPr>
-              <a:t>() &lt;&lt; " ";</a:t>
-            </a:r>
-          </a:p>
-          <a:p>
-            <a:pPr marL="0" indent="0">
-              <a:buNone/>
-            </a:pPr>
-            <a:r>
-              <a:rPr lang="it-IT" sz="1600" b="1" dirty="0">
-                <a:latin typeface="Courier New" panose="02070309020205020404" pitchFamily="49" charset="0"/>
-                <a:cs typeface="Courier New" panose="02070309020205020404" pitchFamily="49" charset="0"/>
-              </a:rPr>
-              <a:t>        p = p-&gt;</a:t>
-            </a:r>
-            <a:r>
-              <a:rPr lang="it-IT" sz="1600" b="1" dirty="0" err="1">
-                <a:latin typeface="Courier New" panose="02070309020205020404" pitchFamily="49" charset="0"/>
-                <a:cs typeface="Courier New" panose="02070309020205020404" pitchFamily="49" charset="0"/>
-              </a:rPr>
-              <a:t>getNext</a:t>
-            </a:r>
-            <a:r>
-              <a:rPr lang="it-IT" sz="1600" b="1" dirty="0">
-                <a:latin typeface="Courier New" panose="02070309020205020404" pitchFamily="49" charset="0"/>
-                <a:cs typeface="Courier New" panose="02070309020205020404" pitchFamily="49" charset="0"/>
-              </a:rPr>
-              <a:t>();</a:t>
-            </a:r>
-          </a:p>
-          <a:p>
-            <a:pPr marL="0" indent="0">
-              <a:buNone/>
-            </a:pPr>
-            <a:r>
-              <a:rPr lang="it-IT" sz="1600" b="1" dirty="0">
-                <a:latin typeface="Courier New" panose="02070309020205020404" pitchFamily="49" charset="0"/>
-                <a:cs typeface="Courier New" panose="02070309020205020404" pitchFamily="49" charset="0"/>
-              </a:rPr>
-              <a:t>    }</a:t>
-            </a:r>
-          </a:p>
-          <a:p>
-            <a:pPr marL="0" indent="0">
-              <a:buNone/>
-            </a:pPr>
-            <a:r>
-              <a:rPr lang="it-IT" sz="1600" b="1" dirty="0">
-                <a:latin typeface="Courier New" panose="02070309020205020404" pitchFamily="49" charset="0"/>
-                <a:cs typeface="Courier New" panose="02070309020205020404" pitchFamily="49" charset="0"/>
-              </a:rPr>
-              <a:t>    </a:t>
-            </a:r>
-            <a:r>
-              <a:rPr lang="it-IT" sz="1600" b="1" dirty="0" err="1">
-                <a:latin typeface="Courier New" panose="02070309020205020404" pitchFamily="49" charset="0"/>
-                <a:cs typeface="Courier New" panose="02070309020205020404" pitchFamily="49" charset="0"/>
-              </a:rPr>
-              <a:t>std</a:t>
-            </a:r>
-            <a:r>
-              <a:rPr lang="it-IT" sz="1600" b="1" dirty="0">
-                <a:latin typeface="Courier New" panose="02070309020205020404" pitchFamily="49" charset="0"/>
-                <a:cs typeface="Courier New" panose="02070309020205020404" pitchFamily="49" charset="0"/>
-              </a:rPr>
-              <a:t>::</a:t>
-            </a:r>
-            <a:r>
-              <a:rPr lang="it-IT" sz="1600" b="1" dirty="0" err="1">
-                <a:latin typeface="Courier New" panose="02070309020205020404" pitchFamily="49" charset="0"/>
-                <a:cs typeface="Courier New" panose="02070309020205020404" pitchFamily="49" charset="0"/>
-              </a:rPr>
-              <a:t>cout</a:t>
-            </a:r>
-            <a:r>
-              <a:rPr lang="it-IT" sz="1600" b="1" dirty="0">
-                <a:latin typeface="Courier New" panose="02070309020205020404" pitchFamily="49" charset="0"/>
-                <a:cs typeface="Courier New" panose="02070309020205020404" pitchFamily="49" charset="0"/>
-              </a:rPr>
-              <a:t> &lt;&lt; </a:t>
-            </a:r>
-            <a:r>
-              <a:rPr lang="it-IT" sz="1600" b="1" dirty="0" err="1">
-                <a:latin typeface="Courier New" panose="02070309020205020404" pitchFamily="49" charset="0"/>
-                <a:cs typeface="Courier New" panose="02070309020205020404" pitchFamily="49" charset="0"/>
-              </a:rPr>
-              <a:t>std</a:t>
-            </a:r>
-            <a:r>
-              <a:rPr lang="it-IT" sz="1600" b="1" dirty="0">
-                <a:latin typeface="Courier New" panose="02070309020205020404" pitchFamily="49" charset="0"/>
-                <a:cs typeface="Courier New" panose="02070309020205020404" pitchFamily="49" charset="0"/>
-              </a:rPr>
-              <a:t>::</a:t>
-            </a:r>
-            <a:r>
-              <a:rPr lang="it-IT" sz="1600" b="1" dirty="0" err="1">
-                <a:latin typeface="Courier New" panose="02070309020205020404" pitchFamily="49" charset="0"/>
-                <a:cs typeface="Courier New" panose="02070309020205020404" pitchFamily="49" charset="0"/>
-              </a:rPr>
-              <a:t>endl</a:t>
-            </a:r>
-            <a:r>
-              <a:rPr lang="it-IT" sz="1600" b="1" dirty="0">
-                <a:latin typeface="Courier New" panose="02070309020205020404" pitchFamily="49" charset="0"/>
-                <a:cs typeface="Courier New" panose="02070309020205020404" pitchFamily="49" charset="0"/>
-              </a:rPr>
-              <a:t>;</a:t>
-            </a:r>
-          </a:p>
-          <a:p>
-            <a:pPr marL="0" indent="0">
-              <a:buNone/>
-            </a:pPr>
-            <a:r>
-              <a:rPr lang="it-IT" sz="1600" b="1" dirty="0">
-                <a:latin typeface="Courier New" panose="02070309020205020404" pitchFamily="49" charset="0"/>
-                <a:cs typeface="Courier New" panose="02070309020205020404" pitchFamily="49" charset="0"/>
-              </a:rPr>
-              <a:t>}</a:t>
-            </a:r>
-          </a:p>
-          <a:p>
-            <a:pPr marL="0" indent="0">
-              <a:buNone/>
-            </a:pPr>
-            <a:r>
-              <a:rPr lang="it-IT" sz="1600" b="1" dirty="0">
-                <a:latin typeface="Courier New" panose="02070309020205020404" pitchFamily="49" charset="0"/>
-                <a:cs typeface="Courier New" panose="02070309020205020404" pitchFamily="49" charset="0"/>
-              </a:rPr>
-              <a:t>…</a:t>
             </a:r>
           </a:p>
         </p:txBody>
@@ -6344,42 +6636,39 @@
             </a:r>
           </a:p>
           <a:p>
+            <a:pPr lvl="1"/>
+            <a:r>
+              <a:rPr lang="it-IT" sz="1600" b="1" dirty="0">
+                <a:latin typeface="Courier New" panose="02070309020205020404" pitchFamily="49" charset="0"/>
+                <a:cs typeface="Courier New" panose="02070309020205020404" pitchFamily="49" charset="0"/>
+              </a:rPr>
+              <a:t>testa</a:t>
+            </a:r>
+            <a:r>
+              <a:rPr lang="it-IT" sz="1600" dirty="0"/>
+              <a:t> è il </a:t>
+            </a:r>
+            <a:r>
+              <a:rPr lang="it-IT" sz="1600" b="1" i="1" dirty="0"/>
+              <a:t>link iniziale </a:t>
+            </a:r>
+            <a:r>
+              <a:rPr lang="it-IT" sz="1600" dirty="0"/>
+              <a:t>di tutte le operazioni</a:t>
+            </a:r>
+          </a:p>
+          <a:p>
             <a:r>
               <a:rPr lang="it-IT" sz="2000" dirty="0"/>
-              <a:t>tutte le operazioni </a:t>
-            </a:r>
-            <a:r>
-              <a:rPr lang="it-IT" sz="2000" b="1" i="1" dirty="0"/>
-              <a:t>accedono</a:t>
+              <a:t>il distruttore </a:t>
+            </a:r>
+            <a:r>
+              <a:rPr lang="it-IT" sz="2000" b="1" i="1" dirty="0" err="1"/>
+              <a:t>dealloca</a:t>
             </a:r>
             <a:r>
               <a:rPr lang="it-IT" sz="2000" dirty="0"/>
-              <a:t> agli elementi tramite </a:t>
-            </a:r>
-            <a:r>
-              <a:rPr lang="it-IT" sz="2000" b="1" i="1" dirty="0"/>
-              <a:t>link</a:t>
-            </a:r>
-          </a:p>
-          <a:p>
-            <a:r>
-              <a:rPr lang="it-IT" sz="2000" b="1" dirty="0">
-                <a:latin typeface="Courier New" panose="02070309020205020404" pitchFamily="49" charset="0"/>
-                <a:cs typeface="Courier New" panose="02070309020205020404" pitchFamily="49" charset="0"/>
-              </a:rPr>
-              <a:t>testa</a:t>
-            </a:r>
-            <a:r>
-              <a:rPr lang="it-IT" sz="2000" dirty="0"/>
-              <a:t> è il </a:t>
-            </a:r>
-            <a:r>
-              <a:rPr lang="it-IT" sz="2000" b="1" i="1" dirty="0"/>
-              <a:t>link iniziale </a:t>
-            </a:r>
-            <a:r>
-              <a:rPr lang="it-IT" sz="2000" dirty="0"/>
-              <a:t>di tutte le operazioni</a:t>
+              <a:t> la memoria di tutti i nodi della lista</a:t>
             </a:r>
           </a:p>
         </p:txBody>
@@ -6430,6 +6719,1139 @@
 </file>
 
 <file path=ppt/slides/slide12.xml><?xml version="1.0" encoding="utf-8"?>
+<p:sld xmlns:a="http://schemas.openxmlformats.org/drawingml/2006/main" xmlns:r="http://schemas.openxmlformats.org/officeDocument/2006/relationships" xmlns:p="http://schemas.openxmlformats.org/presentationml/2006/main">
+  <p:cSld>
+    <p:spTree>
+      <p:nvGrpSpPr>
+        <p:cNvPr id="1" name=""/>
+        <p:cNvGrpSpPr/>
+        <p:nvPr/>
+      </p:nvGrpSpPr>
+      <p:grpSpPr>
+        <a:xfrm>
+          <a:off x="0" y="0"/>
+          <a:ext cx="0" cy="0"/>
+          <a:chOff x="0" y="0"/>
+          <a:chExt cx="0" cy="0"/>
+        </a:xfrm>
+      </p:grpSpPr>
+      <p:sp>
+        <p:nvSpPr>
+          <p:cNvPr id="2" name="Titolo 1">
+            <a:extLst>
+              <a:ext uri="{FF2B5EF4-FFF2-40B4-BE49-F238E27FC236}">
+                <a16:creationId xmlns:a16="http://schemas.microsoft.com/office/drawing/2014/main" id="{A6059E8D-7FEF-44EB-81E3-F119C782176C}"/>
+              </a:ext>
+            </a:extLst>
+          </p:cNvPr>
+          <p:cNvSpPr>
+            <a:spLocks noGrp="1"/>
+          </p:cNvSpPr>
+          <p:nvPr>
+            <p:ph type="title"/>
+          </p:nvPr>
+        </p:nvSpPr>
+        <p:spPr/>
+        <p:txBody>
+          <a:bodyPr/>
+          <a:lstStyle/>
+          <a:p>
+            <a:r>
+              <a:rPr lang="it-IT" dirty="0"/>
+              <a:t>lista – esempio inserimento</a:t>
+            </a:r>
+          </a:p>
+        </p:txBody>
+      </p:sp>
+      <p:sp>
+        <p:nvSpPr>
+          <p:cNvPr id="3" name="Segnaposto contenuto 2">
+            <a:extLst>
+              <a:ext uri="{FF2B5EF4-FFF2-40B4-BE49-F238E27FC236}">
+                <a16:creationId xmlns:a16="http://schemas.microsoft.com/office/drawing/2014/main" id="{5414A2F9-C4FA-497A-95BB-3CC744615353}"/>
+              </a:ext>
+            </a:extLst>
+          </p:cNvPr>
+          <p:cNvSpPr>
+            <a:spLocks noGrp="1"/>
+          </p:cNvSpPr>
+          <p:nvPr>
+            <p:ph sz="half" idx="1"/>
+          </p:nvPr>
+        </p:nvSpPr>
+        <p:spPr/>
+        <p:txBody>
+          <a:bodyPr/>
+          <a:lstStyle/>
+          <a:p>
+            <a:pPr marL="0" indent="0">
+              <a:buNone/>
+            </a:pPr>
+            <a:r>
+              <a:rPr lang="it-IT" sz="1800" b="1" dirty="0" err="1">
+                <a:latin typeface="Courier New" panose="02070309020205020404" pitchFamily="49" charset="0"/>
+                <a:cs typeface="Courier New" panose="02070309020205020404" pitchFamily="49" charset="0"/>
+              </a:rPr>
+              <a:t>void</a:t>
+            </a:r>
+            <a:r>
+              <a:rPr lang="it-IT" sz="1800" b="1" dirty="0">
+                <a:latin typeface="Courier New" panose="02070309020205020404" pitchFamily="49" charset="0"/>
+                <a:cs typeface="Courier New" panose="02070309020205020404" pitchFamily="49" charset="0"/>
+              </a:rPr>
+              <a:t> Lista::</a:t>
+            </a:r>
+            <a:r>
+              <a:rPr lang="it-IT" sz="1800" b="1" dirty="0" err="1">
+                <a:solidFill>
+                  <a:srgbClr val="FF0000"/>
+                </a:solidFill>
+                <a:latin typeface="Courier New" panose="02070309020205020404" pitchFamily="49" charset="0"/>
+                <a:cs typeface="Courier New" panose="02070309020205020404" pitchFamily="49" charset="0"/>
+              </a:rPr>
+              <a:t>insCoda</a:t>
+            </a:r>
+            <a:r>
+              <a:rPr lang="it-IT" sz="1800" b="1" dirty="0">
+                <a:latin typeface="Courier New" panose="02070309020205020404" pitchFamily="49" charset="0"/>
+                <a:cs typeface="Courier New" panose="02070309020205020404" pitchFamily="49" charset="0"/>
+              </a:rPr>
+              <a:t>(</a:t>
+            </a:r>
+            <a:r>
+              <a:rPr lang="it-IT" sz="1800" b="1" dirty="0" err="1">
+                <a:latin typeface="Courier New" panose="02070309020205020404" pitchFamily="49" charset="0"/>
+                <a:cs typeface="Courier New" panose="02070309020205020404" pitchFamily="49" charset="0"/>
+              </a:rPr>
+              <a:t>const</a:t>
+            </a:r>
+            <a:r>
+              <a:rPr lang="it-IT" sz="1800" b="1" dirty="0">
+                <a:latin typeface="Courier New" panose="02070309020205020404" pitchFamily="49" charset="0"/>
+                <a:cs typeface="Courier New" panose="02070309020205020404" pitchFamily="49" charset="0"/>
+              </a:rPr>
+              <a:t> </a:t>
+            </a:r>
+            <a:r>
+              <a:rPr lang="it-IT" sz="1800" b="1" dirty="0" err="1">
+                <a:latin typeface="Courier New" panose="02070309020205020404" pitchFamily="49" charset="0"/>
+                <a:cs typeface="Courier New" panose="02070309020205020404" pitchFamily="49" charset="0"/>
+              </a:rPr>
+              <a:t>string</a:t>
+            </a:r>
+            <a:r>
+              <a:rPr lang="it-IT" sz="1800" b="1" dirty="0">
+                <a:latin typeface="Courier New" panose="02070309020205020404" pitchFamily="49" charset="0"/>
+                <a:cs typeface="Courier New" panose="02070309020205020404" pitchFamily="49" charset="0"/>
+              </a:rPr>
+              <a:t> &amp;val) {</a:t>
+            </a:r>
+          </a:p>
+          <a:p>
+            <a:pPr marL="0" indent="0">
+              <a:buNone/>
+            </a:pPr>
+            <a:r>
+              <a:rPr lang="it-IT" sz="1800" b="1" dirty="0">
+                <a:latin typeface="Courier New" panose="02070309020205020404" pitchFamily="49" charset="0"/>
+                <a:cs typeface="Courier New" panose="02070309020205020404" pitchFamily="49" charset="0"/>
+              </a:rPr>
+              <a:t>   Nodo* </a:t>
+            </a:r>
+            <a:r>
+              <a:rPr lang="it-IT" sz="1800" b="1" dirty="0" err="1">
+                <a:latin typeface="Courier New" panose="02070309020205020404" pitchFamily="49" charset="0"/>
+                <a:cs typeface="Courier New" panose="02070309020205020404" pitchFamily="49" charset="0"/>
+              </a:rPr>
+              <a:t>newNodo</a:t>
+            </a:r>
+            <a:r>
+              <a:rPr lang="it-IT" sz="1800" b="1" dirty="0">
+                <a:latin typeface="Courier New" panose="02070309020205020404" pitchFamily="49" charset="0"/>
+                <a:cs typeface="Courier New" panose="02070309020205020404" pitchFamily="49" charset="0"/>
+              </a:rPr>
+              <a:t> = new Nodo(val);</a:t>
+            </a:r>
+          </a:p>
+          <a:p>
+            <a:pPr marL="0" indent="0">
+              <a:buNone/>
+            </a:pPr>
+            <a:r>
+              <a:rPr lang="it-IT" sz="1800" b="1" dirty="0">
+                <a:latin typeface="Courier New" panose="02070309020205020404" pitchFamily="49" charset="0"/>
+                <a:cs typeface="Courier New" panose="02070309020205020404" pitchFamily="49" charset="0"/>
+              </a:rPr>
+              <a:t>   </a:t>
+            </a:r>
+            <a:r>
+              <a:rPr lang="it-IT" sz="1800" b="1" dirty="0" err="1">
+                <a:latin typeface="Courier New" panose="02070309020205020404" pitchFamily="49" charset="0"/>
+                <a:cs typeface="Courier New" panose="02070309020205020404" pitchFamily="49" charset="0"/>
+              </a:rPr>
+              <a:t>if</a:t>
+            </a:r>
+            <a:r>
+              <a:rPr lang="it-IT" sz="1800" b="1" dirty="0">
+                <a:latin typeface="Courier New" panose="02070309020205020404" pitchFamily="49" charset="0"/>
+                <a:cs typeface="Courier New" panose="02070309020205020404" pitchFamily="49" charset="0"/>
+              </a:rPr>
+              <a:t> (vuota()) { </a:t>
+            </a:r>
+          </a:p>
+          <a:p>
+            <a:pPr marL="0" indent="0">
+              <a:buNone/>
+            </a:pPr>
+            <a:r>
+              <a:rPr lang="it-IT" sz="1800" b="1" dirty="0">
+                <a:latin typeface="Courier New" panose="02070309020205020404" pitchFamily="49" charset="0"/>
+                <a:cs typeface="Courier New" panose="02070309020205020404" pitchFamily="49" charset="0"/>
+              </a:rPr>
+              <a:t>      testa = </a:t>
+            </a:r>
+            <a:r>
+              <a:rPr lang="it-IT" sz="1800" b="1" dirty="0" err="1">
+                <a:latin typeface="Courier New" panose="02070309020205020404" pitchFamily="49" charset="0"/>
+                <a:cs typeface="Courier New" panose="02070309020205020404" pitchFamily="49" charset="0"/>
+              </a:rPr>
+              <a:t>newNodo</a:t>
+            </a:r>
+            <a:r>
+              <a:rPr lang="it-IT" sz="1800" b="1" dirty="0">
+                <a:latin typeface="Courier New" panose="02070309020205020404" pitchFamily="49" charset="0"/>
+                <a:cs typeface="Courier New" panose="02070309020205020404" pitchFamily="49" charset="0"/>
+              </a:rPr>
+              <a:t>;</a:t>
+            </a:r>
+          </a:p>
+          <a:p>
+            <a:pPr marL="0" indent="0">
+              <a:buNone/>
+            </a:pPr>
+            <a:r>
+              <a:rPr lang="it-IT" sz="1800" b="1" dirty="0">
+                <a:latin typeface="Courier New" panose="02070309020205020404" pitchFamily="49" charset="0"/>
+                <a:cs typeface="Courier New" panose="02070309020205020404" pitchFamily="49" charset="0"/>
+              </a:rPr>
+              <a:t>   } </a:t>
+            </a:r>
+          </a:p>
+          <a:p>
+            <a:pPr marL="0" indent="0">
+              <a:buNone/>
+            </a:pPr>
+            <a:r>
+              <a:rPr lang="it-IT" sz="1800" b="1" dirty="0">
+                <a:latin typeface="Courier New" panose="02070309020205020404" pitchFamily="49" charset="0"/>
+                <a:cs typeface="Courier New" panose="02070309020205020404" pitchFamily="49" charset="0"/>
+              </a:rPr>
+              <a:t>   else {</a:t>
+            </a:r>
+          </a:p>
+          <a:p>
+            <a:pPr marL="0" indent="0">
+              <a:buNone/>
+            </a:pPr>
+            <a:r>
+              <a:rPr lang="it-IT" sz="1800" b="1" dirty="0">
+                <a:latin typeface="Courier New" panose="02070309020205020404" pitchFamily="49" charset="0"/>
+                <a:cs typeface="Courier New" panose="02070309020205020404" pitchFamily="49" charset="0"/>
+              </a:rPr>
+              <a:t>      Nodo* </a:t>
+            </a:r>
+            <a:r>
+              <a:rPr lang="it-IT" sz="1800" b="1" dirty="0" err="1">
+                <a:latin typeface="Courier New" panose="02070309020205020404" pitchFamily="49" charset="0"/>
+                <a:cs typeface="Courier New" panose="02070309020205020404" pitchFamily="49" charset="0"/>
+              </a:rPr>
+              <a:t>temp</a:t>
+            </a:r>
+            <a:r>
+              <a:rPr lang="it-IT" sz="1800" b="1" dirty="0">
+                <a:latin typeface="Courier New" panose="02070309020205020404" pitchFamily="49" charset="0"/>
+                <a:cs typeface="Courier New" panose="02070309020205020404" pitchFamily="49" charset="0"/>
+              </a:rPr>
+              <a:t> = testa;</a:t>
+            </a:r>
+          </a:p>
+          <a:p>
+            <a:pPr marL="0" indent="0">
+              <a:buNone/>
+            </a:pPr>
+            <a:r>
+              <a:rPr lang="it-IT" sz="1800" b="1" dirty="0">
+                <a:latin typeface="Courier New" panose="02070309020205020404" pitchFamily="49" charset="0"/>
+                <a:cs typeface="Courier New" panose="02070309020205020404" pitchFamily="49" charset="0"/>
+              </a:rPr>
+              <a:t>      </a:t>
+            </a:r>
+            <a:r>
+              <a:rPr lang="it-IT" sz="1800" b="1" dirty="0" err="1">
+                <a:latin typeface="Courier New" panose="02070309020205020404" pitchFamily="49" charset="0"/>
+                <a:cs typeface="Courier New" panose="02070309020205020404" pitchFamily="49" charset="0"/>
+              </a:rPr>
+              <a:t>while</a:t>
+            </a:r>
+            <a:r>
+              <a:rPr lang="it-IT" sz="1800" b="1" dirty="0">
+                <a:latin typeface="Courier New" panose="02070309020205020404" pitchFamily="49" charset="0"/>
+                <a:cs typeface="Courier New" panose="02070309020205020404" pitchFamily="49" charset="0"/>
+              </a:rPr>
+              <a:t>(</a:t>
+            </a:r>
+            <a:r>
+              <a:rPr lang="it-IT" sz="1800" b="1" dirty="0" err="1">
+                <a:latin typeface="Courier New" panose="02070309020205020404" pitchFamily="49" charset="0"/>
+                <a:cs typeface="Courier New" panose="02070309020205020404" pitchFamily="49" charset="0"/>
+              </a:rPr>
+              <a:t>temp</a:t>
+            </a:r>
+            <a:r>
+              <a:rPr lang="it-IT" sz="1800" b="1" dirty="0">
+                <a:latin typeface="Courier New" panose="02070309020205020404" pitchFamily="49" charset="0"/>
+                <a:cs typeface="Courier New" panose="02070309020205020404" pitchFamily="49" charset="0"/>
+              </a:rPr>
+              <a:t>-&gt;</a:t>
+            </a:r>
+            <a:r>
+              <a:rPr lang="it-IT" sz="1800" b="1" dirty="0" err="1">
+                <a:latin typeface="Courier New" panose="02070309020205020404" pitchFamily="49" charset="0"/>
+                <a:cs typeface="Courier New" panose="02070309020205020404" pitchFamily="49" charset="0"/>
+              </a:rPr>
+              <a:t>next</a:t>
+            </a:r>
+            <a:r>
+              <a:rPr lang="it-IT" sz="1800" b="1" dirty="0">
+                <a:latin typeface="Courier New" panose="02070309020205020404" pitchFamily="49" charset="0"/>
+                <a:cs typeface="Courier New" panose="02070309020205020404" pitchFamily="49" charset="0"/>
+              </a:rPr>
+              <a:t>)</a:t>
+            </a:r>
+          </a:p>
+          <a:p>
+            <a:pPr marL="0" indent="0">
+              <a:buNone/>
+            </a:pPr>
+            <a:r>
+              <a:rPr lang="it-IT" sz="1800" b="1" dirty="0">
+                <a:latin typeface="Courier New" panose="02070309020205020404" pitchFamily="49" charset="0"/>
+                <a:cs typeface="Courier New" panose="02070309020205020404" pitchFamily="49" charset="0"/>
+              </a:rPr>
+              <a:t>	 </a:t>
+            </a:r>
+            <a:r>
+              <a:rPr lang="it-IT" sz="1800" b="1" dirty="0" err="1">
+                <a:latin typeface="Courier New" panose="02070309020205020404" pitchFamily="49" charset="0"/>
+                <a:cs typeface="Courier New" panose="02070309020205020404" pitchFamily="49" charset="0"/>
+              </a:rPr>
+              <a:t>temp</a:t>
+            </a:r>
+            <a:r>
+              <a:rPr lang="it-IT" sz="1800" b="1" dirty="0">
+                <a:latin typeface="Courier New" panose="02070309020205020404" pitchFamily="49" charset="0"/>
+                <a:cs typeface="Courier New" panose="02070309020205020404" pitchFamily="49" charset="0"/>
+              </a:rPr>
+              <a:t> = </a:t>
+            </a:r>
+            <a:r>
+              <a:rPr lang="it-IT" sz="1800" b="1" dirty="0" err="1">
+                <a:latin typeface="Courier New" panose="02070309020205020404" pitchFamily="49" charset="0"/>
+                <a:cs typeface="Courier New" panose="02070309020205020404" pitchFamily="49" charset="0"/>
+              </a:rPr>
+              <a:t>temp</a:t>
+            </a:r>
+            <a:r>
+              <a:rPr lang="it-IT" sz="1800" b="1" dirty="0">
+                <a:latin typeface="Courier New" panose="02070309020205020404" pitchFamily="49" charset="0"/>
+                <a:cs typeface="Courier New" panose="02070309020205020404" pitchFamily="49" charset="0"/>
+              </a:rPr>
+              <a:t>-&gt;</a:t>
+            </a:r>
+            <a:r>
+              <a:rPr lang="it-IT" sz="1800" b="1" dirty="0" err="1">
+                <a:latin typeface="Courier New" panose="02070309020205020404" pitchFamily="49" charset="0"/>
+                <a:cs typeface="Courier New" panose="02070309020205020404" pitchFamily="49" charset="0"/>
+              </a:rPr>
+              <a:t>next</a:t>
+            </a:r>
+            <a:r>
+              <a:rPr lang="it-IT" sz="1800" b="1" dirty="0">
+                <a:latin typeface="Courier New" panose="02070309020205020404" pitchFamily="49" charset="0"/>
+                <a:cs typeface="Courier New" panose="02070309020205020404" pitchFamily="49" charset="0"/>
+              </a:rPr>
+              <a:t>;</a:t>
+            </a:r>
+          </a:p>
+          <a:p>
+            <a:pPr marL="0" indent="0">
+              <a:buNone/>
+            </a:pPr>
+            <a:r>
+              <a:rPr lang="it-IT" sz="1800" b="1" dirty="0">
+                <a:latin typeface="Courier New" panose="02070309020205020404" pitchFamily="49" charset="0"/>
+                <a:cs typeface="Courier New" panose="02070309020205020404" pitchFamily="49" charset="0"/>
+              </a:rPr>
+              <a:t>      </a:t>
+            </a:r>
+            <a:r>
+              <a:rPr lang="it-IT" sz="1800" b="1" dirty="0" err="1">
+                <a:latin typeface="Courier New" panose="02070309020205020404" pitchFamily="49" charset="0"/>
+                <a:cs typeface="Courier New" panose="02070309020205020404" pitchFamily="49" charset="0"/>
+              </a:rPr>
+              <a:t>temp</a:t>
+            </a:r>
+            <a:r>
+              <a:rPr lang="it-IT" sz="1800" b="1" dirty="0">
+                <a:latin typeface="Courier New" panose="02070309020205020404" pitchFamily="49" charset="0"/>
+                <a:cs typeface="Courier New" panose="02070309020205020404" pitchFamily="49" charset="0"/>
+              </a:rPr>
+              <a:t>-&gt;</a:t>
+            </a:r>
+            <a:r>
+              <a:rPr lang="it-IT" sz="1800" b="1" dirty="0" err="1">
+                <a:latin typeface="Courier New" panose="02070309020205020404" pitchFamily="49" charset="0"/>
+                <a:cs typeface="Courier New" panose="02070309020205020404" pitchFamily="49" charset="0"/>
+              </a:rPr>
+              <a:t>next</a:t>
+            </a:r>
+            <a:r>
+              <a:rPr lang="it-IT" sz="1800" b="1" dirty="0">
+                <a:latin typeface="Courier New" panose="02070309020205020404" pitchFamily="49" charset="0"/>
+                <a:cs typeface="Courier New" panose="02070309020205020404" pitchFamily="49" charset="0"/>
+              </a:rPr>
+              <a:t> = </a:t>
+            </a:r>
+            <a:r>
+              <a:rPr lang="it-IT" sz="1800" b="1" dirty="0" err="1">
+                <a:latin typeface="Courier New" panose="02070309020205020404" pitchFamily="49" charset="0"/>
+                <a:cs typeface="Courier New" panose="02070309020205020404" pitchFamily="49" charset="0"/>
+              </a:rPr>
+              <a:t>newNodo</a:t>
+            </a:r>
+            <a:r>
+              <a:rPr lang="it-IT" sz="1800" b="1" dirty="0">
+                <a:latin typeface="Courier New" panose="02070309020205020404" pitchFamily="49" charset="0"/>
+                <a:cs typeface="Courier New" panose="02070309020205020404" pitchFamily="49" charset="0"/>
+              </a:rPr>
+              <a:t>;</a:t>
+            </a:r>
+          </a:p>
+          <a:p>
+            <a:pPr marL="0" indent="0">
+              <a:buNone/>
+            </a:pPr>
+            <a:r>
+              <a:rPr lang="it-IT" sz="1800" b="1" dirty="0">
+                <a:latin typeface="Courier New" panose="02070309020205020404" pitchFamily="49" charset="0"/>
+                <a:cs typeface="Courier New" panose="02070309020205020404" pitchFamily="49" charset="0"/>
+              </a:rPr>
+              <a:t>   }</a:t>
+            </a:r>
+          </a:p>
+          <a:p>
+            <a:pPr marL="0" indent="0">
+              <a:buNone/>
+            </a:pPr>
+            <a:r>
+              <a:rPr lang="it-IT" sz="1800" b="1" dirty="0">
+                <a:latin typeface="Courier New" panose="02070309020205020404" pitchFamily="49" charset="0"/>
+                <a:cs typeface="Courier New" panose="02070309020205020404" pitchFamily="49" charset="0"/>
+              </a:rPr>
+              <a:t>}</a:t>
+            </a:r>
+          </a:p>
+          <a:p>
+            <a:pPr marL="0" indent="0">
+              <a:buNone/>
+            </a:pPr>
+            <a:endParaRPr lang="it-IT" sz="1800" b="1" dirty="0">
+              <a:latin typeface="Courier New" panose="02070309020205020404" pitchFamily="49" charset="0"/>
+              <a:cs typeface="Courier New" panose="02070309020205020404" pitchFamily="49" charset="0"/>
+            </a:endParaRPr>
+          </a:p>
+        </p:txBody>
+      </p:sp>
+      <p:sp>
+        <p:nvSpPr>
+          <p:cNvPr id="4" name="Segnaposto contenuto 3">
+            <a:extLst>
+              <a:ext uri="{FF2B5EF4-FFF2-40B4-BE49-F238E27FC236}">
+                <a16:creationId xmlns:a16="http://schemas.microsoft.com/office/drawing/2014/main" id="{8A37AD03-A1E6-4C86-9359-1393761CD932}"/>
+              </a:ext>
+            </a:extLst>
+          </p:cNvPr>
+          <p:cNvSpPr>
+            <a:spLocks noGrp="1"/>
+          </p:cNvSpPr>
+          <p:nvPr>
+            <p:ph sz="half" idx="2"/>
+          </p:nvPr>
+        </p:nvSpPr>
+        <p:spPr/>
+        <p:txBody>
+          <a:bodyPr/>
+          <a:lstStyle/>
+          <a:p>
+            <a:r>
+              <a:rPr lang="it-IT" sz="2000" b="1" i="1" dirty="0"/>
+              <a:t>inserimento</a:t>
+            </a:r>
+            <a:r>
+              <a:rPr lang="it-IT" sz="2000" dirty="0"/>
+              <a:t> di un nodo con valore ricevuto come parametro in </a:t>
+            </a:r>
+            <a:r>
+              <a:rPr lang="it-IT" sz="2000" b="1" i="1" dirty="0"/>
+              <a:t>coda</a:t>
+            </a:r>
+            <a:r>
+              <a:rPr lang="it-IT" sz="2000" dirty="0"/>
+              <a:t> alla lista</a:t>
+            </a:r>
+          </a:p>
+          <a:p>
+            <a:pPr lvl="1"/>
+            <a:r>
+              <a:rPr lang="it-IT" sz="1600" b="1" dirty="0" err="1">
+                <a:latin typeface="Courier New" panose="02070309020205020404" pitchFamily="49" charset="0"/>
+                <a:cs typeface="Courier New" panose="02070309020205020404" pitchFamily="49" charset="0"/>
+              </a:rPr>
+              <a:t>insCoda</a:t>
+            </a:r>
+            <a:r>
+              <a:rPr lang="it-IT" sz="1600" b="1" dirty="0">
+                <a:latin typeface="Courier New" panose="02070309020205020404" pitchFamily="49" charset="0"/>
+                <a:cs typeface="Courier New" panose="02070309020205020404" pitchFamily="49" charset="0"/>
+              </a:rPr>
+              <a:t>(&amp;</a:t>
+            </a:r>
+            <a:r>
+              <a:rPr lang="it-IT" sz="1600" b="1" dirty="0" err="1">
+                <a:latin typeface="Courier New" panose="02070309020205020404" pitchFamily="49" charset="0"/>
+                <a:cs typeface="Courier New" panose="02070309020205020404" pitchFamily="49" charset="0"/>
+              </a:rPr>
+              <a:t>string</a:t>
+            </a:r>
+            <a:r>
+              <a:rPr lang="it-IT" sz="1600" b="1" dirty="0">
+                <a:latin typeface="Courier New" panose="02070309020205020404" pitchFamily="49" charset="0"/>
+                <a:cs typeface="Courier New" panose="02070309020205020404" pitchFamily="49" charset="0"/>
+              </a:rPr>
+              <a:t>)</a:t>
+            </a:r>
+          </a:p>
+          <a:p>
+            <a:pPr lvl="1"/>
+            <a:r>
+              <a:rPr lang="it-IT" sz="1600" b="1" dirty="0" err="1">
+                <a:latin typeface="Courier New" panose="02070309020205020404" pitchFamily="49" charset="0"/>
+                <a:cs typeface="Courier New" panose="02070309020205020404" pitchFamily="49" charset="0"/>
+              </a:rPr>
+              <a:t>temp</a:t>
+            </a:r>
+            <a:r>
+              <a:rPr lang="it-IT" sz="1600" b="1" dirty="0">
+                <a:latin typeface="Courier New" panose="02070309020205020404" pitchFamily="49" charset="0"/>
+                <a:cs typeface="Courier New" panose="02070309020205020404" pitchFamily="49" charset="0"/>
+              </a:rPr>
+              <a:t> </a:t>
+            </a:r>
+            <a:r>
+              <a:rPr lang="it-IT" sz="1600" dirty="0">
+                <a:cs typeface="Courier New" panose="02070309020205020404" pitchFamily="49" charset="0"/>
+              </a:rPr>
+              <a:t>punterà all’ultimo nodo della lista</a:t>
+            </a:r>
+            <a:endParaRPr lang="it-IT" sz="1600" dirty="0"/>
+          </a:p>
+          <a:p>
+            <a:r>
+              <a:rPr lang="it-IT" sz="2000" dirty="0"/>
+              <a:t>analogo discorso per inserimento in testa </a:t>
+            </a:r>
+          </a:p>
+          <a:p>
+            <a:pPr lvl="1"/>
+            <a:r>
+              <a:rPr lang="it-IT" sz="1600" dirty="0"/>
+              <a:t>non è necessario scorrere tutti gli elementi</a:t>
+            </a:r>
+          </a:p>
+        </p:txBody>
+      </p:sp>
+      <p:sp>
+        <p:nvSpPr>
+          <p:cNvPr id="5" name="Segnaposto piè di pagina 4">
+            <a:extLst>
+              <a:ext uri="{FF2B5EF4-FFF2-40B4-BE49-F238E27FC236}">
+                <a16:creationId xmlns:a16="http://schemas.microsoft.com/office/drawing/2014/main" id="{84476BEA-5299-439A-BFE1-4FE738E5D7E1}"/>
+              </a:ext>
+            </a:extLst>
+          </p:cNvPr>
+          <p:cNvSpPr>
+            <a:spLocks noGrp="1"/>
+          </p:cNvSpPr>
+          <p:nvPr>
+            <p:ph type="ftr" sz="quarter" idx="11"/>
+          </p:nvPr>
+        </p:nvSpPr>
+        <p:spPr/>
+        <p:txBody>
+          <a:bodyPr/>
+          <a:lstStyle/>
+          <a:p>
+            <a:pPr>
+              <a:defRPr/>
+            </a:pPr>
+            <a:r>
+              <a:rPr lang="it-IT"/>
+              <a:t>Alberto Ferrari – Programmazione di applicazioni SW</a:t>
+            </a:r>
+            <a:endParaRPr lang="it-IT" dirty="0"/>
+          </a:p>
+        </p:txBody>
+      </p:sp>
+      <p:pic>
+        <p:nvPicPr>
+          <p:cNvPr id="6" name="Immagine 5">
+            <a:extLst>
+              <a:ext uri="{FF2B5EF4-FFF2-40B4-BE49-F238E27FC236}">
+                <a16:creationId xmlns:a16="http://schemas.microsoft.com/office/drawing/2014/main" id="{7779F14A-7C98-4E34-854A-85FEC7077069}"/>
+              </a:ext>
+            </a:extLst>
+          </p:cNvPr>
+          <p:cNvPicPr>
+            <a:picLocks noChangeAspect="1"/>
+          </p:cNvPicPr>
+          <p:nvPr/>
+        </p:nvPicPr>
+        <p:blipFill>
+          <a:blip r:embed="rId2"/>
+          <a:stretch>
+            <a:fillRect/>
+          </a:stretch>
+        </p:blipFill>
+        <p:spPr>
+          <a:xfrm>
+            <a:off x="4727849" y="3758429"/>
+            <a:ext cx="6624736" cy="2027639"/>
+          </a:xfrm>
+          <a:prstGeom prst="rect">
+            <a:avLst/>
+          </a:prstGeom>
+        </p:spPr>
+      </p:pic>
+    </p:spTree>
+    <p:extLst>
+      <p:ext uri="{BB962C8B-B14F-4D97-AF65-F5344CB8AC3E}">
+        <p14:creationId xmlns:p14="http://schemas.microsoft.com/office/powerpoint/2010/main" val="2706558012"/>
+      </p:ext>
+    </p:extLst>
+  </p:cSld>
+  <p:clrMapOvr>
+    <a:masterClrMapping/>
+  </p:clrMapOvr>
+</p:sld>
+</file>
+
+<file path=ppt/slides/slide13.xml><?xml version="1.0" encoding="utf-8"?>
+<p:sld xmlns:a="http://schemas.openxmlformats.org/drawingml/2006/main" xmlns:r="http://schemas.openxmlformats.org/officeDocument/2006/relationships" xmlns:p="http://schemas.openxmlformats.org/presentationml/2006/main">
+  <p:cSld>
+    <p:spTree>
+      <p:nvGrpSpPr>
+        <p:cNvPr id="1" name=""/>
+        <p:cNvGrpSpPr/>
+        <p:nvPr/>
+      </p:nvGrpSpPr>
+      <p:grpSpPr>
+        <a:xfrm>
+          <a:off x="0" y="0"/>
+          <a:ext cx="0" cy="0"/>
+          <a:chOff x="0" y="0"/>
+          <a:chExt cx="0" cy="0"/>
+        </a:xfrm>
+      </p:grpSpPr>
+      <p:sp>
+        <p:nvSpPr>
+          <p:cNvPr id="2" name="Titolo 1">
+            <a:extLst>
+              <a:ext uri="{FF2B5EF4-FFF2-40B4-BE49-F238E27FC236}">
+                <a16:creationId xmlns:a16="http://schemas.microsoft.com/office/drawing/2014/main" id="{A6059E8D-7FEF-44EB-81E3-F119C782176C}"/>
+              </a:ext>
+            </a:extLst>
+          </p:cNvPr>
+          <p:cNvSpPr>
+            <a:spLocks noGrp="1"/>
+          </p:cNvSpPr>
+          <p:nvPr>
+            <p:ph type="title"/>
+          </p:nvPr>
+        </p:nvSpPr>
+        <p:spPr/>
+        <p:txBody>
+          <a:bodyPr/>
+          <a:lstStyle/>
+          <a:p>
+            <a:r>
+              <a:rPr lang="it-IT" dirty="0"/>
+              <a:t>lista – esempio eliminazione</a:t>
+            </a:r>
+          </a:p>
+        </p:txBody>
+      </p:sp>
+      <p:sp>
+        <p:nvSpPr>
+          <p:cNvPr id="3" name="Segnaposto contenuto 2">
+            <a:extLst>
+              <a:ext uri="{FF2B5EF4-FFF2-40B4-BE49-F238E27FC236}">
+                <a16:creationId xmlns:a16="http://schemas.microsoft.com/office/drawing/2014/main" id="{5414A2F9-C4FA-497A-95BB-3CC744615353}"/>
+              </a:ext>
+            </a:extLst>
+          </p:cNvPr>
+          <p:cNvSpPr>
+            <a:spLocks noGrp="1"/>
+          </p:cNvSpPr>
+          <p:nvPr>
+            <p:ph sz="half" idx="1"/>
+          </p:nvPr>
+        </p:nvSpPr>
+        <p:spPr/>
+        <p:txBody>
+          <a:bodyPr/>
+          <a:lstStyle/>
+          <a:p>
+            <a:pPr marL="0" indent="0">
+              <a:buNone/>
+            </a:pPr>
+            <a:r>
+              <a:rPr lang="it-IT" sz="1600" b="1" dirty="0" err="1">
+                <a:latin typeface="Courier New" panose="02070309020205020404" pitchFamily="49" charset="0"/>
+                <a:cs typeface="Courier New" panose="02070309020205020404" pitchFamily="49" charset="0"/>
+              </a:rPr>
+              <a:t>bool</a:t>
+            </a:r>
+            <a:r>
+              <a:rPr lang="it-IT" sz="1600" b="1" dirty="0">
+                <a:latin typeface="Courier New" panose="02070309020205020404" pitchFamily="49" charset="0"/>
+                <a:cs typeface="Courier New" panose="02070309020205020404" pitchFamily="49" charset="0"/>
+              </a:rPr>
+              <a:t> Lista::</a:t>
+            </a:r>
+            <a:r>
+              <a:rPr lang="it-IT" sz="1600" b="1" dirty="0" err="1">
+                <a:solidFill>
+                  <a:srgbClr val="FF0000"/>
+                </a:solidFill>
+                <a:latin typeface="Courier New" panose="02070309020205020404" pitchFamily="49" charset="0"/>
+                <a:cs typeface="Courier New" panose="02070309020205020404" pitchFamily="49" charset="0"/>
+              </a:rPr>
+              <a:t>elimTesta</a:t>
+            </a:r>
+            <a:r>
+              <a:rPr lang="it-IT" sz="1600" b="1" dirty="0">
+                <a:latin typeface="Courier New" panose="02070309020205020404" pitchFamily="49" charset="0"/>
+                <a:cs typeface="Courier New" panose="02070309020205020404" pitchFamily="49" charset="0"/>
+              </a:rPr>
+              <a:t>(</a:t>
+            </a:r>
+            <a:r>
+              <a:rPr lang="it-IT" sz="1600" b="1" dirty="0" err="1">
+                <a:latin typeface="Courier New" panose="02070309020205020404" pitchFamily="49" charset="0"/>
+                <a:cs typeface="Courier New" panose="02070309020205020404" pitchFamily="49" charset="0"/>
+              </a:rPr>
+              <a:t>string</a:t>
+            </a:r>
+            <a:r>
+              <a:rPr lang="it-IT" sz="1600" b="1" dirty="0">
+                <a:latin typeface="Courier New" panose="02070309020205020404" pitchFamily="49" charset="0"/>
+                <a:cs typeface="Courier New" panose="02070309020205020404" pitchFamily="49" charset="0"/>
+              </a:rPr>
+              <a:t> &amp;val) {</a:t>
+            </a:r>
+          </a:p>
+          <a:p>
+            <a:pPr marL="0" indent="0">
+              <a:buNone/>
+            </a:pPr>
+            <a:r>
+              <a:rPr lang="it-IT" sz="1600" b="1" dirty="0">
+                <a:latin typeface="Courier New" panose="02070309020205020404" pitchFamily="49" charset="0"/>
+                <a:cs typeface="Courier New" panose="02070309020205020404" pitchFamily="49" charset="0"/>
+              </a:rPr>
+              <a:t>   </a:t>
+            </a:r>
+            <a:r>
+              <a:rPr lang="it-IT" sz="1600" b="1" dirty="0" err="1">
+                <a:latin typeface="Courier New" panose="02070309020205020404" pitchFamily="49" charset="0"/>
+                <a:cs typeface="Courier New" panose="02070309020205020404" pitchFamily="49" charset="0"/>
+              </a:rPr>
+              <a:t>if</a:t>
+            </a:r>
+            <a:r>
+              <a:rPr lang="it-IT" sz="1600" b="1" dirty="0">
+                <a:latin typeface="Courier New" panose="02070309020205020404" pitchFamily="49" charset="0"/>
+                <a:cs typeface="Courier New" panose="02070309020205020404" pitchFamily="49" charset="0"/>
+              </a:rPr>
+              <a:t> (vuota()) </a:t>
+            </a:r>
+            <a:r>
+              <a:rPr lang="it-IT" sz="1600" b="1" dirty="0" err="1">
+                <a:latin typeface="Courier New" panose="02070309020205020404" pitchFamily="49" charset="0"/>
+                <a:cs typeface="Courier New" panose="02070309020205020404" pitchFamily="49" charset="0"/>
+              </a:rPr>
+              <a:t>return</a:t>
+            </a:r>
+            <a:r>
+              <a:rPr lang="it-IT" sz="1600" b="1" dirty="0">
+                <a:latin typeface="Courier New" panose="02070309020205020404" pitchFamily="49" charset="0"/>
+                <a:cs typeface="Courier New" panose="02070309020205020404" pitchFamily="49" charset="0"/>
+              </a:rPr>
+              <a:t> false;</a:t>
+            </a:r>
+          </a:p>
+          <a:p>
+            <a:pPr marL="0" indent="0">
+              <a:buNone/>
+            </a:pPr>
+            <a:r>
+              <a:rPr lang="it-IT" sz="1600" b="1" dirty="0">
+                <a:latin typeface="Courier New" panose="02070309020205020404" pitchFamily="49" charset="0"/>
+                <a:cs typeface="Courier New" panose="02070309020205020404" pitchFamily="49" charset="0"/>
+              </a:rPr>
+              <a:t>   val = testa-&gt;info;</a:t>
+            </a:r>
+          </a:p>
+          <a:p>
+            <a:pPr marL="0" indent="0">
+              <a:buNone/>
+            </a:pPr>
+            <a:r>
+              <a:rPr lang="it-IT" sz="1600" b="1" dirty="0">
+                <a:latin typeface="Courier New" panose="02070309020205020404" pitchFamily="49" charset="0"/>
+                <a:cs typeface="Courier New" panose="02070309020205020404" pitchFamily="49" charset="0"/>
+              </a:rPr>
+              <a:t>   Nodo* </a:t>
+            </a:r>
+            <a:r>
+              <a:rPr lang="it-IT" sz="1600" b="1" dirty="0" err="1">
+                <a:latin typeface="Courier New" panose="02070309020205020404" pitchFamily="49" charset="0"/>
+                <a:cs typeface="Courier New" panose="02070309020205020404" pitchFamily="49" charset="0"/>
+              </a:rPr>
+              <a:t>temp</a:t>
+            </a:r>
+            <a:r>
+              <a:rPr lang="it-IT" sz="1600" b="1" dirty="0">
+                <a:latin typeface="Courier New" panose="02070309020205020404" pitchFamily="49" charset="0"/>
+                <a:cs typeface="Courier New" panose="02070309020205020404" pitchFamily="49" charset="0"/>
+              </a:rPr>
+              <a:t> = testa;</a:t>
+            </a:r>
+          </a:p>
+          <a:p>
+            <a:pPr marL="0" indent="0">
+              <a:buNone/>
+            </a:pPr>
+            <a:r>
+              <a:rPr lang="it-IT" sz="1600" b="1" dirty="0">
+                <a:latin typeface="Courier New" panose="02070309020205020404" pitchFamily="49" charset="0"/>
+                <a:cs typeface="Courier New" panose="02070309020205020404" pitchFamily="49" charset="0"/>
+              </a:rPr>
+              <a:t>   testa = testa-&gt;</a:t>
+            </a:r>
+            <a:r>
+              <a:rPr lang="it-IT" sz="1600" b="1" dirty="0" err="1">
+                <a:latin typeface="Courier New" panose="02070309020205020404" pitchFamily="49" charset="0"/>
+                <a:cs typeface="Courier New" panose="02070309020205020404" pitchFamily="49" charset="0"/>
+              </a:rPr>
+              <a:t>next</a:t>
+            </a:r>
+            <a:r>
+              <a:rPr lang="it-IT" sz="1600" b="1" dirty="0">
+                <a:latin typeface="Courier New" panose="02070309020205020404" pitchFamily="49" charset="0"/>
+                <a:cs typeface="Courier New" panose="02070309020205020404" pitchFamily="49" charset="0"/>
+              </a:rPr>
+              <a:t>;</a:t>
+            </a:r>
+          </a:p>
+          <a:p>
+            <a:pPr marL="0" indent="0">
+              <a:buNone/>
+            </a:pPr>
+            <a:r>
+              <a:rPr lang="it-IT" sz="1600" b="1" dirty="0">
+                <a:latin typeface="Courier New" panose="02070309020205020404" pitchFamily="49" charset="0"/>
+                <a:cs typeface="Courier New" panose="02070309020205020404" pitchFamily="49" charset="0"/>
+              </a:rPr>
+              <a:t>   delete </a:t>
+            </a:r>
+            <a:r>
+              <a:rPr lang="it-IT" sz="1600" b="1" dirty="0" err="1">
+                <a:latin typeface="Courier New" panose="02070309020205020404" pitchFamily="49" charset="0"/>
+                <a:cs typeface="Courier New" panose="02070309020205020404" pitchFamily="49" charset="0"/>
+              </a:rPr>
+              <a:t>temp</a:t>
+            </a:r>
+            <a:r>
+              <a:rPr lang="it-IT" sz="1600" b="1" dirty="0">
+                <a:latin typeface="Courier New" panose="02070309020205020404" pitchFamily="49" charset="0"/>
+                <a:cs typeface="Courier New" panose="02070309020205020404" pitchFamily="49" charset="0"/>
+              </a:rPr>
+              <a:t>;   // </a:t>
+            </a:r>
+            <a:r>
+              <a:rPr lang="it-IT" sz="1600" b="1" dirty="0" err="1">
+                <a:latin typeface="Courier New" panose="02070309020205020404" pitchFamily="49" charset="0"/>
+                <a:cs typeface="Courier New" panose="02070309020205020404" pitchFamily="49" charset="0"/>
+              </a:rPr>
+              <a:t>deallocazione</a:t>
+            </a:r>
+            <a:endParaRPr lang="it-IT" sz="1600" b="1" dirty="0">
+              <a:latin typeface="Courier New" panose="02070309020205020404" pitchFamily="49" charset="0"/>
+              <a:cs typeface="Courier New" panose="02070309020205020404" pitchFamily="49" charset="0"/>
+            </a:endParaRPr>
+          </a:p>
+          <a:p>
+            <a:pPr marL="0" indent="0">
+              <a:buNone/>
+            </a:pPr>
+            <a:r>
+              <a:rPr lang="it-IT" sz="1600" b="1" dirty="0">
+                <a:latin typeface="Courier New" panose="02070309020205020404" pitchFamily="49" charset="0"/>
+                <a:cs typeface="Courier New" panose="02070309020205020404" pitchFamily="49" charset="0"/>
+              </a:rPr>
+              <a:t>   </a:t>
+            </a:r>
+            <a:r>
+              <a:rPr lang="it-IT" sz="1600" b="1" dirty="0" err="1">
+                <a:latin typeface="Courier New" panose="02070309020205020404" pitchFamily="49" charset="0"/>
+                <a:cs typeface="Courier New" panose="02070309020205020404" pitchFamily="49" charset="0"/>
+              </a:rPr>
+              <a:t>return</a:t>
+            </a:r>
+            <a:r>
+              <a:rPr lang="it-IT" sz="1600" b="1" dirty="0">
+                <a:latin typeface="Courier New" panose="02070309020205020404" pitchFamily="49" charset="0"/>
+                <a:cs typeface="Courier New" panose="02070309020205020404" pitchFamily="49" charset="0"/>
+              </a:rPr>
+              <a:t> </a:t>
+            </a:r>
+            <a:r>
+              <a:rPr lang="it-IT" sz="1600" b="1" dirty="0" err="1">
+                <a:latin typeface="Courier New" panose="02070309020205020404" pitchFamily="49" charset="0"/>
+                <a:cs typeface="Courier New" panose="02070309020205020404" pitchFamily="49" charset="0"/>
+              </a:rPr>
+              <a:t>true</a:t>
+            </a:r>
+            <a:r>
+              <a:rPr lang="it-IT" sz="1600" b="1" dirty="0">
+                <a:latin typeface="Courier New" panose="02070309020205020404" pitchFamily="49" charset="0"/>
+                <a:cs typeface="Courier New" panose="02070309020205020404" pitchFamily="49" charset="0"/>
+              </a:rPr>
+              <a:t>;</a:t>
+            </a:r>
+          </a:p>
+          <a:p>
+            <a:pPr marL="0" indent="0">
+              <a:buNone/>
+            </a:pPr>
+            <a:r>
+              <a:rPr lang="it-IT" sz="1600" b="1" dirty="0">
+                <a:latin typeface="Courier New" panose="02070309020205020404" pitchFamily="49" charset="0"/>
+                <a:cs typeface="Courier New" panose="02070309020205020404" pitchFamily="49" charset="0"/>
+              </a:rPr>
+              <a:t>}   </a:t>
+            </a:r>
+          </a:p>
+        </p:txBody>
+      </p:sp>
+      <p:sp>
+        <p:nvSpPr>
+          <p:cNvPr id="4" name="Segnaposto contenuto 3">
+            <a:extLst>
+              <a:ext uri="{FF2B5EF4-FFF2-40B4-BE49-F238E27FC236}">
+                <a16:creationId xmlns:a16="http://schemas.microsoft.com/office/drawing/2014/main" id="{8A37AD03-A1E6-4C86-9359-1393761CD932}"/>
+              </a:ext>
+            </a:extLst>
+          </p:cNvPr>
+          <p:cNvSpPr>
+            <a:spLocks noGrp="1"/>
+          </p:cNvSpPr>
+          <p:nvPr>
+            <p:ph sz="half" idx="2"/>
+          </p:nvPr>
+        </p:nvSpPr>
+        <p:spPr/>
+        <p:txBody>
+          <a:bodyPr/>
+          <a:lstStyle/>
+          <a:p>
+            <a:r>
+              <a:rPr lang="it-IT" sz="2000" b="1" i="1" dirty="0"/>
+              <a:t>eliminazione</a:t>
+            </a:r>
+            <a:r>
+              <a:rPr lang="it-IT" sz="2000" dirty="0"/>
+              <a:t> di un valore in </a:t>
+            </a:r>
+            <a:r>
+              <a:rPr lang="it-IT" sz="2000" b="1" i="1" dirty="0"/>
+              <a:t>testa</a:t>
+            </a:r>
+            <a:r>
+              <a:rPr lang="it-IT" sz="2000" dirty="0"/>
+              <a:t> alla lista</a:t>
+            </a:r>
+          </a:p>
+          <a:p>
+            <a:pPr lvl="1"/>
+            <a:r>
+              <a:rPr lang="it-IT" sz="1600" b="1" dirty="0" err="1">
+                <a:latin typeface="Courier New" panose="02070309020205020404" pitchFamily="49" charset="0"/>
+                <a:cs typeface="Courier New" panose="02070309020205020404" pitchFamily="49" charset="0"/>
+              </a:rPr>
+              <a:t>elimTesta</a:t>
+            </a:r>
+            <a:r>
+              <a:rPr lang="it-IT" sz="1600" b="1" dirty="0">
+                <a:latin typeface="Courier New" panose="02070309020205020404" pitchFamily="49" charset="0"/>
+                <a:cs typeface="Courier New" panose="02070309020205020404" pitchFamily="49" charset="0"/>
+              </a:rPr>
+              <a:t>(&amp;</a:t>
+            </a:r>
+            <a:r>
+              <a:rPr lang="it-IT" sz="1600" b="1" dirty="0" err="1">
+                <a:latin typeface="Courier New" panose="02070309020205020404" pitchFamily="49" charset="0"/>
+                <a:cs typeface="Courier New" panose="02070309020205020404" pitchFamily="49" charset="0"/>
+              </a:rPr>
+              <a:t>string</a:t>
+            </a:r>
+            <a:r>
+              <a:rPr lang="it-IT" sz="1600" b="1" dirty="0">
+                <a:latin typeface="Courier New" panose="02070309020205020404" pitchFamily="49" charset="0"/>
+                <a:cs typeface="Courier New" panose="02070309020205020404" pitchFamily="49" charset="0"/>
+              </a:rPr>
+              <a:t>)</a:t>
+            </a:r>
+          </a:p>
+          <a:p>
+            <a:pPr lvl="1"/>
+            <a:r>
+              <a:rPr lang="it-IT" sz="1600" b="1" dirty="0">
+                <a:latin typeface="Courier New" panose="02070309020205020404" pitchFamily="49" charset="0"/>
+                <a:cs typeface="Courier New" panose="02070309020205020404" pitchFamily="49" charset="0"/>
+              </a:rPr>
+              <a:t>false</a:t>
+            </a:r>
+            <a:r>
+              <a:rPr lang="it-IT" sz="1600" dirty="0"/>
+              <a:t> se la lista è vuota </a:t>
+            </a:r>
+          </a:p>
+          <a:p>
+            <a:pPr lvl="1"/>
+            <a:r>
+              <a:rPr lang="it-IT" sz="1600" dirty="0"/>
+              <a:t>restituzione del valore nel parametro</a:t>
+            </a:r>
+          </a:p>
+          <a:p>
+            <a:r>
+              <a:rPr lang="it-IT" sz="2000" dirty="0"/>
+              <a:t>analogo discorso per eliminazione in coda </a:t>
+            </a:r>
+          </a:p>
+          <a:p>
+            <a:pPr lvl="1"/>
+            <a:r>
+              <a:rPr lang="it-IT" sz="1600" dirty="0"/>
+              <a:t>è necessario scorrere tutti gli elementi</a:t>
+            </a:r>
+          </a:p>
+        </p:txBody>
+      </p:sp>
+      <p:sp>
+        <p:nvSpPr>
+          <p:cNvPr id="5" name="Segnaposto piè di pagina 4">
+            <a:extLst>
+              <a:ext uri="{FF2B5EF4-FFF2-40B4-BE49-F238E27FC236}">
+                <a16:creationId xmlns:a16="http://schemas.microsoft.com/office/drawing/2014/main" id="{84476BEA-5299-439A-BFE1-4FE738E5D7E1}"/>
+              </a:ext>
+            </a:extLst>
+          </p:cNvPr>
+          <p:cNvSpPr>
+            <a:spLocks noGrp="1"/>
+          </p:cNvSpPr>
+          <p:nvPr>
+            <p:ph type="ftr" sz="quarter" idx="11"/>
+          </p:nvPr>
+        </p:nvSpPr>
+        <p:spPr/>
+        <p:txBody>
+          <a:bodyPr/>
+          <a:lstStyle/>
+          <a:p>
+            <a:pPr>
+              <a:defRPr/>
+            </a:pPr>
+            <a:r>
+              <a:rPr lang="it-IT"/>
+              <a:t>Alberto Ferrari – Programmazione di applicazioni SW</a:t>
+            </a:r>
+            <a:endParaRPr lang="it-IT" dirty="0"/>
+          </a:p>
+        </p:txBody>
+      </p:sp>
+      <p:pic>
+        <p:nvPicPr>
+          <p:cNvPr id="7" name="Immagine 6">
+            <a:extLst>
+              <a:ext uri="{FF2B5EF4-FFF2-40B4-BE49-F238E27FC236}">
+                <a16:creationId xmlns:a16="http://schemas.microsoft.com/office/drawing/2014/main" id="{642ACFF3-F666-4BE0-9BD5-C3F24958EC5E}"/>
+              </a:ext>
+            </a:extLst>
+          </p:cNvPr>
+          <p:cNvPicPr>
+            <a:picLocks noChangeAspect="1"/>
+          </p:cNvPicPr>
+          <p:nvPr/>
+        </p:nvPicPr>
+        <p:blipFill>
+          <a:blip r:embed="rId2">
+            <a:extLst>
+              <a:ext uri="{28A0092B-C50C-407E-A947-70E740481C1C}">
+                <a14:useLocalDpi xmlns:a14="http://schemas.microsoft.com/office/drawing/2010/main" val="0"/>
+              </a:ext>
+            </a:extLst>
+          </a:blip>
+          <a:stretch>
+            <a:fillRect/>
+          </a:stretch>
+        </p:blipFill>
+        <p:spPr>
+          <a:xfrm>
+            <a:off x="2495600" y="4077072"/>
+            <a:ext cx="6772275" cy="1276350"/>
+          </a:xfrm>
+          <a:prstGeom prst="rect">
+            <a:avLst/>
+          </a:prstGeom>
+        </p:spPr>
+      </p:pic>
+    </p:spTree>
+    <p:extLst>
+      <p:ext uri="{BB962C8B-B14F-4D97-AF65-F5344CB8AC3E}">
+        <p14:creationId xmlns:p14="http://schemas.microsoft.com/office/powerpoint/2010/main" val="2160637657"/>
+      </p:ext>
+    </p:extLst>
+  </p:cSld>
+  <p:clrMapOvr>
+    <a:masterClrMapping/>
+  </p:clrMapOvr>
+</p:sld>
+</file>
+
+<file path=ppt/slides/slide14.xml><?xml version="1.0" encoding="utf-8"?>
 <p:sld xmlns:a="http://schemas.openxmlformats.org/drawingml/2006/main" xmlns:r="http://schemas.openxmlformats.org/officeDocument/2006/relationships" xmlns:p="http://schemas.openxmlformats.org/presentationml/2006/main">
   <p:cSld>
     <p:spTree>
@@ -6555,7 +7977,7 @@
 </p:sld>
 </file>
 
-<file path=ppt/slides/slide13.xml><?xml version="1.0" encoding="utf-8"?>
+<file path=ppt/slides/slide15.xml><?xml version="1.0" encoding="utf-8"?>
 <p:sld xmlns:a="http://schemas.openxmlformats.org/drawingml/2006/main" xmlns:r="http://schemas.openxmlformats.org/officeDocument/2006/relationships" xmlns:p="http://schemas.openxmlformats.org/presentationml/2006/main">
   <p:cSld>
     <p:spTree>
@@ -6779,7 +8201,7 @@
 </p:sld>
 </file>
 
-<file path=ppt/slides/slide14.xml><?xml version="1.0" encoding="utf-8"?>
+<file path=ppt/slides/slide16.xml><?xml version="1.0" encoding="utf-8"?>
 <p:sld xmlns:a="http://schemas.openxmlformats.org/drawingml/2006/main" xmlns:r="http://schemas.openxmlformats.org/officeDocument/2006/relationships" xmlns:p="http://schemas.openxmlformats.org/presentationml/2006/main">
   <p:cSld>
     <p:spTree>
@@ -6866,6 +8288,13 @@
               </a:rPr>
               <a:t>Stack</a:t>
             </a:r>
+            <a:r>
+              <a:rPr lang="en-US" sz="1600" b="1" dirty="0">
+                <a:latin typeface="Courier New" panose="02070309020205020404" pitchFamily="49" charset="0"/>
+                <a:cs typeface="Courier New" panose="02070309020205020404" pitchFamily="49" charset="0"/>
+              </a:rPr>
+              <a:t> {</a:t>
+            </a:r>
           </a:p>
           <a:p>
             <a:pPr marL="0" indent="0">
@@ -6876,7 +8305,7 @@
                 <a:latin typeface="Courier New" panose="02070309020205020404" pitchFamily="49" charset="0"/>
                 <a:cs typeface="Courier New" panose="02070309020205020404" pitchFamily="49" charset="0"/>
               </a:rPr>
-              <a:t>{</a:t>
+              <a:t>private:</a:t>
             </a:r>
           </a:p>
           <a:p>
@@ -6888,43 +8317,21 @@
                 <a:latin typeface="Courier New" panose="02070309020205020404" pitchFamily="49" charset="0"/>
                 <a:cs typeface="Courier New" panose="02070309020205020404" pitchFamily="49" charset="0"/>
               </a:rPr>
-              <a:t>    public:</a:t>
-            </a:r>
-          </a:p>
-          <a:p>
-            <a:pPr marL="0" indent="0">
-              <a:buNone/>
-            </a:pPr>
+              <a:t>   </a:t>
+            </a:r>
+            <a:r>
+              <a:rPr lang="en-US" sz="1600" b="1" dirty="0" err="1">
+                <a:latin typeface="Courier New" panose="02070309020205020404" pitchFamily="49" charset="0"/>
+                <a:cs typeface="Courier New" panose="02070309020205020404" pitchFamily="49" charset="0"/>
+              </a:rPr>
+              <a:t>Nodo</a:t>
+            </a:r>
             <a:r>
               <a:rPr lang="en-US" sz="1600" b="1" dirty="0">
                 <a:latin typeface="Courier New" panose="02070309020205020404" pitchFamily="49" charset="0"/>
                 <a:cs typeface="Courier New" panose="02070309020205020404" pitchFamily="49" charset="0"/>
               </a:rPr>
-              <a:t>        Stack();</a:t>
-            </a:r>
-          </a:p>
-          <a:p>
-            <a:pPr marL="0" indent="0">
-              <a:buNone/>
-            </a:pPr>
-            <a:r>
-              <a:rPr lang="en-US" sz="1600" b="1" dirty="0">
-                <a:latin typeface="Courier New" panose="02070309020205020404" pitchFamily="49" charset="0"/>
-                <a:cs typeface="Courier New" panose="02070309020205020404" pitchFamily="49" charset="0"/>
-              </a:rPr>
-              <a:t>        virtual ~Stack();</a:t>
-            </a:r>
-          </a:p>
-          <a:p>
-            <a:pPr marL="0" indent="0">
-              <a:buNone/>
-            </a:pPr>
-            <a:r>
-              <a:rPr lang="en-US" sz="1600" b="1" dirty="0">
-                <a:latin typeface="Courier New" panose="02070309020205020404" pitchFamily="49" charset="0"/>
-                <a:cs typeface="Courier New" panose="02070309020205020404" pitchFamily="49" charset="0"/>
-              </a:rPr>
-              <a:t>        void </a:t>
+              <a:t>* </a:t>
             </a:r>
             <a:r>
               <a:rPr lang="en-US" sz="1600" b="1" dirty="0">
@@ -6934,14 +8341,14 @@
                 <a:latin typeface="Courier New" panose="02070309020205020404" pitchFamily="49" charset="0"/>
                 <a:cs typeface="Courier New" panose="02070309020205020404" pitchFamily="49" charset="0"/>
               </a:rPr>
-              <a:t>push</a:t>
+              <a:t>top</a:t>
             </a:r>
             <a:r>
               <a:rPr lang="en-US" sz="1600" b="1" dirty="0">
                 <a:latin typeface="Courier New" panose="02070309020205020404" pitchFamily="49" charset="0"/>
                 <a:cs typeface="Courier New" panose="02070309020205020404" pitchFamily="49" charset="0"/>
               </a:rPr>
-              <a:t>(link);</a:t>
+              <a:t>;</a:t>
             </a:r>
           </a:p>
           <a:p>
@@ -6953,7 +8360,19 @@
                 <a:latin typeface="Courier New" panose="02070309020205020404" pitchFamily="49" charset="0"/>
                 <a:cs typeface="Courier New" panose="02070309020205020404" pitchFamily="49" charset="0"/>
               </a:rPr>
-              <a:t>        link </a:t>
+              <a:t>public:</a:t>
+            </a:r>
+          </a:p>
+          <a:p>
+            <a:pPr marL="0" indent="0">
+              <a:buNone/>
+            </a:pPr>
+            <a:r>
+              <a:rPr lang="en-US" sz="1600" b="1" dirty="0">
+                <a:latin typeface="Courier New" panose="02070309020205020404" pitchFamily="49" charset="0"/>
+                <a:cs typeface="Courier New" panose="02070309020205020404" pitchFamily="49" charset="0"/>
+              </a:rPr>
+              <a:t>   </a:t>
             </a:r>
             <a:r>
               <a:rPr lang="en-US" sz="1600" b="1" dirty="0">
@@ -6963,7 +8382,7 @@
                 <a:latin typeface="Courier New" panose="02070309020205020404" pitchFamily="49" charset="0"/>
                 <a:cs typeface="Courier New" panose="02070309020205020404" pitchFamily="49" charset="0"/>
               </a:rPr>
-              <a:t>pop</a:t>
+              <a:t>Stack</a:t>
             </a:r>
             <a:r>
               <a:rPr lang="en-US" sz="1600" b="1" dirty="0">
@@ -6982,7 +8401,7 @@
                 <a:latin typeface="Courier New" panose="02070309020205020404" pitchFamily="49" charset="0"/>
                 <a:cs typeface="Courier New" panose="02070309020205020404" pitchFamily="49" charset="0"/>
               </a:rPr>
-              <a:t>        bool </a:t>
+              <a:t>   </a:t>
             </a:r>
             <a:r>
               <a:rPr lang="en-US" sz="1600" b="1" dirty="0">
@@ -6992,7 +8411,7 @@
                 <a:latin typeface="Courier New" panose="02070309020205020404" pitchFamily="49" charset="0"/>
                 <a:cs typeface="Courier New" panose="02070309020205020404" pitchFamily="49" charset="0"/>
               </a:rPr>
-              <a:t>empty</a:t>
+              <a:t>~Stack</a:t>
             </a:r>
             <a:r>
               <a:rPr lang="en-US" sz="1600" b="1" dirty="0">
@@ -7011,19 +8430,7 @@
                 <a:latin typeface="Courier New" panose="02070309020205020404" pitchFamily="49" charset="0"/>
                 <a:cs typeface="Courier New" panose="02070309020205020404" pitchFamily="49" charset="0"/>
               </a:rPr>
-              <a:t>    private:</a:t>
-            </a:r>
-          </a:p>
-          <a:p>
-            <a:pPr marL="0" indent="0">
-              <a:buNone/>
-            </a:pPr>
-            <a:r>
-              <a:rPr lang="en-US" sz="1600" b="1" dirty="0">
-                <a:latin typeface="Courier New" panose="02070309020205020404" pitchFamily="49" charset="0"/>
-                <a:cs typeface="Courier New" panose="02070309020205020404" pitchFamily="49" charset="0"/>
-              </a:rPr>
-              <a:t>        link </a:t>
+              <a:t>   void </a:t>
             </a:r>
             <a:r>
               <a:rPr lang="en-US" sz="1600" b="1" dirty="0">
@@ -7033,14 +8440,264 @@
                 <a:latin typeface="Courier New" panose="02070309020205020404" pitchFamily="49" charset="0"/>
                 <a:cs typeface="Courier New" panose="02070309020205020404" pitchFamily="49" charset="0"/>
               </a:rPr>
-              <a:t>top</a:t>
+              <a:t>push</a:t>
             </a:r>
             <a:r>
               <a:rPr lang="en-US" sz="1600" b="1" dirty="0">
                 <a:latin typeface="Courier New" panose="02070309020205020404" pitchFamily="49" charset="0"/>
                 <a:cs typeface="Courier New" panose="02070309020205020404" pitchFamily="49" charset="0"/>
               </a:rPr>
+              <a:t>(</a:t>
+            </a:r>
+            <a:r>
+              <a:rPr lang="en-US" sz="1600" b="1" dirty="0" err="1">
+                <a:latin typeface="Courier New" panose="02070309020205020404" pitchFamily="49" charset="0"/>
+                <a:cs typeface="Courier New" panose="02070309020205020404" pitchFamily="49" charset="0"/>
+              </a:rPr>
+              <a:t>const</a:t>
+            </a:r>
+            <a:r>
+              <a:rPr lang="en-US" sz="1600" b="1" dirty="0">
+                <a:latin typeface="Courier New" panose="02070309020205020404" pitchFamily="49" charset="0"/>
+                <a:cs typeface="Courier New" panose="02070309020205020404" pitchFamily="49" charset="0"/>
+              </a:rPr>
+              <a:t> </a:t>
+            </a:r>
+            <a:r>
+              <a:rPr lang="en-US" sz="1600" b="1" dirty="0" err="1">
+                <a:latin typeface="Courier New" panose="02070309020205020404" pitchFamily="49" charset="0"/>
+                <a:cs typeface="Courier New" panose="02070309020205020404" pitchFamily="49" charset="0"/>
+              </a:rPr>
+              <a:t>std</a:t>
+            </a:r>
+            <a:r>
+              <a:rPr lang="en-US" sz="1600" b="1" dirty="0">
+                <a:latin typeface="Courier New" panose="02070309020205020404" pitchFamily="49" charset="0"/>
+                <a:cs typeface="Courier New" panose="02070309020205020404" pitchFamily="49" charset="0"/>
+              </a:rPr>
+              <a:t>::string &amp; value);</a:t>
+            </a:r>
+          </a:p>
+          <a:p>
+            <a:pPr marL="0" indent="0">
+              <a:buNone/>
+            </a:pPr>
+            <a:r>
+              <a:rPr lang="en-US" sz="1600" b="1" dirty="0">
+                <a:latin typeface="Courier New" panose="02070309020205020404" pitchFamily="49" charset="0"/>
+                <a:cs typeface="Courier New" panose="02070309020205020404" pitchFamily="49" charset="0"/>
+              </a:rPr>
+              <a:t>   bool </a:t>
+            </a:r>
+            <a:r>
+              <a:rPr lang="en-US" sz="1600" b="1" dirty="0">
+                <a:solidFill>
+                  <a:srgbClr val="FF0000"/>
+                </a:solidFill>
+                <a:latin typeface="Courier New" panose="02070309020205020404" pitchFamily="49" charset="0"/>
+                <a:cs typeface="Courier New" panose="02070309020205020404" pitchFamily="49" charset="0"/>
+              </a:rPr>
+              <a:t>pop</a:t>
+            </a:r>
+            <a:r>
+              <a:rPr lang="en-US" sz="1600" b="1" dirty="0">
+                <a:latin typeface="Courier New" panose="02070309020205020404" pitchFamily="49" charset="0"/>
+                <a:cs typeface="Courier New" panose="02070309020205020404" pitchFamily="49" charset="0"/>
+              </a:rPr>
+              <a:t>(</a:t>
+            </a:r>
+            <a:r>
+              <a:rPr lang="en-US" sz="1600" b="1" dirty="0" err="1">
+                <a:latin typeface="Courier New" panose="02070309020205020404" pitchFamily="49" charset="0"/>
+                <a:cs typeface="Courier New" panose="02070309020205020404" pitchFamily="49" charset="0"/>
+              </a:rPr>
+              <a:t>std</a:t>
+            </a:r>
+            <a:r>
+              <a:rPr lang="en-US" sz="1600" b="1" dirty="0">
+                <a:latin typeface="Courier New" panose="02070309020205020404" pitchFamily="49" charset="0"/>
+                <a:cs typeface="Courier New" panose="02070309020205020404" pitchFamily="49" charset="0"/>
+              </a:rPr>
+              <a:t>::string &amp; value);</a:t>
+            </a:r>
+          </a:p>
+          <a:p>
+            <a:pPr marL="0" indent="0">
+              <a:buNone/>
+            </a:pPr>
+            <a:r>
+              <a:rPr lang="en-US" sz="1600" b="1" dirty="0">
+                <a:latin typeface="Courier New" panose="02070309020205020404" pitchFamily="49" charset="0"/>
+                <a:cs typeface="Courier New" panose="02070309020205020404" pitchFamily="49" charset="0"/>
+              </a:rPr>
+              <a:t>   bool </a:t>
+            </a:r>
+            <a:r>
+              <a:rPr lang="en-US" sz="1600" b="1" dirty="0">
+                <a:solidFill>
+                  <a:srgbClr val="FF0000"/>
+                </a:solidFill>
+                <a:latin typeface="Courier New" panose="02070309020205020404" pitchFamily="49" charset="0"/>
+                <a:cs typeface="Courier New" panose="02070309020205020404" pitchFamily="49" charset="0"/>
+              </a:rPr>
+              <a:t>empty</a:t>
+            </a:r>
+            <a:r>
+              <a:rPr lang="en-US" sz="1600" b="1" dirty="0">
+                <a:latin typeface="Courier New" panose="02070309020205020404" pitchFamily="49" charset="0"/>
+                <a:cs typeface="Courier New" panose="02070309020205020404" pitchFamily="49" charset="0"/>
+              </a:rPr>
+              <a:t>() </a:t>
+            </a:r>
+            <a:r>
+              <a:rPr lang="en-US" sz="1600" b="1" dirty="0" err="1">
+                <a:latin typeface="Courier New" panose="02070309020205020404" pitchFamily="49" charset="0"/>
+                <a:cs typeface="Courier New" panose="02070309020205020404" pitchFamily="49" charset="0"/>
+              </a:rPr>
+              <a:t>const</a:t>
+            </a:r>
+            <a:r>
+              <a:rPr lang="en-US" sz="1600" b="1" dirty="0">
+                <a:latin typeface="Courier New" panose="02070309020205020404" pitchFamily="49" charset="0"/>
+                <a:cs typeface="Courier New" panose="02070309020205020404" pitchFamily="49" charset="0"/>
+              </a:rPr>
               <a:t>;</a:t>
+            </a:r>
+          </a:p>
+          <a:p>
+            <a:pPr marL="0" indent="0">
+              <a:buNone/>
+            </a:pPr>
+            <a:endParaRPr lang="en-US" sz="1600" b="1" dirty="0">
+              <a:latin typeface="Courier New" panose="02070309020205020404" pitchFamily="49" charset="0"/>
+              <a:cs typeface="Courier New" panose="02070309020205020404" pitchFamily="49" charset="0"/>
+            </a:endParaRPr>
+          </a:p>
+          <a:p>
+            <a:pPr marL="0" indent="0">
+              <a:buNone/>
+            </a:pPr>
+            <a:r>
+              <a:rPr lang="en-US" sz="1600" b="1" dirty="0">
+                <a:latin typeface="Courier New" panose="02070309020205020404" pitchFamily="49" charset="0"/>
+                <a:cs typeface="Courier New" panose="02070309020205020404" pitchFamily="49" charset="0"/>
+              </a:rPr>
+              <a:t>   friend </a:t>
+            </a:r>
+            <a:r>
+              <a:rPr lang="en-US" sz="1600" b="1" dirty="0" err="1">
+                <a:latin typeface="Courier New" panose="02070309020205020404" pitchFamily="49" charset="0"/>
+                <a:cs typeface="Courier New" panose="02070309020205020404" pitchFamily="49" charset="0"/>
+              </a:rPr>
+              <a:t>std</a:t>
+            </a:r>
+            <a:r>
+              <a:rPr lang="en-US" sz="1600" b="1" dirty="0">
+                <a:latin typeface="Courier New" panose="02070309020205020404" pitchFamily="49" charset="0"/>
+                <a:cs typeface="Courier New" panose="02070309020205020404" pitchFamily="49" charset="0"/>
+              </a:rPr>
+              <a:t>::</a:t>
+            </a:r>
+            <a:r>
+              <a:rPr lang="en-US" sz="1600" b="1" dirty="0" err="1">
+                <a:latin typeface="Courier New" panose="02070309020205020404" pitchFamily="49" charset="0"/>
+                <a:cs typeface="Courier New" panose="02070309020205020404" pitchFamily="49" charset="0"/>
+              </a:rPr>
+              <a:t>ostream</a:t>
+            </a:r>
+            <a:r>
+              <a:rPr lang="en-US" sz="1600" b="1" dirty="0">
+                <a:latin typeface="Courier New" panose="02070309020205020404" pitchFamily="49" charset="0"/>
+                <a:cs typeface="Courier New" panose="02070309020205020404" pitchFamily="49" charset="0"/>
+              </a:rPr>
+              <a:t> &amp; </a:t>
+            </a:r>
+            <a:r>
+              <a:rPr lang="en-US" sz="1600" b="1" dirty="0">
+                <a:solidFill>
+                  <a:srgbClr val="FF0000"/>
+                </a:solidFill>
+                <a:latin typeface="Courier New" panose="02070309020205020404" pitchFamily="49" charset="0"/>
+                <a:cs typeface="Courier New" panose="02070309020205020404" pitchFamily="49" charset="0"/>
+              </a:rPr>
+              <a:t>operator&lt;&lt; </a:t>
+            </a:r>
+            <a:r>
+              <a:rPr lang="en-US" sz="1600" b="1" dirty="0">
+                <a:latin typeface="Courier New" panose="02070309020205020404" pitchFamily="49" charset="0"/>
+                <a:cs typeface="Courier New" panose="02070309020205020404" pitchFamily="49" charset="0"/>
+              </a:rPr>
+              <a:t>(</a:t>
+            </a:r>
+            <a:r>
+              <a:rPr lang="en-US" sz="1600" b="1" dirty="0" err="1">
+                <a:latin typeface="Courier New" panose="02070309020205020404" pitchFamily="49" charset="0"/>
+                <a:cs typeface="Courier New" panose="02070309020205020404" pitchFamily="49" charset="0"/>
+              </a:rPr>
+              <a:t>std</a:t>
+            </a:r>
+            <a:r>
+              <a:rPr lang="en-US" sz="1600" b="1" dirty="0">
+                <a:latin typeface="Courier New" panose="02070309020205020404" pitchFamily="49" charset="0"/>
+                <a:cs typeface="Courier New" panose="02070309020205020404" pitchFamily="49" charset="0"/>
+              </a:rPr>
+              <a:t>::</a:t>
+            </a:r>
+            <a:r>
+              <a:rPr lang="en-US" sz="1600" b="1" dirty="0" err="1">
+                <a:latin typeface="Courier New" panose="02070309020205020404" pitchFamily="49" charset="0"/>
+                <a:cs typeface="Courier New" panose="02070309020205020404" pitchFamily="49" charset="0"/>
+              </a:rPr>
+              <a:t>ostream</a:t>
+            </a:r>
+            <a:r>
+              <a:rPr lang="en-US" sz="1600" b="1" dirty="0">
+                <a:latin typeface="Courier New" panose="02070309020205020404" pitchFamily="49" charset="0"/>
+                <a:cs typeface="Courier New" panose="02070309020205020404" pitchFamily="49" charset="0"/>
+              </a:rPr>
+              <a:t> &amp; </a:t>
+            </a:r>
+            <a:r>
+              <a:rPr lang="en-US" sz="1600" b="1" dirty="0" err="1">
+                <a:latin typeface="Courier New" panose="02070309020205020404" pitchFamily="49" charset="0"/>
+                <a:cs typeface="Courier New" panose="02070309020205020404" pitchFamily="49" charset="0"/>
+              </a:rPr>
+              <a:t>os</a:t>
+            </a:r>
+            <a:r>
+              <a:rPr lang="en-US" sz="1600" b="1" dirty="0">
+                <a:latin typeface="Courier New" panose="02070309020205020404" pitchFamily="49" charset="0"/>
+                <a:cs typeface="Courier New" panose="02070309020205020404" pitchFamily="49" charset="0"/>
+              </a:rPr>
+              <a:t>, </a:t>
+            </a:r>
+            <a:r>
+              <a:rPr lang="en-US" sz="1600" b="1" dirty="0" err="1">
+                <a:latin typeface="Courier New" panose="02070309020205020404" pitchFamily="49" charset="0"/>
+                <a:cs typeface="Courier New" panose="02070309020205020404" pitchFamily="49" charset="0"/>
+              </a:rPr>
+              <a:t>const</a:t>
+            </a:r>
+            <a:r>
+              <a:rPr lang="en-US" sz="1600" b="1" dirty="0">
+                <a:latin typeface="Courier New" panose="02070309020205020404" pitchFamily="49" charset="0"/>
+                <a:cs typeface="Courier New" panose="02070309020205020404" pitchFamily="49" charset="0"/>
+              </a:rPr>
+              <a:t> Stack &amp; </a:t>
+            </a:r>
+            <a:r>
+              <a:rPr lang="en-US" sz="1600" b="1" dirty="0" err="1">
+                <a:latin typeface="Courier New" panose="02070309020205020404" pitchFamily="49" charset="0"/>
+                <a:cs typeface="Courier New" panose="02070309020205020404" pitchFamily="49" charset="0"/>
+              </a:rPr>
+              <a:t>st</a:t>
+            </a:r>
+            <a:r>
+              <a:rPr lang="en-US" sz="1600" b="1" dirty="0">
+                <a:latin typeface="Courier New" panose="02070309020205020404" pitchFamily="49" charset="0"/>
+                <a:cs typeface="Courier New" panose="02070309020205020404" pitchFamily="49" charset="0"/>
+              </a:rPr>
+              <a:t>);</a:t>
             </a:r>
           </a:p>
           <a:p>
@@ -7114,7 +8771,7 @@
                 <a:latin typeface="Courier New" panose="02070309020205020404" pitchFamily="49" charset="0"/>
                 <a:cs typeface="Courier New" panose="02070309020205020404" pitchFamily="49" charset="0"/>
               </a:rPr>
-              <a:t>(): top(</a:t>
+              <a:t>() : top(</a:t>
             </a:r>
             <a:r>
               <a:rPr lang="it-IT" sz="1600" b="1" dirty="0" err="1">
@@ -7128,32 +8785,27 @@
                 <a:latin typeface="Courier New" panose="02070309020205020404" pitchFamily="49" charset="0"/>
                 <a:cs typeface="Courier New" panose="02070309020205020404" pitchFamily="49" charset="0"/>
               </a:rPr>
-              <a:t>) {}</a:t>
+              <a:t>) { }</a:t>
             </a:r>
           </a:p>
           <a:p>
             <a:pPr marL="0" indent="0">
               <a:buNone/>
             </a:pPr>
+            <a:endParaRPr lang="it-IT" sz="1600" b="1" dirty="0">
+              <a:latin typeface="Courier New" panose="02070309020205020404" pitchFamily="49" charset="0"/>
+              <a:cs typeface="Courier New" panose="02070309020205020404" pitchFamily="49" charset="0"/>
+            </a:endParaRPr>
+          </a:p>
+          <a:p>
+            <a:pPr marL="0" indent="0">
+              <a:buNone/>
+            </a:pPr>
             <a:r>
               <a:rPr lang="it-IT" sz="1600" b="1" dirty="0" err="1">
                 <a:latin typeface="Courier New" panose="02070309020205020404" pitchFamily="49" charset="0"/>
                 <a:cs typeface="Courier New" panose="02070309020205020404" pitchFamily="49" charset="0"/>
               </a:rPr>
-              <a:t>void</a:t>
-            </a:r>
-            <a:r>
-              <a:rPr lang="it-IT" sz="1600" b="1" dirty="0">
-                <a:latin typeface="Courier New" panose="02070309020205020404" pitchFamily="49" charset="0"/>
-                <a:cs typeface="Courier New" panose="02070309020205020404" pitchFamily="49" charset="0"/>
-              </a:rPr>
-              <a:t> </a:t>
-            </a:r>
-            <a:r>
-              <a:rPr lang="it-IT" sz="1600" b="1" dirty="0" err="1">
-                <a:latin typeface="Courier New" panose="02070309020205020404" pitchFamily="49" charset="0"/>
-                <a:cs typeface="Courier New" panose="02070309020205020404" pitchFamily="49" charset="0"/>
-              </a:rPr>
               <a:t>Stack</a:t>
             </a:r>
             <a:r>
@@ -7162,6 +8814,16 @@
                 <a:cs typeface="Courier New" panose="02070309020205020404" pitchFamily="49" charset="0"/>
               </a:rPr>
               <a:t>::</a:t>
+            </a:r>
+            <a:r>
+              <a:rPr lang="it-IT" sz="1600" b="1" dirty="0">
+                <a:solidFill>
+                  <a:srgbClr val="FF0000"/>
+                </a:solidFill>
+                <a:latin typeface="Courier New" panose="02070309020205020404" pitchFamily="49" charset="0"/>
+                <a:cs typeface="Courier New" panose="02070309020205020404" pitchFamily="49" charset="0"/>
+              </a:rPr>
+              <a:t>~</a:t>
             </a:r>
             <a:r>
               <a:rPr lang="it-IT" sz="1600" b="1" dirty="0" err="1">
@@ -7171,14 +8833,14 @@
                 <a:latin typeface="Courier New" panose="02070309020205020404" pitchFamily="49" charset="0"/>
                 <a:cs typeface="Courier New" panose="02070309020205020404" pitchFamily="49" charset="0"/>
               </a:rPr>
-              <a:t>push</a:t>
-            </a:r>
-            <a:r>
-              <a:rPr lang="it-IT" sz="1600" b="1" dirty="0">
-                <a:latin typeface="Courier New" panose="02070309020205020404" pitchFamily="49" charset="0"/>
-                <a:cs typeface="Courier New" panose="02070309020205020404" pitchFamily="49" charset="0"/>
-              </a:rPr>
-              <a:t>(link n) {</a:t>
+              <a:t>Stack</a:t>
+            </a:r>
+            <a:r>
+              <a:rPr lang="it-IT" sz="1600" b="1" dirty="0">
+                <a:latin typeface="Courier New" panose="02070309020205020404" pitchFamily="49" charset="0"/>
+                <a:cs typeface="Courier New" panose="02070309020205020404" pitchFamily="49" charset="0"/>
+              </a:rPr>
+              <a:t>() {</a:t>
             </a:r>
           </a:p>
           <a:p>
@@ -7190,21 +8852,21 @@
                 <a:latin typeface="Courier New" panose="02070309020205020404" pitchFamily="49" charset="0"/>
                 <a:cs typeface="Courier New" panose="02070309020205020404" pitchFamily="49" charset="0"/>
               </a:rPr>
-              <a:t>    n-&gt;</a:t>
+              <a:t>   </a:t>
             </a:r>
             <a:r>
               <a:rPr lang="it-IT" sz="1600" b="1" dirty="0" err="1">
                 <a:latin typeface="Courier New" panose="02070309020205020404" pitchFamily="49" charset="0"/>
                 <a:cs typeface="Courier New" panose="02070309020205020404" pitchFamily="49" charset="0"/>
               </a:rPr>
-              <a:t>setNext</a:t>
-            </a:r>
-            <a:r>
-              <a:rPr lang="it-IT" sz="1600" b="1" dirty="0">
-                <a:latin typeface="Courier New" panose="02070309020205020404" pitchFamily="49" charset="0"/>
-                <a:cs typeface="Courier New" panose="02070309020205020404" pitchFamily="49" charset="0"/>
-              </a:rPr>
-              <a:t>(top);</a:t>
+              <a:t>while</a:t>
+            </a:r>
+            <a:r>
+              <a:rPr lang="it-IT" sz="1600" b="1" dirty="0">
+                <a:latin typeface="Courier New" panose="02070309020205020404" pitchFamily="49" charset="0"/>
+                <a:cs typeface="Courier New" panose="02070309020205020404" pitchFamily="49" charset="0"/>
+              </a:rPr>
+              <a:t> (top) {</a:t>
             </a:r>
           </a:p>
           <a:p>
@@ -7216,7 +8878,21 @@
                 <a:latin typeface="Courier New" panose="02070309020205020404" pitchFamily="49" charset="0"/>
                 <a:cs typeface="Courier New" panose="02070309020205020404" pitchFamily="49" charset="0"/>
               </a:rPr>
-              <a:t>    top = n;</a:t>
+              <a:t>      Nodo* </a:t>
+            </a:r>
+            <a:r>
+              <a:rPr lang="it-IT" sz="1600" b="1" dirty="0" err="1">
+                <a:latin typeface="Courier New" panose="02070309020205020404" pitchFamily="49" charset="0"/>
+                <a:cs typeface="Courier New" panose="02070309020205020404" pitchFamily="49" charset="0"/>
+              </a:rPr>
+              <a:t>temp</a:t>
+            </a:r>
+            <a:r>
+              <a:rPr lang="it-IT" sz="1600" b="1" dirty="0">
+                <a:latin typeface="Courier New" panose="02070309020205020404" pitchFamily="49" charset="0"/>
+                <a:cs typeface="Courier New" panose="02070309020205020404" pitchFamily="49" charset="0"/>
+              </a:rPr>
+              <a:t> = top;</a:t>
             </a:r>
           </a:p>
           <a:p>
@@ -7228,6 +8904,70 @@
                 <a:latin typeface="Courier New" panose="02070309020205020404" pitchFamily="49" charset="0"/>
                 <a:cs typeface="Courier New" panose="02070309020205020404" pitchFamily="49" charset="0"/>
               </a:rPr>
+              <a:t>      top = top-&gt;</a:t>
+            </a:r>
+            <a:r>
+              <a:rPr lang="it-IT" sz="1600" b="1" dirty="0" err="1">
+                <a:latin typeface="Courier New" panose="02070309020205020404" pitchFamily="49" charset="0"/>
+                <a:cs typeface="Courier New" panose="02070309020205020404" pitchFamily="49" charset="0"/>
+              </a:rPr>
+              <a:t>next</a:t>
+            </a:r>
+            <a:r>
+              <a:rPr lang="it-IT" sz="1600" b="1" dirty="0">
+                <a:latin typeface="Courier New" panose="02070309020205020404" pitchFamily="49" charset="0"/>
+                <a:cs typeface="Courier New" panose="02070309020205020404" pitchFamily="49" charset="0"/>
+              </a:rPr>
+              <a:t>;</a:t>
+            </a:r>
+          </a:p>
+          <a:p>
+            <a:pPr marL="0" indent="0">
+              <a:buNone/>
+            </a:pPr>
+            <a:r>
+              <a:rPr lang="it-IT" sz="1600" b="1" dirty="0">
+                <a:latin typeface="Courier New" panose="02070309020205020404" pitchFamily="49" charset="0"/>
+                <a:cs typeface="Courier New" panose="02070309020205020404" pitchFamily="49" charset="0"/>
+              </a:rPr>
+              <a:t>      delete </a:t>
+            </a:r>
+            <a:r>
+              <a:rPr lang="it-IT" sz="1600" b="1" dirty="0" err="1">
+                <a:latin typeface="Courier New" panose="02070309020205020404" pitchFamily="49" charset="0"/>
+                <a:cs typeface="Courier New" panose="02070309020205020404" pitchFamily="49" charset="0"/>
+              </a:rPr>
+              <a:t>temp</a:t>
+            </a:r>
+            <a:r>
+              <a:rPr lang="it-IT" sz="1600" b="1" dirty="0">
+                <a:latin typeface="Courier New" panose="02070309020205020404" pitchFamily="49" charset="0"/>
+                <a:cs typeface="Courier New" panose="02070309020205020404" pitchFamily="49" charset="0"/>
+              </a:rPr>
+              <a:t>;</a:t>
+            </a:r>
+          </a:p>
+          <a:p>
+            <a:pPr marL="0" indent="0">
+              <a:buNone/>
+            </a:pPr>
+            <a:r>
+              <a:rPr lang="it-IT" sz="1600" b="1" dirty="0">
+                <a:latin typeface="Courier New" panose="02070309020205020404" pitchFamily="49" charset="0"/>
+                <a:cs typeface="Courier New" panose="02070309020205020404" pitchFamily="49" charset="0"/>
+              </a:rPr>
+              <a:t>   }</a:t>
+            </a:r>
+          </a:p>
+          <a:p>
+            <a:pPr marL="0" indent="0">
+              <a:buNone/>
+            </a:pPr>
+            <a:r>
+              <a:rPr lang="it-IT" sz="1600" b="1" dirty="0">
+                <a:latin typeface="Courier New" panose="02070309020205020404" pitchFamily="49" charset="0"/>
+                <a:cs typeface="Courier New" panose="02070309020205020404" pitchFamily="49" charset="0"/>
+              </a:rPr>
               <a:t>}</a:t>
             </a:r>
           </a:p>
@@ -7235,200 +8975,10 @@
             <a:pPr marL="0" indent="0">
               <a:buNone/>
             </a:pPr>
-            <a:r>
-              <a:rPr lang="it-IT" sz="1600" b="1" dirty="0">
-                <a:latin typeface="Courier New" panose="02070309020205020404" pitchFamily="49" charset="0"/>
-                <a:cs typeface="Courier New" panose="02070309020205020404" pitchFamily="49" charset="0"/>
-              </a:rPr>
-              <a:t>link </a:t>
-            </a:r>
-            <a:r>
-              <a:rPr lang="it-IT" sz="1600" b="1" dirty="0" err="1">
-                <a:latin typeface="Courier New" panose="02070309020205020404" pitchFamily="49" charset="0"/>
-                <a:cs typeface="Courier New" panose="02070309020205020404" pitchFamily="49" charset="0"/>
-              </a:rPr>
-              <a:t>Stack</a:t>
-            </a:r>
-            <a:r>
-              <a:rPr lang="it-IT" sz="1600" b="1" dirty="0">
-                <a:latin typeface="Courier New" panose="02070309020205020404" pitchFamily="49" charset="0"/>
-                <a:cs typeface="Courier New" panose="02070309020205020404" pitchFamily="49" charset="0"/>
-              </a:rPr>
-              <a:t>::</a:t>
-            </a:r>
-            <a:r>
-              <a:rPr lang="it-IT" sz="1600" b="1" dirty="0">
-                <a:solidFill>
-                  <a:srgbClr val="FF0000"/>
-                </a:solidFill>
-                <a:latin typeface="Courier New" panose="02070309020205020404" pitchFamily="49" charset="0"/>
-                <a:cs typeface="Courier New" panose="02070309020205020404" pitchFamily="49" charset="0"/>
-              </a:rPr>
-              <a:t>pop</a:t>
-            </a:r>
-            <a:r>
-              <a:rPr lang="it-IT" sz="1600" b="1" dirty="0">
-                <a:latin typeface="Courier New" panose="02070309020205020404" pitchFamily="49" charset="0"/>
-                <a:cs typeface="Courier New" panose="02070309020205020404" pitchFamily="49" charset="0"/>
-              </a:rPr>
-              <a:t>() {</a:t>
-            </a:r>
-          </a:p>
-          <a:p>
-            <a:pPr marL="0" indent="0">
-              <a:buNone/>
-            </a:pPr>
-            <a:r>
-              <a:rPr lang="it-IT" sz="1600" b="1" dirty="0">
-                <a:latin typeface="Courier New" panose="02070309020205020404" pitchFamily="49" charset="0"/>
-                <a:cs typeface="Courier New" panose="02070309020205020404" pitchFamily="49" charset="0"/>
-              </a:rPr>
-              <a:t>    </a:t>
-            </a:r>
-            <a:r>
-              <a:rPr lang="it-IT" sz="1600" b="1" dirty="0" err="1">
-                <a:latin typeface="Courier New" panose="02070309020205020404" pitchFamily="49" charset="0"/>
-                <a:cs typeface="Courier New" panose="02070309020205020404" pitchFamily="49" charset="0"/>
-              </a:rPr>
-              <a:t>if</a:t>
-            </a:r>
-            <a:r>
-              <a:rPr lang="it-IT" sz="1600" b="1" dirty="0">
-                <a:latin typeface="Courier New" panose="02070309020205020404" pitchFamily="49" charset="0"/>
-                <a:cs typeface="Courier New" panose="02070309020205020404" pitchFamily="49" charset="0"/>
-              </a:rPr>
-              <a:t> (</a:t>
-            </a:r>
-            <a:r>
-              <a:rPr lang="it-IT" sz="1600" b="1" dirty="0" err="1">
-                <a:latin typeface="Courier New" panose="02070309020205020404" pitchFamily="49" charset="0"/>
-                <a:cs typeface="Courier New" panose="02070309020205020404" pitchFamily="49" charset="0"/>
-              </a:rPr>
-              <a:t>empty</a:t>
-            </a:r>
-            <a:r>
-              <a:rPr lang="it-IT" sz="1600" b="1" dirty="0">
-                <a:latin typeface="Courier New" panose="02070309020205020404" pitchFamily="49" charset="0"/>
-                <a:cs typeface="Courier New" panose="02070309020205020404" pitchFamily="49" charset="0"/>
-              </a:rPr>
-              <a:t>())</a:t>
-            </a:r>
-          </a:p>
-          <a:p>
-            <a:pPr marL="0" indent="0">
-              <a:buNone/>
-            </a:pPr>
-            <a:r>
-              <a:rPr lang="it-IT" sz="1600" b="1" dirty="0">
-                <a:latin typeface="Courier New" panose="02070309020205020404" pitchFamily="49" charset="0"/>
-                <a:cs typeface="Courier New" panose="02070309020205020404" pitchFamily="49" charset="0"/>
-              </a:rPr>
-              <a:t>        </a:t>
-            </a:r>
-            <a:r>
-              <a:rPr lang="it-IT" sz="1600" b="1" dirty="0" err="1">
-                <a:latin typeface="Courier New" panose="02070309020205020404" pitchFamily="49" charset="0"/>
-                <a:cs typeface="Courier New" panose="02070309020205020404" pitchFamily="49" charset="0"/>
-              </a:rPr>
-              <a:t>return</a:t>
-            </a:r>
-            <a:r>
-              <a:rPr lang="it-IT" sz="1600" b="1" dirty="0">
-                <a:latin typeface="Courier New" panose="02070309020205020404" pitchFamily="49" charset="0"/>
-                <a:cs typeface="Courier New" panose="02070309020205020404" pitchFamily="49" charset="0"/>
-              </a:rPr>
-              <a:t> </a:t>
-            </a:r>
-            <a:r>
-              <a:rPr lang="it-IT" sz="1600" b="1" dirty="0" err="1">
-                <a:latin typeface="Courier New" panose="02070309020205020404" pitchFamily="49" charset="0"/>
-                <a:cs typeface="Courier New" panose="02070309020205020404" pitchFamily="49" charset="0"/>
-              </a:rPr>
-              <a:t>nullptr</a:t>
-            </a:r>
-            <a:r>
-              <a:rPr lang="it-IT" sz="1600" b="1" dirty="0">
-                <a:latin typeface="Courier New" panose="02070309020205020404" pitchFamily="49" charset="0"/>
-                <a:cs typeface="Courier New" panose="02070309020205020404" pitchFamily="49" charset="0"/>
-              </a:rPr>
-              <a:t>;</a:t>
-            </a:r>
-          </a:p>
-          <a:p>
-            <a:pPr marL="0" indent="0">
-              <a:buNone/>
-            </a:pPr>
-            <a:r>
-              <a:rPr lang="it-IT" sz="1600" b="1" dirty="0">
-                <a:latin typeface="Courier New" panose="02070309020205020404" pitchFamily="49" charset="0"/>
-                <a:cs typeface="Courier New" panose="02070309020205020404" pitchFamily="49" charset="0"/>
-              </a:rPr>
-              <a:t>    link t = top;</a:t>
-            </a:r>
-          </a:p>
-          <a:p>
-            <a:pPr marL="0" indent="0">
-              <a:buNone/>
-            </a:pPr>
-            <a:r>
-              <a:rPr lang="it-IT" sz="1600" b="1" dirty="0">
-                <a:latin typeface="Courier New" panose="02070309020205020404" pitchFamily="49" charset="0"/>
-                <a:cs typeface="Courier New" panose="02070309020205020404" pitchFamily="49" charset="0"/>
-              </a:rPr>
-              <a:t>    top = top-&gt;</a:t>
-            </a:r>
-            <a:r>
-              <a:rPr lang="it-IT" sz="1600" b="1" dirty="0" err="1">
-                <a:latin typeface="Courier New" panose="02070309020205020404" pitchFamily="49" charset="0"/>
-                <a:cs typeface="Courier New" panose="02070309020205020404" pitchFamily="49" charset="0"/>
-              </a:rPr>
-              <a:t>getNext</a:t>
-            </a:r>
-            <a:r>
-              <a:rPr lang="it-IT" sz="1600" b="1" dirty="0">
-                <a:latin typeface="Courier New" panose="02070309020205020404" pitchFamily="49" charset="0"/>
-                <a:cs typeface="Courier New" panose="02070309020205020404" pitchFamily="49" charset="0"/>
-              </a:rPr>
-              <a:t>();</a:t>
-            </a:r>
-          </a:p>
-          <a:p>
-            <a:pPr marL="0" indent="0">
-              <a:buNone/>
-            </a:pPr>
-            <a:r>
-              <a:rPr lang="it-IT" sz="1600" b="1" dirty="0">
-                <a:latin typeface="Courier New" panose="02070309020205020404" pitchFamily="49" charset="0"/>
-                <a:cs typeface="Courier New" panose="02070309020205020404" pitchFamily="49" charset="0"/>
-              </a:rPr>
-              <a:t>    </a:t>
-            </a:r>
-            <a:r>
-              <a:rPr lang="it-IT" sz="1600" b="1" dirty="0" err="1">
-                <a:latin typeface="Courier New" panose="02070309020205020404" pitchFamily="49" charset="0"/>
-                <a:cs typeface="Courier New" panose="02070309020205020404" pitchFamily="49" charset="0"/>
-              </a:rPr>
-              <a:t>return</a:t>
-            </a:r>
-            <a:r>
-              <a:rPr lang="it-IT" sz="1600" b="1" dirty="0">
-                <a:latin typeface="Courier New" panose="02070309020205020404" pitchFamily="49" charset="0"/>
-                <a:cs typeface="Courier New" panose="02070309020205020404" pitchFamily="49" charset="0"/>
-              </a:rPr>
-              <a:t> t;</a:t>
-            </a:r>
-          </a:p>
-          <a:p>
-            <a:pPr marL="0" indent="0">
-              <a:buNone/>
-            </a:pPr>
-            <a:r>
-              <a:rPr lang="it-IT" sz="1600" b="1" dirty="0">
-                <a:latin typeface="Courier New" panose="02070309020205020404" pitchFamily="49" charset="0"/>
-                <a:cs typeface="Courier New" panose="02070309020205020404" pitchFamily="49" charset="0"/>
-              </a:rPr>
-              <a:t>}</a:t>
-            </a:r>
+            <a:endParaRPr lang="it-IT" sz="1600" b="1" dirty="0">
+              <a:latin typeface="Courier New" panose="02070309020205020404" pitchFamily="49" charset="0"/>
+              <a:cs typeface="Courier New" panose="02070309020205020404" pitchFamily="49" charset="0"/>
+            </a:endParaRPr>
           </a:p>
           <a:p>
             <a:pPr marL="0" indent="0">
@@ -7477,7 +9027,21 @@
                 <a:latin typeface="Courier New" panose="02070309020205020404" pitchFamily="49" charset="0"/>
                 <a:cs typeface="Courier New" panose="02070309020205020404" pitchFamily="49" charset="0"/>
               </a:rPr>
-              <a:t>(){</a:t>
+              <a:t>() </a:t>
+            </a:r>
+            <a:r>
+              <a:rPr lang="it-IT" sz="1600" b="1" dirty="0" err="1">
+                <a:latin typeface="Courier New" panose="02070309020205020404" pitchFamily="49" charset="0"/>
+                <a:cs typeface="Courier New" panose="02070309020205020404" pitchFamily="49" charset="0"/>
+              </a:rPr>
+              <a:t>const</a:t>
+            </a:r>
+            <a:r>
+              <a:rPr lang="it-IT" sz="1600" b="1" dirty="0">
+                <a:latin typeface="Courier New" panose="02070309020205020404" pitchFamily="49" charset="0"/>
+                <a:cs typeface="Courier New" panose="02070309020205020404" pitchFamily="49" charset="0"/>
+              </a:rPr>
+              <a:t> { </a:t>
             </a:r>
           </a:p>
           <a:p>
@@ -7489,75 +9053,35 @@
                 <a:latin typeface="Courier New" panose="02070309020205020404" pitchFamily="49" charset="0"/>
                 <a:cs typeface="Courier New" panose="02070309020205020404" pitchFamily="49" charset="0"/>
               </a:rPr>
-              <a:t>    </a:t>
+              <a:t>   </a:t>
             </a:r>
             <a:r>
               <a:rPr lang="it-IT" sz="1600" b="1" dirty="0" err="1">
                 <a:latin typeface="Courier New" panose="02070309020205020404" pitchFamily="49" charset="0"/>
                 <a:cs typeface="Courier New" panose="02070309020205020404" pitchFamily="49" charset="0"/>
               </a:rPr>
-              <a:t>if</a:t>
-            </a:r>
-            <a:r>
-              <a:rPr lang="it-IT" sz="1600" b="1" dirty="0">
-                <a:latin typeface="Courier New" panose="02070309020205020404" pitchFamily="49" charset="0"/>
-                <a:cs typeface="Courier New" panose="02070309020205020404" pitchFamily="49" charset="0"/>
-              </a:rPr>
-              <a:t> (top) </a:t>
+              <a:t>return</a:t>
+            </a:r>
+            <a:r>
+              <a:rPr lang="it-IT" sz="1600" b="1" dirty="0">
+                <a:latin typeface="Courier New" panose="02070309020205020404" pitchFamily="49" charset="0"/>
+                <a:cs typeface="Courier New" panose="02070309020205020404" pitchFamily="49" charset="0"/>
+              </a:rPr>
+              <a:t> top == </a:t>
             </a:r>
             <a:r>
               <a:rPr lang="it-IT" sz="1600" b="1" dirty="0" err="1">
                 <a:latin typeface="Courier New" panose="02070309020205020404" pitchFamily="49" charset="0"/>
                 <a:cs typeface="Courier New" panose="02070309020205020404" pitchFamily="49" charset="0"/>
               </a:rPr>
-              <a:t>return</a:t>
-            </a:r>
-            <a:r>
-              <a:rPr lang="it-IT" sz="1600" b="1" dirty="0">
-                <a:latin typeface="Courier New" panose="02070309020205020404" pitchFamily="49" charset="0"/>
-                <a:cs typeface="Courier New" panose="02070309020205020404" pitchFamily="49" charset="0"/>
-              </a:rPr>
-              <a:t> false;</a:t>
-            </a:r>
-          </a:p>
-          <a:p>
-            <a:pPr marL="0" indent="0">
-              <a:buNone/>
-            </a:pPr>
-            <a:r>
-              <a:rPr lang="it-IT" sz="1600" b="1" dirty="0">
-                <a:latin typeface="Courier New" panose="02070309020205020404" pitchFamily="49" charset="0"/>
-                <a:cs typeface="Courier New" panose="02070309020205020404" pitchFamily="49" charset="0"/>
-              </a:rPr>
-              <a:t>    </a:t>
-            </a:r>
-            <a:r>
-              <a:rPr lang="it-IT" sz="1600" b="1" dirty="0" err="1">
-                <a:latin typeface="Courier New" panose="02070309020205020404" pitchFamily="49" charset="0"/>
-                <a:cs typeface="Courier New" panose="02070309020205020404" pitchFamily="49" charset="0"/>
-              </a:rPr>
-              <a:t>return</a:t>
-            </a:r>
-            <a:r>
-              <a:rPr lang="it-IT" sz="1600" b="1" dirty="0">
-                <a:latin typeface="Courier New" panose="02070309020205020404" pitchFamily="49" charset="0"/>
-                <a:cs typeface="Courier New" panose="02070309020205020404" pitchFamily="49" charset="0"/>
-              </a:rPr>
-              <a:t> </a:t>
-            </a:r>
-            <a:r>
-              <a:rPr lang="it-IT" sz="1600" b="1" dirty="0" err="1">
-                <a:latin typeface="Courier New" panose="02070309020205020404" pitchFamily="49" charset="0"/>
-                <a:cs typeface="Courier New" panose="02070309020205020404" pitchFamily="49" charset="0"/>
-              </a:rPr>
-              <a:t>true</a:t>
-            </a:r>
-            <a:r>
-              <a:rPr lang="it-IT" sz="1600" b="1" dirty="0">
-                <a:latin typeface="Courier New" panose="02070309020205020404" pitchFamily="49" charset="0"/>
-                <a:cs typeface="Courier New" panose="02070309020205020404" pitchFamily="49" charset="0"/>
-              </a:rPr>
-              <a:t>;</a:t>
+              <a:t>nullptr</a:t>
+            </a:r>
+            <a:r>
+              <a:rPr lang="it-IT" sz="1600" b="1" dirty="0">
+                <a:latin typeface="Courier New" panose="02070309020205020404" pitchFamily="49" charset="0"/>
+                <a:cs typeface="Courier New" panose="02070309020205020404" pitchFamily="49" charset="0"/>
+              </a:rPr>
+              <a:t>; </a:t>
             </a:r>
           </a:p>
           <a:p>
@@ -7628,7 +9152,571 @@
 </p:sld>
 </file>
 
-<file path=ppt/slides/slide15.xml><?xml version="1.0" encoding="utf-8"?>
+<file path=ppt/slides/slide17.xml><?xml version="1.0" encoding="utf-8"?>
+<p:sld xmlns:a="http://schemas.openxmlformats.org/drawingml/2006/main" xmlns:r="http://schemas.openxmlformats.org/officeDocument/2006/relationships" xmlns:p="http://schemas.openxmlformats.org/presentationml/2006/main">
+  <p:cSld>
+    <p:spTree>
+      <p:nvGrpSpPr>
+        <p:cNvPr id="1" name=""/>
+        <p:cNvGrpSpPr/>
+        <p:nvPr/>
+      </p:nvGrpSpPr>
+      <p:grpSpPr>
+        <a:xfrm>
+          <a:off x="0" y="0"/>
+          <a:ext cx="0" cy="0"/>
+          <a:chOff x="0" y="0"/>
+          <a:chExt cx="0" cy="0"/>
+        </a:xfrm>
+      </p:grpSpPr>
+      <p:sp>
+        <p:nvSpPr>
+          <p:cNvPr id="2" name="Titolo 1">
+            <a:extLst>
+              <a:ext uri="{FF2B5EF4-FFF2-40B4-BE49-F238E27FC236}">
+                <a16:creationId xmlns:a16="http://schemas.microsoft.com/office/drawing/2014/main" id="{A6059E8D-7FEF-44EB-81E3-F119C782176C}"/>
+              </a:ext>
+            </a:extLst>
+          </p:cNvPr>
+          <p:cNvSpPr>
+            <a:spLocks noGrp="1"/>
+          </p:cNvSpPr>
+          <p:nvPr>
+            <p:ph type="title"/>
+          </p:nvPr>
+        </p:nvSpPr>
+        <p:spPr/>
+        <p:txBody>
+          <a:bodyPr/>
+          <a:lstStyle/>
+          <a:p>
+            <a:r>
+              <a:rPr lang="it-IT" dirty="0" err="1"/>
+              <a:t>stack</a:t>
+            </a:r>
+            <a:r>
+              <a:rPr lang="it-IT" dirty="0"/>
+              <a:t> – </a:t>
+            </a:r>
+            <a:r>
+              <a:rPr lang="it-IT" dirty="0" err="1"/>
+              <a:t>push</a:t>
+            </a:r>
+            <a:r>
+              <a:rPr lang="it-IT" dirty="0"/>
+              <a:t> e pop</a:t>
+            </a:r>
+          </a:p>
+        </p:txBody>
+      </p:sp>
+      <p:sp>
+        <p:nvSpPr>
+          <p:cNvPr id="3" name="Segnaposto contenuto 2">
+            <a:extLst>
+              <a:ext uri="{FF2B5EF4-FFF2-40B4-BE49-F238E27FC236}">
+                <a16:creationId xmlns:a16="http://schemas.microsoft.com/office/drawing/2014/main" id="{5414A2F9-C4FA-497A-95BB-3CC744615353}"/>
+              </a:ext>
+            </a:extLst>
+          </p:cNvPr>
+          <p:cNvSpPr>
+            <a:spLocks noGrp="1"/>
+          </p:cNvSpPr>
+          <p:nvPr>
+            <p:ph sz="half" idx="1"/>
+          </p:nvPr>
+        </p:nvSpPr>
+        <p:spPr/>
+        <p:txBody>
+          <a:bodyPr/>
+          <a:lstStyle/>
+          <a:p>
+            <a:pPr marL="0" indent="0">
+              <a:buNone/>
+            </a:pPr>
+            <a:r>
+              <a:rPr lang="en-US" sz="1600" b="1" dirty="0">
+                <a:latin typeface="Courier New" panose="02070309020205020404" pitchFamily="49" charset="0"/>
+                <a:cs typeface="Courier New" panose="02070309020205020404" pitchFamily="49" charset="0"/>
+              </a:rPr>
+              <a:t>void Stack::</a:t>
+            </a:r>
+            <a:r>
+              <a:rPr lang="en-US" sz="1600" b="1" dirty="0">
+                <a:solidFill>
+                  <a:srgbClr val="FF0000"/>
+                </a:solidFill>
+                <a:latin typeface="Courier New" panose="02070309020205020404" pitchFamily="49" charset="0"/>
+                <a:cs typeface="Courier New" panose="02070309020205020404" pitchFamily="49" charset="0"/>
+              </a:rPr>
+              <a:t>push</a:t>
+            </a:r>
+            <a:r>
+              <a:rPr lang="en-US" sz="1600" b="1" dirty="0">
+                <a:latin typeface="Courier New" panose="02070309020205020404" pitchFamily="49" charset="0"/>
+                <a:cs typeface="Courier New" panose="02070309020205020404" pitchFamily="49" charset="0"/>
+              </a:rPr>
+              <a:t>(</a:t>
+            </a:r>
+            <a:r>
+              <a:rPr lang="en-US" sz="1600" b="1" dirty="0" err="1">
+                <a:latin typeface="Courier New" panose="02070309020205020404" pitchFamily="49" charset="0"/>
+                <a:cs typeface="Courier New" panose="02070309020205020404" pitchFamily="49" charset="0"/>
+              </a:rPr>
+              <a:t>const</a:t>
+            </a:r>
+            <a:r>
+              <a:rPr lang="en-US" sz="1600" b="1" dirty="0">
+                <a:latin typeface="Courier New" panose="02070309020205020404" pitchFamily="49" charset="0"/>
+                <a:cs typeface="Courier New" panose="02070309020205020404" pitchFamily="49" charset="0"/>
+              </a:rPr>
+              <a:t> string &amp; value) {</a:t>
+            </a:r>
+          </a:p>
+          <a:p>
+            <a:pPr marL="0" indent="0">
+              <a:buNone/>
+            </a:pPr>
+            <a:r>
+              <a:rPr lang="en-US" sz="1600" b="1" dirty="0">
+                <a:latin typeface="Courier New" panose="02070309020205020404" pitchFamily="49" charset="0"/>
+                <a:cs typeface="Courier New" panose="02070309020205020404" pitchFamily="49" charset="0"/>
+              </a:rPr>
+              <a:t>  </a:t>
+            </a:r>
+            <a:r>
+              <a:rPr lang="en-US" sz="1600" b="1" dirty="0" err="1">
+                <a:latin typeface="Courier New" panose="02070309020205020404" pitchFamily="49" charset="0"/>
+                <a:cs typeface="Courier New" panose="02070309020205020404" pitchFamily="49" charset="0"/>
+              </a:rPr>
+              <a:t>Nodo</a:t>
+            </a:r>
+            <a:r>
+              <a:rPr lang="en-US" sz="1600" b="1" dirty="0">
+                <a:latin typeface="Courier New" panose="02070309020205020404" pitchFamily="49" charset="0"/>
+                <a:cs typeface="Courier New" panose="02070309020205020404" pitchFamily="49" charset="0"/>
+              </a:rPr>
+              <a:t> * </a:t>
+            </a:r>
+            <a:r>
+              <a:rPr lang="en-US" sz="1600" b="1" dirty="0" err="1">
+                <a:latin typeface="Courier New" panose="02070309020205020404" pitchFamily="49" charset="0"/>
+                <a:cs typeface="Courier New" panose="02070309020205020404" pitchFamily="49" charset="0"/>
+              </a:rPr>
+              <a:t>newNodo</a:t>
+            </a:r>
+            <a:r>
+              <a:rPr lang="en-US" sz="1600" b="1" dirty="0">
+                <a:latin typeface="Courier New" panose="02070309020205020404" pitchFamily="49" charset="0"/>
+                <a:cs typeface="Courier New" panose="02070309020205020404" pitchFamily="49" charset="0"/>
+              </a:rPr>
+              <a:t> = new </a:t>
+            </a:r>
+            <a:r>
+              <a:rPr lang="en-US" sz="1600" b="1" dirty="0" err="1">
+                <a:latin typeface="Courier New" panose="02070309020205020404" pitchFamily="49" charset="0"/>
+                <a:cs typeface="Courier New" panose="02070309020205020404" pitchFamily="49" charset="0"/>
+              </a:rPr>
+              <a:t>Nodo</a:t>
+            </a:r>
+            <a:r>
+              <a:rPr lang="en-US" sz="1600" b="1" dirty="0">
+                <a:latin typeface="Courier New" panose="02070309020205020404" pitchFamily="49" charset="0"/>
+                <a:cs typeface="Courier New" panose="02070309020205020404" pitchFamily="49" charset="0"/>
+              </a:rPr>
+              <a:t>(value);</a:t>
+            </a:r>
+          </a:p>
+          <a:p>
+            <a:pPr marL="0" indent="0">
+              <a:buNone/>
+            </a:pPr>
+            <a:r>
+              <a:rPr lang="en-US" sz="1600" b="1" dirty="0">
+                <a:latin typeface="Courier New" panose="02070309020205020404" pitchFamily="49" charset="0"/>
+                <a:cs typeface="Courier New" panose="02070309020205020404" pitchFamily="49" charset="0"/>
+              </a:rPr>
+              <a:t>  </a:t>
+            </a:r>
+            <a:r>
+              <a:rPr lang="en-US" sz="1600" b="1" dirty="0" err="1">
+                <a:latin typeface="Courier New" panose="02070309020205020404" pitchFamily="49" charset="0"/>
+                <a:cs typeface="Courier New" panose="02070309020205020404" pitchFamily="49" charset="0"/>
+              </a:rPr>
+              <a:t>newNodo</a:t>
+            </a:r>
+            <a:r>
+              <a:rPr lang="en-US" sz="1600" b="1" dirty="0">
+                <a:latin typeface="Courier New" panose="02070309020205020404" pitchFamily="49" charset="0"/>
+                <a:cs typeface="Courier New" panose="02070309020205020404" pitchFamily="49" charset="0"/>
+              </a:rPr>
+              <a:t>-&gt;next = top;</a:t>
+            </a:r>
+          </a:p>
+          <a:p>
+            <a:pPr marL="0" indent="0">
+              <a:buNone/>
+            </a:pPr>
+            <a:r>
+              <a:rPr lang="en-US" sz="1600" b="1" dirty="0">
+                <a:latin typeface="Courier New" panose="02070309020205020404" pitchFamily="49" charset="0"/>
+                <a:cs typeface="Courier New" panose="02070309020205020404" pitchFamily="49" charset="0"/>
+              </a:rPr>
+              <a:t>  top = </a:t>
+            </a:r>
+            <a:r>
+              <a:rPr lang="en-US" sz="1600" b="1" dirty="0" err="1">
+                <a:latin typeface="Courier New" panose="02070309020205020404" pitchFamily="49" charset="0"/>
+                <a:cs typeface="Courier New" panose="02070309020205020404" pitchFamily="49" charset="0"/>
+              </a:rPr>
+              <a:t>newNodo</a:t>
+            </a:r>
+            <a:r>
+              <a:rPr lang="en-US" sz="1600" b="1" dirty="0">
+                <a:latin typeface="Courier New" panose="02070309020205020404" pitchFamily="49" charset="0"/>
+                <a:cs typeface="Courier New" panose="02070309020205020404" pitchFamily="49" charset="0"/>
+              </a:rPr>
+              <a:t>;</a:t>
+            </a:r>
+          </a:p>
+          <a:p>
+            <a:pPr marL="0" indent="0">
+              <a:buNone/>
+            </a:pPr>
+            <a:r>
+              <a:rPr lang="en-US" sz="1600" b="1" dirty="0">
+                <a:latin typeface="Courier New" panose="02070309020205020404" pitchFamily="49" charset="0"/>
+                <a:cs typeface="Courier New" panose="02070309020205020404" pitchFamily="49" charset="0"/>
+              </a:rPr>
+              <a:t>}</a:t>
+            </a:r>
+          </a:p>
+          <a:p>
+            <a:pPr marL="0" indent="0">
+              <a:buNone/>
+            </a:pPr>
+            <a:endParaRPr lang="en-US" sz="1600" b="1" dirty="0">
+              <a:latin typeface="Courier New" panose="02070309020205020404" pitchFamily="49" charset="0"/>
+              <a:cs typeface="Courier New" panose="02070309020205020404" pitchFamily="49" charset="0"/>
+            </a:endParaRPr>
+          </a:p>
+          <a:p>
+            <a:pPr marL="0" indent="0">
+              <a:buNone/>
+            </a:pPr>
+            <a:r>
+              <a:rPr lang="it-IT" sz="1600" b="1" dirty="0" err="1">
+                <a:latin typeface="Courier New" panose="02070309020205020404" pitchFamily="49" charset="0"/>
+                <a:cs typeface="Courier New" panose="02070309020205020404" pitchFamily="49" charset="0"/>
+              </a:rPr>
+              <a:t>bool</a:t>
+            </a:r>
+            <a:r>
+              <a:rPr lang="it-IT" sz="1600" b="1" dirty="0">
+                <a:latin typeface="Courier New" panose="02070309020205020404" pitchFamily="49" charset="0"/>
+                <a:cs typeface="Courier New" panose="02070309020205020404" pitchFamily="49" charset="0"/>
+              </a:rPr>
+              <a:t> </a:t>
+            </a:r>
+            <a:r>
+              <a:rPr lang="it-IT" sz="1600" b="1" dirty="0" err="1">
+                <a:latin typeface="Courier New" panose="02070309020205020404" pitchFamily="49" charset="0"/>
+                <a:cs typeface="Courier New" panose="02070309020205020404" pitchFamily="49" charset="0"/>
+              </a:rPr>
+              <a:t>Stack</a:t>
+            </a:r>
+            <a:r>
+              <a:rPr lang="it-IT" sz="1600" b="1" dirty="0">
+                <a:latin typeface="Courier New" panose="02070309020205020404" pitchFamily="49" charset="0"/>
+                <a:cs typeface="Courier New" panose="02070309020205020404" pitchFamily="49" charset="0"/>
+              </a:rPr>
+              <a:t>::</a:t>
+            </a:r>
+            <a:r>
+              <a:rPr lang="it-IT" sz="1600" b="1" dirty="0">
+                <a:solidFill>
+                  <a:srgbClr val="FF0000"/>
+                </a:solidFill>
+                <a:latin typeface="Courier New" panose="02070309020205020404" pitchFamily="49" charset="0"/>
+                <a:cs typeface="Courier New" panose="02070309020205020404" pitchFamily="49" charset="0"/>
+              </a:rPr>
+              <a:t>pop</a:t>
+            </a:r>
+            <a:r>
+              <a:rPr lang="it-IT" sz="1600" b="1" dirty="0">
+                <a:latin typeface="Courier New" panose="02070309020205020404" pitchFamily="49" charset="0"/>
+                <a:cs typeface="Courier New" panose="02070309020205020404" pitchFamily="49" charset="0"/>
+              </a:rPr>
+              <a:t>(</a:t>
+            </a:r>
+            <a:r>
+              <a:rPr lang="it-IT" sz="1600" b="1" dirty="0" err="1">
+                <a:latin typeface="Courier New" panose="02070309020205020404" pitchFamily="49" charset="0"/>
+                <a:cs typeface="Courier New" panose="02070309020205020404" pitchFamily="49" charset="0"/>
+              </a:rPr>
+              <a:t>string</a:t>
+            </a:r>
+            <a:r>
+              <a:rPr lang="it-IT" sz="1600" b="1" dirty="0">
+                <a:latin typeface="Courier New" panose="02070309020205020404" pitchFamily="49" charset="0"/>
+                <a:cs typeface="Courier New" panose="02070309020205020404" pitchFamily="49" charset="0"/>
+              </a:rPr>
+              <a:t> &amp; </a:t>
+            </a:r>
+            <a:r>
+              <a:rPr lang="it-IT" sz="1600" b="1" dirty="0" err="1">
+                <a:latin typeface="Courier New" panose="02070309020205020404" pitchFamily="49" charset="0"/>
+                <a:cs typeface="Courier New" panose="02070309020205020404" pitchFamily="49" charset="0"/>
+              </a:rPr>
+              <a:t>value</a:t>
+            </a:r>
+            <a:r>
+              <a:rPr lang="it-IT" sz="1600" b="1" dirty="0">
+                <a:latin typeface="Courier New" panose="02070309020205020404" pitchFamily="49" charset="0"/>
+                <a:cs typeface="Courier New" panose="02070309020205020404" pitchFamily="49" charset="0"/>
+              </a:rPr>
+              <a:t>) {</a:t>
+            </a:r>
+          </a:p>
+          <a:p>
+            <a:pPr marL="0" indent="0">
+              <a:buNone/>
+            </a:pPr>
+            <a:r>
+              <a:rPr lang="en-US" sz="1600" b="1" dirty="0">
+                <a:latin typeface="Courier New" panose="02070309020205020404" pitchFamily="49" charset="0"/>
+                <a:cs typeface="Courier New" panose="02070309020205020404" pitchFamily="49" charset="0"/>
+              </a:rPr>
+              <a:t> if (empty()) return false;</a:t>
+            </a:r>
+          </a:p>
+          <a:p>
+            <a:pPr marL="0" indent="0">
+              <a:buNone/>
+            </a:pPr>
+            <a:r>
+              <a:rPr lang="en-US" sz="1600" b="1" dirty="0">
+                <a:latin typeface="Courier New" panose="02070309020205020404" pitchFamily="49" charset="0"/>
+                <a:cs typeface="Courier New" panose="02070309020205020404" pitchFamily="49" charset="0"/>
+              </a:rPr>
+              <a:t> value = top-&gt;info;</a:t>
+            </a:r>
+          </a:p>
+          <a:p>
+            <a:pPr marL="0" indent="0">
+              <a:buNone/>
+            </a:pPr>
+            <a:r>
+              <a:rPr lang="en-US" sz="1600" b="1" dirty="0">
+                <a:latin typeface="Courier New" panose="02070309020205020404" pitchFamily="49" charset="0"/>
+                <a:cs typeface="Courier New" panose="02070309020205020404" pitchFamily="49" charset="0"/>
+              </a:rPr>
+              <a:t> </a:t>
+            </a:r>
+            <a:r>
+              <a:rPr lang="en-US" sz="1600" b="1" dirty="0" err="1">
+                <a:latin typeface="Courier New" panose="02070309020205020404" pitchFamily="49" charset="0"/>
+                <a:cs typeface="Courier New" panose="02070309020205020404" pitchFamily="49" charset="0"/>
+              </a:rPr>
+              <a:t>Nodo</a:t>
+            </a:r>
+            <a:r>
+              <a:rPr lang="en-US" sz="1600" b="1" dirty="0">
+                <a:latin typeface="Courier New" panose="02070309020205020404" pitchFamily="49" charset="0"/>
+                <a:cs typeface="Courier New" panose="02070309020205020404" pitchFamily="49" charset="0"/>
+              </a:rPr>
+              <a:t> * temp = top;</a:t>
+            </a:r>
+          </a:p>
+          <a:p>
+            <a:pPr marL="0" indent="0">
+              <a:buNone/>
+            </a:pPr>
+            <a:r>
+              <a:rPr lang="en-US" sz="1600" b="1" dirty="0">
+                <a:latin typeface="Courier New" panose="02070309020205020404" pitchFamily="49" charset="0"/>
+                <a:cs typeface="Courier New" panose="02070309020205020404" pitchFamily="49" charset="0"/>
+              </a:rPr>
+              <a:t> top = top-&gt;next;</a:t>
+            </a:r>
+          </a:p>
+          <a:p>
+            <a:pPr marL="0" indent="0">
+              <a:buNone/>
+            </a:pPr>
+            <a:r>
+              <a:rPr lang="en-US" sz="1600" b="1" dirty="0">
+                <a:latin typeface="Courier New" panose="02070309020205020404" pitchFamily="49" charset="0"/>
+                <a:cs typeface="Courier New" panose="02070309020205020404" pitchFamily="49" charset="0"/>
+              </a:rPr>
+              <a:t> delete temp;	// </a:t>
+            </a:r>
+            <a:r>
+              <a:rPr lang="en-US" sz="1600" b="1" dirty="0" err="1">
+                <a:latin typeface="Courier New" panose="02070309020205020404" pitchFamily="49" charset="0"/>
+                <a:cs typeface="Courier New" panose="02070309020205020404" pitchFamily="49" charset="0"/>
+              </a:rPr>
+              <a:t>deallocazione</a:t>
+            </a:r>
+            <a:endParaRPr lang="en-US" sz="1600" b="1" dirty="0">
+              <a:latin typeface="Courier New" panose="02070309020205020404" pitchFamily="49" charset="0"/>
+              <a:cs typeface="Courier New" panose="02070309020205020404" pitchFamily="49" charset="0"/>
+            </a:endParaRPr>
+          </a:p>
+          <a:p>
+            <a:pPr marL="0" indent="0">
+              <a:buNone/>
+            </a:pPr>
+            <a:r>
+              <a:rPr lang="en-US" sz="1600" b="1" dirty="0">
+                <a:latin typeface="Courier New" panose="02070309020205020404" pitchFamily="49" charset="0"/>
+                <a:cs typeface="Courier New" panose="02070309020205020404" pitchFamily="49" charset="0"/>
+              </a:rPr>
+              <a:t> return true;</a:t>
+            </a:r>
+          </a:p>
+          <a:p>
+            <a:pPr marL="0" indent="0">
+              <a:buNone/>
+            </a:pPr>
+            <a:r>
+              <a:rPr lang="it-IT" sz="1600" b="1" dirty="0">
+                <a:latin typeface="Courier New" panose="02070309020205020404" pitchFamily="49" charset="0"/>
+                <a:cs typeface="Courier New" panose="02070309020205020404" pitchFamily="49" charset="0"/>
+              </a:rPr>
+              <a:t>}</a:t>
+            </a:r>
+          </a:p>
+          <a:p>
+            <a:pPr marL="0" indent="0">
+              <a:buNone/>
+            </a:pPr>
+            <a:endParaRPr lang="it-IT" sz="1600" b="1" dirty="0">
+              <a:latin typeface="Courier New" panose="02070309020205020404" pitchFamily="49" charset="0"/>
+              <a:cs typeface="Courier New" panose="02070309020205020404" pitchFamily="49" charset="0"/>
+            </a:endParaRPr>
+          </a:p>
+        </p:txBody>
+      </p:sp>
+      <p:sp>
+        <p:nvSpPr>
+          <p:cNvPr id="4" name="Segnaposto contenuto 3">
+            <a:extLst>
+              <a:ext uri="{FF2B5EF4-FFF2-40B4-BE49-F238E27FC236}">
+                <a16:creationId xmlns:a16="http://schemas.microsoft.com/office/drawing/2014/main" id="{8A37AD03-A1E6-4C86-9359-1393761CD932}"/>
+              </a:ext>
+            </a:extLst>
+          </p:cNvPr>
+          <p:cNvSpPr>
+            <a:spLocks noGrp="1"/>
+          </p:cNvSpPr>
+          <p:nvPr>
+            <p:ph sz="half" idx="2"/>
+          </p:nvPr>
+        </p:nvSpPr>
+        <p:spPr/>
+        <p:txBody>
+          <a:bodyPr/>
+          <a:lstStyle/>
+          <a:p>
+            <a:r>
+              <a:rPr lang="it-IT" sz="2000" b="1" i="1" dirty="0" err="1">
+                <a:cs typeface="Courier New" panose="02070309020205020404" pitchFamily="49" charset="0"/>
+              </a:rPr>
+              <a:t>push</a:t>
+            </a:r>
+            <a:r>
+              <a:rPr lang="it-IT" sz="2000" dirty="0">
+                <a:cs typeface="Courier New" panose="02070309020205020404" pitchFamily="49" charset="0"/>
+              </a:rPr>
+              <a:t> equivale all’</a:t>
+            </a:r>
+            <a:r>
+              <a:rPr lang="it-IT" sz="2000" b="1" i="1" dirty="0">
+                <a:cs typeface="Courier New" panose="02070309020205020404" pitchFamily="49" charset="0"/>
+              </a:rPr>
+              <a:t>inserimento in testa </a:t>
+            </a:r>
+            <a:r>
+              <a:rPr lang="it-IT" sz="2000" dirty="0">
+                <a:cs typeface="Courier New" panose="02070309020205020404" pitchFamily="49" charset="0"/>
+              </a:rPr>
+              <a:t>alla lista</a:t>
+            </a:r>
+          </a:p>
+          <a:p>
+            <a:r>
+              <a:rPr lang="it-IT" sz="2000" b="1" i="1" dirty="0">
+                <a:cs typeface="Courier New" panose="02070309020205020404" pitchFamily="49" charset="0"/>
+              </a:rPr>
+              <a:t>pop</a:t>
+            </a:r>
+            <a:r>
+              <a:rPr lang="it-IT" sz="2000" dirty="0">
+                <a:cs typeface="Courier New" panose="02070309020205020404" pitchFamily="49" charset="0"/>
+              </a:rPr>
+              <a:t> equivale alla </a:t>
+            </a:r>
+            <a:r>
+              <a:rPr lang="it-IT" sz="2000" b="1" i="1" dirty="0">
+                <a:cs typeface="Courier New" panose="02070309020205020404" pitchFamily="49" charset="0"/>
+              </a:rPr>
+              <a:t>eliminazione in testa </a:t>
+            </a:r>
+            <a:r>
+              <a:rPr lang="it-IT" sz="2000" dirty="0">
+                <a:cs typeface="Courier New" panose="02070309020205020404" pitchFamily="49" charset="0"/>
+              </a:rPr>
+              <a:t>alla lista</a:t>
+            </a:r>
+          </a:p>
+        </p:txBody>
+      </p:sp>
+      <p:sp>
+        <p:nvSpPr>
+          <p:cNvPr id="5" name="Segnaposto piè di pagina 4">
+            <a:extLst>
+              <a:ext uri="{FF2B5EF4-FFF2-40B4-BE49-F238E27FC236}">
+                <a16:creationId xmlns:a16="http://schemas.microsoft.com/office/drawing/2014/main" id="{84476BEA-5299-439A-BFE1-4FE738E5D7E1}"/>
+              </a:ext>
+            </a:extLst>
+          </p:cNvPr>
+          <p:cNvSpPr>
+            <a:spLocks noGrp="1"/>
+          </p:cNvSpPr>
+          <p:nvPr>
+            <p:ph type="ftr" sz="quarter" idx="11"/>
+          </p:nvPr>
+        </p:nvSpPr>
+        <p:spPr/>
+        <p:txBody>
+          <a:bodyPr/>
+          <a:lstStyle/>
+          <a:p>
+            <a:pPr>
+              <a:defRPr/>
+            </a:pPr>
+            <a:r>
+              <a:rPr lang="it-IT"/>
+              <a:t>Alberto Ferrari – Programmazione di applicazioni SW</a:t>
+            </a:r>
+            <a:endParaRPr lang="it-IT" dirty="0"/>
+          </a:p>
+        </p:txBody>
+      </p:sp>
+    </p:spTree>
+    <p:extLst>
+      <p:ext uri="{BB962C8B-B14F-4D97-AF65-F5344CB8AC3E}">
+        <p14:creationId xmlns:p14="http://schemas.microsoft.com/office/powerpoint/2010/main" val="2936324728"/>
+      </p:ext>
+    </p:extLst>
+  </p:cSld>
+  <p:clrMapOvr>
+    <a:masterClrMapping/>
+  </p:clrMapOvr>
+</p:sld>
+</file>
+
+<file path=ppt/slides/slide18.xml><?xml version="1.0" encoding="utf-8"?>
 <p:sld xmlns:a="http://schemas.openxmlformats.org/drawingml/2006/main" xmlns:r="http://schemas.openxmlformats.org/officeDocument/2006/relationships" xmlns:p="http://schemas.openxmlformats.org/presentationml/2006/main">
   <p:cSld>
     <p:spTree>
@@ -7754,7 +9842,7 @@
 </p:sld>
 </file>
 
-<file path=ppt/slides/slide16.xml><?xml version="1.0" encoding="utf-8"?>
+<file path=ppt/slides/slide19.xml><?xml version="1.0" encoding="utf-8"?>
 <p:sld xmlns:a="http://schemas.openxmlformats.org/drawingml/2006/main" xmlns:r="http://schemas.openxmlformats.org/officeDocument/2006/relationships" xmlns:p="http://schemas.openxmlformats.org/presentationml/2006/main">
   <p:cSld>
     <p:spTree>
@@ -7992,7 +10080,218 @@
 </p:sld>
 </file>
 
-<file path=ppt/slides/slide17.xml><?xml version="1.0" encoding="utf-8"?>
+<file path=ppt/slides/slide2.xml><?xml version="1.0" encoding="utf-8"?>
+<p:sld xmlns:a="http://schemas.openxmlformats.org/drawingml/2006/main" xmlns:r="http://schemas.openxmlformats.org/officeDocument/2006/relationships" xmlns:p="http://schemas.openxmlformats.org/presentationml/2006/main">
+  <p:cSld>
+    <p:spTree>
+      <p:nvGrpSpPr>
+        <p:cNvPr id="1" name=""/>
+        <p:cNvGrpSpPr/>
+        <p:nvPr/>
+      </p:nvGrpSpPr>
+      <p:grpSpPr>
+        <a:xfrm>
+          <a:off x="0" y="0"/>
+          <a:ext cx="0" cy="0"/>
+          <a:chOff x="0" y="0"/>
+          <a:chExt cx="0" cy="0"/>
+        </a:xfrm>
+      </p:grpSpPr>
+      <p:sp>
+        <p:nvSpPr>
+          <p:cNvPr id="2" name="Titolo 1">
+            <a:extLst>
+              <a:ext uri="{FF2B5EF4-FFF2-40B4-BE49-F238E27FC236}">
+                <a16:creationId xmlns:a16="http://schemas.microsoft.com/office/drawing/2014/main" id="{FB17FBA9-3928-43D4-86F2-477E1F3B20FF}"/>
+              </a:ext>
+            </a:extLst>
+          </p:cNvPr>
+          <p:cNvSpPr>
+            <a:spLocks noGrp="1"/>
+          </p:cNvSpPr>
+          <p:nvPr>
+            <p:ph type="title"/>
+          </p:nvPr>
+        </p:nvSpPr>
+        <p:spPr/>
+        <p:txBody>
+          <a:bodyPr/>
+          <a:lstStyle/>
+          <a:p>
+            <a:r>
+              <a:rPr lang="it-IT" dirty="0"/>
+              <a:t>strutture dati dinamiche lineari</a:t>
+            </a:r>
+          </a:p>
+        </p:txBody>
+      </p:sp>
+      <p:sp>
+        <p:nvSpPr>
+          <p:cNvPr id="3" name="Segnaposto contenuto 2">
+            <a:extLst>
+              <a:ext uri="{FF2B5EF4-FFF2-40B4-BE49-F238E27FC236}">
+                <a16:creationId xmlns:a16="http://schemas.microsoft.com/office/drawing/2014/main" id="{27E54D8A-E546-40AC-860D-11928C4D60B8}"/>
+              </a:ext>
+            </a:extLst>
+          </p:cNvPr>
+          <p:cNvSpPr>
+            <a:spLocks noGrp="1"/>
+          </p:cNvSpPr>
+          <p:nvPr>
+            <p:ph idx="1"/>
+          </p:nvPr>
+        </p:nvSpPr>
+        <p:spPr/>
+        <p:txBody>
+          <a:bodyPr/>
+          <a:lstStyle/>
+          <a:p>
+            <a:r>
+              <a:rPr lang="it-IT" dirty="0"/>
+              <a:t>una struttura dati si definisce </a:t>
+            </a:r>
+            <a:r>
+              <a:rPr lang="it-IT" b="1" i="1" dirty="0"/>
+              <a:t>dinamica</a:t>
+            </a:r>
+            <a:r>
+              <a:rPr lang="it-IT" dirty="0"/>
+              <a:t> se permette di rappresentare insiemi dinamici la cui </a:t>
+            </a:r>
+            <a:r>
+              <a:rPr lang="it-IT" b="1" i="1" dirty="0"/>
+              <a:t>cardinalità varia </a:t>
+            </a:r>
+            <a:r>
+              <a:rPr lang="it-IT" dirty="0"/>
+              <a:t>durante l’esecuzione del programma</a:t>
+            </a:r>
+          </a:p>
+          <a:p>
+            <a:r>
+              <a:rPr lang="it-IT" dirty="0"/>
+              <a:t>una struttura dati si definisce </a:t>
+            </a:r>
+            <a:r>
+              <a:rPr lang="it-IT" b="1" i="1" dirty="0"/>
+              <a:t>lineare</a:t>
+            </a:r>
+            <a:r>
+              <a:rPr lang="it-IT" dirty="0"/>
+              <a:t> se ogni elemento contiene solo il riferimento all’elemento </a:t>
+            </a:r>
+            <a:r>
+              <a:rPr lang="it-IT" b="1" i="1" dirty="0"/>
+              <a:t>successivo </a:t>
+            </a:r>
+            <a:r>
+              <a:rPr lang="it-IT" dirty="0"/>
+              <a:t>e l’</a:t>
+            </a:r>
+            <a:r>
+              <a:rPr lang="it-IT" b="1" i="1" dirty="0"/>
+              <a:t>accesso</a:t>
+            </a:r>
+            <a:r>
+              <a:rPr lang="it-IT" dirty="0"/>
+              <a:t> agli elementi avviene seguendo specifiche modalità partendo sempre dal </a:t>
+            </a:r>
+            <a:r>
+              <a:rPr lang="it-IT" b="1" i="1" dirty="0"/>
+              <a:t>primo elemento</a:t>
+            </a:r>
+          </a:p>
+          <a:p>
+            <a:r>
+              <a:rPr lang="it-IT" dirty="0"/>
+              <a:t>strutture dinamiche lineari</a:t>
+            </a:r>
+          </a:p>
+          <a:p>
+            <a:pPr lvl="1"/>
+            <a:r>
+              <a:rPr lang="it-IT" sz="2400" b="1" i="1" dirty="0"/>
+              <a:t>lista (list)</a:t>
+            </a:r>
+          </a:p>
+          <a:p>
+            <a:pPr lvl="1"/>
+            <a:r>
+              <a:rPr lang="it-IT" sz="2400" b="1" i="1" dirty="0"/>
+              <a:t>pila (</a:t>
+            </a:r>
+            <a:r>
+              <a:rPr lang="it-IT" sz="2400" b="1" i="1" dirty="0" err="1"/>
+              <a:t>stack</a:t>
+            </a:r>
+            <a:r>
+              <a:rPr lang="it-IT" sz="2400" b="1" i="1" dirty="0"/>
+              <a:t>)</a:t>
+            </a:r>
+          </a:p>
+          <a:p>
+            <a:pPr lvl="1"/>
+            <a:r>
+              <a:rPr lang="it-IT" sz="2400" b="1" i="1" dirty="0"/>
+              <a:t>coda (</a:t>
+            </a:r>
+            <a:r>
+              <a:rPr lang="it-IT" sz="2400" b="1" i="1" dirty="0" err="1"/>
+              <a:t>queue</a:t>
+            </a:r>
+            <a:r>
+              <a:rPr lang="it-IT" sz="2400" b="1" i="1" dirty="0"/>
+              <a:t>)</a:t>
+            </a:r>
+          </a:p>
+        </p:txBody>
+      </p:sp>
+      <p:sp>
+        <p:nvSpPr>
+          <p:cNvPr id="4" name="Segnaposto piè di pagina 3">
+            <a:extLst>
+              <a:ext uri="{FF2B5EF4-FFF2-40B4-BE49-F238E27FC236}">
+                <a16:creationId xmlns:a16="http://schemas.microsoft.com/office/drawing/2014/main" id="{F615CA45-F5D5-4379-B36B-10ED63F47D65}"/>
+              </a:ext>
+            </a:extLst>
+          </p:cNvPr>
+          <p:cNvSpPr>
+            <a:spLocks noGrp="1"/>
+          </p:cNvSpPr>
+          <p:nvPr>
+            <p:ph type="ftr" sz="quarter" idx="11"/>
+          </p:nvPr>
+        </p:nvSpPr>
+        <p:spPr/>
+        <p:txBody>
+          <a:bodyPr/>
+          <a:lstStyle/>
+          <a:p>
+            <a:pPr>
+              <a:defRPr/>
+            </a:pPr>
+            <a:r>
+              <a:rPr lang="it-IT"/>
+              <a:t>Alberto Ferrari – Programmazione di applicazioni SW</a:t>
+            </a:r>
+            <a:endParaRPr lang="it-IT" dirty="0"/>
+          </a:p>
+        </p:txBody>
+      </p:sp>
+    </p:spTree>
+    <p:extLst>
+      <p:ext uri="{BB962C8B-B14F-4D97-AF65-F5344CB8AC3E}">
+        <p14:creationId xmlns:p14="http://schemas.microsoft.com/office/powerpoint/2010/main" val="2992104713"/>
+      </p:ext>
+    </p:extLst>
+  </p:cSld>
+  <p:clrMapOvr>
+    <a:masterClrMapping/>
+  </p:clrMapOvr>
+</p:sld>
+</file>
+
+<file path=ppt/slides/slide20.xml><?xml version="1.0" encoding="utf-8"?>
 <p:sld xmlns:a="http://schemas.openxmlformats.org/drawingml/2006/main" xmlns:r="http://schemas.openxmlformats.org/officeDocument/2006/relationships" xmlns:p="http://schemas.openxmlformats.org/presentationml/2006/main">
   <p:cSld>
     <p:spTree>
@@ -8364,7 +10663,7 @@
 </p:sld>
 </file>
 
-<file path=ppt/slides/slide18.xml><?xml version="1.0" encoding="utf-8"?>
+<file path=ppt/slides/slide21.xml><?xml version="1.0" encoding="utf-8"?>
 <p:sld xmlns:a="http://schemas.openxmlformats.org/drawingml/2006/main" xmlns:r="http://schemas.openxmlformats.org/officeDocument/2006/relationships" xmlns:p="http://schemas.openxmlformats.org/presentationml/2006/main">
   <p:cSld>
     <p:spTree>
@@ -8449,7 +10748,14 @@
                 <a:latin typeface="Courier New" panose="02070309020205020404" pitchFamily="49" charset="0"/>
                 <a:cs typeface="Courier New" panose="02070309020205020404" pitchFamily="49" charset="0"/>
               </a:rPr>
-              <a:t>Queue</a:t>
+              <a:t>Queue </a:t>
+            </a:r>
+            <a:r>
+              <a:rPr lang="en-US" sz="1600" b="1" dirty="0">
+                <a:latin typeface="Courier New" panose="02070309020205020404" pitchFamily="49" charset="0"/>
+                <a:cs typeface="Courier New" panose="02070309020205020404" pitchFamily="49" charset="0"/>
+              </a:rPr>
+              <a:t>{</a:t>
             </a:r>
           </a:p>
           <a:p>
@@ -8461,7 +10767,7 @@
                 <a:latin typeface="Courier New" panose="02070309020205020404" pitchFamily="49" charset="0"/>
                 <a:cs typeface="Courier New" panose="02070309020205020404" pitchFamily="49" charset="0"/>
               </a:rPr>
-              <a:t>{</a:t>
+              <a:t>    public:</a:t>
             </a:r>
           </a:p>
           <a:p>
@@ -8473,72 +10779,7 @@
                 <a:latin typeface="Courier New" panose="02070309020205020404" pitchFamily="49" charset="0"/>
                 <a:cs typeface="Courier New" panose="02070309020205020404" pitchFamily="49" charset="0"/>
               </a:rPr>
-              <a:t>    public:</a:t>
-            </a:r>
-          </a:p>
-          <a:p>
-            <a:pPr marL="0" indent="0">
-              <a:buNone/>
-            </a:pPr>
-            <a:r>
-              <a:rPr lang="en-US" sz="1600" b="1" dirty="0">
-                <a:latin typeface="Courier New" panose="02070309020205020404" pitchFamily="49" charset="0"/>
-                <a:cs typeface="Courier New" panose="02070309020205020404" pitchFamily="49" charset="0"/>
-              </a:rPr>
-              <a:t>        Queue();</a:t>
-            </a:r>
-          </a:p>
-          <a:p>
-            <a:pPr marL="0" indent="0">
-              <a:buNone/>
-            </a:pPr>
-            <a:r>
-              <a:rPr lang="en-US" sz="1600" b="1" dirty="0">
-                <a:latin typeface="Courier New" panose="02070309020205020404" pitchFamily="49" charset="0"/>
-                <a:cs typeface="Courier New" panose="02070309020205020404" pitchFamily="49" charset="0"/>
-              </a:rPr>
-              <a:t>        virtual ~Queue();</a:t>
-            </a:r>
-          </a:p>
-          <a:p>
-            <a:pPr marL="0" indent="0">
-              <a:buNone/>
-            </a:pPr>
-            <a:r>
-              <a:rPr lang="en-US" sz="1600" b="1" dirty="0">
-                <a:latin typeface="Courier New" panose="02070309020205020404" pitchFamily="49" charset="0"/>
-                <a:cs typeface="Courier New" panose="02070309020205020404" pitchFamily="49" charset="0"/>
-              </a:rPr>
-              <a:t>        void </a:t>
-            </a:r>
-            <a:r>
-              <a:rPr lang="en-US" sz="1600" b="1" dirty="0" err="1">
-                <a:solidFill>
-                  <a:srgbClr val="FF0000"/>
-                </a:solidFill>
-                <a:latin typeface="Courier New" panose="02070309020205020404" pitchFamily="49" charset="0"/>
-                <a:cs typeface="Courier New" panose="02070309020205020404" pitchFamily="49" charset="0"/>
-              </a:rPr>
-              <a:t>enqueu</a:t>
-            </a:r>
-            <a:r>
-              <a:rPr lang="en-US" sz="1600" b="1" dirty="0">
-                <a:latin typeface="Courier New" panose="02070309020205020404" pitchFamily="49" charset="0"/>
-                <a:cs typeface="Courier New" panose="02070309020205020404" pitchFamily="49" charset="0"/>
-              </a:rPr>
-              <a:t>(link);</a:t>
-            </a:r>
-          </a:p>
-          <a:p>
-            <a:pPr marL="0" indent="0">
-              <a:buNone/>
-            </a:pPr>
-            <a:r>
-              <a:rPr lang="en-US" sz="1600" b="1" dirty="0">
-                <a:latin typeface="Courier New" panose="02070309020205020404" pitchFamily="49" charset="0"/>
-                <a:cs typeface="Courier New" panose="02070309020205020404" pitchFamily="49" charset="0"/>
-              </a:rPr>
-              <a:t>        link </a:t>
+              <a:t>        </a:t>
             </a:r>
             <a:r>
               <a:rPr lang="en-US" sz="1600" b="1" dirty="0">
@@ -8548,7 +10789,7 @@
                 <a:latin typeface="Courier New" panose="02070309020205020404" pitchFamily="49" charset="0"/>
                 <a:cs typeface="Courier New" panose="02070309020205020404" pitchFamily="49" charset="0"/>
               </a:rPr>
-              <a:t>dequeue</a:t>
+              <a:t>Queue</a:t>
             </a:r>
             <a:r>
               <a:rPr lang="en-US" sz="1600" b="1" dirty="0">
@@ -8567,7 +10808,7 @@
                 <a:latin typeface="Courier New" panose="02070309020205020404" pitchFamily="49" charset="0"/>
                 <a:cs typeface="Courier New" panose="02070309020205020404" pitchFamily="49" charset="0"/>
               </a:rPr>
-              <a:t>        bool </a:t>
+              <a:t>        virtual </a:t>
             </a:r>
             <a:r>
               <a:rPr lang="en-US" sz="1600" b="1" dirty="0">
@@ -8577,6 +10818,107 @@
                 <a:latin typeface="Courier New" panose="02070309020205020404" pitchFamily="49" charset="0"/>
                 <a:cs typeface="Courier New" panose="02070309020205020404" pitchFamily="49" charset="0"/>
               </a:rPr>
+              <a:t>~Queue</a:t>
+            </a:r>
+            <a:r>
+              <a:rPr lang="en-US" sz="1600" b="1" dirty="0">
+                <a:latin typeface="Courier New" panose="02070309020205020404" pitchFamily="49" charset="0"/>
+                <a:cs typeface="Courier New" panose="02070309020205020404" pitchFamily="49" charset="0"/>
+              </a:rPr>
+              <a:t>();</a:t>
+            </a:r>
+          </a:p>
+          <a:p>
+            <a:pPr marL="0" indent="0">
+              <a:buNone/>
+            </a:pPr>
+            <a:r>
+              <a:rPr lang="en-US" sz="1600" b="1" dirty="0">
+                <a:latin typeface="Courier New" panose="02070309020205020404" pitchFamily="49" charset="0"/>
+                <a:cs typeface="Courier New" panose="02070309020205020404" pitchFamily="49" charset="0"/>
+              </a:rPr>
+              <a:t>        void </a:t>
+            </a:r>
+            <a:r>
+              <a:rPr lang="en-US" sz="1600" b="1" dirty="0">
+                <a:solidFill>
+                  <a:srgbClr val="FF0000"/>
+                </a:solidFill>
+                <a:latin typeface="Courier New" panose="02070309020205020404" pitchFamily="49" charset="0"/>
+                <a:cs typeface="Courier New" panose="02070309020205020404" pitchFamily="49" charset="0"/>
+              </a:rPr>
+              <a:t>enqueue</a:t>
+            </a:r>
+            <a:r>
+              <a:rPr lang="en-US" sz="1600" b="1" dirty="0">
+                <a:latin typeface="Courier New" panose="02070309020205020404" pitchFamily="49" charset="0"/>
+                <a:cs typeface="Courier New" panose="02070309020205020404" pitchFamily="49" charset="0"/>
+              </a:rPr>
+              <a:t>(</a:t>
+            </a:r>
+            <a:r>
+              <a:rPr lang="en-US" sz="1600" b="1" dirty="0" err="1">
+                <a:latin typeface="Courier New" panose="02070309020205020404" pitchFamily="49" charset="0"/>
+                <a:cs typeface="Courier New" panose="02070309020205020404" pitchFamily="49" charset="0"/>
+              </a:rPr>
+              <a:t>const</a:t>
+            </a:r>
+            <a:r>
+              <a:rPr lang="en-US" sz="1600" b="1" dirty="0">
+                <a:latin typeface="Courier New" panose="02070309020205020404" pitchFamily="49" charset="0"/>
+                <a:cs typeface="Courier New" panose="02070309020205020404" pitchFamily="49" charset="0"/>
+              </a:rPr>
+              <a:t> string &amp;value);</a:t>
+            </a:r>
+          </a:p>
+          <a:p>
+            <a:pPr marL="0" indent="0">
+              <a:buNone/>
+            </a:pPr>
+            <a:r>
+              <a:rPr lang="en-US" sz="1600" b="1" dirty="0">
+                <a:latin typeface="Courier New" panose="02070309020205020404" pitchFamily="49" charset="0"/>
+                <a:cs typeface="Courier New" panose="02070309020205020404" pitchFamily="49" charset="0"/>
+              </a:rPr>
+              <a:t>        bool </a:t>
+            </a:r>
+            <a:r>
+              <a:rPr lang="en-US" sz="1600" b="1" dirty="0">
+                <a:solidFill>
+                  <a:srgbClr val="FF0000"/>
+                </a:solidFill>
+                <a:latin typeface="Courier New" panose="02070309020205020404" pitchFamily="49" charset="0"/>
+                <a:cs typeface="Courier New" panose="02070309020205020404" pitchFamily="49" charset="0"/>
+              </a:rPr>
+              <a:t>dequeue</a:t>
+            </a:r>
+            <a:r>
+              <a:rPr lang="en-US" sz="1600" b="1" dirty="0">
+                <a:latin typeface="Courier New" panose="02070309020205020404" pitchFamily="49" charset="0"/>
+                <a:cs typeface="Courier New" panose="02070309020205020404" pitchFamily="49" charset="0"/>
+              </a:rPr>
+              <a:t>(string &amp;value);</a:t>
+            </a:r>
+          </a:p>
+          <a:p>
+            <a:pPr marL="0" indent="0">
+              <a:buNone/>
+            </a:pPr>
+            <a:r>
+              <a:rPr lang="en-US" sz="1600" b="1" dirty="0">
+                <a:latin typeface="Courier New" panose="02070309020205020404" pitchFamily="49" charset="0"/>
+                <a:cs typeface="Courier New" panose="02070309020205020404" pitchFamily="49" charset="0"/>
+              </a:rPr>
+              <a:t>        bool </a:t>
+            </a:r>
+            <a:r>
+              <a:rPr lang="en-US" sz="1600" b="1" dirty="0">
+                <a:solidFill>
+                  <a:srgbClr val="FF0000"/>
+                </a:solidFill>
+                <a:latin typeface="Courier New" panose="02070309020205020404" pitchFamily="49" charset="0"/>
+                <a:cs typeface="Courier New" panose="02070309020205020404" pitchFamily="49" charset="0"/>
+              </a:rPr>
               <a:t>empty</a:t>
             </a:r>
             <a:r>
@@ -8584,7 +10926,119 @@
                 <a:latin typeface="Courier New" panose="02070309020205020404" pitchFamily="49" charset="0"/>
                 <a:cs typeface="Courier New" panose="02070309020205020404" pitchFamily="49" charset="0"/>
               </a:rPr>
-              <a:t>();</a:t>
+              <a:t>() </a:t>
+            </a:r>
+            <a:r>
+              <a:rPr lang="en-US" sz="1600" b="1" dirty="0" err="1">
+                <a:latin typeface="Courier New" panose="02070309020205020404" pitchFamily="49" charset="0"/>
+                <a:cs typeface="Courier New" panose="02070309020205020404" pitchFamily="49" charset="0"/>
+              </a:rPr>
+              <a:t>const</a:t>
+            </a:r>
+            <a:r>
+              <a:rPr lang="en-US" sz="1600" b="1" dirty="0">
+                <a:latin typeface="Courier New" panose="02070309020205020404" pitchFamily="49" charset="0"/>
+                <a:cs typeface="Courier New" panose="02070309020205020404" pitchFamily="49" charset="0"/>
+              </a:rPr>
+              <a:t>;</a:t>
+            </a:r>
+          </a:p>
+          <a:p>
+            <a:pPr marL="0" indent="0">
+              <a:buNone/>
+            </a:pPr>
+            <a:r>
+              <a:rPr lang="en-US" sz="1600" b="1" dirty="0">
+                <a:latin typeface="Courier New" panose="02070309020205020404" pitchFamily="49" charset="0"/>
+                <a:cs typeface="Courier New" panose="02070309020205020404" pitchFamily="49" charset="0"/>
+              </a:rPr>
+              <a:t>    private:</a:t>
+            </a:r>
+          </a:p>
+          <a:p>
+            <a:pPr marL="0" indent="0">
+              <a:buNone/>
+            </a:pPr>
+            <a:r>
+              <a:rPr lang="en-US" sz="1600" b="1" dirty="0">
+                <a:latin typeface="Courier New" panose="02070309020205020404" pitchFamily="49" charset="0"/>
+                <a:cs typeface="Courier New" panose="02070309020205020404" pitchFamily="49" charset="0"/>
+              </a:rPr>
+              <a:t>        </a:t>
+            </a:r>
+            <a:r>
+              <a:rPr lang="en-US" sz="1600" b="1" dirty="0" err="1">
+                <a:latin typeface="Courier New" panose="02070309020205020404" pitchFamily="49" charset="0"/>
+                <a:cs typeface="Courier New" panose="02070309020205020404" pitchFamily="49" charset="0"/>
+              </a:rPr>
+              <a:t>Nodo</a:t>
+            </a:r>
+            <a:r>
+              <a:rPr lang="en-US" sz="1600" b="1" dirty="0">
+                <a:latin typeface="Courier New" panose="02070309020205020404" pitchFamily="49" charset="0"/>
+                <a:cs typeface="Courier New" panose="02070309020205020404" pitchFamily="49" charset="0"/>
+              </a:rPr>
+              <a:t>* </a:t>
+            </a:r>
+            <a:r>
+              <a:rPr lang="en-US" sz="1600" b="1" dirty="0">
+                <a:solidFill>
+                  <a:srgbClr val="FF0000"/>
+                </a:solidFill>
+                <a:latin typeface="Courier New" panose="02070309020205020404" pitchFamily="49" charset="0"/>
+                <a:cs typeface="Courier New" panose="02070309020205020404" pitchFamily="49" charset="0"/>
+              </a:rPr>
+              <a:t>head</a:t>
+            </a:r>
+            <a:r>
+              <a:rPr lang="en-US" sz="1600" b="1" dirty="0">
+                <a:latin typeface="Courier New" panose="02070309020205020404" pitchFamily="49" charset="0"/>
+                <a:cs typeface="Courier New" panose="02070309020205020404" pitchFamily="49" charset="0"/>
+              </a:rPr>
+              <a:t>;</a:t>
+            </a:r>
+          </a:p>
+          <a:p>
+            <a:pPr marL="0" indent="0">
+              <a:buNone/>
+            </a:pPr>
+            <a:r>
+              <a:rPr lang="en-US" sz="1600" b="1" dirty="0">
+                <a:latin typeface="Courier New" panose="02070309020205020404" pitchFamily="49" charset="0"/>
+                <a:cs typeface="Courier New" panose="02070309020205020404" pitchFamily="49" charset="0"/>
+              </a:rPr>
+              <a:t>        </a:t>
+            </a:r>
+            <a:r>
+              <a:rPr lang="en-US" sz="1600" b="1" dirty="0" err="1">
+                <a:latin typeface="Courier New" panose="02070309020205020404" pitchFamily="49" charset="0"/>
+                <a:cs typeface="Courier New" panose="02070309020205020404" pitchFamily="49" charset="0"/>
+              </a:rPr>
+              <a:t>Nodo</a:t>
+            </a:r>
+            <a:r>
+              <a:rPr lang="en-US" sz="1600" b="1" dirty="0">
+                <a:latin typeface="Courier New" panose="02070309020205020404" pitchFamily="49" charset="0"/>
+                <a:cs typeface="Courier New" panose="02070309020205020404" pitchFamily="49" charset="0"/>
+              </a:rPr>
+              <a:t>* </a:t>
+            </a:r>
+            <a:r>
+              <a:rPr lang="en-US" sz="1600" b="1" dirty="0">
+                <a:solidFill>
+                  <a:srgbClr val="FF0000"/>
+                </a:solidFill>
+                <a:latin typeface="Courier New" panose="02070309020205020404" pitchFamily="49" charset="0"/>
+                <a:cs typeface="Courier New" panose="02070309020205020404" pitchFamily="49" charset="0"/>
+              </a:rPr>
+              <a:t>tail</a:t>
+            </a:r>
+            <a:r>
+              <a:rPr lang="en-US" sz="1600" b="1" dirty="0">
+                <a:latin typeface="Courier New" panose="02070309020205020404" pitchFamily="49" charset="0"/>
+                <a:cs typeface="Courier New" panose="02070309020205020404" pitchFamily="49" charset="0"/>
+              </a:rPr>
+              <a:t>;</a:t>
             </a:r>
           </a:p>
           <a:p>
@@ -8605,19 +11059,35 @@
                 <a:latin typeface="Courier New" panose="02070309020205020404" pitchFamily="49" charset="0"/>
                 <a:cs typeface="Courier New" panose="02070309020205020404" pitchFamily="49" charset="0"/>
               </a:rPr>
-              <a:t>    private:</a:t>
-            </a:r>
-          </a:p>
-          <a:p>
-            <a:pPr marL="0" indent="0">
-              <a:buNone/>
-            </a:pPr>
+              <a:t>friend </a:t>
+            </a:r>
+            <a:r>
+              <a:rPr lang="en-US" sz="1600" b="1" dirty="0" err="1">
+                <a:latin typeface="Courier New" panose="02070309020205020404" pitchFamily="49" charset="0"/>
+                <a:cs typeface="Courier New" panose="02070309020205020404" pitchFamily="49" charset="0"/>
+              </a:rPr>
+              <a:t>std</a:t>
+            </a:r>
             <a:r>
               <a:rPr lang="en-US" sz="1600" b="1" dirty="0">
                 <a:latin typeface="Courier New" panose="02070309020205020404" pitchFamily="49" charset="0"/>
                 <a:cs typeface="Courier New" panose="02070309020205020404" pitchFamily="49" charset="0"/>
               </a:rPr>
-              <a:t>        link </a:t>
+              <a:t>::</a:t>
+            </a:r>
+            <a:r>
+              <a:rPr lang="en-US" sz="1600" b="1" dirty="0" err="1">
+                <a:latin typeface="Courier New" panose="02070309020205020404" pitchFamily="49" charset="0"/>
+                <a:cs typeface="Courier New" panose="02070309020205020404" pitchFamily="49" charset="0"/>
+              </a:rPr>
+              <a:t>ostream</a:t>
+            </a:r>
+            <a:r>
+              <a:rPr lang="en-US" sz="1600" b="1" dirty="0">
+                <a:latin typeface="Courier New" panose="02070309020205020404" pitchFamily="49" charset="0"/>
+                <a:cs typeface="Courier New" panose="02070309020205020404" pitchFamily="49" charset="0"/>
+              </a:rPr>
+              <a:t> &amp; </a:t>
             </a:r>
             <a:r>
               <a:rPr lang="en-US" sz="1600" b="1" dirty="0">
@@ -8627,43 +11097,70 @@
                 <a:latin typeface="Courier New" panose="02070309020205020404" pitchFamily="49" charset="0"/>
                 <a:cs typeface="Courier New" panose="02070309020205020404" pitchFamily="49" charset="0"/>
               </a:rPr>
-              <a:t>head</a:t>
+              <a:t>operator&lt;&lt; </a:t>
             </a:r>
             <a:r>
               <a:rPr lang="en-US" sz="1600" b="1" dirty="0">
                 <a:latin typeface="Courier New" panose="02070309020205020404" pitchFamily="49" charset="0"/>
                 <a:cs typeface="Courier New" panose="02070309020205020404" pitchFamily="49" charset="0"/>
               </a:rPr>
-              <a:t>;</a:t>
-            </a:r>
-          </a:p>
-          <a:p>
-            <a:pPr marL="0" indent="0">
-              <a:buNone/>
-            </a:pPr>
+              <a:t>(</a:t>
+            </a:r>
+            <a:r>
+              <a:rPr lang="en-US" sz="1600" b="1" dirty="0" err="1">
+                <a:latin typeface="Courier New" panose="02070309020205020404" pitchFamily="49" charset="0"/>
+                <a:cs typeface="Courier New" panose="02070309020205020404" pitchFamily="49" charset="0"/>
+              </a:rPr>
+              <a:t>std</a:t>
+            </a:r>
             <a:r>
               <a:rPr lang="en-US" sz="1600" b="1" dirty="0">
                 <a:latin typeface="Courier New" panose="02070309020205020404" pitchFamily="49" charset="0"/>
                 <a:cs typeface="Courier New" panose="02070309020205020404" pitchFamily="49" charset="0"/>
               </a:rPr>
-              <a:t>        link </a:t>
+              <a:t>::</a:t>
+            </a:r>
+            <a:r>
+              <a:rPr lang="en-US" sz="1600" b="1" dirty="0" err="1">
+                <a:latin typeface="Courier New" panose="02070309020205020404" pitchFamily="49" charset="0"/>
+                <a:cs typeface="Courier New" panose="02070309020205020404" pitchFamily="49" charset="0"/>
+              </a:rPr>
+              <a:t>ostream</a:t>
             </a:r>
             <a:r>
               <a:rPr lang="en-US" sz="1600" b="1" dirty="0">
-                <a:solidFill>
-                  <a:srgbClr val="FF0000"/>
-                </a:solidFill>
-                <a:latin typeface="Courier New" panose="02070309020205020404" pitchFamily="49" charset="0"/>
-                <a:cs typeface="Courier New" panose="02070309020205020404" pitchFamily="49" charset="0"/>
-              </a:rPr>
-              <a:t>tail</a:t>
+                <a:latin typeface="Courier New" panose="02070309020205020404" pitchFamily="49" charset="0"/>
+                <a:cs typeface="Courier New" panose="02070309020205020404" pitchFamily="49" charset="0"/>
+              </a:rPr>
+              <a:t> &amp; </a:t>
+            </a:r>
+            <a:r>
+              <a:rPr lang="en-US" sz="1600" b="1" dirty="0" err="1">
+                <a:latin typeface="Courier New" panose="02070309020205020404" pitchFamily="49" charset="0"/>
+                <a:cs typeface="Courier New" panose="02070309020205020404" pitchFamily="49" charset="0"/>
+              </a:rPr>
+              <a:t>os</a:t>
             </a:r>
             <a:r>
               <a:rPr lang="en-US" sz="1600" b="1" dirty="0">
                 <a:latin typeface="Courier New" panose="02070309020205020404" pitchFamily="49" charset="0"/>
                 <a:cs typeface="Courier New" panose="02070309020205020404" pitchFamily="49" charset="0"/>
               </a:rPr>
-              <a:t>;</a:t>
+              <a:t>, </a:t>
+            </a:r>
+            <a:r>
+              <a:rPr lang="en-US" sz="1600" b="1" dirty="0" err="1">
+                <a:latin typeface="Courier New" panose="02070309020205020404" pitchFamily="49" charset="0"/>
+                <a:cs typeface="Courier New" panose="02070309020205020404" pitchFamily="49" charset="0"/>
+              </a:rPr>
+              <a:t>const</a:t>
+            </a:r>
+            <a:r>
+              <a:rPr lang="en-US" sz="1600" b="1" dirty="0">
+                <a:latin typeface="Courier New" panose="02070309020205020404" pitchFamily="49" charset="0"/>
+                <a:cs typeface="Courier New" panose="02070309020205020404" pitchFamily="49" charset="0"/>
+              </a:rPr>
+              <a:t> Queue &amp; q);</a:t>
             </a:r>
           </a:p>
           <a:p>
@@ -8709,35 +11206,77 @@
               <a:buNone/>
             </a:pPr>
             <a:r>
-              <a:rPr lang="it-IT" sz="1600" b="1" dirty="0" err="1">
+              <a:rPr lang="it-IT" sz="1400" b="1" dirty="0" err="1">
                 <a:latin typeface="Courier New" panose="02070309020205020404" pitchFamily="49" charset="0"/>
                 <a:cs typeface="Courier New" panose="02070309020205020404" pitchFamily="49" charset="0"/>
               </a:rPr>
               <a:t>void</a:t>
             </a:r>
             <a:r>
-              <a:rPr lang="it-IT" sz="1600" b="1" dirty="0">
+              <a:rPr lang="it-IT" sz="1400" b="1" dirty="0">
                 <a:latin typeface="Courier New" panose="02070309020205020404" pitchFamily="49" charset="0"/>
                 <a:cs typeface="Courier New" panose="02070309020205020404" pitchFamily="49" charset="0"/>
               </a:rPr>
               <a:t> Queue::</a:t>
             </a:r>
             <a:r>
-              <a:rPr lang="it-IT" sz="1600" b="1" dirty="0" err="1">
+              <a:rPr lang="it-IT" sz="1400" b="1" dirty="0" err="1">
                 <a:solidFill>
                   <a:srgbClr val="FF0000"/>
                 </a:solidFill>
                 <a:latin typeface="Courier New" panose="02070309020205020404" pitchFamily="49" charset="0"/>
                 <a:cs typeface="Courier New" panose="02070309020205020404" pitchFamily="49" charset="0"/>
               </a:rPr>
-              <a:t>enqueu</a:t>
-            </a:r>
-            <a:r>
-              <a:rPr lang="it-IT" sz="1600" b="1" dirty="0">
-                <a:latin typeface="Courier New" panose="02070309020205020404" pitchFamily="49" charset="0"/>
-                <a:cs typeface="Courier New" panose="02070309020205020404" pitchFamily="49" charset="0"/>
-              </a:rPr>
-              <a:t>(link p) {</a:t>
+              <a:t>enqueue</a:t>
+            </a:r>
+            <a:r>
+              <a:rPr lang="it-IT" sz="1400" b="1" dirty="0">
+                <a:latin typeface="Courier New" panose="02070309020205020404" pitchFamily="49" charset="0"/>
+                <a:cs typeface="Courier New" panose="02070309020205020404" pitchFamily="49" charset="0"/>
+              </a:rPr>
+              <a:t>(</a:t>
+            </a:r>
+            <a:r>
+              <a:rPr lang="it-IT" sz="1400" b="1" dirty="0" err="1">
+                <a:latin typeface="Courier New" panose="02070309020205020404" pitchFamily="49" charset="0"/>
+                <a:cs typeface="Courier New" panose="02070309020205020404" pitchFamily="49" charset="0"/>
+              </a:rPr>
+              <a:t>const</a:t>
+            </a:r>
+            <a:r>
+              <a:rPr lang="it-IT" sz="1400" b="1" dirty="0">
+                <a:latin typeface="Courier New" panose="02070309020205020404" pitchFamily="49" charset="0"/>
+                <a:cs typeface="Courier New" panose="02070309020205020404" pitchFamily="49" charset="0"/>
+              </a:rPr>
+              <a:t> </a:t>
+            </a:r>
+            <a:r>
+              <a:rPr lang="it-IT" sz="1400" b="1" dirty="0" err="1">
+                <a:latin typeface="Courier New" panose="02070309020205020404" pitchFamily="49" charset="0"/>
+                <a:cs typeface="Courier New" panose="02070309020205020404" pitchFamily="49" charset="0"/>
+              </a:rPr>
+              <a:t>string</a:t>
+            </a:r>
+            <a:r>
+              <a:rPr lang="it-IT" sz="1400" b="1" dirty="0">
+                <a:latin typeface="Courier New" panose="02070309020205020404" pitchFamily="49" charset="0"/>
+                <a:cs typeface="Courier New" panose="02070309020205020404" pitchFamily="49" charset="0"/>
+              </a:rPr>
+              <a:t> &amp;</a:t>
+            </a:r>
+            <a:r>
+              <a:rPr lang="it-IT" sz="1400" b="1" dirty="0" err="1">
+                <a:latin typeface="Courier New" panose="02070309020205020404" pitchFamily="49" charset="0"/>
+                <a:cs typeface="Courier New" panose="02070309020205020404" pitchFamily="49" charset="0"/>
+              </a:rPr>
+              <a:t>value</a:t>
+            </a:r>
+            <a:r>
+              <a:rPr lang="it-IT" sz="1400" b="1" dirty="0">
+                <a:latin typeface="Courier New" panose="02070309020205020404" pitchFamily="49" charset="0"/>
+                <a:cs typeface="Courier New" panose="02070309020205020404" pitchFamily="49" charset="0"/>
+              </a:rPr>
+              <a:t>) {</a:t>
             </a:r>
           </a:p>
           <a:p>
@@ -8745,21 +11284,21 @@
               <a:buNone/>
             </a:pPr>
             <a:r>
-              <a:rPr lang="it-IT" sz="1600" b="1" dirty="0">
-                <a:latin typeface="Courier New" panose="02070309020205020404" pitchFamily="49" charset="0"/>
-                <a:cs typeface="Courier New" panose="02070309020205020404" pitchFamily="49" charset="0"/>
-              </a:rPr>
-              <a:t>    link t = </a:t>
-            </a:r>
-            <a:r>
-              <a:rPr lang="it-IT" sz="1600" b="1" dirty="0" err="1">
+              <a:rPr lang="it-IT" sz="1400" b="1" dirty="0">
+                <a:latin typeface="Courier New" panose="02070309020205020404" pitchFamily="49" charset="0"/>
+                <a:cs typeface="Courier New" panose="02070309020205020404" pitchFamily="49" charset="0"/>
+              </a:rPr>
+              <a:t>    Nodo* t = </a:t>
+            </a:r>
+            <a:r>
+              <a:rPr lang="it-IT" sz="1400" b="1" dirty="0" err="1">
                 <a:latin typeface="Courier New" panose="02070309020205020404" pitchFamily="49" charset="0"/>
                 <a:cs typeface="Courier New" panose="02070309020205020404" pitchFamily="49" charset="0"/>
               </a:rPr>
               <a:t>tail</a:t>
             </a:r>
             <a:r>
-              <a:rPr lang="it-IT" sz="1600" b="1" dirty="0">
+              <a:rPr lang="it-IT" sz="1400" b="1" dirty="0">
                 <a:latin typeface="Courier New" panose="02070309020205020404" pitchFamily="49" charset="0"/>
                 <a:cs typeface="Courier New" panose="02070309020205020404" pitchFamily="49" charset="0"/>
               </a:rPr>
@@ -8771,25 +11310,39 @@
               <a:buNone/>
             </a:pPr>
             <a:r>
-              <a:rPr lang="it-IT" sz="1600" b="1" dirty="0">
+              <a:rPr lang="it-IT" sz="1400" b="1" dirty="0">
                 <a:latin typeface="Courier New" panose="02070309020205020404" pitchFamily="49" charset="0"/>
                 <a:cs typeface="Courier New" panose="02070309020205020404" pitchFamily="49" charset="0"/>
               </a:rPr>
               <a:t>    </a:t>
             </a:r>
             <a:r>
-              <a:rPr lang="it-IT" sz="1600" b="1" dirty="0" err="1">
+              <a:rPr lang="it-IT" sz="1400" b="1" dirty="0" err="1">
                 <a:latin typeface="Courier New" panose="02070309020205020404" pitchFamily="49" charset="0"/>
                 <a:cs typeface="Courier New" panose="02070309020205020404" pitchFamily="49" charset="0"/>
               </a:rPr>
               <a:t>tail</a:t>
             </a:r>
             <a:r>
-              <a:rPr lang="it-IT" sz="1600" b="1" dirty="0">
-                <a:latin typeface="Courier New" panose="02070309020205020404" pitchFamily="49" charset="0"/>
-                <a:cs typeface="Courier New" panose="02070309020205020404" pitchFamily="49" charset="0"/>
-              </a:rPr>
-              <a:t> = p;</a:t>
+              <a:rPr lang="it-IT" sz="1400" b="1" dirty="0">
+                <a:latin typeface="Courier New" panose="02070309020205020404" pitchFamily="49" charset="0"/>
+                <a:cs typeface="Courier New" panose="02070309020205020404" pitchFamily="49" charset="0"/>
+              </a:rPr>
+              <a:t> = new Nodo(</a:t>
+            </a:r>
+            <a:r>
+              <a:rPr lang="it-IT" sz="1400" b="1" dirty="0" err="1">
+                <a:latin typeface="Courier New" panose="02070309020205020404" pitchFamily="49" charset="0"/>
+                <a:cs typeface="Courier New" panose="02070309020205020404" pitchFamily="49" charset="0"/>
+              </a:rPr>
+              <a:t>value</a:t>
+            </a:r>
+            <a:r>
+              <a:rPr lang="it-IT" sz="1400" b="1" dirty="0">
+                <a:latin typeface="Courier New" panose="02070309020205020404" pitchFamily="49" charset="0"/>
+                <a:cs typeface="Courier New" panose="02070309020205020404" pitchFamily="49" charset="0"/>
+              </a:rPr>
+              <a:t>);;</a:t>
             </a:r>
           </a:p>
           <a:p>
@@ -8797,35 +11350,35 @@
               <a:buNone/>
             </a:pPr>
             <a:r>
-              <a:rPr lang="it-IT" sz="1600" b="1" dirty="0">
+              <a:rPr lang="it-IT" sz="1400" b="1" dirty="0">
                 <a:latin typeface="Courier New" panose="02070309020205020404" pitchFamily="49" charset="0"/>
                 <a:cs typeface="Courier New" panose="02070309020205020404" pitchFamily="49" charset="0"/>
               </a:rPr>
               <a:t>    </a:t>
             </a:r>
             <a:r>
-              <a:rPr lang="it-IT" sz="1600" b="1" dirty="0" err="1">
+              <a:rPr lang="it-IT" sz="1400" b="1" dirty="0" err="1">
                 <a:latin typeface="Courier New" panose="02070309020205020404" pitchFamily="49" charset="0"/>
                 <a:cs typeface="Courier New" panose="02070309020205020404" pitchFamily="49" charset="0"/>
               </a:rPr>
               <a:t>if</a:t>
             </a:r>
             <a:r>
-              <a:rPr lang="it-IT" sz="1600" b="1" dirty="0">
+              <a:rPr lang="it-IT" sz="1400" b="1" dirty="0">
                 <a:latin typeface="Courier New" panose="02070309020205020404" pitchFamily="49" charset="0"/>
                 <a:cs typeface="Courier New" panose="02070309020205020404" pitchFamily="49" charset="0"/>
               </a:rPr>
               <a:t> (</a:t>
             </a:r>
             <a:r>
-              <a:rPr lang="it-IT" sz="1600" b="1" dirty="0" err="1">
+              <a:rPr lang="it-IT" sz="1400" b="1" dirty="0" err="1">
                 <a:latin typeface="Courier New" panose="02070309020205020404" pitchFamily="49" charset="0"/>
                 <a:cs typeface="Courier New" panose="02070309020205020404" pitchFamily="49" charset="0"/>
               </a:rPr>
               <a:t>empty</a:t>
             </a:r>
             <a:r>
-              <a:rPr lang="it-IT" sz="1600" b="1" dirty="0">
+              <a:rPr lang="it-IT" sz="1400" b="1" dirty="0">
                 <a:latin typeface="Courier New" panose="02070309020205020404" pitchFamily="49" charset="0"/>
                 <a:cs typeface="Courier New" panose="02070309020205020404" pitchFamily="49" charset="0"/>
               </a:rPr>
@@ -8837,21 +11390,21 @@
               <a:buNone/>
             </a:pPr>
             <a:r>
-              <a:rPr lang="it-IT" sz="1600" b="1" dirty="0">
+              <a:rPr lang="it-IT" sz="1400" b="1" dirty="0">
                 <a:latin typeface="Courier New" panose="02070309020205020404" pitchFamily="49" charset="0"/>
                 <a:cs typeface="Courier New" panose="02070309020205020404" pitchFamily="49" charset="0"/>
               </a:rPr>
               <a:t>        head = </a:t>
             </a:r>
             <a:r>
-              <a:rPr lang="it-IT" sz="1600" b="1" dirty="0" err="1">
+              <a:rPr lang="it-IT" sz="1400" b="1" dirty="0" err="1">
                 <a:latin typeface="Courier New" panose="02070309020205020404" pitchFamily="49" charset="0"/>
                 <a:cs typeface="Courier New" panose="02070309020205020404" pitchFamily="49" charset="0"/>
               </a:rPr>
               <a:t>tail</a:t>
             </a:r>
             <a:r>
-              <a:rPr lang="it-IT" sz="1600" b="1" dirty="0">
+              <a:rPr lang="it-IT" sz="1400" b="1" dirty="0">
                 <a:latin typeface="Courier New" panose="02070309020205020404" pitchFamily="49" charset="0"/>
                 <a:cs typeface="Courier New" panose="02070309020205020404" pitchFamily="49" charset="0"/>
               </a:rPr>
@@ -8863,7 +11416,7 @@
               <a:buNone/>
             </a:pPr>
             <a:r>
-              <a:rPr lang="it-IT" sz="1600" b="1" dirty="0">
+              <a:rPr lang="it-IT" sz="1400" b="1" dirty="0">
                 <a:latin typeface="Courier New" panose="02070309020205020404" pitchFamily="49" charset="0"/>
                 <a:cs typeface="Courier New" panose="02070309020205020404" pitchFamily="49" charset="0"/>
               </a:rPr>
@@ -8875,39 +11428,39 @@
               <a:buNone/>
             </a:pPr>
             <a:r>
-              <a:rPr lang="it-IT" sz="1600" b="1" dirty="0">
+              <a:rPr lang="it-IT" sz="1400" b="1" dirty="0">
                 <a:latin typeface="Courier New" panose="02070309020205020404" pitchFamily="49" charset="0"/>
                 <a:cs typeface="Courier New" panose="02070309020205020404" pitchFamily="49" charset="0"/>
               </a:rPr>
               <a:t>        t-&gt;</a:t>
             </a:r>
             <a:r>
-              <a:rPr lang="it-IT" sz="1600" b="1" dirty="0" err="1">
-                <a:latin typeface="Courier New" panose="02070309020205020404" pitchFamily="49" charset="0"/>
-                <a:cs typeface="Courier New" panose="02070309020205020404" pitchFamily="49" charset="0"/>
-              </a:rPr>
-              <a:t>setNext</a:t>
-            </a:r>
-            <a:r>
-              <a:rPr lang="it-IT" sz="1600" b="1" dirty="0">
-                <a:latin typeface="Courier New" panose="02070309020205020404" pitchFamily="49" charset="0"/>
-                <a:cs typeface="Courier New" panose="02070309020205020404" pitchFamily="49" charset="0"/>
-              </a:rPr>
-              <a:t>(</a:t>
-            </a:r>
-            <a:r>
-              <a:rPr lang="it-IT" sz="1600" b="1" dirty="0" err="1">
+              <a:rPr lang="it-IT" sz="1400" b="1" dirty="0" err="1">
+                <a:latin typeface="Courier New" panose="02070309020205020404" pitchFamily="49" charset="0"/>
+                <a:cs typeface="Courier New" panose="02070309020205020404" pitchFamily="49" charset="0"/>
+              </a:rPr>
+              <a:t>next</a:t>
+            </a:r>
+            <a:r>
+              <a:rPr lang="it-IT" sz="1400" b="1" dirty="0">
+                <a:latin typeface="Courier New" panose="02070309020205020404" pitchFamily="49" charset="0"/>
+                <a:cs typeface="Courier New" panose="02070309020205020404" pitchFamily="49" charset="0"/>
+              </a:rPr>
+              <a:t> = </a:t>
+            </a:r>
+            <a:r>
+              <a:rPr lang="it-IT" sz="1400" b="1" dirty="0" err="1">
                 <a:latin typeface="Courier New" panose="02070309020205020404" pitchFamily="49" charset="0"/>
                 <a:cs typeface="Courier New" panose="02070309020205020404" pitchFamily="49" charset="0"/>
               </a:rPr>
               <a:t>tail</a:t>
             </a:r>
             <a:r>
-              <a:rPr lang="it-IT" sz="1600" b="1" dirty="0">
-                <a:latin typeface="Courier New" panose="02070309020205020404" pitchFamily="49" charset="0"/>
-                <a:cs typeface="Courier New" panose="02070309020205020404" pitchFamily="49" charset="0"/>
-              </a:rPr>
-              <a:t>);</a:t>
+              <a:rPr lang="it-IT" sz="1400" b="1" dirty="0">
+                <a:latin typeface="Courier New" panose="02070309020205020404" pitchFamily="49" charset="0"/>
+                <a:cs typeface="Courier New" panose="02070309020205020404" pitchFamily="49" charset="0"/>
+              </a:rPr>
+              <a:t>;</a:t>
             </a:r>
           </a:p>
           <a:p>
@@ -8915,7 +11468,7 @@
               <a:buNone/>
             </a:pPr>
             <a:r>
-              <a:rPr lang="it-IT" sz="1600" b="1" dirty="0">
+              <a:rPr lang="it-IT" sz="1400" b="1" dirty="0">
                 <a:latin typeface="Courier New" panose="02070309020205020404" pitchFamily="49" charset="0"/>
                 <a:cs typeface="Courier New" panose="02070309020205020404" pitchFamily="49" charset="0"/>
               </a:rPr>
@@ -8926,15 +11479,31 @@
             <a:pPr marL="0" indent="0">
               <a:buNone/>
             </a:pPr>
-            <a:r>
-              <a:rPr lang="it-IT" sz="1600" b="1" dirty="0">
-                <a:latin typeface="Courier New" panose="02070309020205020404" pitchFamily="49" charset="0"/>
-                <a:cs typeface="Courier New" panose="02070309020205020404" pitchFamily="49" charset="0"/>
-              </a:rPr>
-              <a:t>link Queue::</a:t>
-            </a:r>
-            <a:r>
-              <a:rPr lang="it-IT" sz="1600" b="1" dirty="0" err="1">
+            <a:endParaRPr lang="it-IT" sz="1400" b="1" dirty="0">
+              <a:latin typeface="Courier New" panose="02070309020205020404" pitchFamily="49" charset="0"/>
+              <a:cs typeface="Courier New" panose="02070309020205020404" pitchFamily="49" charset="0"/>
+            </a:endParaRPr>
+          </a:p>
+          <a:p>
+            <a:pPr marL="0" indent="0">
+              <a:buNone/>
+            </a:pPr>
+            <a:r>
+              <a:rPr lang="it-IT" sz="1400" b="1" dirty="0" err="1">
+                <a:latin typeface="Courier New" panose="02070309020205020404" pitchFamily="49" charset="0"/>
+                <a:cs typeface="Courier New" panose="02070309020205020404" pitchFamily="49" charset="0"/>
+              </a:rPr>
+              <a:t>bool</a:t>
+            </a:r>
+            <a:r>
+              <a:rPr lang="it-IT" sz="1400" b="1" dirty="0">
+                <a:latin typeface="Courier New" panose="02070309020205020404" pitchFamily="49" charset="0"/>
+                <a:cs typeface="Courier New" panose="02070309020205020404" pitchFamily="49" charset="0"/>
+              </a:rPr>
+              <a:t> Queue::</a:t>
+            </a:r>
+            <a:r>
+              <a:rPr lang="it-IT" sz="1400" b="1" dirty="0" err="1">
                 <a:solidFill>
                   <a:srgbClr val="FF0000"/>
                 </a:solidFill>
@@ -8944,11 +11513,39 @@
               <a:t>dequeue</a:t>
             </a:r>
             <a:r>
-              <a:rPr lang="it-IT" sz="1600" b="1" dirty="0">
-                <a:latin typeface="Courier New" panose="02070309020205020404" pitchFamily="49" charset="0"/>
-                <a:cs typeface="Courier New" panose="02070309020205020404" pitchFamily="49" charset="0"/>
-              </a:rPr>
-              <a:t>() {</a:t>
+              <a:rPr lang="it-IT" sz="1400" b="1" dirty="0">
+                <a:latin typeface="Courier New" panose="02070309020205020404" pitchFamily="49" charset="0"/>
+                <a:cs typeface="Courier New" panose="02070309020205020404" pitchFamily="49" charset="0"/>
+              </a:rPr>
+              <a:t>(</a:t>
+            </a:r>
+            <a:r>
+              <a:rPr lang="it-IT" sz="1400" b="1" dirty="0" err="1">
+                <a:latin typeface="Courier New" panose="02070309020205020404" pitchFamily="49" charset="0"/>
+                <a:cs typeface="Courier New" panose="02070309020205020404" pitchFamily="49" charset="0"/>
+              </a:rPr>
+              <a:t>string</a:t>
+            </a:r>
+            <a:r>
+              <a:rPr lang="it-IT" sz="1400" b="1" dirty="0">
+                <a:latin typeface="Courier New" panose="02070309020205020404" pitchFamily="49" charset="0"/>
+                <a:cs typeface="Courier New" panose="02070309020205020404" pitchFamily="49" charset="0"/>
+              </a:rPr>
+              <a:t> &amp;</a:t>
+            </a:r>
+            <a:r>
+              <a:rPr lang="it-IT" sz="1400" b="1" dirty="0" err="1">
+                <a:latin typeface="Courier New" panose="02070309020205020404" pitchFamily="49" charset="0"/>
+                <a:cs typeface="Courier New" panose="02070309020205020404" pitchFamily="49" charset="0"/>
+              </a:rPr>
+              <a:t>value</a:t>
+            </a:r>
+            <a:r>
+              <a:rPr lang="it-IT" sz="1400" b="1" dirty="0">
+                <a:latin typeface="Courier New" panose="02070309020205020404" pitchFamily="49" charset="0"/>
+                <a:cs typeface="Courier New" panose="02070309020205020404" pitchFamily="49" charset="0"/>
+              </a:rPr>
+              <a:t>) {</a:t>
             </a:r>
           </a:p>
           <a:p>
@@ -8956,63 +11553,247 @@
               <a:buNone/>
             </a:pPr>
             <a:r>
-              <a:rPr lang="it-IT" sz="1600" b="1" dirty="0">
+              <a:rPr lang="it-IT" sz="1400" b="1" dirty="0">
                 <a:latin typeface="Courier New" panose="02070309020205020404" pitchFamily="49" charset="0"/>
                 <a:cs typeface="Courier New" panose="02070309020205020404" pitchFamily="49" charset="0"/>
               </a:rPr>
               <a:t>    </a:t>
             </a:r>
             <a:r>
-              <a:rPr lang="it-IT" sz="1600" b="1" dirty="0" err="1">
+              <a:rPr lang="it-IT" sz="1400" b="1" dirty="0" err="1">
                 <a:latin typeface="Courier New" panose="02070309020205020404" pitchFamily="49" charset="0"/>
                 <a:cs typeface="Courier New" panose="02070309020205020404" pitchFamily="49" charset="0"/>
               </a:rPr>
               <a:t>if</a:t>
             </a:r>
             <a:r>
-              <a:rPr lang="it-IT" sz="1600" b="1" dirty="0">
+              <a:rPr lang="it-IT" sz="1400" b="1" dirty="0">
                 <a:latin typeface="Courier New" panose="02070309020205020404" pitchFamily="49" charset="0"/>
                 <a:cs typeface="Courier New" panose="02070309020205020404" pitchFamily="49" charset="0"/>
               </a:rPr>
               <a:t> (</a:t>
             </a:r>
             <a:r>
-              <a:rPr lang="it-IT" sz="1600" b="1" dirty="0" err="1">
+              <a:rPr lang="it-IT" sz="1400" b="1" dirty="0" err="1">
                 <a:latin typeface="Courier New" panose="02070309020205020404" pitchFamily="49" charset="0"/>
                 <a:cs typeface="Courier New" panose="02070309020205020404" pitchFamily="49" charset="0"/>
               </a:rPr>
               <a:t>empty</a:t>
             </a:r>
             <a:r>
-              <a:rPr lang="it-IT" sz="1600" b="1" dirty="0">
+              <a:rPr lang="it-IT" sz="1400" b="1" dirty="0">
                 <a:latin typeface="Courier New" panose="02070309020205020404" pitchFamily="49" charset="0"/>
                 <a:cs typeface="Courier New" panose="02070309020205020404" pitchFamily="49" charset="0"/>
               </a:rPr>
               <a:t>()) </a:t>
             </a:r>
             <a:r>
-              <a:rPr lang="it-IT" sz="1600" b="1" dirty="0" err="1">
+              <a:rPr lang="it-IT" sz="1400" b="1" dirty="0" err="1">
                 <a:latin typeface="Courier New" panose="02070309020205020404" pitchFamily="49" charset="0"/>
                 <a:cs typeface="Courier New" panose="02070309020205020404" pitchFamily="49" charset="0"/>
               </a:rPr>
               <a:t>return</a:t>
             </a:r>
             <a:r>
-              <a:rPr lang="it-IT" sz="1600" b="1" dirty="0">
+              <a:rPr lang="it-IT" sz="1400" b="1" dirty="0">
+                <a:latin typeface="Courier New" panose="02070309020205020404" pitchFamily="49" charset="0"/>
+                <a:cs typeface="Courier New" panose="02070309020205020404" pitchFamily="49" charset="0"/>
+              </a:rPr>
+              <a:t> false;</a:t>
+            </a:r>
+          </a:p>
+          <a:p>
+            <a:pPr marL="0" indent="0">
+              <a:buNone/>
+            </a:pPr>
+            <a:r>
+              <a:rPr lang="it-IT" sz="1400" b="1" dirty="0">
+                <a:latin typeface="Courier New" panose="02070309020205020404" pitchFamily="49" charset="0"/>
+                <a:cs typeface="Courier New" panose="02070309020205020404" pitchFamily="49" charset="0"/>
+              </a:rPr>
+              <a:t>    Nodo* p = head;</a:t>
+            </a:r>
+          </a:p>
+          <a:p>
+            <a:pPr marL="0" indent="0">
+              <a:buNone/>
+            </a:pPr>
+            <a:r>
+              <a:rPr lang="it-IT" sz="1400" b="1" dirty="0">
+                <a:latin typeface="Courier New" panose="02070309020205020404" pitchFamily="49" charset="0"/>
+                <a:cs typeface="Courier New" panose="02070309020205020404" pitchFamily="49" charset="0"/>
+              </a:rPr>
+              <a:t>    head = head-&gt;</a:t>
+            </a:r>
+            <a:r>
+              <a:rPr lang="it-IT" sz="1400" b="1" dirty="0" err="1">
+                <a:latin typeface="Courier New" panose="02070309020205020404" pitchFamily="49" charset="0"/>
+                <a:cs typeface="Courier New" panose="02070309020205020404" pitchFamily="49" charset="0"/>
+              </a:rPr>
+              <a:t>getNext</a:t>
+            </a:r>
+            <a:r>
+              <a:rPr lang="it-IT" sz="1400" b="1" dirty="0">
+                <a:latin typeface="Courier New" panose="02070309020205020404" pitchFamily="49" charset="0"/>
+                <a:cs typeface="Courier New" panose="02070309020205020404" pitchFamily="49" charset="0"/>
+              </a:rPr>
+              <a:t>();</a:t>
+            </a:r>
+          </a:p>
+          <a:p>
+            <a:pPr marL="0" indent="0">
+              <a:buNone/>
+            </a:pPr>
+            <a:r>
+              <a:rPr lang="it-IT" sz="1400" b="1" dirty="0">
+                <a:latin typeface="Courier New" panose="02070309020205020404" pitchFamily="49" charset="0"/>
+                <a:cs typeface="Courier New" panose="02070309020205020404" pitchFamily="49" charset="0"/>
+              </a:rPr>
+              <a:t>    </a:t>
+            </a:r>
+            <a:r>
+              <a:rPr lang="it-IT" sz="1400" b="1" dirty="0" err="1">
+                <a:latin typeface="Courier New" panose="02070309020205020404" pitchFamily="49" charset="0"/>
+                <a:cs typeface="Courier New" panose="02070309020205020404" pitchFamily="49" charset="0"/>
+              </a:rPr>
+              <a:t>if</a:t>
+            </a:r>
+            <a:r>
+              <a:rPr lang="it-IT" sz="1400" b="1" dirty="0">
+                <a:latin typeface="Courier New" panose="02070309020205020404" pitchFamily="49" charset="0"/>
+                <a:cs typeface="Courier New" panose="02070309020205020404" pitchFamily="49" charset="0"/>
+              </a:rPr>
+              <a:t> (</a:t>
+            </a:r>
+            <a:r>
+              <a:rPr lang="it-IT" sz="1400" b="1" dirty="0" err="1">
+                <a:latin typeface="Courier New" panose="02070309020205020404" pitchFamily="49" charset="0"/>
+                <a:cs typeface="Courier New" panose="02070309020205020404" pitchFamily="49" charset="0"/>
+              </a:rPr>
+              <a:t>empty</a:t>
+            </a:r>
+            <a:r>
+              <a:rPr lang="it-IT" sz="1400" b="1" dirty="0">
+                <a:latin typeface="Courier New" panose="02070309020205020404" pitchFamily="49" charset="0"/>
+                <a:cs typeface="Courier New" panose="02070309020205020404" pitchFamily="49" charset="0"/>
+              </a:rPr>
+              <a:t>()) </a:t>
+            </a:r>
+            <a:r>
+              <a:rPr lang="it-IT" sz="1400" b="1" dirty="0" err="1">
+                <a:latin typeface="Courier New" panose="02070309020205020404" pitchFamily="49" charset="0"/>
+                <a:cs typeface="Courier New" panose="02070309020205020404" pitchFamily="49" charset="0"/>
+              </a:rPr>
+              <a:t>tail</a:t>
+            </a:r>
+            <a:r>
+              <a:rPr lang="it-IT" sz="1400" b="1" dirty="0">
+                <a:latin typeface="Courier New" panose="02070309020205020404" pitchFamily="49" charset="0"/>
+                <a:cs typeface="Courier New" panose="02070309020205020404" pitchFamily="49" charset="0"/>
+              </a:rPr>
+              <a:t> = </a:t>
+            </a:r>
+            <a:r>
+              <a:rPr lang="it-IT" sz="1400" b="1" dirty="0" err="1">
+                <a:latin typeface="Courier New" panose="02070309020205020404" pitchFamily="49" charset="0"/>
+                <a:cs typeface="Courier New" panose="02070309020205020404" pitchFamily="49" charset="0"/>
+              </a:rPr>
+              <a:t>nullptr</a:t>
+            </a:r>
+            <a:r>
+              <a:rPr lang="it-IT" sz="1400" b="1" dirty="0">
+                <a:latin typeface="Courier New" panose="02070309020205020404" pitchFamily="49" charset="0"/>
+                <a:cs typeface="Courier New" panose="02070309020205020404" pitchFamily="49" charset="0"/>
+              </a:rPr>
+              <a:t>;</a:t>
+            </a:r>
+          </a:p>
+          <a:p>
+            <a:pPr marL="0" indent="0">
+              <a:buNone/>
+            </a:pPr>
+            <a:r>
+              <a:rPr lang="it-IT" sz="1400" b="1" dirty="0">
+                <a:latin typeface="Courier New" panose="02070309020205020404" pitchFamily="49" charset="0"/>
+                <a:cs typeface="Courier New" panose="02070309020205020404" pitchFamily="49" charset="0"/>
+              </a:rPr>
+              <a:t>    </a:t>
+            </a:r>
+            <a:r>
+              <a:rPr lang="it-IT" sz="1400" b="1" dirty="0" err="1">
+                <a:latin typeface="Courier New" panose="02070309020205020404" pitchFamily="49" charset="0"/>
+                <a:cs typeface="Courier New" panose="02070309020205020404" pitchFamily="49" charset="0"/>
+              </a:rPr>
+              <a:t>value</a:t>
+            </a:r>
+            <a:r>
+              <a:rPr lang="it-IT" sz="1400" b="1" dirty="0">
+                <a:latin typeface="Courier New" panose="02070309020205020404" pitchFamily="49" charset="0"/>
+                <a:cs typeface="Courier New" panose="02070309020205020404" pitchFamily="49" charset="0"/>
+              </a:rPr>
+              <a:t> = p-&gt;</a:t>
+            </a:r>
+            <a:r>
+              <a:rPr lang="it-IT" sz="1400" b="1" dirty="0" err="1">
+                <a:latin typeface="Courier New" panose="02070309020205020404" pitchFamily="49" charset="0"/>
+                <a:cs typeface="Courier New" panose="02070309020205020404" pitchFamily="49" charset="0"/>
+              </a:rPr>
+              <a:t>getInfo</a:t>
+            </a:r>
+            <a:r>
+              <a:rPr lang="it-IT" sz="1400" b="1" dirty="0">
+                <a:latin typeface="Courier New" panose="02070309020205020404" pitchFamily="49" charset="0"/>
+                <a:cs typeface="Courier New" panose="02070309020205020404" pitchFamily="49" charset="0"/>
+              </a:rPr>
+              <a:t>();</a:t>
+            </a:r>
+          </a:p>
+          <a:p>
+            <a:pPr marL="0" indent="0">
+              <a:buNone/>
+            </a:pPr>
+            <a:r>
+              <a:rPr lang="it-IT" sz="1400" b="1" dirty="0">
+                <a:latin typeface="Courier New" panose="02070309020205020404" pitchFamily="49" charset="0"/>
+                <a:cs typeface="Courier New" panose="02070309020205020404" pitchFamily="49" charset="0"/>
+              </a:rPr>
+              <a:t>    delete p;</a:t>
+            </a:r>
+          </a:p>
+          <a:p>
+            <a:pPr marL="0" indent="0">
+              <a:buNone/>
+            </a:pPr>
+            <a:r>
+              <a:rPr lang="it-IT" sz="1400" b="1" dirty="0">
+                <a:latin typeface="Courier New" panose="02070309020205020404" pitchFamily="49" charset="0"/>
+                <a:cs typeface="Courier New" panose="02070309020205020404" pitchFamily="49" charset="0"/>
+              </a:rPr>
+              <a:t>    </a:t>
+            </a:r>
+            <a:r>
+              <a:rPr lang="it-IT" sz="1400" b="1" dirty="0" err="1">
+                <a:latin typeface="Courier New" panose="02070309020205020404" pitchFamily="49" charset="0"/>
+                <a:cs typeface="Courier New" panose="02070309020205020404" pitchFamily="49" charset="0"/>
+              </a:rPr>
+              <a:t>return</a:t>
+            </a:r>
+            <a:r>
+              <a:rPr lang="it-IT" sz="1400" b="1" dirty="0">
                 <a:latin typeface="Courier New" panose="02070309020205020404" pitchFamily="49" charset="0"/>
                 <a:cs typeface="Courier New" panose="02070309020205020404" pitchFamily="49" charset="0"/>
               </a:rPr>
               <a:t> </a:t>
             </a:r>
             <a:r>
-              <a:rPr lang="it-IT" sz="1600" b="1" dirty="0" err="1">
-                <a:latin typeface="Courier New" panose="02070309020205020404" pitchFamily="49" charset="0"/>
-                <a:cs typeface="Courier New" panose="02070309020205020404" pitchFamily="49" charset="0"/>
-              </a:rPr>
-              <a:t>nullptr</a:t>
-            </a:r>
-            <a:r>
-              <a:rPr lang="it-IT" sz="1600" b="1" dirty="0">
+              <a:rPr lang="it-IT" sz="1400" b="1" dirty="0" err="1">
+                <a:latin typeface="Courier New" panose="02070309020205020404" pitchFamily="49" charset="0"/>
+                <a:cs typeface="Courier New" panose="02070309020205020404" pitchFamily="49" charset="0"/>
+              </a:rPr>
+              <a:t>true</a:t>
+            </a:r>
+            <a:r>
+              <a:rPr lang="it-IT" sz="1400" b="1" dirty="0">
                 <a:latin typeface="Courier New" panose="02070309020205020404" pitchFamily="49" charset="0"/>
                 <a:cs typeface="Courier New" panose="02070309020205020404" pitchFamily="49" charset="0"/>
               </a:rPr>
@@ -9024,179 +11805,7 @@
               <a:buNone/>
             </a:pPr>
             <a:r>
-              <a:rPr lang="it-IT" sz="1600" b="1" dirty="0">
-                <a:latin typeface="Courier New" panose="02070309020205020404" pitchFamily="49" charset="0"/>
-                <a:cs typeface="Courier New" panose="02070309020205020404" pitchFamily="49" charset="0"/>
-              </a:rPr>
-              <a:t>    link p = head;</a:t>
-            </a:r>
-          </a:p>
-          <a:p>
-            <a:pPr marL="0" indent="0">
-              <a:buNone/>
-            </a:pPr>
-            <a:r>
-              <a:rPr lang="it-IT" sz="1600" b="1" dirty="0">
-                <a:latin typeface="Courier New" panose="02070309020205020404" pitchFamily="49" charset="0"/>
-                <a:cs typeface="Courier New" panose="02070309020205020404" pitchFamily="49" charset="0"/>
-              </a:rPr>
-              <a:t>    head = head-&gt;</a:t>
-            </a:r>
-            <a:r>
-              <a:rPr lang="it-IT" sz="1600" b="1" dirty="0" err="1">
-                <a:latin typeface="Courier New" panose="02070309020205020404" pitchFamily="49" charset="0"/>
-                <a:cs typeface="Courier New" panose="02070309020205020404" pitchFamily="49" charset="0"/>
-              </a:rPr>
-              <a:t>getNext</a:t>
-            </a:r>
-            <a:r>
-              <a:rPr lang="it-IT" sz="1600" b="1" dirty="0">
-                <a:latin typeface="Courier New" panose="02070309020205020404" pitchFamily="49" charset="0"/>
-                <a:cs typeface="Courier New" panose="02070309020205020404" pitchFamily="49" charset="0"/>
-              </a:rPr>
-              <a:t>();</a:t>
-            </a:r>
-          </a:p>
-          <a:p>
-            <a:pPr marL="0" indent="0">
-              <a:buNone/>
-            </a:pPr>
-            <a:r>
-              <a:rPr lang="it-IT" sz="1600" b="1" dirty="0">
-                <a:latin typeface="Courier New" panose="02070309020205020404" pitchFamily="49" charset="0"/>
-                <a:cs typeface="Courier New" panose="02070309020205020404" pitchFamily="49" charset="0"/>
-              </a:rPr>
-              <a:t>    </a:t>
-            </a:r>
-            <a:r>
-              <a:rPr lang="it-IT" sz="1600" b="1" dirty="0" err="1">
-                <a:latin typeface="Courier New" panose="02070309020205020404" pitchFamily="49" charset="0"/>
-                <a:cs typeface="Courier New" panose="02070309020205020404" pitchFamily="49" charset="0"/>
-              </a:rPr>
-              <a:t>if</a:t>
-            </a:r>
-            <a:r>
-              <a:rPr lang="it-IT" sz="1600" b="1" dirty="0">
-                <a:latin typeface="Courier New" panose="02070309020205020404" pitchFamily="49" charset="0"/>
-                <a:cs typeface="Courier New" panose="02070309020205020404" pitchFamily="49" charset="0"/>
-              </a:rPr>
-              <a:t> (</a:t>
-            </a:r>
-            <a:r>
-              <a:rPr lang="it-IT" sz="1600" b="1" dirty="0" err="1">
-                <a:latin typeface="Courier New" panose="02070309020205020404" pitchFamily="49" charset="0"/>
-                <a:cs typeface="Courier New" panose="02070309020205020404" pitchFamily="49" charset="0"/>
-              </a:rPr>
-              <a:t>empty</a:t>
-            </a:r>
-            <a:r>
-              <a:rPr lang="it-IT" sz="1600" b="1" dirty="0">
-                <a:latin typeface="Courier New" panose="02070309020205020404" pitchFamily="49" charset="0"/>
-                <a:cs typeface="Courier New" panose="02070309020205020404" pitchFamily="49" charset="0"/>
-              </a:rPr>
-              <a:t>()) </a:t>
-            </a:r>
-            <a:r>
-              <a:rPr lang="it-IT" sz="1600" b="1" dirty="0" err="1">
-                <a:latin typeface="Courier New" panose="02070309020205020404" pitchFamily="49" charset="0"/>
-                <a:cs typeface="Courier New" panose="02070309020205020404" pitchFamily="49" charset="0"/>
-              </a:rPr>
-              <a:t>tail</a:t>
-            </a:r>
-            <a:r>
-              <a:rPr lang="it-IT" sz="1600" b="1" dirty="0">
-                <a:latin typeface="Courier New" panose="02070309020205020404" pitchFamily="49" charset="0"/>
-                <a:cs typeface="Courier New" panose="02070309020205020404" pitchFamily="49" charset="0"/>
-              </a:rPr>
-              <a:t> = </a:t>
-            </a:r>
-            <a:r>
-              <a:rPr lang="it-IT" sz="1600" b="1" dirty="0" err="1">
-                <a:latin typeface="Courier New" panose="02070309020205020404" pitchFamily="49" charset="0"/>
-                <a:cs typeface="Courier New" panose="02070309020205020404" pitchFamily="49" charset="0"/>
-              </a:rPr>
-              <a:t>nullptr</a:t>
-            </a:r>
-            <a:r>
-              <a:rPr lang="it-IT" sz="1600" b="1" dirty="0">
-                <a:latin typeface="Courier New" panose="02070309020205020404" pitchFamily="49" charset="0"/>
-                <a:cs typeface="Courier New" panose="02070309020205020404" pitchFamily="49" charset="0"/>
-              </a:rPr>
-              <a:t>;</a:t>
-            </a:r>
-          </a:p>
-          <a:p>
-            <a:pPr marL="0" indent="0">
-              <a:buNone/>
-            </a:pPr>
-            <a:r>
-              <a:rPr lang="it-IT" sz="1600" b="1" dirty="0">
-                <a:latin typeface="Courier New" panose="02070309020205020404" pitchFamily="49" charset="0"/>
-                <a:cs typeface="Courier New" panose="02070309020205020404" pitchFamily="49" charset="0"/>
-              </a:rPr>
-              <a:t>    p-&gt;</a:t>
-            </a:r>
-            <a:r>
-              <a:rPr lang="it-IT" sz="1600" b="1" dirty="0" err="1">
-                <a:latin typeface="Courier New" panose="02070309020205020404" pitchFamily="49" charset="0"/>
-                <a:cs typeface="Courier New" panose="02070309020205020404" pitchFamily="49" charset="0"/>
-              </a:rPr>
-              <a:t>setNext</a:t>
-            </a:r>
-            <a:r>
-              <a:rPr lang="it-IT" sz="1600" b="1" dirty="0">
-                <a:latin typeface="Courier New" panose="02070309020205020404" pitchFamily="49" charset="0"/>
-                <a:cs typeface="Courier New" panose="02070309020205020404" pitchFamily="49" charset="0"/>
-              </a:rPr>
-              <a:t>(</a:t>
-            </a:r>
-            <a:r>
-              <a:rPr lang="it-IT" sz="1600" b="1" dirty="0" err="1">
-                <a:latin typeface="Courier New" panose="02070309020205020404" pitchFamily="49" charset="0"/>
-                <a:cs typeface="Courier New" panose="02070309020205020404" pitchFamily="49" charset="0"/>
-              </a:rPr>
-              <a:t>nullptr</a:t>
-            </a:r>
-            <a:r>
-              <a:rPr lang="it-IT" sz="1600" b="1" dirty="0">
-                <a:latin typeface="Courier New" panose="02070309020205020404" pitchFamily="49" charset="0"/>
-                <a:cs typeface="Courier New" panose="02070309020205020404" pitchFamily="49" charset="0"/>
-              </a:rPr>
-              <a:t>);</a:t>
-            </a:r>
-          </a:p>
-          <a:p>
-            <a:pPr marL="0" indent="0">
-              <a:buNone/>
-            </a:pPr>
-            <a:r>
-              <a:rPr lang="it-IT" sz="1600" b="1" dirty="0">
-                <a:latin typeface="Courier New" panose="02070309020205020404" pitchFamily="49" charset="0"/>
-                <a:cs typeface="Courier New" panose="02070309020205020404" pitchFamily="49" charset="0"/>
-              </a:rPr>
-              <a:t>    </a:t>
-            </a:r>
-            <a:r>
-              <a:rPr lang="it-IT" sz="1600" b="1" dirty="0" err="1">
-                <a:latin typeface="Courier New" panose="02070309020205020404" pitchFamily="49" charset="0"/>
-                <a:cs typeface="Courier New" panose="02070309020205020404" pitchFamily="49" charset="0"/>
-              </a:rPr>
-              <a:t>return</a:t>
-            </a:r>
-            <a:r>
-              <a:rPr lang="it-IT" sz="1600" b="1" dirty="0">
-                <a:latin typeface="Courier New" panose="02070309020205020404" pitchFamily="49" charset="0"/>
-                <a:cs typeface="Courier New" panose="02070309020205020404" pitchFamily="49" charset="0"/>
-              </a:rPr>
-              <a:t> p;</a:t>
-            </a:r>
-          </a:p>
-          <a:p>
-            <a:pPr marL="0" indent="0">
-              <a:buNone/>
-            </a:pPr>
-            <a:r>
-              <a:rPr lang="it-IT" sz="1600" b="1" dirty="0">
+              <a:rPr lang="it-IT" sz="1400" b="1" dirty="0">
                 <a:latin typeface="Courier New" panose="02070309020205020404" pitchFamily="49" charset="0"/>
                 <a:cs typeface="Courier New" panose="02070309020205020404" pitchFamily="49" charset="0"/>
               </a:rPr>
@@ -9250,7 +11859,7 @@
 </p:sld>
 </file>
 
-<file path=ppt/slides/slide19.xml><?xml version="1.0" encoding="utf-8"?>
+<file path=ppt/slides/slide22.xml><?xml version="1.0" encoding="utf-8"?>
 <p:sld xmlns:a="http://schemas.openxmlformats.org/drawingml/2006/main" xmlns:r="http://schemas.openxmlformats.org/officeDocument/2006/relationships" xmlns:p="http://schemas.openxmlformats.org/presentationml/2006/main">
   <p:cSld>
     <p:spTree>
@@ -9372,218 +11981,7 @@
 </p:sld>
 </file>
 
-<file path=ppt/slides/slide2.xml><?xml version="1.0" encoding="utf-8"?>
-<p:sld xmlns:a="http://schemas.openxmlformats.org/drawingml/2006/main" xmlns:r="http://schemas.openxmlformats.org/officeDocument/2006/relationships" xmlns:p="http://schemas.openxmlformats.org/presentationml/2006/main">
-  <p:cSld>
-    <p:spTree>
-      <p:nvGrpSpPr>
-        <p:cNvPr id="1" name=""/>
-        <p:cNvGrpSpPr/>
-        <p:nvPr/>
-      </p:nvGrpSpPr>
-      <p:grpSpPr>
-        <a:xfrm>
-          <a:off x="0" y="0"/>
-          <a:ext cx="0" cy="0"/>
-          <a:chOff x="0" y="0"/>
-          <a:chExt cx="0" cy="0"/>
-        </a:xfrm>
-      </p:grpSpPr>
-      <p:sp>
-        <p:nvSpPr>
-          <p:cNvPr id="2" name="Titolo 1">
-            <a:extLst>
-              <a:ext uri="{FF2B5EF4-FFF2-40B4-BE49-F238E27FC236}">
-                <a16:creationId xmlns:a16="http://schemas.microsoft.com/office/drawing/2014/main" id="{FB17FBA9-3928-43D4-86F2-477E1F3B20FF}"/>
-              </a:ext>
-            </a:extLst>
-          </p:cNvPr>
-          <p:cNvSpPr>
-            <a:spLocks noGrp="1"/>
-          </p:cNvSpPr>
-          <p:nvPr>
-            <p:ph type="title"/>
-          </p:nvPr>
-        </p:nvSpPr>
-        <p:spPr/>
-        <p:txBody>
-          <a:bodyPr/>
-          <a:lstStyle/>
-          <a:p>
-            <a:r>
-              <a:rPr lang="it-IT" dirty="0"/>
-              <a:t>strutture dati dinamiche lineari</a:t>
-            </a:r>
-          </a:p>
-        </p:txBody>
-      </p:sp>
-      <p:sp>
-        <p:nvSpPr>
-          <p:cNvPr id="3" name="Segnaposto contenuto 2">
-            <a:extLst>
-              <a:ext uri="{FF2B5EF4-FFF2-40B4-BE49-F238E27FC236}">
-                <a16:creationId xmlns:a16="http://schemas.microsoft.com/office/drawing/2014/main" id="{27E54D8A-E546-40AC-860D-11928C4D60B8}"/>
-              </a:ext>
-            </a:extLst>
-          </p:cNvPr>
-          <p:cNvSpPr>
-            <a:spLocks noGrp="1"/>
-          </p:cNvSpPr>
-          <p:nvPr>
-            <p:ph idx="1"/>
-          </p:nvPr>
-        </p:nvSpPr>
-        <p:spPr/>
-        <p:txBody>
-          <a:bodyPr/>
-          <a:lstStyle/>
-          <a:p>
-            <a:r>
-              <a:rPr lang="it-IT" dirty="0"/>
-              <a:t>una struttura dati si definisce </a:t>
-            </a:r>
-            <a:r>
-              <a:rPr lang="it-IT" b="1" i="1" dirty="0"/>
-              <a:t>dinamica</a:t>
-            </a:r>
-            <a:r>
-              <a:rPr lang="it-IT" dirty="0"/>
-              <a:t> se permette di rappresentare insiemi dinamici la cui </a:t>
-            </a:r>
-            <a:r>
-              <a:rPr lang="it-IT" b="1" i="1" dirty="0"/>
-              <a:t>cardinalità varia </a:t>
-            </a:r>
-            <a:r>
-              <a:rPr lang="it-IT" dirty="0"/>
-              <a:t>durante l’esecuzione del programma</a:t>
-            </a:r>
-          </a:p>
-          <a:p>
-            <a:r>
-              <a:rPr lang="it-IT" dirty="0"/>
-              <a:t>una struttura dati si definisce </a:t>
-            </a:r>
-            <a:r>
-              <a:rPr lang="it-IT" b="1" i="1" dirty="0"/>
-              <a:t>lineare</a:t>
-            </a:r>
-            <a:r>
-              <a:rPr lang="it-IT" dirty="0"/>
-              <a:t> se ogni elemento contiene solo il riferimento all’elemento </a:t>
-            </a:r>
-            <a:r>
-              <a:rPr lang="it-IT" b="1" i="1" dirty="0"/>
-              <a:t>successivo </a:t>
-            </a:r>
-            <a:r>
-              <a:rPr lang="it-IT" dirty="0"/>
-              <a:t>e l’</a:t>
-            </a:r>
-            <a:r>
-              <a:rPr lang="it-IT" b="1" i="1" dirty="0"/>
-              <a:t>accesso</a:t>
-            </a:r>
-            <a:r>
-              <a:rPr lang="it-IT" dirty="0"/>
-              <a:t> agli elementi avviene seguendo specifiche modalità partendo sempre dal </a:t>
-            </a:r>
-            <a:r>
-              <a:rPr lang="it-IT" b="1" i="1" dirty="0"/>
-              <a:t>primo elemento</a:t>
-            </a:r>
-          </a:p>
-          <a:p>
-            <a:r>
-              <a:rPr lang="it-IT" dirty="0"/>
-              <a:t>strutture dinamiche lineari</a:t>
-            </a:r>
-          </a:p>
-          <a:p>
-            <a:pPr lvl="1"/>
-            <a:r>
-              <a:rPr lang="it-IT" sz="2400" b="1" i="1" dirty="0"/>
-              <a:t>lista (list)</a:t>
-            </a:r>
-          </a:p>
-          <a:p>
-            <a:pPr lvl="1"/>
-            <a:r>
-              <a:rPr lang="it-IT" sz="2400" b="1" i="1" dirty="0"/>
-              <a:t>pila (</a:t>
-            </a:r>
-            <a:r>
-              <a:rPr lang="it-IT" sz="2400" b="1" i="1" dirty="0" err="1"/>
-              <a:t>stack</a:t>
-            </a:r>
-            <a:r>
-              <a:rPr lang="it-IT" sz="2400" b="1" i="1" dirty="0"/>
-              <a:t>)</a:t>
-            </a:r>
-          </a:p>
-          <a:p>
-            <a:pPr lvl="1"/>
-            <a:r>
-              <a:rPr lang="it-IT" sz="2400" b="1" i="1" dirty="0"/>
-              <a:t>coda (</a:t>
-            </a:r>
-            <a:r>
-              <a:rPr lang="it-IT" sz="2400" b="1" i="1" dirty="0" err="1"/>
-              <a:t>queue</a:t>
-            </a:r>
-            <a:r>
-              <a:rPr lang="it-IT" sz="2400" b="1" i="1" dirty="0"/>
-              <a:t>)</a:t>
-            </a:r>
-          </a:p>
-        </p:txBody>
-      </p:sp>
-      <p:sp>
-        <p:nvSpPr>
-          <p:cNvPr id="4" name="Segnaposto piè di pagina 3">
-            <a:extLst>
-              <a:ext uri="{FF2B5EF4-FFF2-40B4-BE49-F238E27FC236}">
-                <a16:creationId xmlns:a16="http://schemas.microsoft.com/office/drawing/2014/main" id="{F615CA45-F5D5-4379-B36B-10ED63F47D65}"/>
-              </a:ext>
-            </a:extLst>
-          </p:cNvPr>
-          <p:cNvSpPr>
-            <a:spLocks noGrp="1"/>
-          </p:cNvSpPr>
-          <p:nvPr>
-            <p:ph type="ftr" sz="quarter" idx="11"/>
-          </p:nvPr>
-        </p:nvSpPr>
-        <p:spPr/>
-        <p:txBody>
-          <a:bodyPr/>
-          <a:lstStyle/>
-          <a:p>
-            <a:pPr>
-              <a:defRPr/>
-            </a:pPr>
-            <a:r>
-              <a:rPr lang="it-IT"/>
-              <a:t>Alberto Ferrari – Programmazione di applicazioni SW</a:t>
-            </a:r>
-            <a:endParaRPr lang="it-IT" dirty="0"/>
-          </a:p>
-        </p:txBody>
-      </p:sp>
-    </p:spTree>
-    <p:extLst>
-      <p:ext uri="{BB962C8B-B14F-4D97-AF65-F5344CB8AC3E}">
-        <p14:creationId xmlns:p14="http://schemas.microsoft.com/office/powerpoint/2010/main" val="2992104713"/>
-      </p:ext>
-    </p:extLst>
-  </p:cSld>
-  <p:clrMapOvr>
-    <a:masterClrMapping/>
-  </p:clrMapOvr>
-</p:sld>
-</file>
-
-<file path=ppt/slides/slide20.xml><?xml version="1.0" encoding="utf-8"?>
+<file path=ppt/slides/slide23.xml><?xml version="1.0" encoding="utf-8"?>
 <p:sld xmlns:a="http://schemas.openxmlformats.org/drawingml/2006/main" xmlns:r="http://schemas.openxmlformats.org/officeDocument/2006/relationships" xmlns:p="http://schemas.openxmlformats.org/presentationml/2006/main">
   <p:cSld>
     <p:spTree>
@@ -9793,7 +12191,7 @@
 </p:sld>
 </file>
 
-<file path=ppt/slides/slide21.xml><?xml version="1.0" encoding="utf-8"?>
+<file path=ppt/slides/slide24.xml><?xml version="1.0" encoding="utf-8"?>
 <p:sld xmlns:a="http://schemas.openxmlformats.org/drawingml/2006/main" xmlns:r="http://schemas.openxmlformats.org/officeDocument/2006/relationships" xmlns:p="http://schemas.openxmlformats.org/presentationml/2006/main">
   <p:cSld>
     <p:spTree>
@@ -9867,7 +12265,7 @@
                 <a:latin typeface="Courier New" panose="02070309020205020404" pitchFamily="49" charset="0"/>
                 <a:cs typeface="Courier New" panose="02070309020205020404" pitchFamily="49" charset="0"/>
               </a:rPr>
-              <a:t>Lista </a:t>
+              <a:t>Lista* Lista::</a:t>
             </a:r>
             <a:r>
               <a:rPr lang="it-IT" sz="1600" b="1" dirty="0">
@@ -9877,21 +12275,21 @@
                 <a:latin typeface="Courier New" panose="02070309020205020404" pitchFamily="49" charset="0"/>
                 <a:cs typeface="Courier New" panose="02070309020205020404" pitchFamily="49" charset="0"/>
               </a:rPr>
-              <a:t>Lista::operator+(</a:t>
-            </a:r>
-            <a:r>
-              <a:rPr lang="it-IT" sz="1600" b="1" dirty="0">
-                <a:latin typeface="Courier New" panose="02070309020205020404" pitchFamily="49" charset="0"/>
-                <a:cs typeface="Courier New" panose="02070309020205020404" pitchFamily="49" charset="0"/>
-              </a:rPr>
-              <a:t>Lista </a:t>
+              <a:t>operator+</a:t>
+            </a:r>
+            <a:r>
+              <a:rPr lang="it-IT" sz="1600" b="1" dirty="0">
+                <a:latin typeface="Courier New" panose="02070309020205020404" pitchFamily="49" charset="0"/>
+                <a:cs typeface="Courier New" panose="02070309020205020404" pitchFamily="49" charset="0"/>
+              </a:rPr>
+              <a:t>(Lista </a:t>
             </a:r>
             <a:r>
               <a:rPr lang="it-IT" sz="1600" b="1" dirty="0" err="1">
                 <a:latin typeface="Courier New" panose="02070309020205020404" pitchFamily="49" charset="0"/>
                 <a:cs typeface="Courier New" panose="02070309020205020404" pitchFamily="49" charset="0"/>
               </a:rPr>
-              <a:t>tail</a:t>
+              <a:t>altraLista</a:t>
             </a:r>
             <a:r>
               <a:rPr lang="it-IT" sz="1600" b="1" dirty="0">
@@ -9910,13 +12308,10 @@
                 <a:latin typeface="Courier New" panose="02070309020205020404" pitchFamily="49" charset="0"/>
                 <a:cs typeface="Courier New" panose="02070309020205020404" pitchFamily="49" charset="0"/>
               </a:rPr>
-              <a:t> Lista </a:t>
+              <a:t> Lista* </a:t>
             </a:r>
             <a:r>
               <a:rPr lang="it-IT" sz="1600" b="1" dirty="0" err="1">
-                <a:solidFill>
-                  <a:srgbClr val="FF0000"/>
-                </a:solidFill>
                 <a:latin typeface="Courier New" panose="02070309020205020404" pitchFamily="49" charset="0"/>
                 <a:cs typeface="Courier New" panose="02070309020205020404" pitchFamily="49" charset="0"/>
               </a:rPr>
@@ -9927,6 +12322,124 @@
                 <a:latin typeface="Courier New" panose="02070309020205020404" pitchFamily="49" charset="0"/>
                 <a:cs typeface="Courier New" panose="02070309020205020404" pitchFamily="49" charset="0"/>
               </a:rPr>
+              <a:t> = new Lista();</a:t>
+            </a:r>
+          </a:p>
+          <a:p>
+            <a:pPr marL="0" indent="0">
+              <a:buNone/>
+            </a:pPr>
+            <a:r>
+              <a:rPr lang="it-IT" sz="1600" b="1" dirty="0">
+                <a:latin typeface="Courier New" panose="02070309020205020404" pitchFamily="49" charset="0"/>
+                <a:cs typeface="Courier New" panose="02070309020205020404" pitchFamily="49" charset="0"/>
+              </a:rPr>
+              <a:t> Nodo* t = testa;</a:t>
+            </a:r>
+          </a:p>
+          <a:p>
+            <a:pPr marL="0" indent="0">
+              <a:buNone/>
+            </a:pPr>
+            <a:r>
+              <a:rPr lang="it-IT" sz="1600" b="1" dirty="0">
+                <a:latin typeface="Courier New" panose="02070309020205020404" pitchFamily="49" charset="0"/>
+                <a:cs typeface="Courier New" panose="02070309020205020404" pitchFamily="49" charset="0"/>
+              </a:rPr>
+              <a:t> </a:t>
+            </a:r>
+            <a:r>
+              <a:rPr lang="it-IT" sz="1600" b="1" dirty="0" err="1">
+                <a:latin typeface="Courier New" panose="02070309020205020404" pitchFamily="49" charset="0"/>
+                <a:cs typeface="Courier New" panose="02070309020205020404" pitchFamily="49" charset="0"/>
+              </a:rPr>
+              <a:t>while</a:t>
+            </a:r>
+            <a:r>
+              <a:rPr lang="it-IT" sz="1600" b="1" dirty="0">
+                <a:latin typeface="Courier New" panose="02070309020205020404" pitchFamily="49" charset="0"/>
+                <a:cs typeface="Courier New" panose="02070309020205020404" pitchFamily="49" charset="0"/>
+              </a:rPr>
+              <a:t> (t!=</a:t>
+            </a:r>
+            <a:r>
+              <a:rPr lang="it-IT" sz="1600" b="1" dirty="0" err="1">
+                <a:latin typeface="Courier New" panose="02070309020205020404" pitchFamily="49" charset="0"/>
+                <a:cs typeface="Courier New" panose="02070309020205020404" pitchFamily="49" charset="0"/>
+              </a:rPr>
+              <a:t>nullptr</a:t>
+            </a:r>
+            <a:r>
+              <a:rPr lang="it-IT" sz="1600" b="1" dirty="0">
+                <a:latin typeface="Courier New" panose="02070309020205020404" pitchFamily="49" charset="0"/>
+                <a:cs typeface="Courier New" panose="02070309020205020404" pitchFamily="49" charset="0"/>
+              </a:rPr>
+              <a:t>) {</a:t>
+            </a:r>
+          </a:p>
+          <a:p>
+            <a:pPr marL="0" indent="0">
+              <a:buNone/>
+            </a:pPr>
+            <a:r>
+              <a:rPr lang="it-IT" sz="1600" b="1" dirty="0">
+                <a:latin typeface="Courier New" panose="02070309020205020404" pitchFamily="49" charset="0"/>
+                <a:cs typeface="Courier New" panose="02070309020205020404" pitchFamily="49" charset="0"/>
+              </a:rPr>
+              <a:t>  </a:t>
+            </a:r>
+            <a:r>
+              <a:rPr lang="it-IT" sz="1600" b="1" dirty="0" err="1">
+                <a:latin typeface="Courier New" panose="02070309020205020404" pitchFamily="49" charset="0"/>
+                <a:cs typeface="Courier New" panose="02070309020205020404" pitchFamily="49" charset="0"/>
+              </a:rPr>
+              <a:t>newList</a:t>
+            </a:r>
+            <a:r>
+              <a:rPr lang="it-IT" sz="1600" b="1" dirty="0">
+                <a:latin typeface="Courier New" panose="02070309020205020404" pitchFamily="49" charset="0"/>
+                <a:cs typeface="Courier New" panose="02070309020205020404" pitchFamily="49" charset="0"/>
+              </a:rPr>
+              <a:t>-&gt;</a:t>
+            </a:r>
+            <a:r>
+              <a:rPr lang="it-IT" sz="1600" b="1" dirty="0" err="1">
+                <a:latin typeface="Courier New" panose="02070309020205020404" pitchFamily="49" charset="0"/>
+                <a:cs typeface="Courier New" panose="02070309020205020404" pitchFamily="49" charset="0"/>
+              </a:rPr>
+              <a:t>insCoda</a:t>
+            </a:r>
+            <a:r>
+              <a:rPr lang="it-IT" sz="1600" b="1" dirty="0">
+                <a:latin typeface="Courier New" panose="02070309020205020404" pitchFamily="49" charset="0"/>
+                <a:cs typeface="Courier New" panose="02070309020205020404" pitchFamily="49" charset="0"/>
+              </a:rPr>
+              <a:t>(t-&gt;info);</a:t>
+            </a:r>
+          </a:p>
+          <a:p>
+            <a:pPr marL="0" indent="0">
+              <a:buNone/>
+            </a:pPr>
+            <a:r>
+              <a:rPr lang="it-IT" sz="1600" b="1" dirty="0">
+                <a:latin typeface="Courier New" panose="02070309020205020404" pitchFamily="49" charset="0"/>
+                <a:cs typeface="Courier New" panose="02070309020205020404" pitchFamily="49" charset="0"/>
+              </a:rPr>
+              <a:t>  t=t-&gt;</a:t>
+            </a:r>
+            <a:r>
+              <a:rPr lang="it-IT" sz="1600" b="1" dirty="0" err="1">
+                <a:latin typeface="Courier New" panose="02070309020205020404" pitchFamily="49" charset="0"/>
+                <a:cs typeface="Courier New" panose="02070309020205020404" pitchFamily="49" charset="0"/>
+              </a:rPr>
+              <a:t>next</a:t>
+            </a:r>
+            <a:r>
+              <a:rPr lang="it-IT" sz="1600" b="1" dirty="0">
+                <a:latin typeface="Courier New" panose="02070309020205020404" pitchFamily="49" charset="0"/>
+                <a:cs typeface="Courier New" panose="02070309020205020404" pitchFamily="49" charset="0"/>
+              </a:rPr>
               <a:t>;</a:t>
             </a:r>
           </a:p>
@@ -9939,17 +12452,26 @@
                 <a:latin typeface="Courier New" panose="02070309020205020404" pitchFamily="49" charset="0"/>
                 <a:cs typeface="Courier New" panose="02070309020205020404" pitchFamily="49" charset="0"/>
               </a:rPr>
-              <a:t> link </a:t>
-            </a:r>
-            <a:r>
-              <a:rPr lang="it-IT" sz="1600" b="1" dirty="0">
-                <a:solidFill>
-                  <a:srgbClr val="FF0000"/>
-                </a:solidFill>
-                <a:latin typeface="Courier New" panose="02070309020205020404" pitchFamily="49" charset="0"/>
-                <a:cs typeface="Courier New" panose="02070309020205020404" pitchFamily="49" charset="0"/>
-              </a:rPr>
-              <a:t>t = testa</a:t>
+              <a:t> }</a:t>
+            </a:r>
+          </a:p>
+          <a:p>
+            <a:pPr marL="0" indent="0">
+              <a:buNone/>
+            </a:pPr>
+            <a:r>
+              <a:rPr lang="it-IT" sz="1600" b="1" dirty="0">
+                <a:latin typeface="Courier New" panose="02070309020205020404" pitchFamily="49" charset="0"/>
+                <a:cs typeface="Courier New" panose="02070309020205020404" pitchFamily="49" charset="0"/>
+              </a:rPr>
+              <a:t> t=</a:t>
+            </a:r>
+            <a:r>
+              <a:rPr lang="it-IT" sz="1600" b="1" dirty="0" err="1">
+                <a:latin typeface="Courier New" panose="02070309020205020404" pitchFamily="49" charset="0"/>
+                <a:cs typeface="Courier New" panose="02070309020205020404" pitchFamily="49" charset="0"/>
+              </a:rPr>
+              <a:t>altraLista.testa</a:t>
             </a:r>
             <a:r>
               <a:rPr lang="it-IT" sz="1600" b="1" dirty="0">
@@ -10012,47 +12534,31 @@
             </a:r>
             <a:r>
               <a:rPr lang="it-IT" sz="1600" b="1" dirty="0" err="1">
-                <a:solidFill>
-                  <a:srgbClr val="FF0000"/>
-                </a:solidFill>
-                <a:latin typeface="Courier New" panose="02070309020205020404" pitchFamily="49" charset="0"/>
-                <a:cs typeface="Courier New" panose="02070309020205020404" pitchFamily="49" charset="0"/>
-              </a:rPr>
-              <a:t>newList.insCoda</a:t>
-            </a:r>
-            <a:r>
-              <a:rPr lang="it-IT" sz="1600" b="1" dirty="0">
-                <a:latin typeface="Courier New" panose="02070309020205020404" pitchFamily="49" charset="0"/>
-                <a:cs typeface="Courier New" panose="02070309020205020404" pitchFamily="49" charset="0"/>
-              </a:rPr>
-              <a:t>(new Nodo(</a:t>
-            </a:r>
-            <a:r>
-              <a:rPr lang="it-IT" sz="1600" b="1" dirty="0">
-                <a:solidFill>
-                  <a:srgbClr val="FF0000"/>
-                </a:solidFill>
-                <a:latin typeface="Courier New" panose="02070309020205020404" pitchFamily="49" charset="0"/>
-                <a:cs typeface="Courier New" panose="02070309020205020404" pitchFamily="49" charset="0"/>
-              </a:rPr>
-              <a:t>t-&gt;</a:t>
+                <a:latin typeface="Courier New" panose="02070309020205020404" pitchFamily="49" charset="0"/>
+                <a:cs typeface="Courier New" panose="02070309020205020404" pitchFamily="49" charset="0"/>
+              </a:rPr>
+              <a:t>newList</a:t>
+            </a:r>
+            <a:r>
+              <a:rPr lang="it-IT" sz="1600" b="1" dirty="0">
+                <a:latin typeface="Courier New" panose="02070309020205020404" pitchFamily="49" charset="0"/>
+                <a:cs typeface="Courier New" panose="02070309020205020404" pitchFamily="49" charset="0"/>
+              </a:rPr>
+              <a:t>-&gt;</a:t>
             </a:r>
             <a:r>
               <a:rPr lang="it-IT" sz="1600" b="1" dirty="0" err="1">
-                <a:solidFill>
-                  <a:srgbClr val="FF0000"/>
-                </a:solidFill>
-                <a:latin typeface="Courier New" panose="02070309020205020404" pitchFamily="49" charset="0"/>
-                <a:cs typeface="Courier New" panose="02070309020205020404" pitchFamily="49" charset="0"/>
-              </a:rPr>
-              <a:t>getInfo</a:t>
-            </a:r>
-            <a:r>
-              <a:rPr lang="it-IT" sz="1600" b="1" dirty="0">
-                <a:latin typeface="Courier New" panose="02070309020205020404" pitchFamily="49" charset="0"/>
-                <a:cs typeface="Courier New" panose="02070309020205020404" pitchFamily="49" charset="0"/>
-              </a:rPr>
-              <a:t>()));</a:t>
+                <a:latin typeface="Courier New" panose="02070309020205020404" pitchFamily="49" charset="0"/>
+                <a:cs typeface="Courier New" panose="02070309020205020404" pitchFamily="49" charset="0"/>
+              </a:rPr>
+              <a:t>insCoda</a:t>
+            </a:r>
+            <a:r>
+              <a:rPr lang="it-IT" sz="1600" b="1" dirty="0">
+                <a:latin typeface="Courier New" panose="02070309020205020404" pitchFamily="49" charset="0"/>
+                <a:cs typeface="Courier New" panose="02070309020205020404" pitchFamily="49" charset="0"/>
+              </a:rPr>
+              <a:t>(t-&gt;info);</a:t>
             </a:r>
           </a:p>
           <a:p>
@@ -10071,48 +12577,7 @@
                 <a:latin typeface="Courier New" panose="02070309020205020404" pitchFamily="49" charset="0"/>
                 <a:cs typeface="Courier New" panose="02070309020205020404" pitchFamily="49" charset="0"/>
               </a:rPr>
-              <a:t>getNext</a:t>
-            </a:r>
-            <a:r>
-              <a:rPr lang="it-IT" sz="1600" b="1" dirty="0">
-                <a:latin typeface="Courier New" panose="02070309020205020404" pitchFamily="49" charset="0"/>
-                <a:cs typeface="Courier New" panose="02070309020205020404" pitchFamily="49" charset="0"/>
-              </a:rPr>
-              <a:t>();</a:t>
-            </a:r>
-          </a:p>
-          <a:p>
-            <a:pPr marL="0" indent="0">
-              <a:buNone/>
-            </a:pPr>
-            <a:r>
-              <a:rPr lang="it-IT" sz="1600" b="1" dirty="0">
-                <a:latin typeface="Courier New" panose="02070309020205020404" pitchFamily="49" charset="0"/>
-                <a:cs typeface="Courier New" panose="02070309020205020404" pitchFamily="49" charset="0"/>
-              </a:rPr>
-              <a:t> }</a:t>
-            </a:r>
-          </a:p>
-          <a:p>
-            <a:pPr marL="0" indent="0">
-              <a:buNone/>
-            </a:pPr>
-            <a:r>
-              <a:rPr lang="it-IT" sz="1600" b="1" dirty="0">
-                <a:latin typeface="Courier New" panose="02070309020205020404" pitchFamily="49" charset="0"/>
-                <a:cs typeface="Courier New" panose="02070309020205020404" pitchFamily="49" charset="0"/>
-              </a:rPr>
-              <a:t> t=</a:t>
-            </a:r>
-            <a:r>
-              <a:rPr lang="it-IT" sz="1600" b="1" dirty="0" err="1">
-                <a:solidFill>
-                  <a:srgbClr val="FF0000"/>
-                </a:solidFill>
-                <a:latin typeface="Courier New" panose="02070309020205020404" pitchFamily="49" charset="0"/>
-                <a:cs typeface="Courier New" panose="02070309020205020404" pitchFamily="49" charset="0"/>
-              </a:rPr>
-              <a:t>tail.testa</a:t>
+              <a:t>next</a:t>
             </a:r>
             <a:r>
               <a:rPr lang="it-IT" sz="1600" b="1" dirty="0">
@@ -10120,112 +12585,6 @@
                 <a:cs typeface="Courier New" panose="02070309020205020404" pitchFamily="49" charset="0"/>
               </a:rPr>
               <a:t>;</a:t>
-            </a:r>
-          </a:p>
-          <a:p>
-            <a:pPr marL="0" indent="0">
-              <a:buNone/>
-            </a:pPr>
-            <a:r>
-              <a:rPr lang="it-IT" sz="1600" b="1" dirty="0">
-                <a:latin typeface="Courier New" panose="02070309020205020404" pitchFamily="49" charset="0"/>
-                <a:cs typeface="Courier New" panose="02070309020205020404" pitchFamily="49" charset="0"/>
-              </a:rPr>
-              <a:t> </a:t>
-            </a:r>
-            <a:r>
-              <a:rPr lang="it-IT" sz="1600" b="1" dirty="0" err="1">
-                <a:latin typeface="Courier New" panose="02070309020205020404" pitchFamily="49" charset="0"/>
-                <a:cs typeface="Courier New" panose="02070309020205020404" pitchFamily="49" charset="0"/>
-              </a:rPr>
-              <a:t>while</a:t>
-            </a:r>
-            <a:r>
-              <a:rPr lang="it-IT" sz="1600" b="1" dirty="0">
-                <a:latin typeface="Courier New" panose="02070309020205020404" pitchFamily="49" charset="0"/>
-                <a:cs typeface="Courier New" panose="02070309020205020404" pitchFamily="49" charset="0"/>
-              </a:rPr>
-              <a:t> (t!=</a:t>
-            </a:r>
-            <a:r>
-              <a:rPr lang="it-IT" sz="1600" b="1" dirty="0" err="1">
-                <a:latin typeface="Courier New" panose="02070309020205020404" pitchFamily="49" charset="0"/>
-                <a:cs typeface="Courier New" panose="02070309020205020404" pitchFamily="49" charset="0"/>
-              </a:rPr>
-              <a:t>nullptr</a:t>
-            </a:r>
-            <a:r>
-              <a:rPr lang="it-IT" sz="1600" b="1" dirty="0">
-                <a:latin typeface="Courier New" panose="02070309020205020404" pitchFamily="49" charset="0"/>
-                <a:cs typeface="Courier New" panose="02070309020205020404" pitchFamily="49" charset="0"/>
-              </a:rPr>
-              <a:t>) {</a:t>
-            </a:r>
-          </a:p>
-          <a:p>
-            <a:pPr marL="0" indent="0">
-              <a:buNone/>
-            </a:pPr>
-            <a:r>
-              <a:rPr lang="it-IT" sz="1600" b="1" dirty="0">
-                <a:latin typeface="Courier New" panose="02070309020205020404" pitchFamily="49" charset="0"/>
-                <a:cs typeface="Courier New" panose="02070309020205020404" pitchFamily="49" charset="0"/>
-              </a:rPr>
-              <a:t>  </a:t>
-            </a:r>
-            <a:r>
-              <a:rPr lang="it-IT" sz="1600" b="1" dirty="0" err="1">
-                <a:latin typeface="Courier New" panose="02070309020205020404" pitchFamily="49" charset="0"/>
-                <a:cs typeface="Courier New" panose="02070309020205020404" pitchFamily="49" charset="0"/>
-              </a:rPr>
-              <a:t>newList.insCoda</a:t>
-            </a:r>
-            <a:r>
-              <a:rPr lang="it-IT" sz="1600" b="1" dirty="0">
-                <a:latin typeface="Courier New" panose="02070309020205020404" pitchFamily="49" charset="0"/>
-                <a:cs typeface="Courier New" panose="02070309020205020404" pitchFamily="49" charset="0"/>
-              </a:rPr>
-              <a:t>(new Nodo(t-&gt;</a:t>
-            </a:r>
-            <a:r>
-              <a:rPr lang="it-IT" sz="1600" b="1" dirty="0" err="1">
-                <a:latin typeface="Courier New" panose="02070309020205020404" pitchFamily="49" charset="0"/>
-                <a:cs typeface="Courier New" panose="02070309020205020404" pitchFamily="49" charset="0"/>
-              </a:rPr>
-              <a:t>getInfo</a:t>
-            </a:r>
-            <a:r>
-              <a:rPr lang="it-IT" sz="1600" b="1" dirty="0">
-                <a:latin typeface="Courier New" panose="02070309020205020404" pitchFamily="49" charset="0"/>
-                <a:cs typeface="Courier New" panose="02070309020205020404" pitchFamily="49" charset="0"/>
-              </a:rPr>
-              <a:t>()));</a:t>
-            </a:r>
-          </a:p>
-          <a:p>
-            <a:pPr marL="0" indent="0">
-              <a:buNone/>
-            </a:pPr>
-            <a:r>
-              <a:rPr lang="it-IT" sz="1600" b="1" dirty="0">
-                <a:latin typeface="Courier New" panose="02070309020205020404" pitchFamily="49" charset="0"/>
-                <a:cs typeface="Courier New" panose="02070309020205020404" pitchFamily="49" charset="0"/>
-              </a:rPr>
-              <a:t>  t=t-&gt;</a:t>
-            </a:r>
-            <a:r>
-              <a:rPr lang="it-IT" sz="1600" b="1" dirty="0" err="1">
-                <a:latin typeface="Courier New" panose="02070309020205020404" pitchFamily="49" charset="0"/>
-                <a:cs typeface="Courier New" panose="02070309020205020404" pitchFamily="49" charset="0"/>
-              </a:rPr>
-              <a:t>getNext</a:t>
-            </a:r>
-            <a:r>
-              <a:rPr lang="it-IT" sz="1600" b="1" dirty="0">
-                <a:latin typeface="Courier New" panose="02070309020205020404" pitchFamily="49" charset="0"/>
-                <a:cs typeface="Courier New" panose="02070309020205020404" pitchFamily="49" charset="0"/>
-              </a:rPr>
-              <a:t>();</a:t>
             </a:r>
           </a:p>
           <a:p>
@@ -10327,7 +12686,7 @@
           <a:p>
             <a:r>
               <a:rPr lang="it-IT" sz="2000" dirty="0"/>
-              <a:t>viene restituita una </a:t>
+              <a:t>viene restituito un puntatore a una </a:t>
             </a:r>
             <a:r>
               <a:rPr lang="it-IT" sz="2000" b="1" i="1" dirty="0"/>
@@ -10355,7 +12714,7 @@
             </a:r>
             <a:r>
               <a:rPr lang="it-IT" sz="2000" b="1" i="1" dirty="0" err="1"/>
-              <a:t>tail</a:t>
+              <a:t>altraLista</a:t>
             </a:r>
             <a:r>
               <a:rPr lang="it-IT" sz="2000" dirty="0"/>
@@ -10381,7 +12740,7 @@
                 <a:latin typeface="Courier New" panose="02070309020205020404" pitchFamily="49" charset="0"/>
                 <a:cs typeface="Courier New" panose="02070309020205020404" pitchFamily="49" charset="0"/>
               </a:rPr>
-              <a:t>Lista l1,l2,l3;</a:t>
+              <a:t>Lista l1,l2;</a:t>
             </a:r>
           </a:p>
           <a:p>
@@ -10406,6 +12765,18 @@
                 <a:cs typeface="Courier New" panose="02070309020205020404" pitchFamily="49" charset="0"/>
               </a:rPr>
               <a:t>…</a:t>
+            </a:r>
+          </a:p>
+          <a:p>
+            <a:pPr marL="400050" lvl="1" indent="0">
+              <a:buNone/>
+            </a:pPr>
+            <a:r>
+              <a:rPr lang="it-IT" sz="1600" b="1" dirty="0">
+                <a:latin typeface="Courier New" panose="02070309020205020404" pitchFamily="49" charset="0"/>
+                <a:cs typeface="Courier New" panose="02070309020205020404" pitchFamily="49" charset="0"/>
+              </a:rPr>
+              <a:t>Lista* l3;</a:t>
             </a:r>
           </a:p>
           <a:p>
@@ -10484,7 +12855,7 @@
 </p:sld>
 </file>
 
-<file path=ppt/slides/slide22.xml><?xml version="1.0" encoding="utf-8"?>
+<file path=ppt/slides/slide25.xml><?xml version="1.0" encoding="utf-8"?>
 <p:sld xmlns:a="http://schemas.openxmlformats.org/drawingml/2006/main" xmlns:r="http://schemas.openxmlformats.org/officeDocument/2006/relationships" xmlns:p="http://schemas.openxmlformats.org/presentationml/2006/main">
   <p:cSld>
     <p:spTree>
@@ -10602,7 +12973,7 @@
 </p:sld>
 </file>
 
-<file path=ppt/slides/slide23.xml><?xml version="1.0" encoding="utf-8"?>
+<file path=ppt/slides/slide26.xml><?xml version="1.0" encoding="utf-8"?>
 <p:sld xmlns:a="http://schemas.openxmlformats.org/drawingml/2006/main" xmlns:r="http://schemas.openxmlformats.org/officeDocument/2006/relationships" xmlns:p="http://schemas.openxmlformats.org/presentationml/2006/main">
   <p:cSld>
     <p:spTree>
@@ -10862,7 +13233,7 @@
 </p:sld>
 </file>
 
-<file path=ppt/slides/slide24.xml><?xml version="1.0" encoding="utf-8"?>
+<file path=ppt/slides/slide27.xml><?xml version="1.0" encoding="utf-8"?>
 <p:sld xmlns:a="http://schemas.openxmlformats.org/drawingml/2006/main" xmlns:r="http://schemas.openxmlformats.org/officeDocument/2006/relationships" xmlns:p="http://schemas.openxmlformats.org/presentationml/2006/main">
   <p:cSld>
     <p:spTree>
@@ -10932,97 +13303,91 @@
               <a:buNone/>
             </a:pPr>
             <a:r>
-              <a:rPr lang="it-IT" sz="1600" b="1" dirty="0">
-                <a:latin typeface="Courier New" panose="02070309020205020404" pitchFamily="49" charset="0"/>
-                <a:cs typeface="Courier New" panose="02070309020205020404" pitchFamily="49" charset="0"/>
-              </a:rPr>
-              <a:t>class Lista {</a:t>
-            </a:r>
-          </a:p>
-          <a:p>
-            <a:pPr marL="0" indent="0">
-              <a:buNone/>
-            </a:pPr>
-            <a:r>
-              <a:rPr lang="it-IT" sz="1600" b="1" dirty="0">
-                <a:latin typeface="Courier New" panose="02070309020205020404" pitchFamily="49" charset="0"/>
-                <a:cs typeface="Courier New" panose="02070309020205020404" pitchFamily="49" charset="0"/>
-              </a:rPr>
-              <a:t> public:</a:t>
-            </a:r>
-          </a:p>
-          <a:p>
-            <a:pPr marL="0" indent="0">
-              <a:buNone/>
-            </a:pPr>
-            <a:r>
-              <a:rPr lang="it-IT" sz="1600" b="1" dirty="0">
-                <a:latin typeface="Courier New" panose="02070309020205020404" pitchFamily="49" charset="0"/>
-                <a:cs typeface="Courier New" panose="02070309020205020404" pitchFamily="49" charset="0"/>
-              </a:rPr>
-              <a:t>  …</a:t>
-            </a:r>
-          </a:p>
-          <a:p>
-            <a:pPr marL="0" indent="0">
-              <a:buNone/>
-            </a:pPr>
-            <a:r>
-              <a:rPr lang="it-IT" sz="1600" b="1" dirty="0">
-                <a:latin typeface="Courier New" panose="02070309020205020404" pitchFamily="49" charset="0"/>
-                <a:cs typeface="Courier New" panose="02070309020205020404" pitchFamily="49" charset="0"/>
-              </a:rPr>
-              <a:t>  </a:t>
-            </a:r>
-            <a:r>
-              <a:rPr lang="it-IT" sz="1600" b="1" dirty="0">
+              <a:rPr lang="it-IT" sz="1400" b="1" dirty="0" err="1">
+                <a:latin typeface="Courier New" panose="02070309020205020404" pitchFamily="49" charset="0"/>
+                <a:cs typeface="Courier New" panose="02070309020205020404" pitchFamily="49" charset="0"/>
+              </a:rPr>
+              <a:t>std</a:t>
+            </a:r>
+            <a:r>
+              <a:rPr lang="it-IT" sz="1400" b="1" dirty="0">
+                <a:latin typeface="Courier New" panose="02070309020205020404" pitchFamily="49" charset="0"/>
+                <a:cs typeface="Courier New" panose="02070309020205020404" pitchFamily="49" charset="0"/>
+              </a:rPr>
+              <a:t>::</a:t>
+            </a:r>
+            <a:r>
+              <a:rPr lang="it-IT" sz="1400" b="1" dirty="0" err="1">
+                <a:latin typeface="Courier New" panose="02070309020205020404" pitchFamily="49" charset="0"/>
+                <a:cs typeface="Courier New" panose="02070309020205020404" pitchFamily="49" charset="0"/>
+              </a:rPr>
+              <a:t>ostream</a:t>
+            </a:r>
+            <a:r>
+              <a:rPr lang="it-IT" sz="1400" b="1" dirty="0">
+                <a:latin typeface="Courier New" panose="02070309020205020404" pitchFamily="49" charset="0"/>
+                <a:cs typeface="Courier New" panose="02070309020205020404" pitchFamily="49" charset="0"/>
+              </a:rPr>
+              <a:t> &amp; </a:t>
+            </a:r>
+            <a:r>
+              <a:rPr lang="it-IT" sz="1400" b="1" dirty="0">
                 <a:solidFill>
                   <a:srgbClr val="FF0000"/>
                 </a:solidFill>
                 <a:latin typeface="Courier New" panose="02070309020205020404" pitchFamily="49" charset="0"/>
                 <a:cs typeface="Courier New" panose="02070309020205020404" pitchFamily="49" charset="0"/>
               </a:rPr>
-              <a:t>friend </a:t>
-            </a:r>
-            <a:r>
-              <a:rPr lang="it-IT" sz="1600" b="1" dirty="0" err="1">
-                <a:solidFill>
-                  <a:srgbClr val="FF0000"/>
-                </a:solidFill>
+              <a:t>operator&lt;&lt; </a:t>
+            </a:r>
+            <a:r>
+              <a:rPr lang="it-IT" sz="1400" b="1" dirty="0">
+                <a:latin typeface="Courier New" panose="02070309020205020404" pitchFamily="49" charset="0"/>
+                <a:cs typeface="Courier New" panose="02070309020205020404" pitchFamily="49" charset="0"/>
+              </a:rPr>
+              <a:t>(</a:t>
+            </a:r>
+            <a:r>
+              <a:rPr lang="it-IT" sz="1400" b="1" dirty="0" err="1">
                 <a:latin typeface="Courier New" panose="02070309020205020404" pitchFamily="49" charset="0"/>
                 <a:cs typeface="Courier New" panose="02070309020205020404" pitchFamily="49" charset="0"/>
               </a:rPr>
               <a:t>std</a:t>
             </a:r>
             <a:r>
-              <a:rPr lang="it-IT" sz="1600" b="1" dirty="0">
-                <a:solidFill>
-                  <a:srgbClr val="FF0000"/>
-                </a:solidFill>
+              <a:rPr lang="it-IT" sz="1400" b="1" dirty="0">
                 <a:latin typeface="Courier New" panose="02070309020205020404" pitchFamily="49" charset="0"/>
                 <a:cs typeface="Courier New" panose="02070309020205020404" pitchFamily="49" charset="0"/>
               </a:rPr>
               <a:t>::</a:t>
             </a:r>
             <a:r>
-              <a:rPr lang="it-IT" sz="1600" b="1" dirty="0" err="1">
-                <a:solidFill>
-                  <a:srgbClr val="FF0000"/>
-                </a:solidFill>
+              <a:rPr lang="it-IT" sz="1400" b="1" dirty="0" err="1">
                 <a:latin typeface="Courier New" panose="02070309020205020404" pitchFamily="49" charset="0"/>
                 <a:cs typeface="Courier New" panose="02070309020205020404" pitchFamily="49" charset="0"/>
               </a:rPr>
               <a:t>ostream</a:t>
             </a:r>
             <a:r>
-              <a:rPr lang="it-IT" sz="1600" b="1" dirty="0">
-                <a:solidFill>
-                  <a:srgbClr val="FF0000"/>
-                </a:solidFill>
-                <a:latin typeface="Courier New" panose="02070309020205020404" pitchFamily="49" charset="0"/>
-                <a:cs typeface="Courier New" panose="02070309020205020404" pitchFamily="49" charset="0"/>
-              </a:rPr>
-              <a:t> &amp; operator&lt;&lt;</a:t>
+              <a:rPr lang="it-IT" sz="1400" b="1" dirty="0">
+                <a:latin typeface="Courier New" panose="02070309020205020404" pitchFamily="49" charset="0"/>
+                <a:cs typeface="Courier New" panose="02070309020205020404" pitchFamily="49" charset="0"/>
+              </a:rPr>
+              <a:t> &amp; </a:t>
+            </a:r>
+            <a:r>
+              <a:rPr lang="it-IT" sz="1400" b="1" dirty="0" err="1">
+                <a:latin typeface="Courier New" panose="02070309020205020404" pitchFamily="49" charset="0"/>
+                <a:cs typeface="Courier New" panose="02070309020205020404" pitchFamily="49" charset="0"/>
+              </a:rPr>
+              <a:t>os</a:t>
+            </a:r>
+            <a:r>
+              <a:rPr lang="it-IT" sz="1400" b="1" dirty="0">
+                <a:latin typeface="Courier New" panose="02070309020205020404" pitchFamily="49" charset="0"/>
+                <a:cs typeface="Courier New" panose="02070309020205020404" pitchFamily="49" charset="0"/>
+              </a:rPr>
+              <a:t>,</a:t>
             </a:r>
           </a:p>
           <a:p>
@@ -11030,74 +13395,39 @@
               <a:buNone/>
             </a:pPr>
             <a:r>
-              <a:rPr lang="it-IT" sz="1600" b="1" dirty="0">
-                <a:solidFill>
-                  <a:srgbClr val="FF0000"/>
-                </a:solidFill>
-                <a:latin typeface="Courier New" panose="02070309020205020404" pitchFamily="49" charset="0"/>
-                <a:cs typeface="Courier New" panose="02070309020205020404" pitchFamily="49" charset="0"/>
-              </a:rPr>
-              <a:t>     ( </a:t>
-            </a:r>
-            <a:r>
-              <a:rPr lang="it-IT" sz="1600" b="1" dirty="0" err="1">
-                <a:solidFill>
-                  <a:srgbClr val="FF0000"/>
-                </a:solidFill>
-                <a:latin typeface="Courier New" panose="02070309020205020404" pitchFamily="49" charset="0"/>
-                <a:cs typeface="Courier New" panose="02070309020205020404" pitchFamily="49" charset="0"/>
-              </a:rPr>
-              <a:t>std</a:t>
-            </a:r>
-            <a:r>
-              <a:rPr lang="it-IT" sz="1600" b="1" dirty="0">
-                <a:solidFill>
-                  <a:srgbClr val="FF0000"/>
-                </a:solidFill>
-                <a:latin typeface="Courier New" panose="02070309020205020404" pitchFamily="49" charset="0"/>
-                <a:cs typeface="Courier New" panose="02070309020205020404" pitchFamily="49" charset="0"/>
-              </a:rPr>
-              <a:t>::</a:t>
-            </a:r>
-            <a:r>
-              <a:rPr lang="it-IT" sz="1600" b="1" dirty="0" err="1">
-                <a:solidFill>
-                  <a:srgbClr val="FF0000"/>
-                </a:solidFill>
-                <a:latin typeface="Courier New" panose="02070309020205020404" pitchFamily="49" charset="0"/>
-                <a:cs typeface="Courier New" panose="02070309020205020404" pitchFamily="49" charset="0"/>
-              </a:rPr>
-              <a:t>ostream</a:t>
-            </a:r>
-            <a:r>
-              <a:rPr lang="it-IT" sz="1600" b="1" dirty="0">
-                <a:solidFill>
-                  <a:srgbClr val="FF0000"/>
-                </a:solidFill>
-                <a:latin typeface="Courier New" panose="02070309020205020404" pitchFamily="49" charset="0"/>
-                <a:cs typeface="Courier New" panose="02070309020205020404" pitchFamily="49" charset="0"/>
-              </a:rPr>
-              <a:t> &amp;out, Lista &amp;</a:t>
-            </a:r>
-            <a:r>
-              <a:rPr lang="it-IT" sz="1600" b="1" dirty="0" err="1">
-                <a:solidFill>
-                  <a:srgbClr val="FF0000"/>
-                </a:solidFill>
-                <a:latin typeface="Courier New" panose="02070309020205020404" pitchFamily="49" charset="0"/>
-                <a:cs typeface="Courier New" panose="02070309020205020404" pitchFamily="49" charset="0"/>
-              </a:rPr>
-              <a:t>lis</a:t>
-            </a:r>
-            <a:r>
-              <a:rPr lang="it-IT" sz="1600" b="1" dirty="0">
-                <a:solidFill>
-                  <a:srgbClr val="FF0000"/>
-                </a:solidFill>
-                <a:latin typeface="Courier New" panose="02070309020205020404" pitchFamily="49" charset="0"/>
-                <a:cs typeface="Courier New" panose="02070309020205020404" pitchFamily="49" charset="0"/>
-              </a:rPr>
-              <a:t>);</a:t>
+              <a:rPr lang="it-IT" sz="1400" b="1" dirty="0">
+                <a:latin typeface="Courier New" panose="02070309020205020404" pitchFamily="49" charset="0"/>
+                <a:cs typeface="Courier New" panose="02070309020205020404" pitchFamily="49" charset="0"/>
+              </a:rPr>
+              <a:t>                         </a:t>
+            </a:r>
+            <a:r>
+              <a:rPr lang="it-IT" sz="1400" b="1" dirty="0" err="1">
+                <a:latin typeface="Courier New" panose="02070309020205020404" pitchFamily="49" charset="0"/>
+                <a:cs typeface="Courier New" panose="02070309020205020404" pitchFamily="49" charset="0"/>
+              </a:rPr>
+              <a:t>const</a:t>
+            </a:r>
+            <a:r>
+              <a:rPr lang="it-IT" sz="1400" b="1" dirty="0">
+                <a:latin typeface="Courier New" panose="02070309020205020404" pitchFamily="49" charset="0"/>
+                <a:cs typeface="Courier New" panose="02070309020205020404" pitchFamily="49" charset="0"/>
+              </a:rPr>
+              <a:t> Lista &amp; </a:t>
+            </a:r>
+            <a:r>
+              <a:rPr lang="it-IT" sz="1400" b="1" dirty="0" err="1">
+                <a:latin typeface="Courier New" panose="02070309020205020404" pitchFamily="49" charset="0"/>
+                <a:cs typeface="Courier New" panose="02070309020205020404" pitchFamily="49" charset="0"/>
+              </a:rPr>
+              <a:t>lst</a:t>
+            </a:r>
+            <a:r>
+              <a:rPr lang="it-IT" sz="1400" b="1" dirty="0">
+                <a:latin typeface="Courier New" panose="02070309020205020404" pitchFamily="49" charset="0"/>
+                <a:cs typeface="Courier New" panose="02070309020205020404" pitchFamily="49" charset="0"/>
+              </a:rPr>
+              <a:t>) {</a:t>
             </a:r>
           </a:p>
           <a:p>
@@ -11105,11 +13435,25 @@
               <a:buNone/>
             </a:pPr>
             <a:r>
-              <a:rPr lang="it-IT" sz="1600" b="1" dirty="0">
-                <a:latin typeface="Courier New" panose="02070309020205020404" pitchFamily="49" charset="0"/>
-                <a:cs typeface="Courier New" panose="02070309020205020404" pitchFamily="49" charset="0"/>
-              </a:rPr>
-              <a:t> private:</a:t>
+              <a:rPr lang="it-IT" sz="1400" b="1" dirty="0">
+                <a:latin typeface="Courier New" panose="02070309020205020404" pitchFamily="49" charset="0"/>
+                <a:cs typeface="Courier New" panose="02070309020205020404" pitchFamily="49" charset="0"/>
+              </a:rPr>
+              <a:t>   </a:t>
+            </a:r>
+            <a:r>
+              <a:rPr lang="it-IT" sz="1400" b="1" dirty="0" err="1">
+                <a:latin typeface="Courier New" panose="02070309020205020404" pitchFamily="49" charset="0"/>
+                <a:cs typeface="Courier New" panose="02070309020205020404" pitchFamily="49" charset="0"/>
+              </a:rPr>
+              <a:t>os</a:t>
+            </a:r>
+            <a:r>
+              <a:rPr lang="it-IT" sz="1400" b="1" dirty="0">
+                <a:latin typeface="Courier New" panose="02070309020205020404" pitchFamily="49" charset="0"/>
+                <a:cs typeface="Courier New" panose="02070309020205020404" pitchFamily="49" charset="0"/>
+              </a:rPr>
+              <a:t> &lt;&lt; '{';</a:t>
             </a:r>
           </a:p>
           <a:p>
@@ -11117,11 +13461,39 @@
               <a:buNone/>
             </a:pPr>
             <a:r>
-              <a:rPr lang="it-IT" sz="1600" b="1" dirty="0">
-                <a:latin typeface="Courier New" panose="02070309020205020404" pitchFamily="49" charset="0"/>
-                <a:cs typeface="Courier New" panose="02070309020205020404" pitchFamily="49" charset="0"/>
-              </a:rPr>
-              <a:t>  link testa;</a:t>
+              <a:rPr lang="it-IT" sz="1400" b="1" dirty="0">
+                <a:latin typeface="Courier New" panose="02070309020205020404" pitchFamily="49" charset="0"/>
+                <a:cs typeface="Courier New" panose="02070309020205020404" pitchFamily="49" charset="0"/>
+              </a:rPr>
+              <a:t>   </a:t>
+            </a:r>
+            <a:r>
+              <a:rPr lang="it-IT" sz="1400" b="1" dirty="0" err="1">
+                <a:latin typeface="Courier New" panose="02070309020205020404" pitchFamily="49" charset="0"/>
+                <a:cs typeface="Courier New" panose="02070309020205020404" pitchFamily="49" charset="0"/>
+              </a:rPr>
+              <a:t>if</a:t>
+            </a:r>
+            <a:r>
+              <a:rPr lang="it-IT" sz="1400" b="1" dirty="0">
+                <a:latin typeface="Courier New" panose="02070309020205020404" pitchFamily="49" charset="0"/>
+                <a:cs typeface="Courier New" panose="02070309020205020404" pitchFamily="49" charset="0"/>
+              </a:rPr>
+              <a:t> (!</a:t>
+            </a:r>
+            <a:r>
+              <a:rPr lang="it-IT" sz="1400" b="1" dirty="0" err="1">
+                <a:latin typeface="Courier New" panose="02070309020205020404" pitchFamily="49" charset="0"/>
+                <a:cs typeface="Courier New" panose="02070309020205020404" pitchFamily="49" charset="0"/>
+              </a:rPr>
+              <a:t>lst.vuota</a:t>
+            </a:r>
+            <a:r>
+              <a:rPr lang="it-IT" sz="1400" b="1" dirty="0">
+                <a:latin typeface="Courier New" panose="02070309020205020404" pitchFamily="49" charset="0"/>
+                <a:cs typeface="Courier New" panose="02070309020205020404" pitchFamily="49" charset="0"/>
+              </a:rPr>
+              <a:t>()) {</a:t>
             </a:r>
           </a:p>
           <a:p>
@@ -11129,11 +13501,25 @@
               <a:buNone/>
             </a:pPr>
             <a:r>
-              <a:rPr lang="it-IT" sz="1600" b="1" dirty="0">
-                <a:latin typeface="Courier New" panose="02070309020205020404" pitchFamily="49" charset="0"/>
-                <a:cs typeface="Courier New" panose="02070309020205020404" pitchFamily="49" charset="0"/>
-              </a:rPr>
-              <a:t>};</a:t>
+              <a:rPr lang="it-IT" sz="1400" b="1" dirty="0">
+                <a:latin typeface="Courier New" panose="02070309020205020404" pitchFamily="49" charset="0"/>
+                <a:cs typeface="Courier New" panose="02070309020205020404" pitchFamily="49" charset="0"/>
+              </a:rPr>
+              <a:t>      Nodo * p = </a:t>
+            </a:r>
+            <a:r>
+              <a:rPr lang="it-IT" sz="1400" b="1" dirty="0" err="1">
+                <a:latin typeface="Courier New" panose="02070309020205020404" pitchFamily="49" charset="0"/>
+                <a:cs typeface="Courier New" panose="02070309020205020404" pitchFamily="49" charset="0"/>
+              </a:rPr>
+              <a:t>lst.testa</a:t>
+            </a:r>
+            <a:r>
+              <a:rPr lang="it-IT" sz="1400" b="1" dirty="0">
+                <a:latin typeface="Courier New" panose="02070309020205020404" pitchFamily="49" charset="0"/>
+                <a:cs typeface="Courier New" panose="02070309020205020404" pitchFamily="49" charset="0"/>
+              </a:rPr>
+              <a:t>;</a:t>
             </a:r>
           </a:p>
           <a:p>
@@ -11141,32 +13527,25 @@
               <a:buNone/>
             </a:pPr>
             <a:r>
-              <a:rPr lang="it-IT" sz="1600" b="1" dirty="0" err="1">
-                <a:latin typeface="Courier New" panose="02070309020205020404" pitchFamily="49" charset="0"/>
-                <a:cs typeface="Courier New" panose="02070309020205020404" pitchFamily="49" charset="0"/>
-              </a:rPr>
-              <a:t>std</a:t>
-            </a:r>
-            <a:r>
-              <a:rPr lang="it-IT" sz="1600" b="1" dirty="0">
-                <a:latin typeface="Courier New" panose="02070309020205020404" pitchFamily="49" charset="0"/>
-                <a:cs typeface="Courier New" panose="02070309020205020404" pitchFamily="49" charset="0"/>
-              </a:rPr>
-              <a:t>::</a:t>
-            </a:r>
-            <a:r>
-              <a:rPr lang="it-IT" sz="1600" b="1" dirty="0" err="1">
-                <a:latin typeface="Courier New" panose="02070309020205020404" pitchFamily="49" charset="0"/>
-                <a:cs typeface="Courier New" panose="02070309020205020404" pitchFamily="49" charset="0"/>
-              </a:rPr>
-              <a:t>ostream</a:t>
-            </a:r>
-            <a:r>
-              <a:rPr lang="it-IT" sz="1600" b="1" dirty="0">
-                <a:latin typeface="Courier New" panose="02070309020205020404" pitchFamily="49" charset="0"/>
-                <a:cs typeface="Courier New" panose="02070309020205020404" pitchFamily="49" charset="0"/>
-              </a:rPr>
-              <a:t> &amp; operator&lt;&lt;</a:t>
+              <a:rPr lang="it-IT" sz="1400" b="1" dirty="0">
+                <a:latin typeface="Courier New" panose="02070309020205020404" pitchFamily="49" charset="0"/>
+                <a:cs typeface="Courier New" panose="02070309020205020404" pitchFamily="49" charset="0"/>
+              </a:rPr>
+              <a:t>      </a:t>
+            </a:r>
+            <a:r>
+              <a:rPr lang="it-IT" sz="1400" b="1" dirty="0" err="1">
+                <a:latin typeface="Courier New" panose="02070309020205020404" pitchFamily="49" charset="0"/>
+                <a:cs typeface="Courier New" panose="02070309020205020404" pitchFamily="49" charset="0"/>
+              </a:rPr>
+              <a:t>while</a:t>
+            </a:r>
+            <a:r>
+              <a:rPr lang="it-IT" sz="1400" b="1" dirty="0">
+                <a:latin typeface="Courier New" panose="02070309020205020404" pitchFamily="49" charset="0"/>
+                <a:cs typeface="Courier New" panose="02070309020205020404" pitchFamily="49" charset="0"/>
+              </a:rPr>
+              <a:t> (p) {</a:t>
             </a:r>
           </a:p>
           <a:p>
@@ -11174,53 +13553,39 @@
               <a:buNone/>
             </a:pPr>
             <a:r>
-              <a:rPr lang="it-IT" sz="1600" b="1" dirty="0">
-                <a:latin typeface="Courier New" panose="02070309020205020404" pitchFamily="49" charset="0"/>
-                <a:cs typeface="Courier New" panose="02070309020205020404" pitchFamily="49" charset="0"/>
-              </a:rPr>
-              <a:t>    ( </a:t>
-            </a:r>
-            <a:r>
-              <a:rPr lang="it-IT" sz="1600" b="1" dirty="0" err="1">
-                <a:latin typeface="Courier New" panose="02070309020205020404" pitchFamily="49" charset="0"/>
-                <a:cs typeface="Courier New" panose="02070309020205020404" pitchFamily="49" charset="0"/>
-              </a:rPr>
-              <a:t>std</a:t>
-            </a:r>
-            <a:r>
-              <a:rPr lang="it-IT" sz="1600" b="1" dirty="0">
-                <a:latin typeface="Courier New" panose="02070309020205020404" pitchFamily="49" charset="0"/>
-                <a:cs typeface="Courier New" panose="02070309020205020404" pitchFamily="49" charset="0"/>
-              </a:rPr>
-              <a:t>::</a:t>
-            </a:r>
-            <a:r>
-              <a:rPr lang="it-IT" sz="1600" b="1" dirty="0" err="1">
-                <a:latin typeface="Courier New" panose="02070309020205020404" pitchFamily="49" charset="0"/>
-                <a:cs typeface="Courier New" panose="02070309020205020404" pitchFamily="49" charset="0"/>
-              </a:rPr>
-              <a:t>ostream</a:t>
-            </a:r>
-            <a:r>
-              <a:rPr lang="it-IT" sz="1600" b="1" dirty="0">
-                <a:latin typeface="Courier New" panose="02070309020205020404" pitchFamily="49" charset="0"/>
-                <a:cs typeface="Courier New" panose="02070309020205020404" pitchFamily="49" charset="0"/>
-              </a:rPr>
-              <a:t> &amp;out, Lista &amp;</a:t>
-            </a:r>
-            <a:r>
-              <a:rPr lang="it-IT" sz="1600" b="1" dirty="0" err="1">
-                <a:latin typeface="Courier New" panose="02070309020205020404" pitchFamily="49" charset="0"/>
-                <a:cs typeface="Courier New" panose="02070309020205020404" pitchFamily="49" charset="0"/>
-              </a:rPr>
-              <a:t>lis</a:t>
-            </a:r>
-            <a:r>
-              <a:rPr lang="it-IT" sz="1600" b="1" dirty="0">
-                <a:latin typeface="Courier New" panose="02070309020205020404" pitchFamily="49" charset="0"/>
-                <a:cs typeface="Courier New" panose="02070309020205020404" pitchFamily="49" charset="0"/>
-              </a:rPr>
-              <a:t>) {</a:t>
+              <a:rPr lang="it-IT" sz="1400" b="1" dirty="0">
+                <a:latin typeface="Courier New" panose="02070309020205020404" pitchFamily="49" charset="0"/>
+                <a:cs typeface="Courier New" panose="02070309020205020404" pitchFamily="49" charset="0"/>
+              </a:rPr>
+              <a:t>         </a:t>
+            </a:r>
+            <a:r>
+              <a:rPr lang="it-IT" sz="1400" b="1" dirty="0" err="1">
+                <a:latin typeface="Courier New" panose="02070309020205020404" pitchFamily="49" charset="0"/>
+                <a:cs typeface="Courier New" panose="02070309020205020404" pitchFamily="49" charset="0"/>
+              </a:rPr>
+              <a:t>os</a:t>
+            </a:r>
+            <a:r>
+              <a:rPr lang="it-IT" sz="1400" b="1" dirty="0">
+                <a:latin typeface="Courier New" panose="02070309020205020404" pitchFamily="49" charset="0"/>
+                <a:cs typeface="Courier New" panose="02070309020205020404" pitchFamily="49" charset="0"/>
+              </a:rPr>
+              <a:t> &lt;&lt; p-&gt;</a:t>
+            </a:r>
+            <a:r>
+              <a:rPr lang="it-IT" sz="1400" b="1" dirty="0" err="1">
+                <a:latin typeface="Courier New" panose="02070309020205020404" pitchFamily="49" charset="0"/>
+                <a:cs typeface="Courier New" panose="02070309020205020404" pitchFamily="49" charset="0"/>
+              </a:rPr>
+              <a:t>getInfo</a:t>
+            </a:r>
+            <a:r>
+              <a:rPr lang="it-IT" sz="1400" b="1" dirty="0">
+                <a:latin typeface="Courier New" panose="02070309020205020404" pitchFamily="49" charset="0"/>
+                <a:cs typeface="Courier New" panose="02070309020205020404" pitchFamily="49" charset="0"/>
+              </a:rPr>
+              <a:t>();</a:t>
             </a:r>
           </a:p>
           <a:p>
@@ -11228,21 +13593,202 @@
               <a:buNone/>
             </a:pPr>
             <a:r>
-              <a:rPr lang="it-IT" sz="1600" b="1" dirty="0">
-                <a:latin typeface="Courier New" panose="02070309020205020404" pitchFamily="49" charset="0"/>
-                <a:cs typeface="Courier New" panose="02070309020205020404" pitchFamily="49" charset="0"/>
-              </a:rPr>
-              <a:t>    link t = </a:t>
-            </a:r>
-            <a:r>
-              <a:rPr lang="it-IT" sz="1600" b="1" dirty="0" err="1">
-                <a:latin typeface="Courier New" panose="02070309020205020404" pitchFamily="49" charset="0"/>
-                <a:cs typeface="Courier New" panose="02070309020205020404" pitchFamily="49" charset="0"/>
-              </a:rPr>
-              <a:t>lis.testa</a:t>
-            </a:r>
-            <a:r>
-              <a:rPr lang="it-IT" sz="1600" b="1" dirty="0">
+              <a:rPr lang="it-IT" sz="1400" b="1" dirty="0">
+                <a:latin typeface="Courier New" panose="02070309020205020404" pitchFamily="49" charset="0"/>
+                <a:cs typeface="Courier New" panose="02070309020205020404" pitchFamily="49" charset="0"/>
+              </a:rPr>
+              <a:t>         </a:t>
+            </a:r>
+            <a:r>
+              <a:rPr lang="it-IT" sz="1400" b="1" dirty="0" err="1">
+                <a:latin typeface="Courier New" panose="02070309020205020404" pitchFamily="49" charset="0"/>
+                <a:cs typeface="Courier New" panose="02070309020205020404" pitchFamily="49" charset="0"/>
+              </a:rPr>
+              <a:t>if</a:t>
+            </a:r>
+            <a:r>
+              <a:rPr lang="it-IT" sz="1400" b="1" dirty="0">
+                <a:latin typeface="Courier New" panose="02070309020205020404" pitchFamily="49" charset="0"/>
+                <a:cs typeface="Courier New" panose="02070309020205020404" pitchFamily="49" charset="0"/>
+              </a:rPr>
+              <a:t> (p-&gt;</a:t>
+            </a:r>
+            <a:r>
+              <a:rPr lang="it-IT" sz="1400" b="1" dirty="0" err="1">
+                <a:latin typeface="Courier New" panose="02070309020205020404" pitchFamily="49" charset="0"/>
+                <a:cs typeface="Courier New" panose="02070309020205020404" pitchFamily="49" charset="0"/>
+              </a:rPr>
+              <a:t>getNext</a:t>
+            </a:r>
+            <a:r>
+              <a:rPr lang="it-IT" sz="1400" b="1" dirty="0">
+                <a:latin typeface="Courier New" panose="02070309020205020404" pitchFamily="49" charset="0"/>
+                <a:cs typeface="Courier New" panose="02070309020205020404" pitchFamily="49" charset="0"/>
+              </a:rPr>
+              <a:t>() != </a:t>
+            </a:r>
+            <a:r>
+              <a:rPr lang="it-IT" sz="1400" b="1" dirty="0" err="1">
+                <a:latin typeface="Courier New" panose="02070309020205020404" pitchFamily="49" charset="0"/>
+                <a:cs typeface="Courier New" panose="02070309020205020404" pitchFamily="49" charset="0"/>
+              </a:rPr>
+              <a:t>nullptr</a:t>
+            </a:r>
+            <a:r>
+              <a:rPr lang="it-IT" sz="1400" b="1" dirty="0">
+                <a:latin typeface="Courier New" panose="02070309020205020404" pitchFamily="49" charset="0"/>
+                <a:cs typeface="Courier New" panose="02070309020205020404" pitchFamily="49" charset="0"/>
+              </a:rPr>
+              <a:t>)</a:t>
+            </a:r>
+          </a:p>
+          <a:p>
+            <a:pPr marL="0" indent="0">
+              <a:buNone/>
+            </a:pPr>
+            <a:r>
+              <a:rPr lang="it-IT" sz="1400" b="1" dirty="0">
+                <a:latin typeface="Courier New" panose="02070309020205020404" pitchFamily="49" charset="0"/>
+                <a:cs typeface="Courier New" panose="02070309020205020404" pitchFamily="49" charset="0"/>
+              </a:rPr>
+              <a:t>		</a:t>
+            </a:r>
+            <a:r>
+              <a:rPr lang="it-IT" sz="1400" b="1" dirty="0" err="1">
+                <a:latin typeface="Courier New" panose="02070309020205020404" pitchFamily="49" charset="0"/>
+                <a:cs typeface="Courier New" panose="02070309020205020404" pitchFamily="49" charset="0"/>
+              </a:rPr>
+              <a:t>os</a:t>
+            </a:r>
+            <a:r>
+              <a:rPr lang="it-IT" sz="1400" b="1" dirty="0">
+                <a:latin typeface="Courier New" panose="02070309020205020404" pitchFamily="49" charset="0"/>
+                <a:cs typeface="Courier New" panose="02070309020205020404" pitchFamily="49" charset="0"/>
+              </a:rPr>
+              <a:t> &lt;&lt; ',';</a:t>
+            </a:r>
+          </a:p>
+          <a:p>
+            <a:pPr marL="0" indent="0">
+              <a:buNone/>
+            </a:pPr>
+            <a:r>
+              <a:rPr lang="it-IT" sz="1400" b="1" dirty="0">
+                <a:latin typeface="Courier New" panose="02070309020205020404" pitchFamily="49" charset="0"/>
+                <a:cs typeface="Courier New" panose="02070309020205020404" pitchFamily="49" charset="0"/>
+              </a:rPr>
+              <a:t>         p = p-&gt;</a:t>
+            </a:r>
+            <a:r>
+              <a:rPr lang="it-IT" sz="1400" b="1" dirty="0" err="1">
+                <a:latin typeface="Courier New" panose="02070309020205020404" pitchFamily="49" charset="0"/>
+                <a:cs typeface="Courier New" panose="02070309020205020404" pitchFamily="49" charset="0"/>
+              </a:rPr>
+              <a:t>getNext</a:t>
+            </a:r>
+            <a:r>
+              <a:rPr lang="it-IT" sz="1400" b="1" dirty="0">
+                <a:latin typeface="Courier New" panose="02070309020205020404" pitchFamily="49" charset="0"/>
+                <a:cs typeface="Courier New" panose="02070309020205020404" pitchFamily="49" charset="0"/>
+              </a:rPr>
+              <a:t>();</a:t>
+            </a:r>
+          </a:p>
+          <a:p>
+            <a:pPr marL="0" indent="0">
+              <a:buNone/>
+            </a:pPr>
+            <a:r>
+              <a:rPr lang="it-IT" sz="1400" b="1" dirty="0">
+                <a:latin typeface="Courier New" panose="02070309020205020404" pitchFamily="49" charset="0"/>
+                <a:cs typeface="Courier New" panose="02070309020205020404" pitchFamily="49" charset="0"/>
+              </a:rPr>
+              <a:t>      }</a:t>
+            </a:r>
+          </a:p>
+          <a:p>
+            <a:pPr marL="0" indent="0">
+              <a:buNone/>
+            </a:pPr>
+            <a:r>
+              <a:rPr lang="it-IT" sz="1400" b="1" dirty="0">
+                <a:latin typeface="Courier New" panose="02070309020205020404" pitchFamily="49" charset="0"/>
+                <a:cs typeface="Courier New" panose="02070309020205020404" pitchFamily="49" charset="0"/>
+              </a:rPr>
+              <a:t>   }</a:t>
+            </a:r>
+          </a:p>
+          <a:p>
+            <a:pPr marL="0" indent="0">
+              <a:buNone/>
+            </a:pPr>
+            <a:r>
+              <a:rPr lang="it-IT" sz="1400" b="1" dirty="0">
+                <a:latin typeface="Courier New" panose="02070309020205020404" pitchFamily="49" charset="0"/>
+                <a:cs typeface="Courier New" panose="02070309020205020404" pitchFamily="49" charset="0"/>
+              </a:rPr>
+              <a:t>   </a:t>
+            </a:r>
+            <a:r>
+              <a:rPr lang="it-IT" sz="1400" b="1" dirty="0" err="1">
+                <a:latin typeface="Courier New" panose="02070309020205020404" pitchFamily="49" charset="0"/>
+                <a:cs typeface="Courier New" panose="02070309020205020404" pitchFamily="49" charset="0"/>
+              </a:rPr>
+              <a:t>os</a:t>
+            </a:r>
+            <a:r>
+              <a:rPr lang="it-IT" sz="1400" b="1" dirty="0">
+                <a:latin typeface="Courier New" panose="02070309020205020404" pitchFamily="49" charset="0"/>
+                <a:cs typeface="Courier New" panose="02070309020205020404" pitchFamily="49" charset="0"/>
+              </a:rPr>
+              <a:t> </a:t>
+            </a:r>
+            <a:r>
+              <a:rPr lang="it-IT" sz="1400" b="1">
+                <a:latin typeface="Courier New" panose="02070309020205020404" pitchFamily="49" charset="0"/>
+                <a:cs typeface="Courier New" panose="02070309020205020404" pitchFamily="49" charset="0"/>
+              </a:rPr>
+              <a:t>&lt;&lt; '}';</a:t>
+            </a:r>
+            <a:endParaRPr lang="it-IT" sz="1400" b="1" dirty="0">
+              <a:latin typeface="Courier New" panose="02070309020205020404" pitchFamily="49" charset="0"/>
+              <a:cs typeface="Courier New" panose="02070309020205020404" pitchFamily="49" charset="0"/>
+            </a:endParaRPr>
+          </a:p>
+          <a:p>
+            <a:pPr marL="0" indent="0">
+              <a:buNone/>
+            </a:pPr>
+            <a:r>
+              <a:rPr lang="it-IT" sz="1400" b="1" dirty="0">
+                <a:latin typeface="Courier New" panose="02070309020205020404" pitchFamily="49" charset="0"/>
+                <a:cs typeface="Courier New" panose="02070309020205020404" pitchFamily="49" charset="0"/>
+              </a:rPr>
+              <a:t>   </a:t>
+            </a:r>
+            <a:r>
+              <a:rPr lang="it-IT" sz="1400" b="1" dirty="0" err="1">
+                <a:latin typeface="Courier New" panose="02070309020205020404" pitchFamily="49" charset="0"/>
+                <a:cs typeface="Courier New" panose="02070309020205020404" pitchFamily="49" charset="0"/>
+              </a:rPr>
+              <a:t>return</a:t>
+            </a:r>
+            <a:r>
+              <a:rPr lang="it-IT" sz="1400" b="1" dirty="0">
+                <a:latin typeface="Courier New" panose="02070309020205020404" pitchFamily="49" charset="0"/>
+                <a:cs typeface="Courier New" panose="02070309020205020404" pitchFamily="49" charset="0"/>
+              </a:rPr>
+              <a:t> </a:t>
+            </a:r>
+            <a:r>
+              <a:rPr lang="it-IT" sz="1400" b="1" dirty="0" err="1">
+                <a:latin typeface="Courier New" panose="02070309020205020404" pitchFamily="49" charset="0"/>
+                <a:cs typeface="Courier New" panose="02070309020205020404" pitchFamily="49" charset="0"/>
+              </a:rPr>
+              <a:t>os</a:t>
+            </a:r>
+            <a:r>
+              <a:rPr lang="it-IT" sz="1400" b="1" dirty="0">
                 <a:latin typeface="Courier New" panose="02070309020205020404" pitchFamily="49" charset="0"/>
                 <a:cs typeface="Courier New" panose="02070309020205020404" pitchFamily="49" charset="0"/>
               </a:rPr>
@@ -11254,151 +13800,7 @@
               <a:buNone/>
             </a:pPr>
             <a:r>
-              <a:rPr lang="it-IT" sz="1600" b="1" dirty="0">
-                <a:latin typeface="Courier New" panose="02070309020205020404" pitchFamily="49" charset="0"/>
-                <a:cs typeface="Courier New" panose="02070309020205020404" pitchFamily="49" charset="0"/>
-              </a:rPr>
-              <a:t>    </a:t>
-            </a:r>
-            <a:r>
-              <a:rPr lang="it-IT" sz="1600" b="1" dirty="0" err="1">
-                <a:latin typeface="Courier New" panose="02070309020205020404" pitchFamily="49" charset="0"/>
-                <a:cs typeface="Courier New" panose="02070309020205020404" pitchFamily="49" charset="0"/>
-              </a:rPr>
-              <a:t>while</a:t>
-            </a:r>
-            <a:r>
-              <a:rPr lang="it-IT" sz="1600" b="1" dirty="0">
-                <a:latin typeface="Courier New" panose="02070309020205020404" pitchFamily="49" charset="0"/>
-                <a:cs typeface="Courier New" panose="02070309020205020404" pitchFamily="49" charset="0"/>
-              </a:rPr>
-              <a:t> (t!=</a:t>
-            </a:r>
-            <a:r>
-              <a:rPr lang="it-IT" sz="1600" b="1" dirty="0" err="1">
-                <a:latin typeface="Courier New" panose="02070309020205020404" pitchFamily="49" charset="0"/>
-                <a:cs typeface="Courier New" panose="02070309020205020404" pitchFamily="49" charset="0"/>
-              </a:rPr>
-              <a:t>nullptr</a:t>
-            </a:r>
-            <a:r>
-              <a:rPr lang="it-IT" sz="1600" b="1" dirty="0">
-                <a:latin typeface="Courier New" panose="02070309020205020404" pitchFamily="49" charset="0"/>
-                <a:cs typeface="Courier New" panose="02070309020205020404" pitchFamily="49" charset="0"/>
-              </a:rPr>
-              <a:t>) {</a:t>
-            </a:r>
-          </a:p>
-          <a:p>
-            <a:pPr marL="0" indent="0">
-              <a:buNone/>
-            </a:pPr>
-            <a:r>
-              <a:rPr lang="it-IT" sz="1600" b="1" dirty="0">
-                <a:latin typeface="Courier New" panose="02070309020205020404" pitchFamily="49" charset="0"/>
-                <a:cs typeface="Courier New" panose="02070309020205020404" pitchFamily="49" charset="0"/>
-              </a:rPr>
-              <a:t>        out &lt;&lt; t-&gt;</a:t>
-            </a:r>
-            <a:r>
-              <a:rPr lang="it-IT" sz="1600" b="1" dirty="0" err="1">
-                <a:latin typeface="Courier New" panose="02070309020205020404" pitchFamily="49" charset="0"/>
-                <a:cs typeface="Courier New" panose="02070309020205020404" pitchFamily="49" charset="0"/>
-              </a:rPr>
-              <a:t>getInfo</a:t>
-            </a:r>
-            <a:r>
-              <a:rPr lang="it-IT" sz="1600" b="1" dirty="0">
-                <a:latin typeface="Courier New" panose="02070309020205020404" pitchFamily="49" charset="0"/>
-                <a:cs typeface="Courier New" panose="02070309020205020404" pitchFamily="49" charset="0"/>
-              </a:rPr>
-              <a:t>() &lt;&lt; " -&gt; ";</a:t>
-            </a:r>
-          </a:p>
-          <a:p>
-            <a:pPr marL="0" indent="0">
-              <a:buNone/>
-            </a:pPr>
-            <a:r>
-              <a:rPr lang="it-IT" sz="1600" b="1" dirty="0">
-                <a:latin typeface="Courier New" panose="02070309020205020404" pitchFamily="49" charset="0"/>
-                <a:cs typeface="Courier New" panose="02070309020205020404" pitchFamily="49" charset="0"/>
-              </a:rPr>
-              <a:t>        t = t-&gt;</a:t>
-            </a:r>
-            <a:r>
-              <a:rPr lang="it-IT" sz="1600" b="1" dirty="0" err="1">
-                <a:latin typeface="Courier New" panose="02070309020205020404" pitchFamily="49" charset="0"/>
-                <a:cs typeface="Courier New" panose="02070309020205020404" pitchFamily="49" charset="0"/>
-              </a:rPr>
-              <a:t>getNext</a:t>
-            </a:r>
-            <a:r>
-              <a:rPr lang="it-IT" sz="1600" b="1" dirty="0">
-                <a:latin typeface="Courier New" panose="02070309020205020404" pitchFamily="49" charset="0"/>
-                <a:cs typeface="Courier New" panose="02070309020205020404" pitchFamily="49" charset="0"/>
-              </a:rPr>
-              <a:t>();</a:t>
-            </a:r>
-          </a:p>
-          <a:p>
-            <a:pPr marL="0" indent="0">
-              <a:buNone/>
-            </a:pPr>
-            <a:r>
-              <a:rPr lang="it-IT" sz="1600" b="1" dirty="0">
-                <a:latin typeface="Courier New" panose="02070309020205020404" pitchFamily="49" charset="0"/>
-                <a:cs typeface="Courier New" panose="02070309020205020404" pitchFamily="49" charset="0"/>
-              </a:rPr>
-              <a:t>    }</a:t>
-            </a:r>
-          </a:p>
-          <a:p>
-            <a:pPr marL="0" indent="0">
-              <a:buNone/>
-            </a:pPr>
-            <a:r>
-              <a:rPr lang="it-IT" sz="1600" b="1" dirty="0">
-                <a:latin typeface="Courier New" panose="02070309020205020404" pitchFamily="49" charset="0"/>
-                <a:cs typeface="Courier New" panose="02070309020205020404" pitchFamily="49" charset="0"/>
-              </a:rPr>
-              <a:t>    out &lt;&lt; "// " &lt;&lt; </a:t>
-            </a:r>
-            <a:r>
-              <a:rPr lang="it-IT" sz="1600" b="1" dirty="0" err="1">
-                <a:latin typeface="Courier New" panose="02070309020205020404" pitchFamily="49" charset="0"/>
-                <a:cs typeface="Courier New" panose="02070309020205020404" pitchFamily="49" charset="0"/>
-              </a:rPr>
-              <a:t>std</a:t>
-            </a:r>
-            <a:r>
-              <a:rPr lang="it-IT" sz="1600" b="1" dirty="0">
-                <a:latin typeface="Courier New" panose="02070309020205020404" pitchFamily="49" charset="0"/>
-                <a:cs typeface="Courier New" panose="02070309020205020404" pitchFamily="49" charset="0"/>
-              </a:rPr>
-              <a:t>::</a:t>
-            </a:r>
-            <a:r>
-              <a:rPr lang="it-IT" sz="1600" b="1" dirty="0" err="1">
-                <a:latin typeface="Courier New" panose="02070309020205020404" pitchFamily="49" charset="0"/>
-                <a:cs typeface="Courier New" panose="02070309020205020404" pitchFamily="49" charset="0"/>
-              </a:rPr>
-              <a:t>endl</a:t>
-            </a:r>
-            <a:r>
-              <a:rPr lang="it-IT" sz="1600" b="1" dirty="0">
-                <a:latin typeface="Courier New" panose="02070309020205020404" pitchFamily="49" charset="0"/>
-                <a:cs typeface="Courier New" panose="02070309020205020404" pitchFamily="49" charset="0"/>
-              </a:rPr>
-              <a:t>;</a:t>
-            </a:r>
-          </a:p>
-          <a:p>
-            <a:pPr marL="0" indent="0">
-              <a:buNone/>
-            </a:pPr>
-            <a:r>
-              <a:rPr lang="it-IT" sz="1600" b="1" dirty="0">
+              <a:rPr lang="it-IT" sz="1400" b="1" dirty="0">
                 <a:latin typeface="Courier New" panose="02070309020205020404" pitchFamily="49" charset="0"/>
                 <a:cs typeface="Courier New" panose="02070309020205020404" pitchFamily="49" charset="0"/>
               </a:rPr>
@@ -12493,10 +14895,10 @@
       </p:sp>
       <p:pic>
         <p:nvPicPr>
-          <p:cNvPr id="5" name="Immagine 4">
+          <p:cNvPr id="8" name="Immagine 7">
             <a:extLst>
               <a:ext uri="{FF2B5EF4-FFF2-40B4-BE49-F238E27FC236}">
-                <a16:creationId xmlns:a16="http://schemas.microsoft.com/office/drawing/2014/main" id="{3E12B0D1-3188-4843-887D-6851D0E29D68}"/>
+                <a16:creationId xmlns:a16="http://schemas.microsoft.com/office/drawing/2014/main" id="{0B724137-3E0B-4E6F-A908-60FD86C8C5E7}"/>
               </a:ext>
             </a:extLst>
           </p:cNvPr>
@@ -12506,15 +14908,21 @@
           <p:nvPr/>
         </p:nvPicPr>
         <p:blipFill>
-          <a:blip r:embed="rId2"/>
+          <a:blip r:embed="rId2">
+            <a:extLst>
+              <a:ext uri="{28A0092B-C50C-407E-A947-70E740481C1C}">
+                <a14:useLocalDpi xmlns:a14="http://schemas.microsoft.com/office/drawing/2010/main" val="0"/>
+              </a:ext>
+            </a:extLst>
+          </a:blip>
           <a:stretch>
             <a:fillRect/>
           </a:stretch>
         </p:blipFill>
         <p:spPr>
           <a:xfrm>
-            <a:off x="6384032" y="1534857"/>
-            <a:ext cx="4878775" cy="1317861"/>
+            <a:off x="5950959" y="1600214"/>
+            <a:ext cx="5616624" cy="820127"/>
           </a:xfrm>
           <a:prstGeom prst="rect">
             <a:avLst/>
@@ -12523,10 +14931,10 @@
       </p:pic>
       <p:pic>
         <p:nvPicPr>
-          <p:cNvPr id="7" name="Immagine 6">
+          <p:cNvPr id="12" name="Immagine 11">
             <a:extLst>
               <a:ext uri="{FF2B5EF4-FFF2-40B4-BE49-F238E27FC236}">
-                <a16:creationId xmlns:a16="http://schemas.microsoft.com/office/drawing/2014/main" id="{6FCB283F-6ADB-4E80-AF27-28C10E8DDDBD}"/>
+                <a16:creationId xmlns:a16="http://schemas.microsoft.com/office/drawing/2014/main" id="{77883448-75F8-4331-9474-5FC4C1466CDB}"/>
               </a:ext>
             </a:extLst>
           </p:cNvPr>
@@ -12536,15 +14944,57 @@
           <p:nvPr/>
         </p:nvPicPr>
         <p:blipFill>
-          <a:blip r:embed="rId3"/>
+          <a:blip r:embed="rId3">
+            <a:extLst>
+              <a:ext uri="{28A0092B-C50C-407E-A947-70E740481C1C}">
+                <a14:useLocalDpi xmlns:a14="http://schemas.microsoft.com/office/drawing/2010/main" val="0"/>
+              </a:ext>
+            </a:extLst>
+          </a:blip>
           <a:stretch>
             <a:fillRect/>
           </a:stretch>
         </p:blipFill>
         <p:spPr>
           <a:xfrm>
-            <a:off x="7032104" y="3789040"/>
-            <a:ext cx="4087602" cy="1317861"/>
+            <a:off x="6009217" y="2996603"/>
+            <a:ext cx="6048672" cy="1049770"/>
+          </a:xfrm>
+          <a:prstGeom prst="rect">
+            <a:avLst/>
+          </a:prstGeom>
+        </p:spPr>
+      </p:pic>
+      <p:pic>
+        <p:nvPicPr>
+          <p:cNvPr id="14" name="Immagine 13">
+            <a:extLst>
+              <a:ext uri="{FF2B5EF4-FFF2-40B4-BE49-F238E27FC236}">
+                <a16:creationId xmlns:a16="http://schemas.microsoft.com/office/drawing/2014/main" id="{9834399D-9749-4301-A066-F4D93F98607C}"/>
+              </a:ext>
+            </a:extLst>
+          </p:cNvPr>
+          <p:cNvPicPr>
+            <a:picLocks noChangeAspect="1"/>
+          </p:cNvPicPr>
+          <p:nvPr/>
+        </p:nvPicPr>
+        <p:blipFill>
+          <a:blip r:embed="rId4">
+            <a:extLst>
+              <a:ext uri="{28A0092B-C50C-407E-A947-70E740481C1C}">
+                <a14:useLocalDpi xmlns:a14="http://schemas.microsoft.com/office/drawing/2010/main" val="0"/>
+              </a:ext>
+            </a:extLst>
+          </a:blip>
+          <a:stretch>
+            <a:fillRect/>
+          </a:stretch>
+        </p:blipFill>
+        <p:spPr>
+          <a:xfrm>
+            <a:off x="6215010" y="4731671"/>
+            <a:ext cx="4943859" cy="711980"/>
           </a:xfrm>
           <a:prstGeom prst="rect">
             <a:avLst/>
@@ -13466,7 +15916,7 @@
                 <a:latin typeface="Courier New" panose="02070309020205020404" pitchFamily="49" charset="0"/>
                 <a:cs typeface="Courier New" panose="02070309020205020404" pitchFamily="49" charset="0"/>
               </a:rPr>
-              <a:t>  public:</a:t>
+              <a:t>private:</a:t>
             </a:r>
           </a:p>
           <a:p>
@@ -13478,353 +15928,7 @@
                 <a:latin typeface="Courier New" panose="02070309020205020404" pitchFamily="49" charset="0"/>
                 <a:cs typeface="Courier New" panose="02070309020205020404" pitchFamily="49" charset="0"/>
               </a:rPr>
-              <a:t>    Nodo();</a:t>
-            </a:r>
-          </a:p>
-          <a:p>
-            <a:pPr marL="0" indent="0">
-              <a:buNone/>
-            </a:pPr>
-            <a:r>
-              <a:rPr lang="it-IT" sz="1600" b="1" dirty="0">
-                <a:latin typeface="Courier New" panose="02070309020205020404" pitchFamily="49" charset="0"/>
-                <a:cs typeface="Courier New" panose="02070309020205020404" pitchFamily="49" charset="0"/>
-              </a:rPr>
-              <a:t>    Nodo(</a:t>
-            </a:r>
-            <a:r>
-              <a:rPr lang="it-IT" sz="1600" b="1" dirty="0" err="1">
-                <a:latin typeface="Courier New" panose="02070309020205020404" pitchFamily="49" charset="0"/>
-                <a:cs typeface="Courier New" panose="02070309020205020404" pitchFamily="49" charset="0"/>
-              </a:rPr>
-              <a:t>std</a:t>
-            </a:r>
-            <a:r>
-              <a:rPr lang="it-IT" sz="1600" b="1" dirty="0">
-                <a:latin typeface="Courier New" panose="02070309020205020404" pitchFamily="49" charset="0"/>
-                <a:cs typeface="Courier New" panose="02070309020205020404" pitchFamily="49" charset="0"/>
-              </a:rPr>
-              <a:t>::</a:t>
-            </a:r>
-            <a:r>
-              <a:rPr lang="it-IT" sz="1600" b="1" dirty="0" err="1">
-                <a:latin typeface="Courier New" panose="02070309020205020404" pitchFamily="49" charset="0"/>
-                <a:cs typeface="Courier New" panose="02070309020205020404" pitchFamily="49" charset="0"/>
-              </a:rPr>
-              <a:t>string</a:t>
-            </a:r>
-            <a:r>
-              <a:rPr lang="it-IT" sz="1600" b="1" dirty="0">
-                <a:latin typeface="Courier New" panose="02070309020205020404" pitchFamily="49" charset="0"/>
-                <a:cs typeface="Courier New" panose="02070309020205020404" pitchFamily="49" charset="0"/>
-              </a:rPr>
-              <a:t> s);</a:t>
-            </a:r>
-          </a:p>
-          <a:p>
-            <a:pPr marL="0" indent="0">
-              <a:buNone/>
-            </a:pPr>
-            <a:r>
-              <a:rPr lang="it-IT" sz="1600" b="1" dirty="0">
-                <a:latin typeface="Courier New" panose="02070309020205020404" pitchFamily="49" charset="0"/>
-                <a:cs typeface="Courier New" panose="02070309020205020404" pitchFamily="49" charset="0"/>
-              </a:rPr>
-              <a:t>    Nodo(</a:t>
-            </a:r>
-            <a:r>
-              <a:rPr lang="it-IT" sz="1600" b="1" dirty="0" err="1">
-                <a:latin typeface="Courier New" panose="02070309020205020404" pitchFamily="49" charset="0"/>
-                <a:cs typeface="Courier New" panose="02070309020205020404" pitchFamily="49" charset="0"/>
-              </a:rPr>
-              <a:t>string</a:t>
-            </a:r>
-            <a:r>
-              <a:rPr lang="it-IT" sz="1600" b="1" dirty="0">
-                <a:latin typeface="Courier New" panose="02070309020205020404" pitchFamily="49" charset="0"/>
-                <a:cs typeface="Courier New" panose="02070309020205020404" pitchFamily="49" charset="0"/>
-              </a:rPr>
-              <a:t> s, Nodo* n);</a:t>
-            </a:r>
-          </a:p>
-          <a:p>
-            <a:pPr marL="0" indent="0">
-              <a:buNone/>
-            </a:pPr>
-            <a:r>
-              <a:rPr lang="it-IT" sz="1600" b="1" dirty="0">
-                <a:latin typeface="Courier New" panose="02070309020205020404" pitchFamily="49" charset="0"/>
-                <a:cs typeface="Courier New" panose="02070309020205020404" pitchFamily="49" charset="0"/>
-              </a:rPr>
-              <a:t>    </a:t>
-            </a:r>
-            <a:r>
-              <a:rPr lang="it-IT" sz="1600" b="1" dirty="0" err="1">
-                <a:latin typeface="Courier New" panose="02070309020205020404" pitchFamily="49" charset="0"/>
-                <a:cs typeface="Courier New" panose="02070309020205020404" pitchFamily="49" charset="0"/>
-              </a:rPr>
-              <a:t>virtual</a:t>
-            </a:r>
-            <a:r>
-              <a:rPr lang="it-IT" sz="1600" b="1" dirty="0">
-                <a:latin typeface="Courier New" panose="02070309020205020404" pitchFamily="49" charset="0"/>
-                <a:cs typeface="Courier New" panose="02070309020205020404" pitchFamily="49" charset="0"/>
-              </a:rPr>
-              <a:t> ~Nodo();</a:t>
-            </a:r>
-          </a:p>
-          <a:p>
-            <a:pPr marL="0" indent="0">
-              <a:buNone/>
-            </a:pPr>
-            <a:r>
-              <a:rPr lang="it-IT" sz="1600" b="1" dirty="0">
-                <a:latin typeface="Courier New" panose="02070309020205020404" pitchFamily="49" charset="0"/>
-                <a:cs typeface="Courier New" panose="02070309020205020404" pitchFamily="49" charset="0"/>
-              </a:rPr>
-              <a:t>    </a:t>
-            </a:r>
-            <a:r>
-              <a:rPr lang="it-IT" sz="1600" b="1" dirty="0" err="1">
-                <a:latin typeface="Courier New" panose="02070309020205020404" pitchFamily="49" charset="0"/>
-                <a:cs typeface="Courier New" panose="02070309020205020404" pitchFamily="49" charset="0"/>
-              </a:rPr>
-              <a:t>std</a:t>
-            </a:r>
-            <a:r>
-              <a:rPr lang="it-IT" sz="1600" b="1" dirty="0">
-                <a:latin typeface="Courier New" panose="02070309020205020404" pitchFamily="49" charset="0"/>
-                <a:cs typeface="Courier New" panose="02070309020205020404" pitchFamily="49" charset="0"/>
-              </a:rPr>
-              <a:t>::</a:t>
-            </a:r>
-            <a:r>
-              <a:rPr lang="it-IT" sz="1600" b="1" dirty="0" err="1">
-                <a:latin typeface="Courier New" panose="02070309020205020404" pitchFamily="49" charset="0"/>
-                <a:cs typeface="Courier New" panose="02070309020205020404" pitchFamily="49" charset="0"/>
-              </a:rPr>
-              <a:t>string</a:t>
-            </a:r>
-            <a:r>
-              <a:rPr lang="it-IT" sz="1600" b="1" dirty="0">
-                <a:latin typeface="Courier New" panose="02070309020205020404" pitchFamily="49" charset="0"/>
-                <a:cs typeface="Courier New" panose="02070309020205020404" pitchFamily="49" charset="0"/>
-              </a:rPr>
-              <a:t> </a:t>
-            </a:r>
-            <a:r>
-              <a:rPr lang="it-IT" sz="1600" b="1" dirty="0" err="1">
-                <a:latin typeface="Courier New" panose="02070309020205020404" pitchFamily="49" charset="0"/>
-                <a:cs typeface="Courier New" panose="02070309020205020404" pitchFamily="49" charset="0"/>
-              </a:rPr>
-              <a:t>getInfo</a:t>
-            </a:r>
-            <a:r>
-              <a:rPr lang="it-IT" sz="1600" b="1" dirty="0">
-                <a:latin typeface="Courier New" panose="02070309020205020404" pitchFamily="49" charset="0"/>
-                <a:cs typeface="Courier New" panose="02070309020205020404" pitchFamily="49" charset="0"/>
-              </a:rPr>
-              <a:t>() { </a:t>
-            </a:r>
-            <a:r>
-              <a:rPr lang="it-IT" sz="1600" b="1" dirty="0" err="1">
-                <a:latin typeface="Courier New" panose="02070309020205020404" pitchFamily="49" charset="0"/>
-                <a:cs typeface="Courier New" panose="02070309020205020404" pitchFamily="49" charset="0"/>
-              </a:rPr>
-              <a:t>return</a:t>
-            </a:r>
-            <a:r>
-              <a:rPr lang="it-IT" sz="1600" b="1" dirty="0">
-                <a:latin typeface="Courier New" panose="02070309020205020404" pitchFamily="49" charset="0"/>
-                <a:cs typeface="Courier New" panose="02070309020205020404" pitchFamily="49" charset="0"/>
-              </a:rPr>
-              <a:t> info; }</a:t>
-            </a:r>
-          </a:p>
-          <a:p>
-            <a:pPr marL="0" indent="0">
-              <a:buNone/>
-            </a:pPr>
-            <a:r>
-              <a:rPr lang="it-IT" sz="1600" b="1" dirty="0">
-                <a:latin typeface="Courier New" panose="02070309020205020404" pitchFamily="49" charset="0"/>
-                <a:cs typeface="Courier New" panose="02070309020205020404" pitchFamily="49" charset="0"/>
-              </a:rPr>
-              <a:t>    </a:t>
-            </a:r>
-            <a:r>
-              <a:rPr lang="it-IT" sz="1600" b="1" dirty="0" err="1">
-                <a:latin typeface="Courier New" panose="02070309020205020404" pitchFamily="49" charset="0"/>
-                <a:cs typeface="Courier New" panose="02070309020205020404" pitchFamily="49" charset="0"/>
-              </a:rPr>
-              <a:t>void</a:t>
-            </a:r>
-            <a:r>
-              <a:rPr lang="it-IT" sz="1600" b="1" dirty="0">
-                <a:latin typeface="Courier New" panose="02070309020205020404" pitchFamily="49" charset="0"/>
-                <a:cs typeface="Courier New" panose="02070309020205020404" pitchFamily="49" charset="0"/>
-              </a:rPr>
-              <a:t> </a:t>
-            </a:r>
-            <a:r>
-              <a:rPr lang="it-IT" sz="1600" b="1" dirty="0" err="1">
-                <a:latin typeface="Courier New" panose="02070309020205020404" pitchFamily="49" charset="0"/>
-                <a:cs typeface="Courier New" panose="02070309020205020404" pitchFamily="49" charset="0"/>
-              </a:rPr>
-              <a:t>setInfo</a:t>
-            </a:r>
-            <a:r>
-              <a:rPr lang="it-IT" sz="1600" b="1" dirty="0">
-                <a:latin typeface="Courier New" panose="02070309020205020404" pitchFamily="49" charset="0"/>
-                <a:cs typeface="Courier New" panose="02070309020205020404" pitchFamily="49" charset="0"/>
-              </a:rPr>
-              <a:t>(</a:t>
-            </a:r>
-            <a:r>
-              <a:rPr lang="it-IT" sz="1600" b="1" dirty="0" err="1">
-                <a:latin typeface="Courier New" panose="02070309020205020404" pitchFamily="49" charset="0"/>
-                <a:cs typeface="Courier New" panose="02070309020205020404" pitchFamily="49" charset="0"/>
-              </a:rPr>
-              <a:t>string</a:t>
-            </a:r>
-            <a:r>
-              <a:rPr lang="it-IT" sz="1600" b="1" dirty="0">
-                <a:latin typeface="Courier New" panose="02070309020205020404" pitchFamily="49" charset="0"/>
-                <a:cs typeface="Courier New" panose="02070309020205020404" pitchFamily="49" charset="0"/>
-              </a:rPr>
-              <a:t> val) { info=val; }</a:t>
-            </a:r>
-          </a:p>
-          <a:p>
-            <a:pPr marL="0" indent="0">
-              <a:buNone/>
-            </a:pPr>
-            <a:r>
-              <a:rPr lang="it-IT" sz="1600" b="1" dirty="0">
-                <a:latin typeface="Courier New" panose="02070309020205020404" pitchFamily="49" charset="0"/>
-                <a:cs typeface="Courier New" panose="02070309020205020404" pitchFamily="49" charset="0"/>
-              </a:rPr>
-              <a:t>    Nodo* </a:t>
-            </a:r>
-            <a:r>
-              <a:rPr lang="it-IT" sz="1600" b="1" dirty="0" err="1">
-                <a:latin typeface="Courier New" panose="02070309020205020404" pitchFamily="49" charset="0"/>
-                <a:cs typeface="Courier New" panose="02070309020205020404" pitchFamily="49" charset="0"/>
-              </a:rPr>
-              <a:t>getNext</a:t>
-            </a:r>
-            <a:r>
-              <a:rPr lang="it-IT" sz="1600" b="1" dirty="0">
-                <a:latin typeface="Courier New" panose="02070309020205020404" pitchFamily="49" charset="0"/>
-                <a:cs typeface="Courier New" panose="02070309020205020404" pitchFamily="49" charset="0"/>
-              </a:rPr>
-              <a:t>() { </a:t>
-            </a:r>
-            <a:r>
-              <a:rPr lang="it-IT" sz="1600" b="1" dirty="0" err="1">
-                <a:latin typeface="Courier New" panose="02070309020205020404" pitchFamily="49" charset="0"/>
-                <a:cs typeface="Courier New" panose="02070309020205020404" pitchFamily="49" charset="0"/>
-              </a:rPr>
-              <a:t>return</a:t>
-            </a:r>
-            <a:r>
-              <a:rPr lang="it-IT" sz="1600" b="1" dirty="0">
-                <a:latin typeface="Courier New" panose="02070309020205020404" pitchFamily="49" charset="0"/>
-                <a:cs typeface="Courier New" panose="02070309020205020404" pitchFamily="49" charset="0"/>
-              </a:rPr>
-              <a:t> </a:t>
-            </a:r>
-            <a:r>
-              <a:rPr lang="it-IT" sz="1600" b="1" dirty="0" err="1">
-                <a:latin typeface="Courier New" panose="02070309020205020404" pitchFamily="49" charset="0"/>
-                <a:cs typeface="Courier New" panose="02070309020205020404" pitchFamily="49" charset="0"/>
-              </a:rPr>
-              <a:t>next</a:t>
-            </a:r>
-            <a:r>
-              <a:rPr lang="it-IT" sz="1600" b="1" dirty="0">
-                <a:latin typeface="Courier New" panose="02070309020205020404" pitchFamily="49" charset="0"/>
-                <a:cs typeface="Courier New" panose="02070309020205020404" pitchFamily="49" charset="0"/>
-              </a:rPr>
-              <a:t>; }</a:t>
-            </a:r>
-          </a:p>
-          <a:p>
-            <a:pPr marL="0" indent="0">
-              <a:buNone/>
-            </a:pPr>
-            <a:r>
-              <a:rPr lang="it-IT" sz="1600" b="1" dirty="0">
-                <a:latin typeface="Courier New" panose="02070309020205020404" pitchFamily="49" charset="0"/>
-                <a:cs typeface="Courier New" panose="02070309020205020404" pitchFamily="49" charset="0"/>
-              </a:rPr>
-              <a:t>    </a:t>
-            </a:r>
-            <a:r>
-              <a:rPr lang="it-IT" sz="1600" b="1" dirty="0" err="1">
-                <a:latin typeface="Courier New" panose="02070309020205020404" pitchFamily="49" charset="0"/>
-                <a:cs typeface="Courier New" panose="02070309020205020404" pitchFamily="49" charset="0"/>
-              </a:rPr>
-              <a:t>void</a:t>
-            </a:r>
-            <a:r>
-              <a:rPr lang="it-IT" sz="1600" b="1" dirty="0">
-                <a:latin typeface="Courier New" panose="02070309020205020404" pitchFamily="49" charset="0"/>
-                <a:cs typeface="Courier New" panose="02070309020205020404" pitchFamily="49" charset="0"/>
-              </a:rPr>
-              <a:t> </a:t>
-            </a:r>
-            <a:r>
-              <a:rPr lang="it-IT" sz="1600" b="1" dirty="0" err="1">
-                <a:latin typeface="Courier New" panose="02070309020205020404" pitchFamily="49" charset="0"/>
-                <a:cs typeface="Courier New" panose="02070309020205020404" pitchFamily="49" charset="0"/>
-              </a:rPr>
-              <a:t>setNext</a:t>
-            </a:r>
-            <a:r>
-              <a:rPr lang="it-IT" sz="1600" b="1" dirty="0">
-                <a:latin typeface="Courier New" panose="02070309020205020404" pitchFamily="49" charset="0"/>
-                <a:cs typeface="Courier New" panose="02070309020205020404" pitchFamily="49" charset="0"/>
-              </a:rPr>
-              <a:t>(Nodo* v) { </a:t>
-            </a:r>
-            <a:r>
-              <a:rPr lang="it-IT" sz="1600" b="1" dirty="0" err="1">
-                <a:latin typeface="Courier New" panose="02070309020205020404" pitchFamily="49" charset="0"/>
-                <a:cs typeface="Courier New" panose="02070309020205020404" pitchFamily="49" charset="0"/>
-              </a:rPr>
-              <a:t>next</a:t>
-            </a:r>
-            <a:r>
-              <a:rPr lang="it-IT" sz="1600" b="1" dirty="0">
-                <a:latin typeface="Courier New" panose="02070309020205020404" pitchFamily="49" charset="0"/>
-                <a:cs typeface="Courier New" panose="02070309020205020404" pitchFamily="49" charset="0"/>
-              </a:rPr>
-              <a:t> = v; }</a:t>
-            </a:r>
-          </a:p>
-          <a:p>
-            <a:pPr marL="0" indent="0">
-              <a:buNone/>
-            </a:pPr>
-            <a:r>
-              <a:rPr lang="it-IT" sz="1600" b="1" dirty="0">
-                <a:latin typeface="Courier New" panose="02070309020205020404" pitchFamily="49" charset="0"/>
-                <a:cs typeface="Courier New" panose="02070309020205020404" pitchFamily="49" charset="0"/>
-              </a:rPr>
-              <a:t>  private:</a:t>
-            </a:r>
-          </a:p>
-          <a:p>
-            <a:pPr marL="0" indent="0">
-              <a:buNone/>
-            </a:pPr>
-            <a:r>
-              <a:rPr lang="it-IT" sz="1600" b="1" dirty="0">
-                <a:latin typeface="Courier New" panose="02070309020205020404" pitchFamily="49" charset="0"/>
-                <a:cs typeface="Courier New" panose="02070309020205020404" pitchFamily="49" charset="0"/>
-              </a:rPr>
-              <a:t>    </a:t>
+              <a:t>   </a:t>
             </a:r>
             <a:r>
               <a:rPr lang="it-IT" sz="1600" b="1" dirty="0" err="1">
@@ -13867,7 +15971,17 @@
                 <a:latin typeface="Courier New" panose="02070309020205020404" pitchFamily="49" charset="0"/>
                 <a:cs typeface="Courier New" panose="02070309020205020404" pitchFamily="49" charset="0"/>
               </a:rPr>
-              <a:t>    Nodo* </a:t>
+              <a:t>   Nodo</a:t>
+            </a:r>
+            <a:r>
+              <a:rPr lang="it-IT" sz="1600" b="1" dirty="0">
+                <a:solidFill>
+                  <a:srgbClr val="FF0000"/>
+                </a:solidFill>
+                <a:latin typeface="Courier New" panose="02070309020205020404" pitchFamily="49" charset="0"/>
+                <a:cs typeface="Courier New" panose="02070309020205020404" pitchFamily="49" charset="0"/>
+              </a:rPr>
+              <a:t>* </a:t>
             </a:r>
             <a:r>
               <a:rPr lang="it-IT" sz="1600" b="1" dirty="0" err="1">
@@ -13896,7 +16010,250 @@
                 <a:latin typeface="Courier New" panose="02070309020205020404" pitchFamily="49" charset="0"/>
                 <a:cs typeface="Courier New" panose="02070309020205020404" pitchFamily="49" charset="0"/>
               </a:rPr>
-              <a:t>};</a:t>
+              <a:t>public:</a:t>
+            </a:r>
+          </a:p>
+          <a:p>
+            <a:pPr marL="0" indent="0">
+              <a:buNone/>
+            </a:pPr>
+            <a:r>
+              <a:rPr lang="it-IT" sz="1600" b="1" dirty="0">
+                <a:latin typeface="Courier New" panose="02070309020205020404" pitchFamily="49" charset="0"/>
+                <a:cs typeface="Courier New" panose="02070309020205020404" pitchFamily="49" charset="0"/>
+              </a:rPr>
+              <a:t>   </a:t>
+            </a:r>
+            <a:r>
+              <a:rPr lang="it-IT" sz="1600" b="1" dirty="0">
+                <a:solidFill>
+                  <a:srgbClr val="FF0000"/>
+                </a:solidFill>
+                <a:latin typeface="Courier New" panose="02070309020205020404" pitchFamily="49" charset="0"/>
+                <a:cs typeface="Courier New" panose="02070309020205020404" pitchFamily="49" charset="0"/>
+              </a:rPr>
+              <a:t>Nodo</a:t>
+            </a:r>
+            <a:r>
+              <a:rPr lang="it-IT" sz="1600" b="1" dirty="0">
+                <a:latin typeface="Courier New" panose="02070309020205020404" pitchFamily="49" charset="0"/>
+                <a:cs typeface="Courier New" panose="02070309020205020404" pitchFamily="49" charset="0"/>
+              </a:rPr>
+              <a:t> (</a:t>
+            </a:r>
+            <a:r>
+              <a:rPr lang="it-IT" sz="1600" b="1" dirty="0" err="1">
+                <a:latin typeface="Courier New" panose="02070309020205020404" pitchFamily="49" charset="0"/>
+                <a:cs typeface="Courier New" panose="02070309020205020404" pitchFamily="49" charset="0"/>
+              </a:rPr>
+              <a:t>string</a:t>
+            </a:r>
+            <a:r>
+              <a:rPr lang="it-IT" sz="1600" b="1" dirty="0">
+                <a:latin typeface="Courier New" panose="02070309020205020404" pitchFamily="49" charset="0"/>
+                <a:cs typeface="Courier New" panose="02070309020205020404" pitchFamily="49" charset="0"/>
+              </a:rPr>
+              <a:t> s) : </a:t>
+            </a:r>
+            <a:br>
+              <a:rPr lang="it-IT" sz="1600" b="1" dirty="0">
+                <a:latin typeface="Courier New" panose="02070309020205020404" pitchFamily="49" charset="0"/>
+                <a:cs typeface="Courier New" panose="02070309020205020404" pitchFamily="49" charset="0"/>
+              </a:rPr>
+            </a:br>
+            <a:r>
+              <a:rPr lang="it-IT" sz="1600" b="1" dirty="0">
+                <a:latin typeface="Courier New" panose="02070309020205020404" pitchFamily="49" charset="0"/>
+                <a:cs typeface="Courier New" panose="02070309020205020404" pitchFamily="49" charset="0"/>
+              </a:rPr>
+              <a:t>         info(s), </a:t>
+            </a:r>
+            <a:r>
+              <a:rPr lang="it-IT" sz="1600" b="1" dirty="0" err="1">
+                <a:latin typeface="Courier New" panose="02070309020205020404" pitchFamily="49" charset="0"/>
+                <a:cs typeface="Courier New" panose="02070309020205020404" pitchFamily="49" charset="0"/>
+              </a:rPr>
+              <a:t>next</a:t>
+            </a:r>
+            <a:r>
+              <a:rPr lang="it-IT" sz="1600" b="1" dirty="0">
+                <a:latin typeface="Courier New" panose="02070309020205020404" pitchFamily="49" charset="0"/>
+                <a:cs typeface="Courier New" panose="02070309020205020404" pitchFamily="49" charset="0"/>
+              </a:rPr>
+              <a:t>(</a:t>
+            </a:r>
+            <a:r>
+              <a:rPr lang="it-IT" sz="1600" b="1" dirty="0" err="1">
+                <a:latin typeface="Courier New" panose="02070309020205020404" pitchFamily="49" charset="0"/>
+                <a:cs typeface="Courier New" panose="02070309020205020404" pitchFamily="49" charset="0"/>
+              </a:rPr>
+              <a:t>nullptr</a:t>
+            </a:r>
+            <a:r>
+              <a:rPr lang="it-IT" sz="1600" b="1" dirty="0">
+                <a:latin typeface="Courier New" panose="02070309020205020404" pitchFamily="49" charset="0"/>
+                <a:cs typeface="Courier New" panose="02070309020205020404" pitchFamily="49" charset="0"/>
+              </a:rPr>
+              <a:t>) { };</a:t>
+            </a:r>
+          </a:p>
+          <a:p>
+            <a:pPr marL="0" indent="0">
+              <a:buNone/>
+            </a:pPr>
+            <a:r>
+              <a:rPr lang="it-IT" sz="1600" b="1" dirty="0">
+                <a:latin typeface="Courier New" panose="02070309020205020404" pitchFamily="49" charset="0"/>
+                <a:cs typeface="Courier New" panose="02070309020205020404" pitchFamily="49" charset="0"/>
+              </a:rPr>
+              <a:t>   </a:t>
+            </a:r>
+            <a:r>
+              <a:rPr lang="it-IT" sz="1600" b="1" dirty="0" err="1">
+                <a:latin typeface="Courier New" panose="02070309020205020404" pitchFamily="49" charset="0"/>
+                <a:cs typeface="Courier New" panose="02070309020205020404" pitchFamily="49" charset="0"/>
+              </a:rPr>
+              <a:t>string</a:t>
+            </a:r>
+            <a:r>
+              <a:rPr lang="it-IT" sz="1600" b="1" dirty="0">
+                <a:latin typeface="Courier New" panose="02070309020205020404" pitchFamily="49" charset="0"/>
+                <a:cs typeface="Courier New" panose="02070309020205020404" pitchFamily="49" charset="0"/>
+              </a:rPr>
+              <a:t> </a:t>
+            </a:r>
+            <a:r>
+              <a:rPr lang="it-IT" sz="1600" b="1" dirty="0" err="1">
+                <a:solidFill>
+                  <a:srgbClr val="FF0000"/>
+                </a:solidFill>
+                <a:latin typeface="Courier New" panose="02070309020205020404" pitchFamily="49" charset="0"/>
+                <a:cs typeface="Courier New" panose="02070309020205020404" pitchFamily="49" charset="0"/>
+              </a:rPr>
+              <a:t>getInfo</a:t>
+            </a:r>
+            <a:r>
+              <a:rPr lang="it-IT" sz="1600" b="1" dirty="0">
+                <a:latin typeface="Courier New" panose="02070309020205020404" pitchFamily="49" charset="0"/>
+                <a:cs typeface="Courier New" panose="02070309020205020404" pitchFamily="49" charset="0"/>
+              </a:rPr>
+              <a:t>() </a:t>
+            </a:r>
+            <a:r>
+              <a:rPr lang="it-IT" sz="1600" b="1" dirty="0" err="1">
+                <a:latin typeface="Courier New" panose="02070309020205020404" pitchFamily="49" charset="0"/>
+                <a:cs typeface="Courier New" panose="02070309020205020404" pitchFamily="49" charset="0"/>
+              </a:rPr>
+              <a:t>const</a:t>
+            </a:r>
+            <a:r>
+              <a:rPr lang="it-IT" sz="1600" b="1" dirty="0">
+                <a:latin typeface="Courier New" panose="02070309020205020404" pitchFamily="49" charset="0"/>
+                <a:cs typeface="Courier New" panose="02070309020205020404" pitchFamily="49" charset="0"/>
+              </a:rPr>
+              <a:t> {</a:t>
+            </a:r>
+            <a:r>
+              <a:rPr lang="it-IT" sz="1600" b="1" dirty="0" err="1">
+                <a:latin typeface="Courier New" panose="02070309020205020404" pitchFamily="49" charset="0"/>
+                <a:cs typeface="Courier New" panose="02070309020205020404" pitchFamily="49" charset="0"/>
+              </a:rPr>
+              <a:t>return</a:t>
+            </a:r>
+            <a:r>
+              <a:rPr lang="it-IT" sz="1600" b="1" dirty="0">
+                <a:latin typeface="Courier New" panose="02070309020205020404" pitchFamily="49" charset="0"/>
+                <a:cs typeface="Courier New" panose="02070309020205020404" pitchFamily="49" charset="0"/>
+              </a:rPr>
+              <a:t> info;};</a:t>
+            </a:r>
+          </a:p>
+          <a:p>
+            <a:pPr marL="0" indent="0">
+              <a:buNone/>
+            </a:pPr>
+            <a:r>
+              <a:rPr lang="it-IT" sz="1600" b="1" dirty="0">
+                <a:latin typeface="Courier New" panose="02070309020205020404" pitchFamily="49" charset="0"/>
+                <a:cs typeface="Courier New" panose="02070309020205020404" pitchFamily="49" charset="0"/>
+              </a:rPr>
+              <a:t>   Nodo</a:t>
+            </a:r>
+            <a:r>
+              <a:rPr lang="it-IT" sz="1600" b="1" dirty="0">
+                <a:solidFill>
+                  <a:srgbClr val="FF0000"/>
+                </a:solidFill>
+                <a:latin typeface="Courier New" panose="02070309020205020404" pitchFamily="49" charset="0"/>
+                <a:cs typeface="Courier New" panose="02070309020205020404" pitchFamily="49" charset="0"/>
+              </a:rPr>
+              <a:t>*</a:t>
+            </a:r>
+            <a:r>
+              <a:rPr lang="it-IT" sz="1600" b="1" dirty="0">
+                <a:latin typeface="Courier New" panose="02070309020205020404" pitchFamily="49" charset="0"/>
+                <a:cs typeface="Courier New" panose="02070309020205020404" pitchFamily="49" charset="0"/>
+              </a:rPr>
+              <a:t> </a:t>
+            </a:r>
+            <a:r>
+              <a:rPr lang="it-IT" sz="1600" b="1" dirty="0" err="1">
+                <a:solidFill>
+                  <a:srgbClr val="FF0000"/>
+                </a:solidFill>
+                <a:latin typeface="Courier New" panose="02070309020205020404" pitchFamily="49" charset="0"/>
+                <a:cs typeface="Courier New" panose="02070309020205020404" pitchFamily="49" charset="0"/>
+              </a:rPr>
+              <a:t>getNext</a:t>
+            </a:r>
+            <a:r>
+              <a:rPr lang="it-IT" sz="1600" b="1" dirty="0">
+                <a:latin typeface="Courier New" panose="02070309020205020404" pitchFamily="49" charset="0"/>
+                <a:cs typeface="Courier New" panose="02070309020205020404" pitchFamily="49" charset="0"/>
+              </a:rPr>
+              <a:t>() </a:t>
+            </a:r>
+            <a:r>
+              <a:rPr lang="it-IT" sz="1600" b="1" dirty="0" err="1">
+                <a:latin typeface="Courier New" panose="02070309020205020404" pitchFamily="49" charset="0"/>
+                <a:cs typeface="Courier New" panose="02070309020205020404" pitchFamily="49" charset="0"/>
+              </a:rPr>
+              <a:t>const</a:t>
+            </a:r>
+            <a:r>
+              <a:rPr lang="it-IT" sz="1600" b="1" dirty="0">
+                <a:latin typeface="Courier New" panose="02070309020205020404" pitchFamily="49" charset="0"/>
+                <a:cs typeface="Courier New" panose="02070309020205020404" pitchFamily="49" charset="0"/>
+              </a:rPr>
+              <a:t> { </a:t>
+            </a:r>
+            <a:r>
+              <a:rPr lang="it-IT" sz="1600" b="1" dirty="0" err="1">
+                <a:latin typeface="Courier New" panose="02070309020205020404" pitchFamily="49" charset="0"/>
+                <a:cs typeface="Courier New" panose="02070309020205020404" pitchFamily="49" charset="0"/>
+              </a:rPr>
+              <a:t>return</a:t>
+            </a:r>
+            <a:r>
+              <a:rPr lang="it-IT" sz="1600" b="1" dirty="0">
+                <a:latin typeface="Courier New" panose="02070309020205020404" pitchFamily="49" charset="0"/>
+                <a:cs typeface="Courier New" panose="02070309020205020404" pitchFamily="49" charset="0"/>
+              </a:rPr>
+              <a:t> </a:t>
+            </a:r>
+            <a:r>
+              <a:rPr lang="it-IT" sz="1600" b="1" dirty="0" err="1">
+                <a:latin typeface="Courier New" panose="02070309020205020404" pitchFamily="49" charset="0"/>
+                <a:cs typeface="Courier New" panose="02070309020205020404" pitchFamily="49" charset="0"/>
+              </a:rPr>
+              <a:t>next</a:t>
+            </a:r>
+            <a:r>
+              <a:rPr lang="it-IT" sz="1600" b="1" dirty="0">
+                <a:latin typeface="Courier New" panose="02070309020205020404" pitchFamily="49" charset="0"/>
+                <a:cs typeface="Courier New" panose="02070309020205020404" pitchFamily="49" charset="0"/>
+              </a:rPr>
+              <a:t>; }</a:t>
             </a:r>
           </a:p>
           <a:p>
@@ -13913,35 +16270,23 @@
               <a:buNone/>
             </a:pPr>
             <a:r>
-              <a:rPr lang="it-IT" sz="1600" b="1" dirty="0" err="1">
-                <a:latin typeface="Courier New" panose="02070309020205020404" pitchFamily="49" charset="0"/>
-                <a:cs typeface="Courier New" panose="02070309020205020404" pitchFamily="49" charset="0"/>
-              </a:rPr>
-              <a:t>typedef</a:t>
-            </a:r>
-            <a:r>
-              <a:rPr lang="it-IT" sz="1600" b="1" dirty="0">
-                <a:latin typeface="Courier New" panose="02070309020205020404" pitchFamily="49" charset="0"/>
-                <a:cs typeface="Courier New" panose="02070309020205020404" pitchFamily="49" charset="0"/>
-              </a:rPr>
-              <a:t> Nodo* </a:t>
-            </a:r>
-            <a:r>
-              <a:rPr lang="it-IT" sz="1600" b="1" dirty="0">
-                <a:solidFill>
-                  <a:srgbClr val="FF0000"/>
-                </a:solidFill>
-                <a:latin typeface="Courier New" panose="02070309020205020404" pitchFamily="49" charset="0"/>
-                <a:cs typeface="Courier New" panose="02070309020205020404" pitchFamily="49" charset="0"/>
-              </a:rPr>
-              <a:t>link</a:t>
-            </a:r>
-            <a:r>
-              <a:rPr lang="it-IT" sz="1600" b="1" dirty="0">
-                <a:latin typeface="Courier New" panose="02070309020205020404" pitchFamily="49" charset="0"/>
-                <a:cs typeface="Courier New" panose="02070309020205020404" pitchFamily="49" charset="0"/>
-              </a:rPr>
-              <a:t>;</a:t>
+              <a:rPr lang="it-IT" sz="1600" b="1" dirty="0">
+                <a:latin typeface="Courier New" panose="02070309020205020404" pitchFamily="49" charset="0"/>
+                <a:cs typeface="Courier New" panose="02070309020205020404" pitchFamily="49" charset="0"/>
+              </a:rPr>
+              <a:t>   friend class Lista;  </a:t>
+            </a:r>
+          </a:p>
+          <a:p>
+            <a:pPr marL="0" indent="0">
+              <a:buNone/>
+            </a:pPr>
+            <a:r>
+              <a:rPr lang="it-IT" sz="1600" b="1" dirty="0">
+                <a:latin typeface="Courier New" panose="02070309020205020404" pitchFamily="49" charset="0"/>
+                <a:cs typeface="Courier New" panose="02070309020205020404" pitchFamily="49" charset="0"/>
+              </a:rPr>
+              <a:t>};</a:t>
             </a:r>
           </a:p>
         </p:txBody>
@@ -14029,18 +16374,18 @@
                 <a:latin typeface="Courier New" panose="02070309020205020404" pitchFamily="49" charset="0"/>
                 <a:cs typeface="Courier New" panose="02070309020205020404" pitchFamily="49" charset="0"/>
               </a:rPr>
-              <a:t>link</a:t>
+              <a:t>Lista</a:t>
             </a:r>
             <a:r>
               <a:rPr lang="it-IT" sz="2400" dirty="0"/>
-              <a:t> definito come alias a </a:t>
+              <a:t> è definita come classe friend per favorire l’accesso ai membri privati di </a:t>
             </a:r>
             <a:r>
               <a:rPr lang="it-IT" sz="2000" b="1" dirty="0">
                 <a:latin typeface="Courier New" panose="02070309020205020404" pitchFamily="49" charset="0"/>
                 <a:cs typeface="Courier New" panose="02070309020205020404" pitchFamily="49" charset="0"/>
               </a:rPr>
-              <a:t>Nodo*</a:t>
+              <a:t>Nodo</a:t>
             </a:r>
             <a:endParaRPr lang="it-IT" sz="2400" b="1" dirty="0">
               <a:latin typeface="Courier New" panose="02070309020205020404" pitchFamily="49" charset="0"/>

--- a/lezioni/PASW06 - strutture lineari.pptx
+++ b/lezioni/PASW06 - strutture lineari.pptx
@@ -5,7 +5,7 @@
     <p:sldMasterId id="2147483649" r:id="rId1"/>
   </p:sldMasterIdLst>
   <p:notesMasterIdLst>
-    <p:notesMasterId r:id="rId29"/>
+    <p:notesMasterId r:id="rId31"/>
   </p:notesMasterIdLst>
   <p:sldIdLst>
     <p:sldId id="258" r:id="rId2"/>
@@ -35,6 +35,8 @@
     <p:sldId id="279" r:id="rId26"/>
     <p:sldId id="280" r:id="rId27"/>
     <p:sldId id="281" r:id="rId28"/>
+    <p:sldId id="285" r:id="rId29"/>
+    <p:sldId id="286" r:id="rId30"/>
   </p:sldIdLst>
   <p:sldSz cx="12192000" cy="6858000"/>
   <p:notesSz cx="6858000" cy="9144000"/>
@@ -13999,6 +14001,1854 @@
     <p:extLst>
       <p:ext uri="{BB962C8B-B14F-4D97-AF65-F5344CB8AC3E}">
         <p14:creationId xmlns:p14="http://schemas.microsoft.com/office/powerpoint/2010/main" val="337592414"/>
+      </p:ext>
+    </p:extLst>
+  </p:cSld>
+  <p:clrMapOvr>
+    <a:masterClrMapping/>
+  </p:clrMapOvr>
+</p:sld>
+</file>
+
+<file path=ppt/slides/slide28.xml><?xml version="1.0" encoding="utf-8"?>
+<p:sld xmlns:a="http://schemas.openxmlformats.org/drawingml/2006/main" xmlns:r="http://schemas.openxmlformats.org/officeDocument/2006/relationships" xmlns:p="http://schemas.openxmlformats.org/presentationml/2006/main">
+  <p:cSld>
+    <p:spTree>
+      <p:nvGrpSpPr>
+        <p:cNvPr id="1" name=""/>
+        <p:cNvGrpSpPr/>
+        <p:nvPr/>
+      </p:nvGrpSpPr>
+      <p:grpSpPr>
+        <a:xfrm>
+          <a:off x="0" y="0"/>
+          <a:ext cx="0" cy="0"/>
+          <a:chOff x="0" y="0"/>
+          <a:chExt cx="0" cy="0"/>
+        </a:xfrm>
+      </p:grpSpPr>
+      <p:sp>
+        <p:nvSpPr>
+          <p:cNvPr id="2" name="Titolo 1">
+            <a:extLst>
+              <a:ext uri="{FF2B5EF4-FFF2-40B4-BE49-F238E27FC236}">
+                <a16:creationId xmlns:a16="http://schemas.microsoft.com/office/drawing/2014/main" id="{EEA1BD3F-281B-4825-9A5A-DAB2CDA34BE7}"/>
+              </a:ext>
+            </a:extLst>
+          </p:cNvPr>
+          <p:cNvSpPr>
+            <a:spLocks noGrp="1"/>
+          </p:cNvSpPr>
+          <p:nvPr>
+            <p:ph type="title"/>
+          </p:nvPr>
+        </p:nvSpPr>
+        <p:spPr/>
+        <p:txBody>
+          <a:bodyPr/>
+          <a:lstStyle/>
+          <a:p>
+            <a:r>
+              <a:rPr lang="it-IT" dirty="0" err="1"/>
+              <a:t>stack</a:t>
+            </a:r>
+            <a:r>
+              <a:rPr lang="it-IT" dirty="0"/>
+              <a:t> – implementazione </a:t>
+            </a:r>
+            <a:br>
+              <a:rPr lang="it-IT" dirty="0"/>
+            </a:br>
+            <a:r>
+              <a:rPr lang="it-IT" dirty="0"/>
+              <a:t>con array dinamico</a:t>
+            </a:r>
+          </a:p>
+        </p:txBody>
+      </p:sp>
+      <p:sp>
+        <p:nvSpPr>
+          <p:cNvPr id="3" name="Segnaposto contenuto 2">
+            <a:extLst>
+              <a:ext uri="{FF2B5EF4-FFF2-40B4-BE49-F238E27FC236}">
+                <a16:creationId xmlns:a16="http://schemas.microsoft.com/office/drawing/2014/main" id="{28CF0520-AF2C-498E-9A46-F253B3DAA223}"/>
+              </a:ext>
+            </a:extLst>
+          </p:cNvPr>
+          <p:cNvSpPr>
+            <a:spLocks noGrp="1"/>
+          </p:cNvSpPr>
+          <p:nvPr>
+            <p:ph sz="half" idx="1"/>
+          </p:nvPr>
+        </p:nvSpPr>
+        <p:spPr/>
+        <p:txBody>
+          <a:bodyPr/>
+          <a:lstStyle/>
+          <a:p>
+            <a:pPr marL="0" indent="0">
+              <a:buNone/>
+            </a:pPr>
+            <a:r>
+              <a:rPr lang="it-IT" sz="1600" b="1" dirty="0">
+                <a:latin typeface="Courier New" panose="02070309020205020404" pitchFamily="49" charset="0"/>
+                <a:cs typeface="Courier New" panose="02070309020205020404" pitchFamily="49" charset="0"/>
+              </a:rPr>
+              <a:t>class </a:t>
+            </a:r>
+            <a:r>
+              <a:rPr lang="it-IT" sz="1600" b="1" dirty="0" err="1">
+                <a:solidFill>
+                  <a:srgbClr val="FF0000"/>
+                </a:solidFill>
+                <a:latin typeface="Courier New" panose="02070309020205020404" pitchFamily="49" charset="0"/>
+                <a:cs typeface="Courier New" panose="02070309020205020404" pitchFamily="49" charset="0"/>
+              </a:rPr>
+              <a:t>Stack</a:t>
+            </a:r>
+            <a:r>
+              <a:rPr lang="it-IT" sz="1600" b="1" dirty="0">
+                <a:latin typeface="Courier New" panose="02070309020205020404" pitchFamily="49" charset="0"/>
+                <a:cs typeface="Courier New" panose="02070309020205020404" pitchFamily="49" charset="0"/>
+              </a:rPr>
+              <a:t> {</a:t>
+            </a:r>
+          </a:p>
+          <a:p>
+            <a:pPr marL="0" indent="0">
+              <a:buNone/>
+            </a:pPr>
+            <a:r>
+              <a:rPr lang="it-IT" sz="1600" b="1" dirty="0">
+                <a:latin typeface="Courier New" panose="02070309020205020404" pitchFamily="49" charset="0"/>
+                <a:cs typeface="Courier New" panose="02070309020205020404" pitchFamily="49" charset="0"/>
+              </a:rPr>
+              <a:t>private:</a:t>
+            </a:r>
+          </a:p>
+          <a:p>
+            <a:pPr marL="0" indent="0">
+              <a:buNone/>
+            </a:pPr>
+            <a:r>
+              <a:rPr lang="it-IT" sz="1600" b="1" dirty="0">
+                <a:latin typeface="Courier New" panose="02070309020205020404" pitchFamily="49" charset="0"/>
+                <a:cs typeface="Courier New" panose="02070309020205020404" pitchFamily="49" charset="0"/>
+              </a:rPr>
+              <a:t>  </a:t>
+            </a:r>
+            <a:r>
+              <a:rPr lang="it-IT" sz="1600" b="1" dirty="0" err="1">
+                <a:latin typeface="Courier New" panose="02070309020205020404" pitchFamily="49" charset="0"/>
+                <a:cs typeface="Courier New" panose="02070309020205020404" pitchFamily="49" charset="0"/>
+              </a:rPr>
+              <a:t>string</a:t>
+            </a:r>
+            <a:r>
+              <a:rPr lang="it-IT" sz="1600" b="1" dirty="0">
+                <a:latin typeface="Courier New" panose="02070309020205020404" pitchFamily="49" charset="0"/>
+                <a:cs typeface="Courier New" panose="02070309020205020404" pitchFamily="49" charset="0"/>
+              </a:rPr>
+              <a:t> </a:t>
+            </a:r>
+            <a:r>
+              <a:rPr lang="it-IT" sz="1600" b="1" dirty="0">
+                <a:solidFill>
+                  <a:srgbClr val="FF0000"/>
+                </a:solidFill>
+                <a:latin typeface="Courier New" panose="02070309020205020404" pitchFamily="49" charset="0"/>
+                <a:cs typeface="Courier New" panose="02070309020205020404" pitchFamily="49" charset="0"/>
+              </a:rPr>
+              <a:t>*</a:t>
+            </a:r>
+            <a:r>
+              <a:rPr lang="it-IT" sz="1600" b="1" dirty="0">
+                <a:latin typeface="Courier New" panose="02070309020205020404" pitchFamily="49" charset="0"/>
+                <a:cs typeface="Courier New" panose="02070309020205020404" pitchFamily="49" charset="0"/>
+              </a:rPr>
+              <a:t> </a:t>
+            </a:r>
+            <a:r>
+              <a:rPr lang="it-IT" sz="1600" b="1" dirty="0">
+                <a:solidFill>
+                  <a:srgbClr val="FF0000"/>
+                </a:solidFill>
+                <a:latin typeface="Courier New" panose="02070309020205020404" pitchFamily="49" charset="0"/>
+                <a:cs typeface="Courier New" panose="02070309020205020404" pitchFamily="49" charset="0"/>
+              </a:rPr>
+              <a:t>dati</a:t>
+            </a:r>
+            <a:r>
+              <a:rPr lang="it-IT" sz="1600" b="1" dirty="0">
+                <a:latin typeface="Courier New" panose="02070309020205020404" pitchFamily="49" charset="0"/>
+                <a:cs typeface="Courier New" panose="02070309020205020404" pitchFamily="49" charset="0"/>
+              </a:rPr>
+              <a:t>;        </a:t>
+            </a:r>
+          </a:p>
+          <a:p>
+            <a:pPr marL="0" indent="0">
+              <a:buNone/>
+            </a:pPr>
+            <a:r>
+              <a:rPr lang="it-IT" sz="1600" b="1" dirty="0">
+                <a:latin typeface="Courier New" panose="02070309020205020404" pitchFamily="49" charset="0"/>
+                <a:cs typeface="Courier New" panose="02070309020205020404" pitchFamily="49" charset="0"/>
+              </a:rPr>
+              <a:t>  </a:t>
+            </a:r>
+            <a:r>
+              <a:rPr lang="it-IT" sz="1600" b="1" dirty="0" err="1">
+                <a:latin typeface="Courier New" panose="02070309020205020404" pitchFamily="49" charset="0"/>
+                <a:cs typeface="Courier New" panose="02070309020205020404" pitchFamily="49" charset="0"/>
+              </a:rPr>
+              <a:t>int</a:t>
+            </a:r>
+            <a:r>
+              <a:rPr lang="it-IT" sz="1600" b="1" dirty="0">
+                <a:latin typeface="Courier New" panose="02070309020205020404" pitchFamily="49" charset="0"/>
+                <a:cs typeface="Courier New" panose="02070309020205020404" pitchFamily="49" charset="0"/>
+              </a:rPr>
+              <a:t> </a:t>
+            </a:r>
+            <a:r>
+              <a:rPr lang="it-IT" sz="1600" b="1" dirty="0">
+                <a:solidFill>
+                  <a:srgbClr val="FF0000"/>
+                </a:solidFill>
+                <a:latin typeface="Courier New" panose="02070309020205020404" pitchFamily="49" charset="0"/>
+                <a:cs typeface="Courier New" panose="02070309020205020404" pitchFamily="49" charset="0"/>
+              </a:rPr>
+              <a:t>top</a:t>
+            </a:r>
+            <a:r>
+              <a:rPr lang="it-IT" sz="1600" b="1" dirty="0">
+                <a:latin typeface="Courier New" panose="02070309020205020404" pitchFamily="49" charset="0"/>
+                <a:cs typeface="Courier New" panose="02070309020205020404" pitchFamily="49" charset="0"/>
+              </a:rPr>
+              <a:t>; </a:t>
+            </a:r>
+          </a:p>
+          <a:p>
+            <a:pPr marL="0" indent="0">
+              <a:buNone/>
+            </a:pPr>
+            <a:r>
+              <a:rPr lang="it-IT" sz="1600" b="1" dirty="0">
+                <a:latin typeface="Courier New" panose="02070309020205020404" pitchFamily="49" charset="0"/>
+                <a:cs typeface="Courier New" panose="02070309020205020404" pitchFamily="49" charset="0"/>
+              </a:rPr>
+              <a:t>  </a:t>
+            </a:r>
+            <a:r>
+              <a:rPr lang="it-IT" sz="1600" b="1" dirty="0" err="1">
+                <a:latin typeface="Courier New" panose="02070309020205020404" pitchFamily="49" charset="0"/>
+                <a:cs typeface="Courier New" panose="02070309020205020404" pitchFamily="49" charset="0"/>
+              </a:rPr>
+              <a:t>int</a:t>
+            </a:r>
+            <a:r>
+              <a:rPr lang="it-IT" sz="1600" b="1" dirty="0">
+                <a:latin typeface="Courier New" panose="02070309020205020404" pitchFamily="49" charset="0"/>
+                <a:cs typeface="Courier New" panose="02070309020205020404" pitchFamily="49" charset="0"/>
+              </a:rPr>
+              <a:t> capacita;              </a:t>
+            </a:r>
+          </a:p>
+          <a:p>
+            <a:pPr marL="0" indent="0">
+              <a:buNone/>
+            </a:pPr>
+            <a:r>
+              <a:rPr lang="it-IT" sz="1600" b="1" dirty="0">
+                <a:latin typeface="Courier New" panose="02070309020205020404" pitchFamily="49" charset="0"/>
+                <a:cs typeface="Courier New" panose="02070309020205020404" pitchFamily="49" charset="0"/>
+              </a:rPr>
+              <a:t>  </a:t>
+            </a:r>
+            <a:r>
+              <a:rPr lang="it-IT" sz="1600" b="1" dirty="0" err="1">
+                <a:latin typeface="Courier New" panose="02070309020205020404" pitchFamily="49" charset="0"/>
+                <a:cs typeface="Courier New" panose="02070309020205020404" pitchFamily="49" charset="0"/>
+              </a:rPr>
+              <a:t>int</a:t>
+            </a:r>
+            <a:r>
+              <a:rPr lang="it-IT" sz="1600" b="1" dirty="0">
+                <a:latin typeface="Courier New" panose="02070309020205020404" pitchFamily="49" charset="0"/>
+                <a:cs typeface="Courier New" panose="02070309020205020404" pitchFamily="49" charset="0"/>
+              </a:rPr>
+              <a:t> incremento;            </a:t>
+            </a:r>
+          </a:p>
+          <a:p>
+            <a:pPr marL="0" indent="0">
+              <a:buNone/>
+            </a:pPr>
+            <a:r>
+              <a:rPr lang="it-IT" sz="1600" b="1" dirty="0">
+                <a:latin typeface="Courier New" panose="02070309020205020404" pitchFamily="49" charset="0"/>
+                <a:cs typeface="Courier New" panose="02070309020205020404" pitchFamily="49" charset="0"/>
+              </a:rPr>
+              <a:t>public:</a:t>
+            </a:r>
+          </a:p>
+          <a:p>
+            <a:pPr marL="0" indent="0">
+              <a:buNone/>
+            </a:pPr>
+            <a:r>
+              <a:rPr lang="it-IT" sz="1600" b="1" dirty="0">
+                <a:latin typeface="Courier New" panose="02070309020205020404" pitchFamily="49" charset="0"/>
+                <a:cs typeface="Courier New" panose="02070309020205020404" pitchFamily="49" charset="0"/>
+              </a:rPr>
+              <a:t>   </a:t>
+            </a:r>
+            <a:r>
+              <a:rPr lang="it-IT" sz="1600" b="1" dirty="0" err="1">
+                <a:latin typeface="Courier New" panose="02070309020205020404" pitchFamily="49" charset="0"/>
+                <a:cs typeface="Courier New" panose="02070309020205020404" pitchFamily="49" charset="0"/>
+              </a:rPr>
+              <a:t>Stack</a:t>
+            </a:r>
+            <a:r>
+              <a:rPr lang="it-IT" sz="1600" b="1" dirty="0">
+                <a:latin typeface="Courier New" panose="02070309020205020404" pitchFamily="49" charset="0"/>
+                <a:cs typeface="Courier New" panose="02070309020205020404" pitchFamily="49" charset="0"/>
+              </a:rPr>
+              <a:t>(</a:t>
+            </a:r>
+            <a:r>
+              <a:rPr lang="it-IT" sz="1600" b="1" dirty="0" err="1">
+                <a:latin typeface="Courier New" panose="02070309020205020404" pitchFamily="49" charset="0"/>
+                <a:cs typeface="Courier New" panose="02070309020205020404" pitchFamily="49" charset="0"/>
+              </a:rPr>
+              <a:t>int</a:t>
+            </a:r>
+            <a:r>
+              <a:rPr lang="it-IT" sz="1600" b="1" dirty="0">
+                <a:latin typeface="Courier New" panose="02070309020205020404" pitchFamily="49" charset="0"/>
+                <a:cs typeface="Courier New" panose="02070309020205020404" pitchFamily="49" charset="0"/>
+              </a:rPr>
+              <a:t> capacita = 10, </a:t>
+            </a:r>
+          </a:p>
+          <a:p>
+            <a:pPr marL="0" indent="0">
+              <a:buNone/>
+            </a:pPr>
+            <a:r>
+              <a:rPr lang="it-IT" sz="1600" b="1" dirty="0">
+                <a:latin typeface="Courier New" panose="02070309020205020404" pitchFamily="49" charset="0"/>
+                <a:cs typeface="Courier New" panose="02070309020205020404" pitchFamily="49" charset="0"/>
+              </a:rPr>
+              <a:t>         </a:t>
+            </a:r>
+            <a:r>
+              <a:rPr lang="it-IT" sz="1600" b="1" dirty="0" err="1">
+                <a:latin typeface="Courier New" panose="02070309020205020404" pitchFamily="49" charset="0"/>
+                <a:cs typeface="Courier New" panose="02070309020205020404" pitchFamily="49" charset="0"/>
+              </a:rPr>
+              <a:t>int</a:t>
+            </a:r>
+            <a:r>
+              <a:rPr lang="it-IT" sz="1600" b="1" dirty="0">
+                <a:latin typeface="Courier New" panose="02070309020205020404" pitchFamily="49" charset="0"/>
+                <a:cs typeface="Courier New" panose="02070309020205020404" pitchFamily="49" charset="0"/>
+              </a:rPr>
+              <a:t> incremento = 10);</a:t>
+            </a:r>
+          </a:p>
+          <a:p>
+            <a:pPr marL="0" indent="0">
+              <a:buNone/>
+            </a:pPr>
+            <a:r>
+              <a:rPr lang="it-IT" sz="1600" b="1" dirty="0">
+                <a:latin typeface="Courier New" panose="02070309020205020404" pitchFamily="49" charset="0"/>
+                <a:cs typeface="Courier New" panose="02070309020205020404" pitchFamily="49" charset="0"/>
+              </a:rPr>
+              <a:t>   ~</a:t>
+            </a:r>
+            <a:r>
+              <a:rPr lang="it-IT" sz="1600" b="1" dirty="0" err="1">
+                <a:latin typeface="Courier New" panose="02070309020205020404" pitchFamily="49" charset="0"/>
+                <a:cs typeface="Courier New" panose="02070309020205020404" pitchFamily="49" charset="0"/>
+              </a:rPr>
+              <a:t>Stack</a:t>
+            </a:r>
+            <a:r>
+              <a:rPr lang="it-IT" sz="1600" b="1" dirty="0">
+                <a:latin typeface="Courier New" panose="02070309020205020404" pitchFamily="49" charset="0"/>
+                <a:cs typeface="Courier New" panose="02070309020205020404" pitchFamily="49" charset="0"/>
+              </a:rPr>
+              <a:t>();</a:t>
+            </a:r>
+          </a:p>
+          <a:p>
+            <a:pPr marL="0" indent="0">
+              <a:buNone/>
+            </a:pPr>
+            <a:r>
+              <a:rPr lang="it-IT" sz="1600" b="1" dirty="0">
+                <a:latin typeface="Courier New" panose="02070309020205020404" pitchFamily="49" charset="0"/>
+                <a:cs typeface="Courier New" panose="02070309020205020404" pitchFamily="49" charset="0"/>
+              </a:rPr>
+              <a:t>   </a:t>
+            </a:r>
+            <a:r>
+              <a:rPr lang="it-IT" sz="1600" b="1" dirty="0" err="1">
+                <a:latin typeface="Courier New" panose="02070309020205020404" pitchFamily="49" charset="0"/>
+                <a:cs typeface="Courier New" panose="02070309020205020404" pitchFamily="49" charset="0"/>
+              </a:rPr>
+              <a:t>void</a:t>
+            </a:r>
+            <a:r>
+              <a:rPr lang="it-IT" sz="1600" b="1" dirty="0">
+                <a:latin typeface="Courier New" panose="02070309020205020404" pitchFamily="49" charset="0"/>
+                <a:cs typeface="Courier New" panose="02070309020205020404" pitchFamily="49" charset="0"/>
+              </a:rPr>
+              <a:t> </a:t>
+            </a:r>
+            <a:r>
+              <a:rPr lang="it-IT" sz="1600" b="1" dirty="0" err="1">
+                <a:solidFill>
+                  <a:srgbClr val="FF0000"/>
+                </a:solidFill>
+                <a:latin typeface="Courier New" panose="02070309020205020404" pitchFamily="49" charset="0"/>
+                <a:cs typeface="Courier New" panose="02070309020205020404" pitchFamily="49" charset="0"/>
+              </a:rPr>
+              <a:t>push</a:t>
+            </a:r>
+            <a:r>
+              <a:rPr lang="it-IT" sz="1600" b="1" dirty="0">
+                <a:latin typeface="Courier New" panose="02070309020205020404" pitchFamily="49" charset="0"/>
+                <a:cs typeface="Courier New" panose="02070309020205020404" pitchFamily="49" charset="0"/>
+              </a:rPr>
+              <a:t>(</a:t>
+            </a:r>
+            <a:r>
+              <a:rPr lang="it-IT" sz="1600" b="1" dirty="0" err="1">
+                <a:latin typeface="Courier New" panose="02070309020205020404" pitchFamily="49" charset="0"/>
+                <a:cs typeface="Courier New" panose="02070309020205020404" pitchFamily="49" charset="0"/>
+              </a:rPr>
+              <a:t>const</a:t>
+            </a:r>
+            <a:r>
+              <a:rPr lang="it-IT" sz="1600" b="1" dirty="0">
+                <a:latin typeface="Courier New" panose="02070309020205020404" pitchFamily="49" charset="0"/>
+                <a:cs typeface="Courier New" panose="02070309020205020404" pitchFamily="49" charset="0"/>
+              </a:rPr>
+              <a:t> </a:t>
+            </a:r>
+            <a:r>
+              <a:rPr lang="it-IT" sz="1600" b="1" dirty="0" err="1">
+                <a:latin typeface="Courier New" panose="02070309020205020404" pitchFamily="49" charset="0"/>
+                <a:cs typeface="Courier New" panose="02070309020205020404" pitchFamily="49" charset="0"/>
+              </a:rPr>
+              <a:t>string</a:t>
+            </a:r>
+            <a:r>
+              <a:rPr lang="it-IT" sz="1600" b="1" dirty="0">
+                <a:latin typeface="Courier New" panose="02070309020205020404" pitchFamily="49" charset="0"/>
+                <a:cs typeface="Courier New" panose="02070309020205020404" pitchFamily="49" charset="0"/>
+              </a:rPr>
+              <a:t> &amp; val);</a:t>
+            </a:r>
+          </a:p>
+          <a:p>
+            <a:pPr marL="0" indent="0">
+              <a:buNone/>
+            </a:pPr>
+            <a:r>
+              <a:rPr lang="it-IT" sz="1600" b="1" dirty="0">
+                <a:latin typeface="Courier New" panose="02070309020205020404" pitchFamily="49" charset="0"/>
+                <a:cs typeface="Courier New" panose="02070309020205020404" pitchFamily="49" charset="0"/>
+              </a:rPr>
+              <a:t>   </a:t>
+            </a:r>
+            <a:r>
+              <a:rPr lang="it-IT" sz="1600" b="1" dirty="0" err="1">
+                <a:latin typeface="Courier New" panose="02070309020205020404" pitchFamily="49" charset="0"/>
+                <a:cs typeface="Courier New" panose="02070309020205020404" pitchFamily="49" charset="0"/>
+              </a:rPr>
+              <a:t>bool</a:t>
+            </a:r>
+            <a:r>
+              <a:rPr lang="it-IT" sz="1600" b="1" dirty="0">
+                <a:latin typeface="Courier New" panose="02070309020205020404" pitchFamily="49" charset="0"/>
+                <a:cs typeface="Courier New" panose="02070309020205020404" pitchFamily="49" charset="0"/>
+              </a:rPr>
+              <a:t> </a:t>
+            </a:r>
+            <a:r>
+              <a:rPr lang="it-IT" sz="1600" b="1" dirty="0">
+                <a:solidFill>
+                  <a:srgbClr val="FF0000"/>
+                </a:solidFill>
+                <a:latin typeface="Courier New" panose="02070309020205020404" pitchFamily="49" charset="0"/>
+                <a:cs typeface="Courier New" panose="02070309020205020404" pitchFamily="49" charset="0"/>
+              </a:rPr>
+              <a:t>pop</a:t>
+            </a:r>
+            <a:r>
+              <a:rPr lang="it-IT" sz="1600" b="1" dirty="0">
+                <a:latin typeface="Courier New" panose="02070309020205020404" pitchFamily="49" charset="0"/>
+                <a:cs typeface="Courier New" panose="02070309020205020404" pitchFamily="49" charset="0"/>
+              </a:rPr>
+              <a:t>(</a:t>
+            </a:r>
+            <a:r>
+              <a:rPr lang="it-IT" sz="1600" b="1" dirty="0" err="1">
+                <a:latin typeface="Courier New" panose="02070309020205020404" pitchFamily="49" charset="0"/>
+                <a:cs typeface="Courier New" panose="02070309020205020404" pitchFamily="49" charset="0"/>
+              </a:rPr>
+              <a:t>string</a:t>
+            </a:r>
+            <a:r>
+              <a:rPr lang="it-IT" sz="1600" b="1" dirty="0">
+                <a:latin typeface="Courier New" panose="02070309020205020404" pitchFamily="49" charset="0"/>
+                <a:cs typeface="Courier New" panose="02070309020205020404" pitchFamily="49" charset="0"/>
+              </a:rPr>
+              <a:t> &amp; val);</a:t>
+            </a:r>
+          </a:p>
+          <a:p>
+            <a:pPr marL="0" indent="0">
+              <a:buNone/>
+            </a:pPr>
+            <a:r>
+              <a:rPr lang="it-IT" sz="1600" b="1" dirty="0">
+                <a:latin typeface="Courier New" panose="02070309020205020404" pitchFamily="49" charset="0"/>
+                <a:cs typeface="Courier New" panose="02070309020205020404" pitchFamily="49" charset="0"/>
+              </a:rPr>
+              <a:t>   </a:t>
+            </a:r>
+            <a:r>
+              <a:rPr lang="it-IT" sz="1600" b="1" dirty="0" err="1">
+                <a:latin typeface="Courier New" panose="02070309020205020404" pitchFamily="49" charset="0"/>
+                <a:cs typeface="Courier New" panose="02070309020205020404" pitchFamily="49" charset="0"/>
+              </a:rPr>
+              <a:t>bool</a:t>
+            </a:r>
+            <a:r>
+              <a:rPr lang="it-IT" sz="1600" b="1" dirty="0">
+                <a:latin typeface="Courier New" panose="02070309020205020404" pitchFamily="49" charset="0"/>
+                <a:cs typeface="Courier New" panose="02070309020205020404" pitchFamily="49" charset="0"/>
+              </a:rPr>
+              <a:t> </a:t>
+            </a:r>
+            <a:r>
+              <a:rPr lang="it-IT" sz="1600" b="1" dirty="0" err="1">
+                <a:solidFill>
+                  <a:srgbClr val="FF0000"/>
+                </a:solidFill>
+                <a:latin typeface="Courier New" panose="02070309020205020404" pitchFamily="49" charset="0"/>
+                <a:cs typeface="Courier New" panose="02070309020205020404" pitchFamily="49" charset="0"/>
+              </a:rPr>
+              <a:t>empty</a:t>
+            </a:r>
+            <a:r>
+              <a:rPr lang="it-IT" sz="1600" b="1" dirty="0">
+                <a:latin typeface="Courier New" panose="02070309020205020404" pitchFamily="49" charset="0"/>
+                <a:cs typeface="Courier New" panose="02070309020205020404" pitchFamily="49" charset="0"/>
+              </a:rPr>
+              <a:t>() </a:t>
+            </a:r>
+            <a:r>
+              <a:rPr lang="it-IT" sz="1600" b="1" dirty="0" err="1">
+                <a:latin typeface="Courier New" panose="02070309020205020404" pitchFamily="49" charset="0"/>
+                <a:cs typeface="Courier New" panose="02070309020205020404" pitchFamily="49" charset="0"/>
+              </a:rPr>
+              <a:t>const</a:t>
+            </a:r>
+            <a:r>
+              <a:rPr lang="it-IT" sz="1600" b="1" dirty="0">
+                <a:latin typeface="Courier New" panose="02070309020205020404" pitchFamily="49" charset="0"/>
+                <a:cs typeface="Courier New" panose="02070309020205020404" pitchFamily="49" charset="0"/>
+              </a:rPr>
+              <a:t>;</a:t>
+            </a:r>
+          </a:p>
+          <a:p>
+            <a:pPr marL="0" indent="0">
+              <a:buNone/>
+            </a:pPr>
+            <a:r>
+              <a:rPr lang="it-IT" sz="1600" b="1" dirty="0">
+                <a:latin typeface="Courier New" panose="02070309020205020404" pitchFamily="49" charset="0"/>
+                <a:cs typeface="Courier New" panose="02070309020205020404" pitchFamily="49" charset="0"/>
+              </a:rPr>
+              <a:t>friend </a:t>
+            </a:r>
+            <a:r>
+              <a:rPr lang="it-IT" sz="1600" b="1" dirty="0" err="1">
+                <a:latin typeface="Courier New" panose="02070309020205020404" pitchFamily="49" charset="0"/>
+                <a:cs typeface="Courier New" panose="02070309020205020404" pitchFamily="49" charset="0"/>
+              </a:rPr>
+              <a:t>std</a:t>
+            </a:r>
+            <a:r>
+              <a:rPr lang="it-IT" sz="1600" b="1" dirty="0">
+                <a:latin typeface="Courier New" panose="02070309020205020404" pitchFamily="49" charset="0"/>
+                <a:cs typeface="Courier New" panose="02070309020205020404" pitchFamily="49" charset="0"/>
+              </a:rPr>
+              <a:t>::</a:t>
+            </a:r>
+            <a:r>
+              <a:rPr lang="it-IT" sz="1600" b="1" dirty="0" err="1">
+                <a:latin typeface="Courier New" panose="02070309020205020404" pitchFamily="49" charset="0"/>
+                <a:cs typeface="Courier New" panose="02070309020205020404" pitchFamily="49" charset="0"/>
+              </a:rPr>
+              <a:t>ostream</a:t>
+            </a:r>
+            <a:r>
+              <a:rPr lang="it-IT" sz="1600" b="1" dirty="0">
+                <a:latin typeface="Courier New" panose="02070309020205020404" pitchFamily="49" charset="0"/>
+                <a:cs typeface="Courier New" panose="02070309020205020404" pitchFamily="49" charset="0"/>
+              </a:rPr>
+              <a:t> &amp; operator&lt;&lt;</a:t>
+            </a:r>
+          </a:p>
+          <a:p>
+            <a:pPr marL="0" indent="0">
+              <a:buNone/>
+            </a:pPr>
+            <a:r>
+              <a:rPr lang="it-IT" sz="1600" b="1" dirty="0">
+                <a:latin typeface="Courier New" panose="02070309020205020404" pitchFamily="49" charset="0"/>
+                <a:cs typeface="Courier New" panose="02070309020205020404" pitchFamily="49" charset="0"/>
+              </a:rPr>
+              <a:t>    (</a:t>
+            </a:r>
+            <a:r>
+              <a:rPr lang="it-IT" sz="1600" b="1" dirty="0" err="1">
+                <a:latin typeface="Courier New" panose="02070309020205020404" pitchFamily="49" charset="0"/>
+                <a:cs typeface="Courier New" panose="02070309020205020404" pitchFamily="49" charset="0"/>
+              </a:rPr>
+              <a:t>std</a:t>
+            </a:r>
+            <a:r>
+              <a:rPr lang="it-IT" sz="1600" b="1" dirty="0">
+                <a:latin typeface="Courier New" panose="02070309020205020404" pitchFamily="49" charset="0"/>
+                <a:cs typeface="Courier New" panose="02070309020205020404" pitchFamily="49" charset="0"/>
+              </a:rPr>
+              <a:t>::</a:t>
+            </a:r>
+            <a:r>
+              <a:rPr lang="it-IT" sz="1600" b="1" dirty="0" err="1">
+                <a:latin typeface="Courier New" panose="02070309020205020404" pitchFamily="49" charset="0"/>
+                <a:cs typeface="Courier New" panose="02070309020205020404" pitchFamily="49" charset="0"/>
+              </a:rPr>
+              <a:t>ostream</a:t>
+            </a:r>
+            <a:r>
+              <a:rPr lang="it-IT" sz="1600" b="1" dirty="0">
+                <a:latin typeface="Courier New" panose="02070309020205020404" pitchFamily="49" charset="0"/>
+                <a:cs typeface="Courier New" panose="02070309020205020404" pitchFamily="49" charset="0"/>
+              </a:rPr>
+              <a:t> &amp; </a:t>
+            </a:r>
+            <a:r>
+              <a:rPr lang="it-IT" sz="1600" b="1" dirty="0" err="1">
+                <a:latin typeface="Courier New" panose="02070309020205020404" pitchFamily="49" charset="0"/>
+                <a:cs typeface="Courier New" panose="02070309020205020404" pitchFamily="49" charset="0"/>
+              </a:rPr>
+              <a:t>os</a:t>
+            </a:r>
+            <a:r>
+              <a:rPr lang="it-IT" sz="1600" b="1" dirty="0">
+                <a:latin typeface="Courier New" panose="02070309020205020404" pitchFamily="49" charset="0"/>
+                <a:cs typeface="Courier New" panose="02070309020205020404" pitchFamily="49" charset="0"/>
+              </a:rPr>
+              <a:t>, </a:t>
+            </a:r>
+            <a:r>
+              <a:rPr lang="it-IT" sz="1600" b="1" dirty="0" err="1">
+                <a:latin typeface="Courier New" panose="02070309020205020404" pitchFamily="49" charset="0"/>
+                <a:cs typeface="Courier New" panose="02070309020205020404" pitchFamily="49" charset="0"/>
+              </a:rPr>
+              <a:t>const</a:t>
+            </a:r>
+            <a:r>
+              <a:rPr lang="it-IT" sz="1600" b="1" dirty="0">
+                <a:latin typeface="Courier New" panose="02070309020205020404" pitchFamily="49" charset="0"/>
+                <a:cs typeface="Courier New" panose="02070309020205020404" pitchFamily="49" charset="0"/>
+              </a:rPr>
+              <a:t> </a:t>
+            </a:r>
+            <a:r>
+              <a:rPr lang="it-IT" sz="1600" b="1" dirty="0" err="1">
+                <a:latin typeface="Courier New" panose="02070309020205020404" pitchFamily="49" charset="0"/>
+                <a:cs typeface="Courier New" panose="02070309020205020404" pitchFamily="49" charset="0"/>
+              </a:rPr>
+              <a:t>Stack</a:t>
+            </a:r>
+            <a:r>
+              <a:rPr lang="it-IT" sz="1600" b="1" dirty="0">
+                <a:latin typeface="Courier New" panose="02070309020205020404" pitchFamily="49" charset="0"/>
+                <a:cs typeface="Courier New" panose="02070309020205020404" pitchFamily="49" charset="0"/>
+              </a:rPr>
+              <a:t> &amp; s);</a:t>
+            </a:r>
+          </a:p>
+          <a:p>
+            <a:pPr marL="0" indent="0">
+              <a:buNone/>
+            </a:pPr>
+            <a:r>
+              <a:rPr lang="it-IT" sz="1600" b="1" dirty="0">
+                <a:latin typeface="Courier New" panose="02070309020205020404" pitchFamily="49" charset="0"/>
+                <a:cs typeface="Courier New" panose="02070309020205020404" pitchFamily="49" charset="0"/>
+              </a:rPr>
+              <a:t>};</a:t>
+            </a:r>
+          </a:p>
+        </p:txBody>
+      </p:sp>
+      <p:sp>
+        <p:nvSpPr>
+          <p:cNvPr id="4" name="Segnaposto contenuto 3">
+            <a:extLst>
+              <a:ext uri="{FF2B5EF4-FFF2-40B4-BE49-F238E27FC236}">
+                <a16:creationId xmlns:a16="http://schemas.microsoft.com/office/drawing/2014/main" id="{12DEDE62-E721-442F-AD9A-4AE6663AEBBF}"/>
+              </a:ext>
+            </a:extLst>
+          </p:cNvPr>
+          <p:cNvSpPr>
+            <a:spLocks noGrp="1"/>
+          </p:cNvSpPr>
+          <p:nvPr>
+            <p:ph sz="half" idx="2"/>
+          </p:nvPr>
+        </p:nvSpPr>
+        <p:spPr/>
+        <p:txBody>
+          <a:bodyPr/>
+          <a:lstStyle/>
+          <a:p>
+            <a:r>
+              <a:rPr lang="it-IT" sz="1800" b="1" dirty="0">
+                <a:latin typeface="Courier New" panose="02070309020205020404" pitchFamily="49" charset="0"/>
+                <a:cs typeface="Courier New" panose="02070309020205020404" pitchFamily="49" charset="0"/>
+              </a:rPr>
+              <a:t>dati</a:t>
+            </a:r>
+            <a:r>
+              <a:rPr lang="it-IT" sz="1800" dirty="0">
+                <a:cs typeface="Courier New" panose="02070309020205020404" pitchFamily="49" charset="0"/>
+              </a:rPr>
+              <a:t> è un </a:t>
+            </a:r>
+            <a:r>
+              <a:rPr lang="it-IT" sz="1800" i="1" dirty="0">
+                <a:cs typeface="Courier New" panose="02070309020205020404" pitchFamily="49" charset="0"/>
+              </a:rPr>
+              <a:t>array dinamico </a:t>
+            </a:r>
+            <a:r>
+              <a:rPr lang="it-IT" sz="1800" dirty="0">
+                <a:cs typeface="Courier New" panose="02070309020205020404" pitchFamily="49" charset="0"/>
+              </a:rPr>
+              <a:t>(in questo caso di stringhe) che contiene i dati inseriti nello </a:t>
+            </a:r>
+            <a:r>
+              <a:rPr lang="it-IT" sz="1800" dirty="0" err="1">
+                <a:cs typeface="Courier New" panose="02070309020205020404" pitchFamily="49" charset="0"/>
+              </a:rPr>
+              <a:t>stack</a:t>
+            </a:r>
+            <a:endParaRPr lang="it-IT" sz="1800" dirty="0">
+              <a:cs typeface="Courier New" panose="02070309020205020404" pitchFamily="49" charset="0"/>
+            </a:endParaRPr>
+          </a:p>
+          <a:p>
+            <a:r>
+              <a:rPr lang="it-IT" sz="1800" b="1" dirty="0">
+                <a:latin typeface="Courier New" panose="02070309020205020404" pitchFamily="49" charset="0"/>
+                <a:cs typeface="Courier New" panose="02070309020205020404" pitchFamily="49" charset="0"/>
+              </a:rPr>
+              <a:t>top</a:t>
+            </a:r>
+            <a:r>
+              <a:rPr lang="it-IT" sz="1800" dirty="0">
+                <a:cs typeface="Courier New" panose="02070309020205020404" pitchFamily="49" charset="0"/>
+              </a:rPr>
+              <a:t> è l’indice dell’ultimo elementi inserito nello </a:t>
+            </a:r>
+            <a:r>
+              <a:rPr lang="it-IT" sz="1800" dirty="0" err="1">
+                <a:cs typeface="Courier New" panose="02070309020205020404" pitchFamily="49" charset="0"/>
+              </a:rPr>
+              <a:t>stack</a:t>
+            </a:r>
+            <a:r>
+              <a:rPr lang="it-IT" sz="1800" dirty="0">
+                <a:cs typeface="Courier New" panose="02070309020205020404" pitchFamily="49" charset="0"/>
+              </a:rPr>
+              <a:t> (-1 se lo </a:t>
+            </a:r>
+            <a:r>
+              <a:rPr lang="it-IT" sz="1800" dirty="0" err="1">
+                <a:cs typeface="Courier New" panose="02070309020205020404" pitchFamily="49" charset="0"/>
+              </a:rPr>
+              <a:t>stack</a:t>
+            </a:r>
+            <a:r>
+              <a:rPr lang="it-IT" sz="1800" dirty="0">
+                <a:cs typeface="Courier New" panose="02070309020205020404" pitchFamily="49" charset="0"/>
+              </a:rPr>
+              <a:t> è vuoto)</a:t>
+            </a:r>
+          </a:p>
+          <a:p>
+            <a:r>
+              <a:rPr lang="it-IT" sz="1800" b="1" dirty="0">
+                <a:latin typeface="Courier New" panose="02070309020205020404" pitchFamily="49" charset="0"/>
+                <a:cs typeface="Courier New" panose="02070309020205020404" pitchFamily="49" charset="0"/>
+              </a:rPr>
+              <a:t>capacita</a:t>
+            </a:r>
+            <a:r>
+              <a:rPr lang="it-IT" sz="1800" dirty="0">
+                <a:cs typeface="Courier New" panose="02070309020205020404" pitchFamily="49" charset="0"/>
+              </a:rPr>
+              <a:t> è la capacità dell’array (aumenta se necessario)</a:t>
+            </a:r>
+          </a:p>
+          <a:p>
+            <a:r>
+              <a:rPr lang="it-IT" sz="1800" b="1" dirty="0" err="1">
+                <a:latin typeface="Courier New" panose="02070309020205020404" pitchFamily="49" charset="0"/>
+                <a:cs typeface="Courier New" panose="02070309020205020404" pitchFamily="49" charset="0"/>
+              </a:rPr>
+              <a:t>push</a:t>
+            </a:r>
+            <a:r>
+              <a:rPr lang="it-IT" sz="1800" b="1" dirty="0">
+                <a:latin typeface="Courier New" panose="02070309020205020404" pitchFamily="49" charset="0"/>
+                <a:cs typeface="Courier New" panose="02070309020205020404" pitchFamily="49" charset="0"/>
+              </a:rPr>
+              <a:t>, pop, </a:t>
+            </a:r>
+            <a:r>
+              <a:rPr lang="it-IT" sz="1800" b="1" dirty="0" err="1">
+                <a:latin typeface="Courier New" panose="02070309020205020404" pitchFamily="49" charset="0"/>
+                <a:cs typeface="Courier New" panose="02070309020205020404" pitchFamily="49" charset="0"/>
+              </a:rPr>
+              <a:t>empty</a:t>
+            </a:r>
+            <a:r>
+              <a:rPr lang="it-IT" sz="1800" b="1" dirty="0">
+                <a:latin typeface="Courier New" panose="02070309020205020404" pitchFamily="49" charset="0"/>
+                <a:cs typeface="Courier New" panose="02070309020205020404" pitchFamily="49" charset="0"/>
+              </a:rPr>
+              <a:t> </a:t>
+            </a:r>
+            <a:r>
+              <a:rPr lang="it-IT" sz="1800" dirty="0">
+                <a:cs typeface="Courier New" panose="02070309020205020404" pitchFamily="49" charset="0"/>
+              </a:rPr>
+              <a:t>sono le funzioni per la gestione dello </a:t>
+            </a:r>
+            <a:r>
+              <a:rPr lang="it-IT" sz="1800" dirty="0" err="1">
+                <a:cs typeface="Courier New" panose="02070309020205020404" pitchFamily="49" charset="0"/>
+              </a:rPr>
+              <a:t>stack</a:t>
+            </a:r>
+            <a:endParaRPr lang="it-IT" sz="1800" dirty="0">
+              <a:cs typeface="Courier New" panose="02070309020205020404" pitchFamily="49" charset="0"/>
+            </a:endParaRPr>
+          </a:p>
+          <a:p>
+            <a:r>
+              <a:rPr lang="it-IT" sz="1800" dirty="0" err="1">
+                <a:cs typeface="Courier New" panose="02070309020205020404" pitchFamily="49" charset="0"/>
+              </a:rPr>
+              <a:t>push</a:t>
+            </a:r>
+            <a:r>
+              <a:rPr lang="it-IT" sz="1800" dirty="0">
+                <a:cs typeface="Courier New" panose="02070309020205020404" pitchFamily="49" charset="0"/>
+              </a:rPr>
+              <a:t> può provocare la creazione di un nuovo array</a:t>
+            </a:r>
+          </a:p>
+        </p:txBody>
+      </p:sp>
+      <p:sp>
+        <p:nvSpPr>
+          <p:cNvPr id="5" name="Segnaposto piè di pagina 4">
+            <a:extLst>
+              <a:ext uri="{FF2B5EF4-FFF2-40B4-BE49-F238E27FC236}">
+                <a16:creationId xmlns:a16="http://schemas.microsoft.com/office/drawing/2014/main" id="{51C6ABCF-CC53-465F-A11B-A174672BA0D5}"/>
+              </a:ext>
+            </a:extLst>
+          </p:cNvPr>
+          <p:cNvSpPr>
+            <a:spLocks noGrp="1"/>
+          </p:cNvSpPr>
+          <p:nvPr>
+            <p:ph type="ftr" sz="quarter" idx="11"/>
+          </p:nvPr>
+        </p:nvSpPr>
+        <p:spPr/>
+        <p:txBody>
+          <a:bodyPr/>
+          <a:lstStyle/>
+          <a:p>
+            <a:pPr>
+              <a:defRPr/>
+            </a:pPr>
+            <a:r>
+              <a:rPr lang="it-IT"/>
+              <a:t>Alberto Ferrari – Programmazione di applicazioni SW</a:t>
+            </a:r>
+            <a:endParaRPr lang="it-IT" dirty="0"/>
+          </a:p>
+        </p:txBody>
+      </p:sp>
+    </p:spTree>
+    <p:extLst>
+      <p:ext uri="{BB962C8B-B14F-4D97-AF65-F5344CB8AC3E}">
+        <p14:creationId xmlns:p14="http://schemas.microsoft.com/office/powerpoint/2010/main" val="1208277378"/>
+      </p:ext>
+    </p:extLst>
+  </p:cSld>
+  <p:clrMapOvr>
+    <a:masterClrMapping/>
+  </p:clrMapOvr>
+</p:sld>
+</file>
+
+<file path=ppt/slides/slide29.xml><?xml version="1.0" encoding="utf-8"?>
+<p:sld xmlns:a="http://schemas.openxmlformats.org/drawingml/2006/main" xmlns:r="http://schemas.openxmlformats.org/officeDocument/2006/relationships" xmlns:p="http://schemas.openxmlformats.org/presentationml/2006/main">
+  <p:cSld>
+    <p:spTree>
+      <p:nvGrpSpPr>
+        <p:cNvPr id="1" name=""/>
+        <p:cNvGrpSpPr/>
+        <p:nvPr/>
+      </p:nvGrpSpPr>
+      <p:grpSpPr>
+        <a:xfrm>
+          <a:off x="0" y="0"/>
+          <a:ext cx="0" cy="0"/>
+          <a:chOff x="0" y="0"/>
+          <a:chExt cx="0" cy="0"/>
+        </a:xfrm>
+      </p:grpSpPr>
+      <p:sp>
+        <p:nvSpPr>
+          <p:cNvPr id="2" name="Titolo 1">
+            <a:extLst>
+              <a:ext uri="{FF2B5EF4-FFF2-40B4-BE49-F238E27FC236}">
+                <a16:creationId xmlns:a16="http://schemas.microsoft.com/office/drawing/2014/main" id="{435C6910-8C26-4C8E-AFE0-234192D8B575}"/>
+              </a:ext>
+            </a:extLst>
+          </p:cNvPr>
+          <p:cNvSpPr>
+            <a:spLocks noGrp="1"/>
+          </p:cNvSpPr>
+          <p:nvPr>
+            <p:ph type="title"/>
+          </p:nvPr>
+        </p:nvSpPr>
+        <p:spPr/>
+        <p:txBody>
+          <a:bodyPr/>
+          <a:lstStyle/>
+          <a:p>
+            <a:r>
+              <a:rPr lang="it-IT" dirty="0" err="1"/>
+              <a:t>stack</a:t>
+            </a:r>
+            <a:r>
+              <a:rPr lang="it-IT" dirty="0"/>
+              <a:t> – implementazione </a:t>
+            </a:r>
+            <a:br>
+              <a:rPr lang="it-IT" dirty="0"/>
+            </a:br>
+            <a:r>
+              <a:rPr lang="it-IT" dirty="0"/>
+              <a:t>con array dinamico</a:t>
+            </a:r>
+          </a:p>
+        </p:txBody>
+      </p:sp>
+      <p:sp>
+        <p:nvSpPr>
+          <p:cNvPr id="3" name="Segnaposto contenuto 2">
+            <a:extLst>
+              <a:ext uri="{FF2B5EF4-FFF2-40B4-BE49-F238E27FC236}">
+                <a16:creationId xmlns:a16="http://schemas.microsoft.com/office/drawing/2014/main" id="{A51B42F8-29BE-4145-A17D-8807D0E89C2F}"/>
+              </a:ext>
+            </a:extLst>
+          </p:cNvPr>
+          <p:cNvSpPr>
+            <a:spLocks noGrp="1"/>
+          </p:cNvSpPr>
+          <p:nvPr>
+            <p:ph sz="half" idx="1"/>
+          </p:nvPr>
+        </p:nvSpPr>
+        <p:spPr/>
+        <p:txBody>
+          <a:bodyPr/>
+          <a:lstStyle/>
+          <a:p>
+            <a:pPr marL="0" indent="0">
+              <a:buNone/>
+            </a:pPr>
+            <a:r>
+              <a:rPr lang="it-IT" sz="1600" b="1" dirty="0" err="1">
+                <a:latin typeface="Courier New" panose="02070309020205020404" pitchFamily="49" charset="0"/>
+                <a:cs typeface="Courier New" panose="02070309020205020404" pitchFamily="49" charset="0"/>
+              </a:rPr>
+              <a:t>Stack</a:t>
+            </a:r>
+            <a:r>
+              <a:rPr lang="it-IT" sz="1600" b="1" dirty="0">
+                <a:latin typeface="Courier New" panose="02070309020205020404" pitchFamily="49" charset="0"/>
+                <a:cs typeface="Courier New" panose="02070309020205020404" pitchFamily="49" charset="0"/>
+              </a:rPr>
+              <a:t>::</a:t>
+            </a:r>
+            <a:r>
+              <a:rPr lang="it-IT" sz="1600" b="1" dirty="0" err="1">
+                <a:solidFill>
+                  <a:srgbClr val="FF0000"/>
+                </a:solidFill>
+                <a:latin typeface="Courier New" panose="02070309020205020404" pitchFamily="49" charset="0"/>
+                <a:cs typeface="Courier New" panose="02070309020205020404" pitchFamily="49" charset="0"/>
+              </a:rPr>
+              <a:t>Stack</a:t>
+            </a:r>
+            <a:r>
+              <a:rPr lang="it-IT" sz="1600" b="1" dirty="0">
+                <a:latin typeface="Courier New" panose="02070309020205020404" pitchFamily="49" charset="0"/>
+                <a:cs typeface="Courier New" panose="02070309020205020404" pitchFamily="49" charset="0"/>
+              </a:rPr>
+              <a:t>(</a:t>
+            </a:r>
+            <a:r>
+              <a:rPr lang="it-IT" sz="1600" b="1" dirty="0" err="1">
+                <a:latin typeface="Courier New" panose="02070309020205020404" pitchFamily="49" charset="0"/>
+                <a:cs typeface="Courier New" panose="02070309020205020404" pitchFamily="49" charset="0"/>
+              </a:rPr>
+              <a:t>int</a:t>
+            </a:r>
+            <a:r>
+              <a:rPr lang="it-IT" sz="1600" b="1" dirty="0">
+                <a:latin typeface="Courier New" panose="02070309020205020404" pitchFamily="49" charset="0"/>
+                <a:cs typeface="Courier New" panose="02070309020205020404" pitchFamily="49" charset="0"/>
+              </a:rPr>
+              <a:t> </a:t>
+            </a:r>
+            <a:r>
+              <a:rPr lang="it-IT" sz="1600" b="1" dirty="0" err="1">
+                <a:latin typeface="Courier New" panose="02070309020205020404" pitchFamily="49" charset="0"/>
+                <a:cs typeface="Courier New" panose="02070309020205020404" pitchFamily="49" charset="0"/>
+              </a:rPr>
+              <a:t>cap</a:t>
+            </a:r>
+            <a:r>
+              <a:rPr lang="it-IT" sz="1600" b="1" dirty="0">
+                <a:latin typeface="Courier New" panose="02070309020205020404" pitchFamily="49" charset="0"/>
+                <a:cs typeface="Courier New" panose="02070309020205020404" pitchFamily="49" charset="0"/>
+              </a:rPr>
+              <a:t>, </a:t>
+            </a:r>
+            <a:r>
+              <a:rPr lang="it-IT" sz="1600" b="1" dirty="0" err="1">
+                <a:latin typeface="Courier New" panose="02070309020205020404" pitchFamily="49" charset="0"/>
+                <a:cs typeface="Courier New" panose="02070309020205020404" pitchFamily="49" charset="0"/>
+              </a:rPr>
+              <a:t>int</a:t>
+            </a:r>
+            <a:r>
+              <a:rPr lang="it-IT" sz="1600" b="1" dirty="0">
+                <a:latin typeface="Courier New" panose="02070309020205020404" pitchFamily="49" charset="0"/>
+                <a:cs typeface="Courier New" panose="02070309020205020404" pitchFamily="49" charset="0"/>
+              </a:rPr>
+              <a:t> </a:t>
+            </a:r>
+            <a:r>
+              <a:rPr lang="it-IT" sz="1600" b="1" dirty="0" err="1">
+                <a:latin typeface="Courier New" panose="02070309020205020404" pitchFamily="49" charset="0"/>
+                <a:cs typeface="Courier New" panose="02070309020205020404" pitchFamily="49" charset="0"/>
+              </a:rPr>
+              <a:t>inc</a:t>
+            </a:r>
+            <a:r>
+              <a:rPr lang="it-IT" sz="1600" b="1" dirty="0">
+                <a:latin typeface="Courier New" panose="02070309020205020404" pitchFamily="49" charset="0"/>
+                <a:cs typeface="Courier New" panose="02070309020205020404" pitchFamily="49" charset="0"/>
+              </a:rPr>
+              <a:t>) : </a:t>
+            </a:r>
+          </a:p>
+          <a:p>
+            <a:pPr marL="0" indent="0">
+              <a:buNone/>
+            </a:pPr>
+            <a:r>
+              <a:rPr lang="it-IT" sz="1600" b="1" dirty="0">
+                <a:latin typeface="Courier New" panose="02070309020205020404" pitchFamily="49" charset="0"/>
+                <a:cs typeface="Courier New" panose="02070309020205020404" pitchFamily="49" charset="0"/>
+              </a:rPr>
+              <a:t>   capacita(</a:t>
+            </a:r>
+            <a:r>
+              <a:rPr lang="it-IT" sz="1600" b="1" dirty="0" err="1">
+                <a:latin typeface="Courier New" panose="02070309020205020404" pitchFamily="49" charset="0"/>
+                <a:cs typeface="Courier New" panose="02070309020205020404" pitchFamily="49" charset="0"/>
+              </a:rPr>
+              <a:t>cap</a:t>
+            </a:r>
+            <a:r>
+              <a:rPr lang="it-IT" sz="1600" b="1" dirty="0">
+                <a:latin typeface="Courier New" panose="02070309020205020404" pitchFamily="49" charset="0"/>
+                <a:cs typeface="Courier New" panose="02070309020205020404" pitchFamily="49" charset="0"/>
+              </a:rPr>
+              <a:t>), incremento(</a:t>
+            </a:r>
+            <a:r>
+              <a:rPr lang="it-IT" sz="1600" b="1" dirty="0" err="1">
+                <a:latin typeface="Courier New" panose="02070309020205020404" pitchFamily="49" charset="0"/>
+                <a:cs typeface="Courier New" panose="02070309020205020404" pitchFamily="49" charset="0"/>
+              </a:rPr>
+              <a:t>inc</a:t>
+            </a:r>
+            <a:r>
+              <a:rPr lang="it-IT" sz="1600" b="1" dirty="0">
+                <a:latin typeface="Courier New" panose="02070309020205020404" pitchFamily="49" charset="0"/>
+                <a:cs typeface="Courier New" panose="02070309020205020404" pitchFamily="49" charset="0"/>
+              </a:rPr>
+              <a:t>) {</a:t>
+            </a:r>
+          </a:p>
+          <a:p>
+            <a:pPr marL="0" indent="0">
+              <a:buNone/>
+            </a:pPr>
+            <a:r>
+              <a:rPr lang="it-IT" sz="1600" b="1" dirty="0">
+                <a:latin typeface="Courier New" panose="02070309020205020404" pitchFamily="49" charset="0"/>
+                <a:cs typeface="Courier New" panose="02070309020205020404" pitchFamily="49" charset="0"/>
+              </a:rPr>
+              <a:t>   dati = new </a:t>
+            </a:r>
+            <a:r>
+              <a:rPr lang="it-IT" sz="1600" b="1" dirty="0" err="1">
+                <a:latin typeface="Courier New" panose="02070309020205020404" pitchFamily="49" charset="0"/>
+                <a:cs typeface="Courier New" panose="02070309020205020404" pitchFamily="49" charset="0"/>
+              </a:rPr>
+              <a:t>string</a:t>
+            </a:r>
+            <a:r>
+              <a:rPr lang="it-IT" sz="1600" b="1" dirty="0">
+                <a:latin typeface="Courier New" panose="02070309020205020404" pitchFamily="49" charset="0"/>
+                <a:cs typeface="Courier New" panose="02070309020205020404" pitchFamily="49" charset="0"/>
+              </a:rPr>
+              <a:t>[capacita];</a:t>
+            </a:r>
+          </a:p>
+          <a:p>
+            <a:pPr marL="0" indent="0">
+              <a:buNone/>
+            </a:pPr>
+            <a:r>
+              <a:rPr lang="it-IT" sz="1600" b="1" dirty="0">
+                <a:latin typeface="Courier New" panose="02070309020205020404" pitchFamily="49" charset="0"/>
+                <a:cs typeface="Courier New" panose="02070309020205020404" pitchFamily="49" charset="0"/>
+              </a:rPr>
+              <a:t>   top = -1;</a:t>
+            </a:r>
+          </a:p>
+          <a:p>
+            <a:pPr marL="0" indent="0">
+              <a:buNone/>
+            </a:pPr>
+            <a:r>
+              <a:rPr lang="it-IT" sz="1600" b="1" dirty="0">
+                <a:latin typeface="Courier New" panose="02070309020205020404" pitchFamily="49" charset="0"/>
+                <a:cs typeface="Courier New" panose="02070309020205020404" pitchFamily="49" charset="0"/>
+              </a:rPr>
+              <a:t>}</a:t>
+            </a:r>
+          </a:p>
+          <a:p>
+            <a:pPr marL="0" indent="0">
+              <a:buNone/>
+            </a:pPr>
+            <a:r>
+              <a:rPr lang="it-IT" sz="1600" b="1" dirty="0" err="1">
+                <a:latin typeface="Courier New" panose="02070309020205020404" pitchFamily="49" charset="0"/>
+                <a:cs typeface="Courier New" panose="02070309020205020404" pitchFamily="49" charset="0"/>
+              </a:rPr>
+              <a:t>Stack</a:t>
+            </a:r>
+            <a:r>
+              <a:rPr lang="it-IT" sz="1600" b="1" dirty="0">
+                <a:latin typeface="Courier New" panose="02070309020205020404" pitchFamily="49" charset="0"/>
+                <a:cs typeface="Courier New" panose="02070309020205020404" pitchFamily="49" charset="0"/>
+              </a:rPr>
+              <a:t>::</a:t>
+            </a:r>
+            <a:r>
+              <a:rPr lang="it-IT" sz="1600" b="1" dirty="0">
+                <a:solidFill>
+                  <a:srgbClr val="FF0000"/>
+                </a:solidFill>
+                <a:latin typeface="Courier New" panose="02070309020205020404" pitchFamily="49" charset="0"/>
+                <a:cs typeface="Courier New" panose="02070309020205020404" pitchFamily="49" charset="0"/>
+              </a:rPr>
+              <a:t>~</a:t>
+            </a:r>
+            <a:r>
+              <a:rPr lang="it-IT" sz="1600" b="1" dirty="0" err="1">
+                <a:solidFill>
+                  <a:srgbClr val="FF0000"/>
+                </a:solidFill>
+                <a:latin typeface="Courier New" panose="02070309020205020404" pitchFamily="49" charset="0"/>
+                <a:cs typeface="Courier New" panose="02070309020205020404" pitchFamily="49" charset="0"/>
+              </a:rPr>
+              <a:t>Stack</a:t>
+            </a:r>
+            <a:r>
+              <a:rPr lang="it-IT" sz="1600" b="1" dirty="0">
+                <a:latin typeface="Courier New" panose="02070309020205020404" pitchFamily="49" charset="0"/>
+                <a:cs typeface="Courier New" panose="02070309020205020404" pitchFamily="49" charset="0"/>
+              </a:rPr>
+              <a:t>() { delete[] dati; }</a:t>
+            </a:r>
+          </a:p>
+          <a:p>
+            <a:pPr marL="0" indent="0">
+              <a:buNone/>
+            </a:pPr>
+            <a:r>
+              <a:rPr lang="it-IT" sz="1600" b="1" dirty="0" err="1">
+                <a:latin typeface="Courier New" panose="02070309020205020404" pitchFamily="49" charset="0"/>
+                <a:cs typeface="Courier New" panose="02070309020205020404" pitchFamily="49" charset="0"/>
+              </a:rPr>
+              <a:t>bool</a:t>
+            </a:r>
+            <a:r>
+              <a:rPr lang="it-IT" sz="1600" b="1" dirty="0">
+                <a:latin typeface="Courier New" panose="02070309020205020404" pitchFamily="49" charset="0"/>
+                <a:cs typeface="Courier New" panose="02070309020205020404" pitchFamily="49" charset="0"/>
+              </a:rPr>
+              <a:t> </a:t>
+            </a:r>
+            <a:r>
+              <a:rPr lang="it-IT" sz="1600" b="1" dirty="0" err="1">
+                <a:latin typeface="Courier New" panose="02070309020205020404" pitchFamily="49" charset="0"/>
+                <a:cs typeface="Courier New" panose="02070309020205020404" pitchFamily="49" charset="0"/>
+              </a:rPr>
+              <a:t>Stack</a:t>
+            </a:r>
+            <a:r>
+              <a:rPr lang="it-IT" sz="1600" b="1" dirty="0">
+                <a:latin typeface="Courier New" panose="02070309020205020404" pitchFamily="49" charset="0"/>
+                <a:cs typeface="Courier New" panose="02070309020205020404" pitchFamily="49" charset="0"/>
+              </a:rPr>
+              <a:t>::</a:t>
+            </a:r>
+            <a:r>
+              <a:rPr lang="it-IT" sz="1600" b="1" dirty="0" err="1">
+                <a:solidFill>
+                  <a:srgbClr val="FF0000"/>
+                </a:solidFill>
+                <a:latin typeface="Courier New" panose="02070309020205020404" pitchFamily="49" charset="0"/>
+                <a:cs typeface="Courier New" panose="02070309020205020404" pitchFamily="49" charset="0"/>
+              </a:rPr>
+              <a:t>empty</a:t>
+            </a:r>
+            <a:r>
+              <a:rPr lang="it-IT" sz="1600" b="1" dirty="0">
+                <a:latin typeface="Courier New" panose="02070309020205020404" pitchFamily="49" charset="0"/>
+                <a:cs typeface="Courier New" panose="02070309020205020404" pitchFamily="49" charset="0"/>
+              </a:rPr>
+              <a:t>() </a:t>
+            </a:r>
+            <a:r>
+              <a:rPr lang="it-IT" sz="1600" b="1" dirty="0" err="1">
+                <a:latin typeface="Courier New" panose="02070309020205020404" pitchFamily="49" charset="0"/>
+                <a:cs typeface="Courier New" panose="02070309020205020404" pitchFamily="49" charset="0"/>
+              </a:rPr>
+              <a:t>const</a:t>
+            </a:r>
+            <a:r>
+              <a:rPr lang="it-IT" sz="1600" b="1" dirty="0">
+                <a:latin typeface="Courier New" panose="02070309020205020404" pitchFamily="49" charset="0"/>
+                <a:cs typeface="Courier New" panose="02070309020205020404" pitchFamily="49" charset="0"/>
+              </a:rPr>
+              <a:t> { </a:t>
+            </a:r>
+          </a:p>
+          <a:p>
+            <a:pPr marL="0" indent="0">
+              <a:buNone/>
+            </a:pPr>
+            <a:r>
+              <a:rPr lang="it-IT" sz="1600" b="1" dirty="0">
+                <a:latin typeface="Courier New" panose="02070309020205020404" pitchFamily="49" charset="0"/>
+                <a:cs typeface="Courier New" panose="02070309020205020404" pitchFamily="49" charset="0"/>
+              </a:rPr>
+              <a:t>   </a:t>
+            </a:r>
+            <a:r>
+              <a:rPr lang="it-IT" sz="1600" b="1" dirty="0" err="1">
+                <a:latin typeface="Courier New" panose="02070309020205020404" pitchFamily="49" charset="0"/>
+                <a:cs typeface="Courier New" panose="02070309020205020404" pitchFamily="49" charset="0"/>
+              </a:rPr>
+              <a:t>return</a:t>
+            </a:r>
+            <a:r>
+              <a:rPr lang="it-IT" sz="1600" b="1" dirty="0">
+                <a:latin typeface="Courier New" panose="02070309020205020404" pitchFamily="49" charset="0"/>
+                <a:cs typeface="Courier New" panose="02070309020205020404" pitchFamily="49" charset="0"/>
+              </a:rPr>
+              <a:t> top &lt; 0; </a:t>
+            </a:r>
+          </a:p>
+          <a:p>
+            <a:pPr marL="0" indent="0">
+              <a:buNone/>
+            </a:pPr>
+            <a:r>
+              <a:rPr lang="it-IT" sz="1600" b="1" dirty="0">
+                <a:latin typeface="Courier New" panose="02070309020205020404" pitchFamily="49" charset="0"/>
+                <a:cs typeface="Courier New" panose="02070309020205020404" pitchFamily="49" charset="0"/>
+              </a:rPr>
+              <a:t>}</a:t>
+            </a:r>
+          </a:p>
+          <a:p>
+            <a:pPr marL="0" indent="0">
+              <a:buNone/>
+            </a:pPr>
+            <a:r>
+              <a:rPr lang="en-US" sz="1600" b="1" dirty="0">
+                <a:latin typeface="Courier New" panose="02070309020205020404" pitchFamily="49" charset="0"/>
+                <a:cs typeface="Courier New" panose="02070309020205020404" pitchFamily="49" charset="0"/>
+              </a:rPr>
+              <a:t>bool Stack::</a:t>
+            </a:r>
+            <a:r>
+              <a:rPr lang="en-US" sz="1600" b="1" dirty="0">
+                <a:solidFill>
+                  <a:srgbClr val="FF0000"/>
+                </a:solidFill>
+                <a:latin typeface="Courier New" panose="02070309020205020404" pitchFamily="49" charset="0"/>
+                <a:cs typeface="Courier New" panose="02070309020205020404" pitchFamily="49" charset="0"/>
+              </a:rPr>
+              <a:t>pop</a:t>
+            </a:r>
+            <a:r>
+              <a:rPr lang="en-US" sz="1600" b="1" dirty="0">
+                <a:latin typeface="Courier New" panose="02070309020205020404" pitchFamily="49" charset="0"/>
+                <a:cs typeface="Courier New" panose="02070309020205020404" pitchFamily="49" charset="0"/>
+              </a:rPr>
+              <a:t>(string &amp; </a:t>
+            </a:r>
+            <a:r>
+              <a:rPr lang="en-US" sz="1600" b="1" dirty="0" err="1">
+                <a:latin typeface="Courier New" panose="02070309020205020404" pitchFamily="49" charset="0"/>
+                <a:cs typeface="Courier New" panose="02070309020205020404" pitchFamily="49" charset="0"/>
+              </a:rPr>
+              <a:t>val</a:t>
+            </a:r>
+            <a:r>
+              <a:rPr lang="en-US" sz="1600" b="1" dirty="0">
+                <a:latin typeface="Courier New" panose="02070309020205020404" pitchFamily="49" charset="0"/>
+                <a:cs typeface="Courier New" panose="02070309020205020404" pitchFamily="49" charset="0"/>
+              </a:rPr>
+              <a:t>) {</a:t>
+            </a:r>
+          </a:p>
+          <a:p>
+            <a:pPr marL="0" indent="0">
+              <a:buNone/>
+            </a:pPr>
+            <a:r>
+              <a:rPr lang="en-US" sz="1600" b="1" dirty="0">
+                <a:latin typeface="Courier New" panose="02070309020205020404" pitchFamily="49" charset="0"/>
+                <a:cs typeface="Courier New" panose="02070309020205020404" pitchFamily="49" charset="0"/>
+              </a:rPr>
+              <a:t>   if (empty()) return false;</a:t>
+            </a:r>
+          </a:p>
+          <a:p>
+            <a:pPr marL="0" indent="0">
+              <a:buNone/>
+            </a:pPr>
+            <a:r>
+              <a:rPr lang="en-US" sz="1600" b="1" dirty="0">
+                <a:latin typeface="Courier New" panose="02070309020205020404" pitchFamily="49" charset="0"/>
+                <a:cs typeface="Courier New" panose="02070309020205020404" pitchFamily="49" charset="0"/>
+              </a:rPr>
+              <a:t>   </a:t>
+            </a:r>
+            <a:r>
+              <a:rPr lang="en-US" sz="1600" b="1" dirty="0" err="1">
+                <a:latin typeface="Courier New" panose="02070309020205020404" pitchFamily="49" charset="0"/>
+                <a:cs typeface="Courier New" panose="02070309020205020404" pitchFamily="49" charset="0"/>
+              </a:rPr>
+              <a:t>val</a:t>
+            </a:r>
+            <a:r>
+              <a:rPr lang="en-US" sz="1600" b="1" dirty="0">
+                <a:latin typeface="Courier New" panose="02070309020205020404" pitchFamily="49" charset="0"/>
+                <a:cs typeface="Courier New" panose="02070309020205020404" pitchFamily="49" charset="0"/>
+              </a:rPr>
+              <a:t> = </a:t>
+            </a:r>
+            <a:r>
+              <a:rPr lang="en-US" sz="1600" b="1" dirty="0" err="1">
+                <a:latin typeface="Courier New" panose="02070309020205020404" pitchFamily="49" charset="0"/>
+                <a:cs typeface="Courier New" panose="02070309020205020404" pitchFamily="49" charset="0"/>
+              </a:rPr>
+              <a:t>dati</a:t>
+            </a:r>
+            <a:r>
+              <a:rPr lang="en-US" sz="1600" b="1" dirty="0">
+                <a:latin typeface="Courier New" panose="02070309020205020404" pitchFamily="49" charset="0"/>
+                <a:cs typeface="Courier New" panose="02070309020205020404" pitchFamily="49" charset="0"/>
+              </a:rPr>
+              <a:t>[top];</a:t>
+            </a:r>
+          </a:p>
+          <a:p>
+            <a:pPr marL="0" indent="0">
+              <a:buNone/>
+            </a:pPr>
+            <a:r>
+              <a:rPr lang="en-US" sz="1600" b="1" dirty="0">
+                <a:latin typeface="Courier New" panose="02070309020205020404" pitchFamily="49" charset="0"/>
+                <a:cs typeface="Courier New" panose="02070309020205020404" pitchFamily="49" charset="0"/>
+              </a:rPr>
+              <a:t>   top--;</a:t>
+            </a:r>
+          </a:p>
+          <a:p>
+            <a:pPr marL="0" indent="0">
+              <a:buNone/>
+            </a:pPr>
+            <a:r>
+              <a:rPr lang="en-US" sz="1600" b="1" dirty="0">
+                <a:latin typeface="Courier New" panose="02070309020205020404" pitchFamily="49" charset="0"/>
+                <a:cs typeface="Courier New" panose="02070309020205020404" pitchFamily="49" charset="0"/>
+              </a:rPr>
+              <a:t>   return true;</a:t>
+            </a:r>
+          </a:p>
+          <a:p>
+            <a:pPr marL="0" indent="0">
+              <a:buNone/>
+            </a:pPr>
+            <a:r>
+              <a:rPr lang="en-US" sz="1600" b="1" dirty="0">
+                <a:latin typeface="Courier New" panose="02070309020205020404" pitchFamily="49" charset="0"/>
+                <a:cs typeface="Courier New" panose="02070309020205020404" pitchFamily="49" charset="0"/>
+              </a:rPr>
+              <a:t>}</a:t>
+            </a:r>
+          </a:p>
+          <a:p>
+            <a:pPr marL="0" indent="0">
+              <a:buNone/>
+            </a:pPr>
+            <a:endParaRPr lang="it-IT" sz="1600" b="1" dirty="0">
+              <a:latin typeface="Courier New" panose="02070309020205020404" pitchFamily="49" charset="0"/>
+              <a:cs typeface="Courier New" panose="02070309020205020404" pitchFamily="49" charset="0"/>
+            </a:endParaRPr>
+          </a:p>
+        </p:txBody>
+      </p:sp>
+      <p:sp>
+        <p:nvSpPr>
+          <p:cNvPr id="4" name="Segnaposto contenuto 3">
+            <a:extLst>
+              <a:ext uri="{FF2B5EF4-FFF2-40B4-BE49-F238E27FC236}">
+                <a16:creationId xmlns:a16="http://schemas.microsoft.com/office/drawing/2014/main" id="{FFD3250A-6C40-45D6-BF84-0979F42EFA1C}"/>
+              </a:ext>
+            </a:extLst>
+          </p:cNvPr>
+          <p:cNvSpPr>
+            <a:spLocks noGrp="1"/>
+          </p:cNvSpPr>
+          <p:nvPr>
+            <p:ph sz="half" idx="2"/>
+          </p:nvPr>
+        </p:nvSpPr>
+        <p:spPr/>
+        <p:txBody>
+          <a:bodyPr/>
+          <a:lstStyle/>
+          <a:p>
+            <a:pPr marL="0" indent="0">
+              <a:buNone/>
+            </a:pPr>
+            <a:r>
+              <a:rPr lang="it-IT" sz="1600" b="1" dirty="0" err="1">
+                <a:latin typeface="Courier New" panose="02070309020205020404" pitchFamily="49" charset="0"/>
+                <a:cs typeface="Courier New" panose="02070309020205020404" pitchFamily="49" charset="0"/>
+              </a:rPr>
+              <a:t>void</a:t>
+            </a:r>
+            <a:r>
+              <a:rPr lang="it-IT" sz="1600" b="1" dirty="0">
+                <a:latin typeface="Courier New" panose="02070309020205020404" pitchFamily="49" charset="0"/>
+                <a:cs typeface="Courier New" panose="02070309020205020404" pitchFamily="49" charset="0"/>
+              </a:rPr>
+              <a:t> </a:t>
+            </a:r>
+            <a:r>
+              <a:rPr lang="it-IT" sz="1600" b="1" dirty="0" err="1">
+                <a:latin typeface="Courier New" panose="02070309020205020404" pitchFamily="49" charset="0"/>
+                <a:cs typeface="Courier New" panose="02070309020205020404" pitchFamily="49" charset="0"/>
+              </a:rPr>
+              <a:t>Stack</a:t>
+            </a:r>
+            <a:r>
+              <a:rPr lang="it-IT" sz="1600" b="1" dirty="0">
+                <a:latin typeface="Courier New" panose="02070309020205020404" pitchFamily="49" charset="0"/>
+                <a:cs typeface="Courier New" panose="02070309020205020404" pitchFamily="49" charset="0"/>
+              </a:rPr>
+              <a:t>::</a:t>
+            </a:r>
+            <a:r>
+              <a:rPr lang="it-IT" sz="1600" b="1" dirty="0" err="1">
+                <a:solidFill>
+                  <a:srgbClr val="FF0000"/>
+                </a:solidFill>
+                <a:latin typeface="Courier New" panose="02070309020205020404" pitchFamily="49" charset="0"/>
+                <a:cs typeface="Courier New" panose="02070309020205020404" pitchFamily="49" charset="0"/>
+              </a:rPr>
+              <a:t>push</a:t>
+            </a:r>
+            <a:r>
+              <a:rPr lang="it-IT" sz="1600" b="1" dirty="0">
+                <a:latin typeface="Courier New" panose="02070309020205020404" pitchFamily="49" charset="0"/>
+                <a:cs typeface="Courier New" panose="02070309020205020404" pitchFamily="49" charset="0"/>
+              </a:rPr>
+              <a:t>(</a:t>
+            </a:r>
+            <a:r>
+              <a:rPr lang="it-IT" sz="1600" b="1" dirty="0" err="1">
+                <a:latin typeface="Courier New" panose="02070309020205020404" pitchFamily="49" charset="0"/>
+                <a:cs typeface="Courier New" panose="02070309020205020404" pitchFamily="49" charset="0"/>
+              </a:rPr>
+              <a:t>const</a:t>
+            </a:r>
+            <a:r>
+              <a:rPr lang="it-IT" sz="1600" b="1" dirty="0">
+                <a:latin typeface="Courier New" panose="02070309020205020404" pitchFamily="49" charset="0"/>
+                <a:cs typeface="Courier New" panose="02070309020205020404" pitchFamily="49" charset="0"/>
+              </a:rPr>
+              <a:t> </a:t>
+            </a:r>
+            <a:r>
+              <a:rPr lang="it-IT" sz="1600" b="1" dirty="0" err="1">
+                <a:latin typeface="Courier New" panose="02070309020205020404" pitchFamily="49" charset="0"/>
+                <a:cs typeface="Courier New" panose="02070309020205020404" pitchFamily="49" charset="0"/>
+              </a:rPr>
+              <a:t>string</a:t>
+            </a:r>
+            <a:r>
+              <a:rPr lang="it-IT" sz="1600" b="1" dirty="0">
+                <a:latin typeface="Courier New" panose="02070309020205020404" pitchFamily="49" charset="0"/>
+                <a:cs typeface="Courier New" panose="02070309020205020404" pitchFamily="49" charset="0"/>
+              </a:rPr>
+              <a:t> &amp; val) {</a:t>
+            </a:r>
+          </a:p>
+          <a:p>
+            <a:pPr marL="0" indent="0">
+              <a:buNone/>
+            </a:pPr>
+            <a:r>
+              <a:rPr lang="it-IT" sz="1600" b="1" dirty="0">
+                <a:latin typeface="Courier New" panose="02070309020205020404" pitchFamily="49" charset="0"/>
+                <a:cs typeface="Courier New" panose="02070309020205020404" pitchFamily="49" charset="0"/>
+              </a:rPr>
+              <a:t>   </a:t>
+            </a:r>
+            <a:r>
+              <a:rPr lang="it-IT" sz="1600" b="1" dirty="0" err="1">
+                <a:latin typeface="Courier New" panose="02070309020205020404" pitchFamily="49" charset="0"/>
+                <a:cs typeface="Courier New" panose="02070309020205020404" pitchFamily="49" charset="0"/>
+              </a:rPr>
+              <a:t>if</a:t>
+            </a:r>
+            <a:r>
+              <a:rPr lang="it-IT" sz="1600" b="1" dirty="0">
+                <a:latin typeface="Courier New" panose="02070309020205020404" pitchFamily="49" charset="0"/>
+                <a:cs typeface="Courier New" panose="02070309020205020404" pitchFamily="49" charset="0"/>
+              </a:rPr>
+              <a:t> (top &gt;= (capacita - 1)) {</a:t>
+            </a:r>
+          </a:p>
+          <a:p>
+            <a:pPr marL="0" indent="0">
+              <a:buNone/>
+            </a:pPr>
+            <a:r>
+              <a:rPr lang="it-IT" sz="1600" b="1" dirty="0">
+                <a:latin typeface="Courier New" panose="02070309020205020404" pitchFamily="49" charset="0"/>
+                <a:cs typeface="Courier New" panose="02070309020205020404" pitchFamily="49" charset="0"/>
+              </a:rPr>
+              <a:t>      capacita += incremento;</a:t>
+            </a:r>
+          </a:p>
+          <a:p>
+            <a:pPr marL="0" indent="0">
+              <a:buNone/>
+            </a:pPr>
+            <a:r>
+              <a:rPr lang="it-IT" sz="1600" b="1" dirty="0">
+                <a:latin typeface="Courier New" panose="02070309020205020404" pitchFamily="49" charset="0"/>
+                <a:cs typeface="Courier New" panose="02070309020205020404" pitchFamily="49" charset="0"/>
+              </a:rPr>
+              <a:t>      </a:t>
+            </a:r>
+            <a:r>
+              <a:rPr lang="it-IT" sz="1600" b="1" dirty="0" err="1">
+                <a:latin typeface="Courier New" panose="02070309020205020404" pitchFamily="49" charset="0"/>
+                <a:cs typeface="Courier New" panose="02070309020205020404" pitchFamily="49" charset="0"/>
+              </a:rPr>
+              <a:t>string</a:t>
+            </a:r>
+            <a:r>
+              <a:rPr lang="it-IT" sz="1600" b="1" dirty="0">
+                <a:latin typeface="Courier New" panose="02070309020205020404" pitchFamily="49" charset="0"/>
+                <a:cs typeface="Courier New" panose="02070309020205020404" pitchFamily="49" charset="0"/>
+              </a:rPr>
+              <a:t> * </a:t>
+            </a:r>
+            <a:r>
+              <a:rPr lang="it-IT" sz="1600" b="1" dirty="0" err="1">
+                <a:latin typeface="Courier New" panose="02070309020205020404" pitchFamily="49" charset="0"/>
+                <a:cs typeface="Courier New" panose="02070309020205020404" pitchFamily="49" charset="0"/>
+              </a:rPr>
+              <a:t>newDati</a:t>
+            </a:r>
+            <a:r>
+              <a:rPr lang="it-IT" sz="1600" b="1" dirty="0">
+                <a:latin typeface="Courier New" panose="02070309020205020404" pitchFamily="49" charset="0"/>
+                <a:cs typeface="Courier New" panose="02070309020205020404" pitchFamily="49" charset="0"/>
+              </a:rPr>
+              <a:t> = </a:t>
+            </a:r>
+          </a:p>
+          <a:p>
+            <a:pPr marL="0" indent="0">
+              <a:buNone/>
+            </a:pPr>
+            <a:r>
+              <a:rPr lang="it-IT" sz="1600" b="1" dirty="0">
+                <a:latin typeface="Courier New" panose="02070309020205020404" pitchFamily="49" charset="0"/>
+                <a:cs typeface="Courier New" panose="02070309020205020404" pitchFamily="49" charset="0"/>
+              </a:rPr>
+              <a:t>               new </a:t>
+            </a:r>
+            <a:r>
+              <a:rPr lang="it-IT" sz="1600" b="1" dirty="0" err="1">
+                <a:latin typeface="Courier New" panose="02070309020205020404" pitchFamily="49" charset="0"/>
+                <a:cs typeface="Courier New" panose="02070309020205020404" pitchFamily="49" charset="0"/>
+              </a:rPr>
+              <a:t>string</a:t>
+            </a:r>
+            <a:r>
+              <a:rPr lang="it-IT" sz="1600" b="1" dirty="0">
+                <a:latin typeface="Courier New" panose="02070309020205020404" pitchFamily="49" charset="0"/>
+                <a:cs typeface="Courier New" panose="02070309020205020404" pitchFamily="49" charset="0"/>
+              </a:rPr>
+              <a:t>[capacita];</a:t>
+            </a:r>
+          </a:p>
+          <a:p>
+            <a:pPr marL="0" indent="0">
+              <a:buNone/>
+            </a:pPr>
+            <a:r>
+              <a:rPr lang="it-IT" sz="1600" b="1" dirty="0">
+                <a:latin typeface="Courier New" panose="02070309020205020404" pitchFamily="49" charset="0"/>
+                <a:cs typeface="Courier New" panose="02070309020205020404" pitchFamily="49" charset="0"/>
+              </a:rPr>
+              <a:t>      for (</a:t>
+            </a:r>
+            <a:r>
+              <a:rPr lang="it-IT" sz="1600" b="1" dirty="0" err="1">
+                <a:latin typeface="Courier New" panose="02070309020205020404" pitchFamily="49" charset="0"/>
+                <a:cs typeface="Courier New" panose="02070309020205020404" pitchFamily="49" charset="0"/>
+              </a:rPr>
+              <a:t>int</a:t>
+            </a:r>
+            <a:r>
+              <a:rPr lang="it-IT" sz="1600" b="1" dirty="0">
+                <a:latin typeface="Courier New" panose="02070309020205020404" pitchFamily="49" charset="0"/>
+                <a:cs typeface="Courier New" panose="02070309020205020404" pitchFamily="49" charset="0"/>
+              </a:rPr>
+              <a:t> i = 0; i &lt;= top; ++i)</a:t>
+            </a:r>
+          </a:p>
+          <a:p>
+            <a:pPr marL="0" indent="0">
+              <a:buNone/>
+            </a:pPr>
+            <a:r>
+              <a:rPr lang="it-IT" sz="1600" b="1" dirty="0">
+                <a:latin typeface="Courier New" panose="02070309020205020404" pitchFamily="49" charset="0"/>
+                <a:cs typeface="Courier New" panose="02070309020205020404" pitchFamily="49" charset="0"/>
+              </a:rPr>
+              <a:t>         </a:t>
+            </a:r>
+            <a:r>
+              <a:rPr lang="it-IT" sz="1600" b="1" dirty="0" err="1">
+                <a:latin typeface="Courier New" panose="02070309020205020404" pitchFamily="49" charset="0"/>
+                <a:cs typeface="Courier New" panose="02070309020205020404" pitchFamily="49" charset="0"/>
+              </a:rPr>
+              <a:t>newDati</a:t>
+            </a:r>
+            <a:r>
+              <a:rPr lang="it-IT" sz="1600" b="1" dirty="0">
+                <a:latin typeface="Courier New" panose="02070309020205020404" pitchFamily="49" charset="0"/>
+                <a:cs typeface="Courier New" panose="02070309020205020404" pitchFamily="49" charset="0"/>
+              </a:rPr>
+              <a:t>[i] = dati[i];</a:t>
+            </a:r>
+          </a:p>
+          <a:p>
+            <a:pPr marL="0" indent="0">
+              <a:buNone/>
+            </a:pPr>
+            <a:r>
+              <a:rPr lang="it-IT" sz="1600" b="1" dirty="0">
+                <a:latin typeface="Courier New" panose="02070309020205020404" pitchFamily="49" charset="0"/>
+                <a:cs typeface="Courier New" panose="02070309020205020404" pitchFamily="49" charset="0"/>
+              </a:rPr>
+              <a:t>      delete[] dati;</a:t>
+            </a:r>
+          </a:p>
+          <a:p>
+            <a:pPr marL="0" indent="0">
+              <a:buNone/>
+            </a:pPr>
+            <a:r>
+              <a:rPr lang="it-IT" sz="1600" b="1" dirty="0">
+                <a:latin typeface="Courier New" panose="02070309020205020404" pitchFamily="49" charset="0"/>
+                <a:cs typeface="Courier New" panose="02070309020205020404" pitchFamily="49" charset="0"/>
+              </a:rPr>
+              <a:t>      dati = </a:t>
+            </a:r>
+            <a:r>
+              <a:rPr lang="it-IT" sz="1600" b="1" dirty="0" err="1">
+                <a:latin typeface="Courier New" panose="02070309020205020404" pitchFamily="49" charset="0"/>
+                <a:cs typeface="Courier New" panose="02070309020205020404" pitchFamily="49" charset="0"/>
+              </a:rPr>
+              <a:t>newDati</a:t>
+            </a:r>
+            <a:r>
+              <a:rPr lang="it-IT" sz="1600" b="1" dirty="0">
+                <a:latin typeface="Courier New" panose="02070309020205020404" pitchFamily="49" charset="0"/>
+                <a:cs typeface="Courier New" panose="02070309020205020404" pitchFamily="49" charset="0"/>
+              </a:rPr>
+              <a:t>;</a:t>
+            </a:r>
+          </a:p>
+          <a:p>
+            <a:pPr marL="0" indent="0">
+              <a:buNone/>
+            </a:pPr>
+            <a:r>
+              <a:rPr lang="it-IT" sz="1600" b="1" dirty="0">
+                <a:latin typeface="Courier New" panose="02070309020205020404" pitchFamily="49" charset="0"/>
+                <a:cs typeface="Courier New" panose="02070309020205020404" pitchFamily="49" charset="0"/>
+              </a:rPr>
+              <a:t>   }</a:t>
+            </a:r>
+          </a:p>
+          <a:p>
+            <a:pPr marL="0" indent="0">
+              <a:buNone/>
+            </a:pPr>
+            <a:r>
+              <a:rPr lang="it-IT" sz="1600" b="1" dirty="0">
+                <a:latin typeface="Courier New" panose="02070309020205020404" pitchFamily="49" charset="0"/>
+                <a:cs typeface="Courier New" panose="02070309020205020404" pitchFamily="49" charset="0"/>
+              </a:rPr>
+              <a:t>   top++;</a:t>
+            </a:r>
+          </a:p>
+          <a:p>
+            <a:pPr marL="0" indent="0">
+              <a:buNone/>
+            </a:pPr>
+            <a:r>
+              <a:rPr lang="it-IT" sz="1600" b="1" dirty="0">
+                <a:latin typeface="Courier New" panose="02070309020205020404" pitchFamily="49" charset="0"/>
+                <a:cs typeface="Courier New" panose="02070309020205020404" pitchFamily="49" charset="0"/>
+              </a:rPr>
+              <a:t>   dati[top] = val;</a:t>
+            </a:r>
+          </a:p>
+          <a:p>
+            <a:pPr marL="0" indent="0">
+              <a:buNone/>
+            </a:pPr>
+            <a:r>
+              <a:rPr lang="it-IT" sz="1600" b="1" dirty="0">
+                <a:latin typeface="Courier New" panose="02070309020205020404" pitchFamily="49" charset="0"/>
+                <a:cs typeface="Courier New" panose="02070309020205020404" pitchFamily="49" charset="0"/>
+              </a:rPr>
+              <a:t>}</a:t>
+            </a:r>
+          </a:p>
+        </p:txBody>
+      </p:sp>
+      <p:sp>
+        <p:nvSpPr>
+          <p:cNvPr id="5" name="Segnaposto piè di pagina 4">
+            <a:extLst>
+              <a:ext uri="{FF2B5EF4-FFF2-40B4-BE49-F238E27FC236}">
+                <a16:creationId xmlns:a16="http://schemas.microsoft.com/office/drawing/2014/main" id="{0E5BC58A-2F40-402A-BE73-2A65614AEA9B}"/>
+              </a:ext>
+            </a:extLst>
+          </p:cNvPr>
+          <p:cNvSpPr>
+            <a:spLocks noGrp="1"/>
+          </p:cNvSpPr>
+          <p:nvPr>
+            <p:ph type="ftr" sz="quarter" idx="11"/>
+          </p:nvPr>
+        </p:nvSpPr>
+        <p:spPr/>
+        <p:txBody>
+          <a:bodyPr/>
+          <a:lstStyle/>
+          <a:p>
+            <a:pPr>
+              <a:defRPr/>
+            </a:pPr>
+            <a:r>
+              <a:rPr lang="it-IT"/>
+              <a:t>Alberto Ferrari – Programmazione di applicazioni SW</a:t>
+            </a:r>
+            <a:endParaRPr lang="it-IT" dirty="0"/>
+          </a:p>
+        </p:txBody>
+      </p:sp>
+    </p:spTree>
+    <p:extLst>
+      <p:ext uri="{BB962C8B-B14F-4D97-AF65-F5344CB8AC3E}">
+        <p14:creationId xmlns:p14="http://schemas.microsoft.com/office/powerpoint/2010/main" val="995491717"/>
       </p:ext>
     </p:extLst>
   </p:cSld>
